--- a/Cours/IFDC_2.pptx
+++ b/Cours/IFDC_2.pptx
@@ -5,7 +5,7 @@
     <p:sldMasterId id="2147483648" r:id="rId1"/>
   </p:sldMasterIdLst>
   <p:notesMasterIdLst>
-    <p:notesMasterId r:id="rId15"/>
+    <p:notesMasterId r:id="rId18"/>
   </p:notesMasterIdLst>
   <p:sldIdLst>
     <p:sldId id="285" r:id="rId2"/>
@@ -15,12 +15,15 @@
     <p:sldId id="360" r:id="rId6"/>
     <p:sldId id="361" r:id="rId7"/>
     <p:sldId id="339" r:id="rId8"/>
-    <p:sldId id="365" r:id="rId9"/>
-    <p:sldId id="366" r:id="rId10"/>
-    <p:sldId id="364" r:id="rId11"/>
-    <p:sldId id="362" r:id="rId12"/>
-    <p:sldId id="363" r:id="rId13"/>
-    <p:sldId id="316" r:id="rId14"/>
+    <p:sldId id="368" r:id="rId9"/>
+    <p:sldId id="369" r:id="rId10"/>
+    <p:sldId id="370" r:id="rId11"/>
+    <p:sldId id="365" r:id="rId12"/>
+    <p:sldId id="364" r:id="rId13"/>
+    <p:sldId id="367" r:id="rId14"/>
+    <p:sldId id="362" r:id="rId15"/>
+    <p:sldId id="363" r:id="rId16"/>
+    <p:sldId id="316" r:id="rId17"/>
   </p:sldIdLst>
   <p:sldSz cx="12192000" cy="6858000"/>
   <p:notesSz cx="6858000" cy="9144000"/>
@@ -221,7 +224,7 @@
           <a:p>
             <a:fld id="{4D4C40A0-6BBE-4DBE-B061-D31F9ACB94AF}" type="datetimeFigureOut">
               <a:rPr lang="fr-FR" smtClean="0"/>
-              <a:t>27/06/2021</a:t>
+              <a:t>29/06/2021</a:t>
             </a:fld>
             <a:endParaRPr lang="fr-FR"/>
           </a:p>
@@ -744,7 +747,7 @@
           <a:p>
             <a:fld id="{BE1F1DDC-4961-4DFF-8961-DF0A67287833}" type="datetimeFigureOut">
               <a:rPr lang="fr-FR" smtClean="0"/>
-              <a:t>27/06/2021</a:t>
+              <a:t>29/06/2021</a:t>
             </a:fld>
             <a:endParaRPr lang="fr-FR"/>
           </a:p>
@@ -942,7 +945,7 @@
           <a:p>
             <a:fld id="{BE1F1DDC-4961-4DFF-8961-DF0A67287833}" type="datetimeFigureOut">
               <a:rPr lang="fr-FR" smtClean="0"/>
-              <a:t>27/06/2021</a:t>
+              <a:t>29/06/2021</a:t>
             </a:fld>
             <a:endParaRPr lang="fr-FR"/>
           </a:p>
@@ -1150,7 +1153,7 @@
           <a:p>
             <a:fld id="{BE1F1DDC-4961-4DFF-8961-DF0A67287833}" type="datetimeFigureOut">
               <a:rPr lang="fr-FR" smtClean="0"/>
-              <a:t>27/06/2021</a:t>
+              <a:t>29/06/2021</a:t>
             </a:fld>
             <a:endParaRPr lang="fr-FR"/>
           </a:p>
@@ -1348,7 +1351,7 @@
           <a:p>
             <a:fld id="{BE1F1DDC-4961-4DFF-8961-DF0A67287833}" type="datetimeFigureOut">
               <a:rPr lang="fr-FR" smtClean="0"/>
-              <a:t>27/06/2021</a:t>
+              <a:t>29/06/2021</a:t>
             </a:fld>
             <a:endParaRPr lang="fr-FR"/>
           </a:p>
@@ -1623,7 +1626,7 @@
           <a:p>
             <a:fld id="{BE1F1DDC-4961-4DFF-8961-DF0A67287833}" type="datetimeFigureOut">
               <a:rPr lang="fr-FR" smtClean="0"/>
-              <a:t>27/06/2021</a:t>
+              <a:t>29/06/2021</a:t>
             </a:fld>
             <a:endParaRPr lang="fr-FR"/>
           </a:p>
@@ -1888,7 +1891,7 @@
           <a:p>
             <a:fld id="{BE1F1DDC-4961-4DFF-8961-DF0A67287833}" type="datetimeFigureOut">
               <a:rPr lang="fr-FR" smtClean="0"/>
-              <a:t>27/06/2021</a:t>
+              <a:t>29/06/2021</a:t>
             </a:fld>
             <a:endParaRPr lang="fr-FR"/>
           </a:p>
@@ -2300,7 +2303,7 @@
           <a:p>
             <a:fld id="{BE1F1DDC-4961-4DFF-8961-DF0A67287833}" type="datetimeFigureOut">
               <a:rPr lang="fr-FR" smtClean="0"/>
-              <a:t>27/06/2021</a:t>
+              <a:t>29/06/2021</a:t>
             </a:fld>
             <a:endParaRPr lang="fr-FR"/>
           </a:p>
@@ -2441,7 +2444,7 @@
           <a:p>
             <a:fld id="{BE1F1DDC-4961-4DFF-8961-DF0A67287833}" type="datetimeFigureOut">
               <a:rPr lang="fr-FR" smtClean="0"/>
-              <a:t>27/06/2021</a:t>
+              <a:t>29/06/2021</a:t>
             </a:fld>
             <a:endParaRPr lang="fr-FR"/>
           </a:p>
@@ -2554,7 +2557,7 @@
           <a:p>
             <a:fld id="{BE1F1DDC-4961-4DFF-8961-DF0A67287833}" type="datetimeFigureOut">
               <a:rPr lang="fr-FR" smtClean="0"/>
-              <a:t>27/06/2021</a:t>
+              <a:t>29/06/2021</a:t>
             </a:fld>
             <a:endParaRPr lang="fr-FR"/>
           </a:p>
@@ -2865,7 +2868,7 @@
           <a:p>
             <a:fld id="{BE1F1DDC-4961-4DFF-8961-DF0A67287833}" type="datetimeFigureOut">
               <a:rPr lang="fr-FR" smtClean="0"/>
-              <a:t>27/06/2021</a:t>
+              <a:t>29/06/2021</a:t>
             </a:fld>
             <a:endParaRPr lang="fr-FR"/>
           </a:p>
@@ -3153,7 +3156,7 @@
           <a:p>
             <a:fld id="{BE1F1DDC-4961-4DFF-8961-DF0A67287833}" type="datetimeFigureOut">
               <a:rPr lang="fr-FR" smtClean="0"/>
-              <a:t>27/06/2021</a:t>
+              <a:t>29/06/2021</a:t>
             </a:fld>
             <a:endParaRPr lang="fr-FR"/>
           </a:p>
@@ -3422,7 +3425,7 @@
           <a:p>
             <a:fld id="{BE1F1DDC-4961-4DFF-8961-DF0A67287833}" type="datetimeFigureOut">
               <a:rPr lang="fr-FR" smtClean="0"/>
-              <a:t>27/06/2021</a:t>
+              <a:t>29/06/2021</a:t>
             </a:fld>
             <a:endParaRPr lang="fr-FR"/>
           </a:p>
@@ -3841,54 +3844,6 @@
       </p:grpSpPr>
       <p:sp>
         <p:nvSpPr>
-          <p:cNvPr id="33" name="ZoneTexte 32">
-            <a:extLst>
-              <a:ext uri="{FF2B5EF4-FFF2-40B4-BE49-F238E27FC236}">
-                <a16:creationId xmlns:a16="http://schemas.microsoft.com/office/drawing/2014/main" id="{BF3F6460-F4B3-41EB-8BE0-256DBA6A3284}"/>
-              </a:ext>
-            </a:extLst>
-          </p:cNvPr>
-          <p:cNvSpPr txBox="1"/>
-          <p:nvPr/>
-        </p:nvSpPr>
-        <p:spPr>
-          <a:xfrm>
-            <a:off x="298637" y="923835"/>
-            <a:ext cx="3799840" cy="646331"/>
-          </a:xfrm>
-          <a:prstGeom prst="rect">
-            <a:avLst/>
-          </a:prstGeom>
-          <a:noFill/>
-        </p:spPr>
-        <p:txBody>
-          <a:bodyPr wrap="square" rtlCol="0">
-            <a:spAutoFit/>
-          </a:bodyPr>
-          <a:lstStyle/>
-          <a:p>
-            <a:pPr algn="ctr"/>
-            <a:r>
-              <a:rPr lang="fr-FR" sz="1200" dirty="0"/>
-              <a:t>MINISTERE DE L’ECONOMIE DES FINANCES ET DU PLAN</a:t>
-            </a:r>
-          </a:p>
-          <a:p>
-            <a:pPr algn="ctr"/>
-            <a:r>
-              <a:rPr lang="fr-FR" sz="1200" dirty="0"/>
-              <a:t>Agence Nationale de la Statistique et de la Démographie</a:t>
-            </a:r>
-            <a:endParaRPr lang="fr-SN" sz="1200" dirty="0"/>
-          </a:p>
-          <a:p>
-            <a:pPr algn="ctr"/>
-            <a:endParaRPr lang="fr-SN" sz="1200" dirty="0"/>
-          </a:p>
-        </p:txBody>
-      </p:sp>
-      <p:sp>
-        <p:nvSpPr>
           <p:cNvPr id="34" name="ZoneTexte 33">
             <a:extLst>
               <a:ext uri="{FF2B5EF4-FFF2-40B4-BE49-F238E27FC236}">
@@ -3930,26 +3885,6 @@
           <a:lstStyle/>
           <a:p>
             <a:pPr algn="ctr"/>
-            <a:r>
-              <a:rPr lang="fr-FR" dirty="0">
-                <a:solidFill>
-                  <a:schemeClr val="bg1"/>
-                </a:solidFill>
-                <a:latin typeface="Arial" panose="020B0604020202020204" pitchFamily="34" charset="0"/>
-                <a:cs typeface="Arial" panose="020B0604020202020204" pitchFamily="34" charset="0"/>
-              </a:rPr>
-              <a:t>École Nationale de la Statistique et de l’Analyse Économique </a:t>
-            </a:r>
-            <a:r>
-              <a:rPr lang="fr-FR" sz="2800" dirty="0">
-                <a:solidFill>
-                  <a:schemeClr val="bg1"/>
-                </a:solidFill>
-                <a:latin typeface="Arial" panose="020B0604020202020204" pitchFamily="34" charset="0"/>
-                <a:cs typeface="Arial" panose="020B0604020202020204" pitchFamily="34" charset="0"/>
-              </a:rPr>
-              <a:t>(ENSAE)</a:t>
-            </a:r>
             <a:endParaRPr lang="fr-SN" sz="2800" dirty="0">
               <a:solidFill>
                 <a:schemeClr val="bg1"/>
@@ -3962,243 +3897,25 @@
       </p:sp>
       <p:sp>
         <p:nvSpPr>
-          <p:cNvPr id="36" name="Rectangle 35">
-            <a:extLst>
-              <a:ext uri="{FF2B5EF4-FFF2-40B4-BE49-F238E27FC236}">
-                <a16:creationId xmlns:a16="http://schemas.microsoft.com/office/drawing/2014/main" id="{43433A72-55D8-4F99-8682-978768D54E5F}"/>
-              </a:ext>
-            </a:extLst>
-          </p:cNvPr>
-          <p:cNvSpPr/>
+          <p:cNvPr id="39" name="ZoneTexte 38">
+            <a:extLst>
+              <a:ext uri="{FF2B5EF4-FFF2-40B4-BE49-F238E27FC236}">
+                <a16:creationId xmlns:a16="http://schemas.microsoft.com/office/drawing/2014/main" id="{BEFD72AE-68F3-4E1C-89A0-B9B56B8FC630}"/>
+              </a:ext>
+            </a:extLst>
+          </p:cNvPr>
+          <p:cNvSpPr txBox="1"/>
           <p:nvPr/>
         </p:nvSpPr>
         <p:spPr>
           <a:xfrm>
-            <a:off x="781665" y="5419593"/>
-            <a:ext cx="3799840" cy="869447"/>
+            <a:off x="4993640" y="6289040"/>
+            <a:ext cx="2204720" cy="276999"/>
           </a:xfrm>
           <a:prstGeom prst="rect">
             <a:avLst/>
           </a:prstGeom>
           <a:noFill/>
-          <a:ln>
-            <a:noFill/>
-          </a:ln>
-          <a:effectLst/>
-        </p:spPr>
-        <p:style>
-          <a:lnRef idx="2">
-            <a:schemeClr val="accent1">
-              <a:shade val="50000"/>
-            </a:schemeClr>
-          </a:lnRef>
-          <a:fillRef idx="1">
-            <a:schemeClr val="accent1"/>
-          </a:fillRef>
-          <a:effectRef idx="0">
-            <a:schemeClr val="accent1"/>
-          </a:effectRef>
-          <a:fontRef idx="minor">
-            <a:schemeClr val="lt1"/>
-          </a:fontRef>
-        </p:style>
-        <p:txBody>
-          <a:bodyPr rtlCol="0" anchor="ctr"/>
-          <a:lstStyle/>
-          <a:p>
-            <a:pPr algn="ctr"/>
-            <a:r>
-              <a:rPr lang="fr-SN" b="1" u="sng" dirty="0">
-                <a:solidFill>
-                  <a:schemeClr val="tx1"/>
-                </a:solidFill>
-              </a:rPr>
-              <a:t>Maitre de stage</a:t>
-            </a:r>
-            <a:r>
-              <a:rPr lang="fr-SN" b="1" dirty="0">
-                <a:solidFill>
-                  <a:schemeClr val="tx1"/>
-                </a:solidFill>
-              </a:rPr>
-              <a:t> : </a:t>
-            </a:r>
-          </a:p>
-          <a:p>
-            <a:pPr algn="ctr"/>
-            <a:r>
-              <a:rPr lang="fr-SN" b="1" dirty="0" smtClean="0">
-                <a:solidFill>
-                  <a:schemeClr val="accent1"/>
-                </a:solidFill>
-              </a:rPr>
-              <a:t>Dr Louise LEROUX,</a:t>
-            </a:r>
-            <a:endParaRPr lang="fr-SN" b="1" dirty="0">
-              <a:solidFill>
-                <a:schemeClr val="accent1"/>
-              </a:solidFill>
-            </a:endParaRPr>
-          </a:p>
-          <a:p>
-            <a:pPr algn="ctr"/>
-            <a:r>
-              <a:rPr lang="fr-FR" dirty="0">
-                <a:solidFill>
-                  <a:schemeClr val="tx1"/>
-                </a:solidFill>
-              </a:rPr>
-              <a:t>Chercheur en Biologie de</a:t>
-            </a:r>
-          </a:p>
-          <a:p>
-            <a:pPr algn="ctr"/>
-            <a:r>
-              <a:rPr lang="fr-FR" dirty="0">
-                <a:solidFill>
-                  <a:schemeClr val="tx1"/>
-                </a:solidFill>
-              </a:rPr>
-              <a:t>l’Evolution et en écologie, CIRAD</a:t>
-            </a:r>
-            <a:endParaRPr lang="fr-SN" b="1" dirty="0">
-              <a:solidFill>
-                <a:schemeClr val="tx1"/>
-              </a:solidFill>
-            </a:endParaRPr>
-          </a:p>
-        </p:txBody>
-      </p:sp>
-      <p:sp>
-        <p:nvSpPr>
-          <p:cNvPr id="37" name="Rectangle 36">
-            <a:extLst>
-              <a:ext uri="{FF2B5EF4-FFF2-40B4-BE49-F238E27FC236}">
-                <a16:creationId xmlns:a16="http://schemas.microsoft.com/office/drawing/2014/main" id="{87655529-F5E5-4745-B4CA-A07E15C696E7}"/>
-              </a:ext>
-            </a:extLst>
-          </p:cNvPr>
-          <p:cNvSpPr/>
-          <p:nvPr/>
-        </p:nvSpPr>
-        <p:spPr>
-          <a:xfrm>
-            <a:off x="7529351" y="5459752"/>
-            <a:ext cx="3799840" cy="869447"/>
-          </a:xfrm>
-          <a:prstGeom prst="rect">
-            <a:avLst/>
-          </a:prstGeom>
-          <a:noFill/>
-          <a:ln>
-            <a:noFill/>
-          </a:ln>
-          <a:effectLst/>
-        </p:spPr>
-        <p:style>
-          <a:lnRef idx="2">
-            <a:schemeClr val="accent1">
-              <a:shade val="50000"/>
-            </a:schemeClr>
-          </a:lnRef>
-          <a:fillRef idx="1">
-            <a:schemeClr val="accent1"/>
-          </a:fillRef>
-          <a:effectRef idx="0">
-            <a:schemeClr val="accent1"/>
-          </a:effectRef>
-          <a:fontRef idx="minor">
-            <a:schemeClr val="lt1"/>
-          </a:fontRef>
-        </p:style>
-        <p:txBody>
-          <a:bodyPr rtlCol="0" anchor="ctr"/>
-          <a:lstStyle/>
-          <a:p>
-            <a:pPr algn="ctr"/>
-            <a:r>
-              <a:rPr lang="fr-SN" b="1" u="sng" dirty="0">
-                <a:solidFill>
-                  <a:schemeClr val="tx1"/>
-                </a:solidFill>
-              </a:rPr>
-              <a:t>Encadreur</a:t>
-            </a:r>
-            <a:r>
-              <a:rPr lang="fr-SN" b="1" dirty="0">
-                <a:solidFill>
-                  <a:schemeClr val="tx1"/>
-                </a:solidFill>
-              </a:rPr>
-              <a:t> : </a:t>
-            </a:r>
-          </a:p>
-          <a:p>
-            <a:pPr algn="ctr"/>
-            <a:r>
-              <a:rPr lang="fr-SN" b="1" dirty="0" smtClean="0">
-                <a:solidFill>
-                  <a:schemeClr val="accent1"/>
-                </a:solidFill>
-              </a:rPr>
-              <a:t>Dr </a:t>
-            </a:r>
-            <a:r>
-              <a:rPr lang="fr-SN" b="1" dirty="0">
-                <a:solidFill>
-                  <a:schemeClr val="accent1"/>
-                </a:solidFill>
-              </a:rPr>
-              <a:t>Souleymane </a:t>
-            </a:r>
-            <a:r>
-              <a:rPr lang="fr-SN" b="1" dirty="0" smtClean="0">
-                <a:solidFill>
-                  <a:schemeClr val="accent1"/>
-                </a:solidFill>
-              </a:rPr>
-              <a:t>DIAKITE,</a:t>
-            </a:r>
-            <a:endParaRPr lang="fr-SN" b="1" dirty="0">
-              <a:solidFill>
-                <a:schemeClr val="accent1"/>
-              </a:solidFill>
-            </a:endParaRPr>
-          </a:p>
-          <a:p>
-            <a:pPr algn="ctr"/>
-            <a:r>
-              <a:rPr lang="fr-SN" dirty="0">
-                <a:solidFill>
-                  <a:schemeClr val="tx1"/>
-                </a:solidFill>
-              </a:rPr>
-              <a:t>ISE, ENSEIGNANT A L’ENSAE</a:t>
-            </a:r>
-          </a:p>
-        </p:txBody>
-      </p:sp>
-      <p:sp>
-        <p:nvSpPr>
-          <p:cNvPr id="39" name="ZoneTexte 38">
-            <a:extLst>
-              <a:ext uri="{FF2B5EF4-FFF2-40B4-BE49-F238E27FC236}">
-                <a16:creationId xmlns:a16="http://schemas.microsoft.com/office/drawing/2014/main" id="{BEFD72AE-68F3-4E1C-89A0-B9B56B8FC630}"/>
-              </a:ext>
-            </a:extLst>
-          </p:cNvPr>
-          <p:cNvSpPr txBox="1"/>
-          <p:nvPr/>
-        </p:nvSpPr>
-        <p:spPr>
-          <a:xfrm>
-            <a:off x="4993640" y="6289040"/>
-            <a:ext cx="2204720" cy="276999"/>
-          </a:xfrm>
-          <a:prstGeom prst="rect">
-            <a:avLst/>
-          </a:prstGeom>
-          <a:noFill/>
         </p:spPr>
         <p:txBody>
           <a:bodyPr wrap="square" rtlCol="0">
@@ -4212,7 +3929,7 @@
                 <a:latin typeface="Times New Roman" panose="02020603050405020304" pitchFamily="18" charset="0"/>
                 <a:cs typeface="Times New Roman" panose="02020603050405020304" pitchFamily="18" charset="0"/>
               </a:rPr>
-              <a:t>Mai 2020</a:t>
+              <a:t>Juin 2021</a:t>
             </a:r>
             <a:endParaRPr lang="fr-SN" sz="1200" b="1" dirty="0">
               <a:latin typeface="Times New Roman" panose="02020603050405020304" pitchFamily="18" charset="0"/>
@@ -4348,11 +4065,7 @@
             <a:pPr algn="just"/>
             <a:r>
               <a:rPr lang="fr-FR" sz="2800" b="1" dirty="0" smtClean="0"/>
-              <a:t>                 Prise </a:t>
-            </a:r>
-            <a:r>
-              <a:rPr lang="fr-FR" sz="2800" b="1" dirty="0" smtClean="0"/>
-              <a:t>en main du logiciel Excel</a:t>
+              <a:t>                 Prise en main du logiciel Excel</a:t>
             </a:r>
             <a:endParaRPr lang="fr-SN" sz="4400" dirty="0"/>
           </a:p>
@@ -4360,10 +4073,10 @@
       </p:sp>
       <p:pic>
         <p:nvPicPr>
-          <p:cNvPr id="44" name="Image 43">
-            <a:extLst>
-              <a:ext uri="{FF2B5EF4-FFF2-40B4-BE49-F238E27FC236}">
-                <a16:creationId xmlns:a16="http://schemas.microsoft.com/office/drawing/2014/main" id="{F7ECBB35-2830-48C4-9702-16511CE5E1FF}"/>
+          <p:cNvPr id="53" name="Picture 5">
+            <a:extLst>
+              <a:ext uri="{FF2B5EF4-FFF2-40B4-BE49-F238E27FC236}">
+                <a16:creationId xmlns:a16="http://schemas.microsoft.com/office/drawing/2014/main" id="{BFC88C85-5606-4CEA-9CF4-3DEC205393B8}"/>
               </a:ext>
             </a:extLst>
           </p:cNvPr>
@@ -4372,182 +4085,6 @@
         </p:nvPicPr>
         <p:blipFill>
           <a:blip r:embed="rId3" cstate="print">
-            <a:extLst>
-              <a:ext uri="{28A0092B-C50C-407E-A947-70E740481C1C}">
-                <a14:useLocalDpi xmlns:a14="http://schemas.microsoft.com/office/drawing/2010/main" val="0"/>
-              </a:ext>
-            </a:extLst>
-          </a:blip>
-          <a:stretch>
-            <a:fillRect/>
-          </a:stretch>
-        </p:blipFill>
-        <p:spPr>
-          <a:xfrm>
-            <a:off x="1358778" y="1431067"/>
-            <a:ext cx="1472491" cy="917189"/>
-          </a:xfrm>
-          <a:prstGeom prst="rect">
-            <a:avLst/>
-          </a:prstGeom>
-        </p:spPr>
-      </p:pic>
-      <p:sp>
-        <p:nvSpPr>
-          <p:cNvPr id="48" name="ZoneTexte 47">
-            <a:extLst>
-              <a:ext uri="{FF2B5EF4-FFF2-40B4-BE49-F238E27FC236}">
-                <a16:creationId xmlns:a16="http://schemas.microsoft.com/office/drawing/2014/main" id="{2F3BED0D-8D54-4F84-B481-A6A5EC76E55E}"/>
-              </a:ext>
-            </a:extLst>
-          </p:cNvPr>
-          <p:cNvSpPr txBox="1"/>
-          <p:nvPr/>
-        </p:nvSpPr>
-        <p:spPr>
-          <a:xfrm>
-            <a:off x="8171447" y="1001139"/>
-            <a:ext cx="4659259" cy="461665"/>
-          </a:xfrm>
-          <a:prstGeom prst="rect">
-            <a:avLst/>
-          </a:prstGeom>
-          <a:noFill/>
-        </p:spPr>
-        <p:txBody>
-          <a:bodyPr wrap="square" rtlCol="0">
-            <a:spAutoFit/>
-          </a:bodyPr>
-          <a:lstStyle/>
-          <a:p>
-            <a:pPr algn="ctr"/>
-            <a:r>
-              <a:rPr lang="fr-FR" sz="1200" dirty="0"/>
-              <a:t>Centre de Coopération Internationale en Recherche</a:t>
-            </a:r>
-          </a:p>
-          <a:p>
-            <a:pPr algn="ctr"/>
-            <a:r>
-              <a:rPr lang="fr-FR" sz="1200" dirty="0"/>
-              <a:t>Agronomique pour le Développement</a:t>
-            </a:r>
-            <a:endParaRPr lang="fr-SN" sz="1200" dirty="0"/>
-          </a:p>
-        </p:txBody>
-      </p:sp>
-      <p:sp>
-        <p:nvSpPr>
-          <p:cNvPr id="49" name="ZoneTexte 48">
-            <a:extLst>
-              <a:ext uri="{FF2B5EF4-FFF2-40B4-BE49-F238E27FC236}">
-                <a16:creationId xmlns:a16="http://schemas.microsoft.com/office/drawing/2014/main" id="{F25915DC-3A57-41C1-8A4A-CD8B9F9F91D5}"/>
-              </a:ext>
-            </a:extLst>
-          </p:cNvPr>
-          <p:cNvSpPr txBox="1"/>
-          <p:nvPr/>
-        </p:nvSpPr>
-        <p:spPr>
-          <a:xfrm>
-            <a:off x="3926478" y="4526900"/>
-            <a:ext cx="3958937" cy="830997"/>
-          </a:xfrm>
-          <a:prstGeom prst="rect">
-            <a:avLst/>
-          </a:prstGeom>
-          <a:noFill/>
-        </p:spPr>
-        <p:txBody>
-          <a:bodyPr wrap="square" rtlCol="0">
-            <a:spAutoFit/>
-          </a:bodyPr>
-          <a:lstStyle/>
-          <a:p>
-            <a:pPr algn="ctr"/>
-            <a:r>
-              <a:rPr lang="fr-FR" sz="1600" b="1" u="sng" dirty="0">
-                <a:latin typeface="Times New Roman" panose="02020603050405020304" pitchFamily="18" charset="0"/>
-                <a:cs typeface="Times New Roman" panose="02020603050405020304" pitchFamily="18" charset="0"/>
-              </a:rPr>
-              <a:t>Présentée par:</a:t>
-            </a:r>
-          </a:p>
-          <a:p>
-            <a:pPr algn="ctr"/>
-            <a:r>
-              <a:rPr lang="fr-FR" sz="1600" b="1" dirty="0" smtClean="0">
-                <a:solidFill>
-                  <a:schemeClr val="accent1"/>
-                </a:solidFill>
-                <a:latin typeface="Times New Roman" panose="02020603050405020304" pitchFamily="18" charset="0"/>
-                <a:cs typeface="Times New Roman" panose="02020603050405020304" pitchFamily="18" charset="0"/>
-              </a:rPr>
-              <a:t>Aboubacar HEMA,</a:t>
-            </a:r>
-            <a:endParaRPr lang="fr-FR" sz="1600" b="1" dirty="0">
-              <a:solidFill>
-                <a:schemeClr val="accent1"/>
-              </a:solidFill>
-              <a:latin typeface="Times New Roman" panose="02020603050405020304" pitchFamily="18" charset="0"/>
-              <a:cs typeface="Times New Roman" panose="02020603050405020304" pitchFamily="18" charset="0"/>
-            </a:endParaRPr>
-          </a:p>
-          <a:p>
-            <a:r>
-              <a:rPr lang="fr-FR" sz="1600" dirty="0">
-                <a:latin typeface="Times New Roman" panose="02020603050405020304" pitchFamily="18" charset="0"/>
-                <a:cs typeface="Times New Roman" panose="02020603050405020304" pitchFamily="18" charset="0"/>
-              </a:rPr>
-              <a:t>     Elève Ingénieur des Travaux Statistiques</a:t>
-            </a:r>
-          </a:p>
-        </p:txBody>
-      </p:sp>
-      <p:pic>
-        <p:nvPicPr>
-          <p:cNvPr id="50" name="Image 49">
-            <a:extLst>
-              <a:ext uri="{FF2B5EF4-FFF2-40B4-BE49-F238E27FC236}">
-                <a16:creationId xmlns:a16="http://schemas.microsoft.com/office/drawing/2014/main" id="{B1E324DB-9FB7-411C-9022-0DFED3BA89D4}"/>
-              </a:ext>
-            </a:extLst>
-          </p:cNvPr>
-          <p:cNvPicPr>
-            <a:picLocks noChangeAspect="1"/>
-          </p:cNvPicPr>
-          <p:nvPr/>
-        </p:nvPicPr>
-        <p:blipFill>
-          <a:blip r:embed="rId4"/>
-          <a:stretch>
-            <a:fillRect/>
-          </a:stretch>
-        </p:blipFill>
-        <p:spPr>
-          <a:xfrm>
-            <a:off x="9848333" y="1456096"/>
-            <a:ext cx="1305488" cy="705656"/>
-          </a:xfrm>
-          <a:prstGeom prst="rect">
-            <a:avLst/>
-          </a:prstGeom>
-        </p:spPr>
-      </p:pic>
-      <p:pic>
-        <p:nvPicPr>
-          <p:cNvPr id="53" name="Picture 5">
-            <a:extLst>
-              <a:ext uri="{FF2B5EF4-FFF2-40B4-BE49-F238E27FC236}">
-                <a16:creationId xmlns:a16="http://schemas.microsoft.com/office/drawing/2014/main" id="{BFC88C85-5606-4CEA-9CF4-3DEC205393B8}"/>
-              </a:ext>
-            </a:extLst>
-          </p:cNvPr>
-          <p:cNvPicPr/>
-          <p:nvPr/>
-        </p:nvPicPr>
-        <p:blipFill>
-          <a:blip r:embed="rId5" cstate="print">
             <a:extLst>
               <a:ext uri="{28A0092B-C50C-407E-A947-70E740481C1C}">
                 <a14:useLocalDpi xmlns:a14="http://schemas.microsoft.com/office/drawing/2010/main" val="0"/>
@@ -4731,7 +4268,15 @@
                   <a:schemeClr val="bg1"/>
                 </a:solidFill>
               </a:rPr>
-              <a:t>Fonctions statistiques</a:t>
+              <a:t>Fonctions </a:t>
+            </a:r>
+            <a:r>
+              <a:rPr lang="fr-FR" sz="4000" dirty="0" smtClean="0">
+                <a:solidFill>
+                  <a:schemeClr val="bg1"/>
+                </a:solidFill>
+              </a:rPr>
+              <a:t>Textes</a:t>
             </a:r>
             <a:endParaRPr lang="fr-FR" sz="4000" dirty="0">
               <a:solidFill>
@@ -4887,14 +4432,14 @@
       </p:sp>
       <p:sp>
         <p:nvSpPr>
-          <p:cNvPr id="8" name="Rectangle 7"/>
-          <p:cNvSpPr/>
+          <p:cNvPr id="2" name="ZoneTexte 1"/>
+          <p:cNvSpPr txBox="1"/>
           <p:nvPr/>
         </p:nvSpPr>
         <p:spPr>
           <a:xfrm>
-            <a:off x="3674433" y="1710776"/>
-            <a:ext cx="1717073" cy="461665"/>
+            <a:off x="533623" y="1467896"/>
+            <a:ext cx="10661933" cy="954107"/>
           </a:xfrm>
           <a:prstGeom prst="rect">
             <a:avLst/>
@@ -4902,12 +4447,40 @@
           <a:noFill/>
         </p:spPr>
         <p:txBody>
-          <a:bodyPr wrap="none" lIns="91440" tIns="45720" rIns="91440" bIns="45720">
+          <a:bodyPr wrap="square" rtlCol="0">
             <a:spAutoFit/>
           </a:bodyPr>
           <a:lstStyle/>
           <a:p>
-            <a:pPr algn="ctr"/>
+            <a:r>
+              <a:rPr lang="fr-FR" sz="2800" dirty="0"/>
+              <a:t>Les fonctions de la catégorie TEXTE vous permettent de manipuler des chaînes de caractères: suppression, ajout, déplacement, comptage...</a:t>
+            </a:r>
+          </a:p>
+        </p:txBody>
+      </p:sp>
+      <p:sp>
+        <p:nvSpPr>
+          <p:cNvPr id="7" name="Rectangle 6"/>
+          <p:cNvSpPr/>
+          <p:nvPr/>
+        </p:nvSpPr>
+        <p:spPr>
+          <a:xfrm>
+            <a:off x="451367" y="2763898"/>
+            <a:ext cx="11740633" cy="830997"/>
+          </a:xfrm>
+          <a:prstGeom prst="rect">
+            <a:avLst/>
+          </a:prstGeom>
+          <a:noFill/>
+        </p:spPr>
+        <p:txBody>
+          <a:bodyPr wrap="square" lIns="91440" tIns="45720" rIns="91440" bIns="45720">
+            <a:spAutoFit/>
+          </a:bodyPr>
+          <a:lstStyle/>
+          <a:p>
             <a:r>
               <a:rPr lang="fr-FR" sz="2400" dirty="0" smtClean="0">
                 <a:ln w="0"/>
@@ -4919,9 +4492,163 @@
                   </a:outerShdw>
                 </a:effectLst>
               </a:rPr>
-              <a:t>MAX et MIN</a:t>
-            </a:r>
-            <a:endParaRPr lang="fr-FR" sz="2400" b="0" cap="none" spc="0" dirty="0">
+              <a:t>=CONCATENER(): </a:t>
+            </a:r>
+            <a:r>
+              <a:rPr lang="fr-FR" sz="2400" dirty="0" smtClean="0">
+                <a:ln w="0"/>
+                <a:effectLst>
+                  <a:outerShdw blurRad="38100" dist="19050" dir="2700000" algn="tl" rotWithShape="0">
+                    <a:schemeClr val="dk1">
+                      <a:alpha val="40000"/>
+                    </a:schemeClr>
+                  </a:outerShdw>
+                </a:effectLst>
+              </a:rPr>
+              <a:t>Elle permet de mettre bout à bout des chaînes de caractère (du texte) pour n’en former une</a:t>
+            </a:r>
+            <a:r>
+              <a:rPr lang="fr-FR" sz="2400" dirty="0" smtClean="0">
+                <a:ln w="0"/>
+                <a:effectLst>
+                  <a:outerShdw blurRad="38100" dist="19050" dir="2700000" algn="tl" rotWithShape="0">
+                    <a:schemeClr val="dk1">
+                      <a:alpha val="40000"/>
+                    </a:schemeClr>
+                  </a:outerShdw>
+                </a:effectLst>
+              </a:rPr>
+              <a:t>.</a:t>
+            </a:r>
+            <a:endParaRPr lang="fr-FR" sz="2400" dirty="0" smtClean="0">
+              <a:ln w="0"/>
+              <a:effectLst>
+                <a:outerShdw blurRad="38100" dist="19050" dir="2700000" algn="tl" rotWithShape="0">
+                  <a:schemeClr val="dk1">
+                    <a:alpha val="40000"/>
+                  </a:schemeClr>
+                </a:outerShdw>
+              </a:effectLst>
+            </a:endParaRPr>
+          </a:p>
+        </p:txBody>
+      </p:sp>
+      <p:sp>
+        <p:nvSpPr>
+          <p:cNvPr id="8" name="Rectangle 7"/>
+          <p:cNvSpPr/>
+          <p:nvPr/>
+        </p:nvSpPr>
+        <p:spPr>
+          <a:xfrm>
+            <a:off x="0" y="4212887"/>
+            <a:ext cx="11722376" cy="830997"/>
+          </a:xfrm>
+          <a:prstGeom prst="rect">
+            <a:avLst/>
+          </a:prstGeom>
+          <a:noFill/>
+        </p:spPr>
+        <p:txBody>
+          <a:bodyPr wrap="none" lIns="91440" tIns="45720" rIns="91440" bIns="45720">
+            <a:spAutoFit/>
+          </a:bodyPr>
+          <a:lstStyle/>
+          <a:p>
+            <a:r>
+              <a:rPr lang="fr-FR" sz="2400" dirty="0" smtClean="0">
+                <a:ln w="0"/>
+                <a:effectLst>
+                  <a:outerShdw blurRad="38100" dist="19050" dir="2700000" algn="tl" rotWithShape="0">
+                    <a:schemeClr val="dk1">
+                      <a:alpha val="40000"/>
+                    </a:schemeClr>
+                  </a:outerShdw>
+                </a:effectLst>
+              </a:rPr>
+              <a:t>      =DROITE() </a:t>
+            </a:r>
+            <a:r>
+              <a:rPr lang="fr-FR" sz="2400" dirty="0" smtClean="0">
+                <a:ln w="0"/>
+                <a:effectLst>
+                  <a:outerShdw blurRad="38100" dist="19050" dir="2700000" algn="tl" rotWithShape="0">
+                    <a:schemeClr val="dk1">
+                      <a:alpha val="40000"/>
+                    </a:schemeClr>
+                  </a:outerShdw>
+                </a:effectLst>
+              </a:rPr>
+              <a:t>et </a:t>
+            </a:r>
+            <a:r>
+              <a:rPr lang="fr-FR" sz="2400" dirty="0" smtClean="0">
+                <a:ln w="0"/>
+                <a:effectLst>
+                  <a:outerShdw blurRad="38100" dist="19050" dir="2700000" algn="tl" rotWithShape="0">
+                    <a:schemeClr val="dk1">
+                      <a:alpha val="40000"/>
+                    </a:schemeClr>
+                  </a:outerShdw>
+                </a:effectLst>
+              </a:rPr>
+              <a:t>=GAUCHE(): </a:t>
+            </a:r>
+            <a:r>
+              <a:rPr lang="fr-FR" sz="2400" dirty="0" smtClean="0">
+                <a:ln w="0"/>
+                <a:effectLst>
+                  <a:outerShdw blurRad="38100" dist="19050" dir="2700000" algn="tl" rotWithShape="0">
+                    <a:schemeClr val="dk1">
+                      <a:alpha val="40000"/>
+                    </a:schemeClr>
+                  </a:outerShdw>
+                </a:effectLst>
+              </a:rPr>
+              <a:t>Elles permettent d’extraire les caractères du début (GAUCHE) </a:t>
+            </a:r>
+          </a:p>
+          <a:p>
+            <a:r>
+              <a:rPr lang="fr-FR" sz="2400" dirty="0" smtClean="0">
+                <a:ln w="0"/>
+                <a:effectLst>
+                  <a:outerShdw blurRad="38100" dist="19050" dir="2700000" algn="tl" rotWithShape="0">
+                    <a:schemeClr val="dk1">
+                      <a:alpha val="40000"/>
+                    </a:schemeClr>
+                  </a:outerShdw>
+                </a:effectLst>
+              </a:rPr>
+              <a:t>et de fin (DROITE) de la chaîne de </a:t>
+            </a:r>
+            <a:r>
+              <a:rPr lang="fr-FR" sz="2400" dirty="0" smtClean="0">
+                <a:ln w="0"/>
+                <a:effectLst>
+                  <a:outerShdw blurRad="38100" dist="19050" dir="2700000" algn="tl" rotWithShape="0">
+                    <a:schemeClr val="dk1">
+                      <a:alpha val="40000"/>
+                    </a:schemeClr>
+                  </a:outerShdw>
+                </a:effectLst>
+              </a:rPr>
+              <a:t>caractère</a:t>
+            </a:r>
+            <a:r>
+              <a:rPr lang="fr-FR" sz="2400" dirty="0" smtClean="0">
+                <a:ln w="0"/>
+                <a:effectLst>
+                  <a:outerShdw blurRad="38100" dist="19050" dir="2700000" algn="tl" rotWithShape="0">
+                    <a:schemeClr val="dk1">
+                      <a:alpha val="40000"/>
+                    </a:schemeClr>
+                  </a:outerShdw>
+                </a:effectLst>
+              </a:rPr>
+              <a:t>.</a:t>
+            </a:r>
+            <a:endParaRPr lang="fr-FR" sz="2400" cap="none" spc="0" dirty="0">
               <a:ln w="0"/>
               <a:solidFill>
                 <a:schemeClr val="tx1"/>
@@ -4939,14 +4666,14 @@
       </p:sp>
       <p:sp>
         <p:nvSpPr>
-          <p:cNvPr id="9" name="Rectangle 8"/>
-          <p:cNvSpPr/>
+          <p:cNvPr id="5" name="ZoneTexte 4"/>
+          <p:cNvSpPr txBox="1"/>
           <p:nvPr/>
         </p:nvSpPr>
         <p:spPr>
           <a:xfrm>
-            <a:off x="0" y="2172441"/>
-            <a:ext cx="11352147" cy="461665"/>
+            <a:off x="451367" y="5292544"/>
+            <a:ext cx="7787417" cy="461665"/>
           </a:xfrm>
           <a:prstGeom prst="rect">
             <a:avLst/>
@@ -4954,233 +4681,26 @@
           <a:noFill/>
         </p:spPr>
         <p:txBody>
-          <a:bodyPr wrap="none" lIns="91440" tIns="45720" rIns="91440" bIns="45720">
+          <a:bodyPr wrap="square" rtlCol="0">
             <a:spAutoFit/>
           </a:bodyPr>
           <a:lstStyle/>
           <a:p>
-            <a:pPr algn="ctr"/>
-            <a:r>
-              <a:rPr lang="fr-FR" sz="2400" dirty="0" smtClean="0">
-                <a:ln w="0"/>
-                <a:effectLst>
-                  <a:outerShdw blurRad="38100" dist="19050" dir="2700000" algn="tl" rotWithShape="0">
-                    <a:schemeClr val="dk1">
-                      <a:alpha val="40000"/>
-                    </a:schemeClr>
-                  </a:outerShdw>
-                </a:effectLst>
-              </a:rPr>
-              <a:t>Ces fonctions permettent de renvoyer le maximum et le minimum d’une liste de nombre.</a:t>
-            </a:r>
-            <a:endParaRPr lang="fr-FR" sz="2400" b="0" cap="none" spc="0" dirty="0">
-              <a:ln w="0"/>
-              <a:solidFill>
-                <a:schemeClr val="tx1"/>
-              </a:solidFill>
-              <a:effectLst>
-                <a:outerShdw blurRad="38100" dist="19050" dir="2700000" algn="tl" rotWithShape="0">
-                  <a:schemeClr val="dk1">
-                    <a:alpha val="40000"/>
-                  </a:schemeClr>
-                </a:outerShdw>
-              </a:effectLst>
-            </a:endParaRPr>
-          </a:p>
-        </p:txBody>
-      </p:sp>
-      <p:sp>
-        <p:nvSpPr>
-          <p:cNvPr id="11" name="Rectangle 10"/>
-          <p:cNvSpPr/>
-          <p:nvPr/>
-        </p:nvSpPr>
-        <p:spPr>
-          <a:xfrm>
-            <a:off x="171598" y="2923118"/>
-            <a:ext cx="7395614" cy="461665"/>
-          </a:xfrm>
-          <a:prstGeom prst="rect">
-            <a:avLst/>
-          </a:prstGeom>
-          <a:noFill/>
-        </p:spPr>
-        <p:txBody>
-          <a:bodyPr wrap="none" lIns="91440" tIns="45720" rIns="91440" bIns="45720">
-            <a:spAutoFit/>
-          </a:bodyPr>
-          <a:lstStyle/>
-          <a:p>
-            <a:pPr algn="ctr"/>
-            <a:r>
-              <a:rPr lang="fr-FR" sz="2400" dirty="0" smtClean="0">
-                <a:ln w="0"/>
-                <a:effectLst>
-                  <a:outerShdw blurRad="38100" dist="19050" dir="2700000" algn="tl" rotWithShape="0">
-                    <a:schemeClr val="dk1">
-                      <a:alpha val="40000"/>
-                    </a:schemeClr>
-                  </a:outerShdw>
-                </a:effectLst>
-              </a:rPr>
-              <a:t>MOYENNE : Elle renvoie la moyenne d’une liste de valeurs</a:t>
-            </a:r>
-            <a:endParaRPr lang="fr-FR" sz="2400" b="0" cap="none" spc="0" dirty="0">
-              <a:ln w="0"/>
-              <a:solidFill>
-                <a:schemeClr val="tx1"/>
-              </a:solidFill>
-              <a:effectLst>
-                <a:outerShdw blurRad="38100" dist="19050" dir="2700000" algn="tl" rotWithShape="0">
-                  <a:schemeClr val="dk1">
-                    <a:alpha val="40000"/>
-                  </a:schemeClr>
-                </a:outerShdw>
-              </a:effectLst>
-            </a:endParaRPr>
-          </a:p>
-        </p:txBody>
-      </p:sp>
-      <p:sp>
-        <p:nvSpPr>
-          <p:cNvPr id="12" name="Rectangle 11"/>
-          <p:cNvSpPr/>
-          <p:nvPr/>
-        </p:nvSpPr>
-        <p:spPr>
-          <a:xfrm>
-            <a:off x="171598" y="3673795"/>
-            <a:ext cx="11687110" cy="830997"/>
-          </a:xfrm>
-          <a:prstGeom prst="rect">
-            <a:avLst/>
-          </a:prstGeom>
-          <a:noFill/>
-        </p:spPr>
-        <p:txBody>
-          <a:bodyPr wrap="none" lIns="91440" tIns="45720" rIns="91440" bIns="45720">
-            <a:spAutoFit/>
-          </a:bodyPr>
-          <a:lstStyle/>
-          <a:p>
-            <a:pPr algn="ctr"/>
-            <a:r>
-              <a:rPr lang="fr-FR" sz="2400" dirty="0" smtClean="0">
-                <a:ln w="0"/>
-                <a:effectLst>
-                  <a:outerShdw blurRad="38100" dist="19050" dir="2700000" algn="tl" rotWithShape="0">
-                    <a:schemeClr val="dk1">
-                      <a:alpha val="40000"/>
-                    </a:schemeClr>
-                  </a:outerShdw>
-                </a:effectLst>
-              </a:rPr>
-              <a:t>MOYENNE.SI : Elle combine la fonction MOYENNE et la fonction  SI pour donner la moyenne </a:t>
-            </a:r>
-          </a:p>
-          <a:p>
-            <a:pPr algn="ctr"/>
-            <a:r>
-              <a:rPr lang="fr-FR" sz="2400" dirty="0" smtClean="0">
-                <a:ln w="0"/>
-                <a:effectLst>
-                  <a:outerShdw blurRad="38100" dist="19050" dir="2700000" algn="tl" rotWithShape="0">
-                    <a:schemeClr val="dk1">
-                      <a:alpha val="40000"/>
-                    </a:schemeClr>
-                  </a:outerShdw>
-                </a:effectLst>
-              </a:rPr>
-              <a:t>d’une série de valeurs qui respectent une condition</a:t>
-            </a:r>
-            <a:endParaRPr lang="fr-FR" sz="2400" b="0" cap="none" spc="0" dirty="0">
-              <a:ln w="0"/>
-              <a:solidFill>
-                <a:schemeClr val="tx1"/>
-              </a:solidFill>
-              <a:effectLst>
-                <a:outerShdw blurRad="38100" dist="19050" dir="2700000" algn="tl" rotWithShape="0">
-                  <a:schemeClr val="dk1">
-                    <a:alpha val="40000"/>
-                  </a:schemeClr>
-                </a:outerShdw>
-              </a:effectLst>
-            </a:endParaRPr>
-          </a:p>
-        </p:txBody>
-      </p:sp>
-      <p:sp>
-        <p:nvSpPr>
-          <p:cNvPr id="13" name="Rectangle 12"/>
-          <p:cNvSpPr/>
-          <p:nvPr/>
-        </p:nvSpPr>
-        <p:spPr>
-          <a:xfrm>
-            <a:off x="171598" y="4757378"/>
-            <a:ext cx="9102685" cy="830997"/>
-          </a:xfrm>
-          <a:prstGeom prst="rect">
-            <a:avLst/>
-          </a:prstGeom>
-          <a:noFill/>
-        </p:spPr>
-        <p:txBody>
-          <a:bodyPr wrap="none" lIns="91440" tIns="45720" rIns="91440" bIns="45720">
-            <a:spAutoFit/>
-          </a:bodyPr>
-          <a:lstStyle/>
-          <a:p>
-            <a:pPr algn="ctr"/>
-            <a:r>
-              <a:rPr lang="fr-FR" sz="2400" dirty="0" smtClean="0">
-                <a:ln w="0"/>
-                <a:effectLst>
-                  <a:outerShdw blurRad="38100" dist="19050" dir="2700000" algn="tl" rotWithShape="0">
-                    <a:schemeClr val="dk1">
-                      <a:alpha val="40000"/>
-                    </a:schemeClr>
-                  </a:outerShdw>
-                </a:effectLst>
-              </a:rPr>
-              <a:t>MEDIANE : Elle permet de renvoyer la médiane d’une série de nombre. </a:t>
-            </a:r>
-          </a:p>
-          <a:p>
-            <a:pPr algn="ctr"/>
-            <a:r>
-              <a:rPr lang="fr-FR" sz="2400" dirty="0" smtClean="0">
-                <a:ln w="0"/>
-                <a:effectLst>
-                  <a:outerShdw blurRad="38100" dist="19050" dir="2700000" algn="tl" rotWithShape="0">
-                    <a:schemeClr val="dk1">
-                      <a:alpha val="40000"/>
-                    </a:schemeClr>
-                  </a:outerShdw>
-                </a:effectLst>
-              </a:rPr>
-              <a:t>La médiane est le centre de cette série</a:t>
-            </a:r>
-            <a:endParaRPr lang="fr-FR" sz="2400" b="0" cap="none" spc="0" dirty="0">
-              <a:ln w="0"/>
-              <a:solidFill>
-                <a:schemeClr val="tx1"/>
-              </a:solidFill>
-              <a:effectLst>
-                <a:outerShdw blurRad="38100" dist="19050" dir="2700000" algn="tl" rotWithShape="0">
-                  <a:schemeClr val="dk1">
-                    <a:alpha val="40000"/>
-                  </a:schemeClr>
-                </a:outerShdw>
-              </a:effectLst>
-            </a:endParaRPr>
+            <a:r>
+              <a:rPr lang="fr-FR" sz="2400" dirty="0" smtClean="0"/>
+              <a:t>=REMPLACER() remplace </a:t>
+            </a:r>
+            <a:r>
+              <a:rPr lang="fr-FR" sz="2400" dirty="0"/>
+              <a:t>des caractères dans un texte.</a:t>
+            </a:r>
           </a:p>
         </p:txBody>
       </p:sp>
     </p:spTree>
     <p:extLst>
       <p:ext uri="{BB962C8B-B14F-4D97-AF65-F5344CB8AC3E}">
-        <p14:creationId xmlns:p14="http://schemas.microsoft.com/office/powerpoint/2010/main" val="3542756719"/>
+        <p14:creationId xmlns:p14="http://schemas.microsoft.com/office/powerpoint/2010/main" val="2920057356"/>
       </p:ext>
     </p:extLst>
   </p:cSld>
@@ -5229,7 +4749,7 @@
         <p:spPr>
           <a:xfrm>
             <a:off x="1919416" y="295004"/>
-            <a:ext cx="8353167" cy="707886"/>
+            <a:ext cx="8671633" cy="707886"/>
           </a:xfrm>
           <a:prstGeom prst="rect">
             <a:avLst/>
@@ -5268,7 +4788,7 @@
                   <a:schemeClr val="bg1"/>
                 </a:solidFill>
               </a:rPr>
-              <a:t>Fonctions statistiques</a:t>
+              <a:t>Les fonctions de Recherche et Référence</a:t>
             </a:r>
             <a:endParaRPr lang="fr-FR" sz="4000" dirty="0">
               <a:solidFill>
@@ -5424,14 +4944,14 @@
       </p:sp>
       <p:sp>
         <p:nvSpPr>
-          <p:cNvPr id="11" name="Rectangle 10"/>
+          <p:cNvPr id="8" name="Rectangle 7"/>
           <p:cNvSpPr/>
           <p:nvPr/>
         </p:nvSpPr>
         <p:spPr>
           <a:xfrm>
-            <a:off x="464307" y="1449650"/>
-            <a:ext cx="8809976" cy="461665"/>
+            <a:off x="921908" y="1591293"/>
+            <a:ext cx="9319282" cy="646331"/>
           </a:xfrm>
           <a:prstGeom prst="rect">
             <a:avLst/>
@@ -5444,19 +4964,32 @@
           </a:bodyPr>
           <a:lstStyle/>
           <a:p>
-            <a:pPr algn="ctr"/>
-            <a:r>
-              <a:rPr lang="fr-FR" sz="2400" dirty="0" smtClean="0">
-                <a:ln w="0"/>
-                <a:effectLst>
-                  <a:outerShdw blurRad="38100" dist="19050" dir="2700000" algn="tl" rotWithShape="0">
-                    <a:schemeClr val="dk1">
-                      <a:alpha val="40000"/>
-                    </a:schemeClr>
-                  </a:outerShdw>
-                </a:effectLst>
-              </a:rPr>
-              <a:t>ECARTYPE : Elle permet de renvoyer l’écart type d’une série de valeur.</a:t>
+            <a:r>
+              <a:rPr lang="fr-FR" dirty="0"/>
+              <a:t>Les fonctions du groupe RECHERCHE &amp; MATRICE permet de faire des recherches </a:t>
+            </a:r>
+            <a:endParaRPr lang="fr-FR" dirty="0" smtClean="0"/>
+          </a:p>
+          <a:p>
+            <a:r>
+              <a:rPr lang="fr-FR" dirty="0" smtClean="0"/>
+              <a:t>dans </a:t>
+            </a:r>
+            <a:r>
+              <a:rPr lang="fr-FR" dirty="0"/>
+              <a:t>un tableau de valeurs et de renvoyer la valeur trouvée dans une cellule </a:t>
+            </a:r>
+            <a:r>
+              <a:rPr lang="fr-FR"/>
+              <a:t>ou </a:t>
+            </a:r>
+            <a:r>
+              <a:rPr lang="fr-FR" smtClean="0"/>
+              <a:t>plusieurs </a:t>
+            </a:r>
+            <a:r>
+              <a:rPr lang="fr-FR" dirty="0"/>
+              <a:t>cellules.</a:t>
             </a:r>
             <a:endParaRPr lang="fr-FR" sz="2400" b="0" cap="none" spc="0" dirty="0">
               <a:ln w="0"/>
@@ -5476,14 +5009,14 @@
       </p:sp>
       <p:sp>
         <p:nvSpPr>
-          <p:cNvPr id="12" name="Rectangle 11"/>
+          <p:cNvPr id="11" name="Rectangle 10"/>
           <p:cNvSpPr/>
           <p:nvPr/>
         </p:nvSpPr>
         <p:spPr>
           <a:xfrm>
-            <a:off x="464307" y="3304463"/>
-            <a:ext cx="9612310" cy="830997"/>
+            <a:off x="-790916" y="2923118"/>
+            <a:ext cx="9320693" cy="461665"/>
           </a:xfrm>
           <a:prstGeom prst="rect">
             <a:avLst/>
@@ -5508,11 +5041,21 @@
                   </a:outerShdw>
                 </a:effectLst>
               </a:rPr>
-              <a:t>FREQUENCE : Elle permet de renvoyer la répartition des valeurs d’une série </a:t>
-            </a:r>
-          </a:p>
-          <a:p>
-            <a:pPr algn="ctr"/>
+              <a:t>=RECHERCHEV(</a:t>
+            </a:r>
+            <a:r>
+              <a:rPr lang="fr-FR" sz="2400" dirty="0" err="1" smtClean="0">
+                <a:ln w="0"/>
+                <a:effectLst>
+                  <a:outerShdw blurRad="38100" dist="19050" dir="2700000" algn="tl" rotWithShape="0">
+                    <a:schemeClr val="dk1">
+                      <a:alpha val="40000"/>
+                    </a:schemeClr>
+                  </a:outerShdw>
+                </a:effectLst>
+              </a:rPr>
+              <a:t>valeur_cherchée;plage;numéro_colonne</a:t>
+            </a:r>
             <a:r>
               <a:rPr lang="fr-FR" sz="2400" dirty="0" smtClean="0">
                 <a:ln w="0"/>
@@ -5524,7 +5067,33 @@
                   </a:outerShdw>
                 </a:effectLst>
               </a:rPr>
-              <a:t>dans des intervalles définis</a:t>
+              <a:t>;[</a:t>
+            </a:r>
+            <a:r>
+              <a:rPr lang="fr-FR" sz="2400" dirty="0" err="1" smtClean="0">
+                <a:ln w="0"/>
+                <a:effectLst>
+                  <a:outerShdw blurRad="38100" dist="19050" dir="2700000" algn="tl" rotWithShape="0">
+                    <a:schemeClr val="dk1">
+                      <a:alpha val="40000"/>
+                    </a:schemeClr>
+                  </a:outerShdw>
+                </a:effectLst>
+              </a:rPr>
+              <a:t>valeur_proche</a:t>
+            </a:r>
+            <a:r>
+              <a:rPr lang="fr-FR" sz="2400" dirty="0" smtClean="0">
+                <a:ln w="0"/>
+                <a:effectLst>
+                  <a:outerShdw blurRad="38100" dist="19050" dir="2700000" algn="tl" rotWithShape="0">
+                    <a:schemeClr val="dk1">
+                      <a:alpha val="40000"/>
+                    </a:schemeClr>
+                  </a:outerShdw>
+                </a:effectLst>
+              </a:rPr>
+              <a:t>])</a:t>
             </a:r>
             <a:endParaRPr lang="fr-FR" sz="2400" b="0" cap="none" spc="0" dirty="0">
               <a:ln w="0"/>
@@ -5544,14 +5113,14 @@
       </p:sp>
       <p:sp>
         <p:nvSpPr>
-          <p:cNvPr id="13" name="Rectangle 12"/>
+          <p:cNvPr id="12" name="Rectangle 11"/>
           <p:cNvSpPr/>
           <p:nvPr/>
         </p:nvSpPr>
         <p:spPr>
           <a:xfrm>
-            <a:off x="709097" y="4757378"/>
-            <a:ext cx="8027710" cy="830997"/>
+            <a:off x="3433194" y="3673795"/>
+            <a:ext cx="5163978" cy="461665"/>
           </a:xfrm>
           <a:prstGeom prst="rect">
             <a:avLst/>
@@ -5576,23 +5145,7 @@
                   </a:outerShdw>
                 </a:effectLst>
               </a:rPr>
-              <a:t>NB : Elle permet de renvoyer le nombre de cellules d’une plage</a:t>
-            </a:r>
-          </a:p>
-          <a:p>
-            <a:pPr algn="ctr"/>
-            <a:r>
-              <a:rPr lang="fr-FR" sz="2400" dirty="0" smtClean="0">
-                <a:ln w="0"/>
-                <a:effectLst>
-                  <a:outerShdw blurRad="38100" dist="19050" dir="2700000" algn="tl" rotWithShape="0">
-                    <a:schemeClr val="dk1">
-                      <a:alpha val="40000"/>
-                    </a:schemeClr>
-                  </a:outerShdw>
-                </a:effectLst>
-              </a:rPr>
-              <a:t> qui comporte un nombre</a:t>
+              <a:t>RECHERCHE,RECHERCHEH,RECHERCHEX</a:t>
             </a:r>
             <a:endParaRPr lang="fr-FR" sz="2400" b="0" cap="none" spc="0" dirty="0">
               <a:ln w="0"/>
@@ -5610,114 +5163,10 @@
           </a:p>
         </p:txBody>
       </p:sp>
-      <p:sp>
-        <p:nvSpPr>
-          <p:cNvPr id="15" name="Rectangle 14"/>
-          <p:cNvSpPr/>
-          <p:nvPr/>
-        </p:nvSpPr>
-        <p:spPr>
-          <a:xfrm>
-            <a:off x="594866" y="2266375"/>
-            <a:ext cx="8548880" cy="461665"/>
-          </a:xfrm>
-          <a:prstGeom prst="rect">
-            <a:avLst/>
-          </a:prstGeom>
-          <a:noFill/>
-        </p:spPr>
-        <p:txBody>
-          <a:bodyPr wrap="none" lIns="91440" tIns="45720" rIns="91440" bIns="45720">
-            <a:spAutoFit/>
-          </a:bodyPr>
-          <a:lstStyle/>
-          <a:p>
-            <a:pPr algn="ctr"/>
-            <a:r>
-              <a:rPr lang="fr-FR" sz="2400" dirty="0" smtClean="0">
-                <a:ln w="0"/>
-                <a:effectLst>
-                  <a:outerShdw blurRad="38100" dist="19050" dir="2700000" algn="tl" rotWithShape="0">
-                    <a:schemeClr val="dk1">
-                      <a:alpha val="40000"/>
-                    </a:schemeClr>
-                  </a:outerShdw>
-                </a:effectLst>
-              </a:rPr>
-              <a:t>L’écart type mesure la dispersion des valeurs autour de la moyenne</a:t>
-            </a:r>
-            <a:endParaRPr lang="fr-FR" sz="2400" b="0" cap="none" spc="0" dirty="0">
-              <a:ln w="0"/>
-              <a:solidFill>
-                <a:schemeClr val="tx1"/>
-              </a:solidFill>
-              <a:effectLst>
-                <a:outerShdw blurRad="38100" dist="19050" dir="2700000" algn="tl" rotWithShape="0">
-                  <a:schemeClr val="dk1">
-                    <a:alpha val="40000"/>
-                  </a:schemeClr>
-                </a:outerShdw>
-              </a:effectLst>
-            </a:endParaRPr>
-          </a:p>
-        </p:txBody>
-      </p:sp>
-      <p:sp>
-        <p:nvSpPr>
-          <p:cNvPr id="17" name="Rectangle 16"/>
-          <p:cNvSpPr/>
-          <p:nvPr/>
-        </p:nvSpPr>
-        <p:spPr>
-          <a:xfrm>
-            <a:off x="629241" y="5630218"/>
-            <a:ext cx="7958975" cy="461665"/>
-          </a:xfrm>
-          <a:prstGeom prst="rect">
-            <a:avLst/>
-          </a:prstGeom>
-          <a:noFill/>
-        </p:spPr>
-        <p:txBody>
-          <a:bodyPr wrap="none" lIns="91440" tIns="45720" rIns="91440" bIns="45720">
-            <a:spAutoFit/>
-          </a:bodyPr>
-          <a:lstStyle/>
-          <a:p>
-            <a:pPr algn="ctr"/>
-            <a:r>
-              <a:rPr lang="fr-FR" sz="2400" dirty="0" smtClean="0">
-                <a:ln w="0"/>
-                <a:effectLst>
-                  <a:outerShdw blurRad="38100" dist="19050" dir="2700000" algn="tl" rotWithShape="0">
-                    <a:schemeClr val="dk1">
-                      <a:alpha val="40000"/>
-                    </a:schemeClr>
-                  </a:outerShdw>
-                </a:effectLst>
-              </a:rPr>
-              <a:t>NB.SI : Elle permet de compter les cellules selon une condition</a:t>
-            </a:r>
-            <a:endParaRPr lang="fr-FR" sz="2400" b="0" cap="none" spc="0" dirty="0">
-              <a:ln w="0"/>
-              <a:solidFill>
-                <a:schemeClr val="tx1"/>
-              </a:solidFill>
-              <a:effectLst>
-                <a:outerShdw blurRad="38100" dist="19050" dir="2700000" algn="tl" rotWithShape="0">
-                  <a:schemeClr val="dk1">
-                    <a:alpha val="40000"/>
-                  </a:schemeClr>
-                </a:outerShdw>
-              </a:effectLst>
-            </a:endParaRPr>
-          </a:p>
-        </p:txBody>
-      </p:sp>
     </p:spTree>
     <p:extLst>
       <p:ext uri="{BB962C8B-B14F-4D97-AF65-F5344CB8AC3E}">
-        <p14:creationId xmlns:p14="http://schemas.microsoft.com/office/powerpoint/2010/main" val="396344488"/>
+        <p14:creationId xmlns:p14="http://schemas.microsoft.com/office/powerpoint/2010/main" val="3132475057"/>
       </p:ext>
     </p:extLst>
   </p:cSld>
@@ -5961,6 +5410,1526 @@
       </p:sp>
       <p:sp>
         <p:nvSpPr>
+          <p:cNvPr id="8" name="Rectangle 7"/>
+          <p:cNvSpPr/>
+          <p:nvPr/>
+        </p:nvSpPr>
+        <p:spPr>
+          <a:xfrm>
+            <a:off x="3674433" y="1710776"/>
+            <a:ext cx="1717073" cy="461665"/>
+          </a:xfrm>
+          <a:prstGeom prst="rect">
+            <a:avLst/>
+          </a:prstGeom>
+          <a:noFill/>
+        </p:spPr>
+        <p:txBody>
+          <a:bodyPr wrap="none" lIns="91440" tIns="45720" rIns="91440" bIns="45720">
+            <a:spAutoFit/>
+          </a:bodyPr>
+          <a:lstStyle/>
+          <a:p>
+            <a:pPr algn="ctr"/>
+            <a:r>
+              <a:rPr lang="fr-FR" sz="2400" dirty="0" smtClean="0">
+                <a:ln w="0"/>
+                <a:effectLst>
+                  <a:outerShdw blurRad="38100" dist="19050" dir="2700000" algn="tl" rotWithShape="0">
+                    <a:schemeClr val="dk1">
+                      <a:alpha val="40000"/>
+                    </a:schemeClr>
+                  </a:outerShdw>
+                </a:effectLst>
+              </a:rPr>
+              <a:t>MAX et MIN</a:t>
+            </a:r>
+            <a:endParaRPr lang="fr-FR" sz="2400" b="0" cap="none" spc="0" dirty="0">
+              <a:ln w="0"/>
+              <a:solidFill>
+                <a:schemeClr val="tx1"/>
+              </a:solidFill>
+              <a:effectLst>
+                <a:outerShdw blurRad="38100" dist="19050" dir="2700000" algn="tl" rotWithShape="0">
+                  <a:schemeClr val="dk1">
+                    <a:alpha val="40000"/>
+                  </a:schemeClr>
+                </a:outerShdw>
+              </a:effectLst>
+            </a:endParaRPr>
+          </a:p>
+        </p:txBody>
+      </p:sp>
+      <p:sp>
+        <p:nvSpPr>
+          <p:cNvPr id="9" name="Rectangle 8"/>
+          <p:cNvSpPr/>
+          <p:nvPr/>
+        </p:nvSpPr>
+        <p:spPr>
+          <a:xfrm>
+            <a:off x="0" y="2172441"/>
+            <a:ext cx="11352147" cy="461665"/>
+          </a:xfrm>
+          <a:prstGeom prst="rect">
+            <a:avLst/>
+          </a:prstGeom>
+          <a:noFill/>
+        </p:spPr>
+        <p:txBody>
+          <a:bodyPr wrap="none" lIns="91440" tIns="45720" rIns="91440" bIns="45720">
+            <a:spAutoFit/>
+          </a:bodyPr>
+          <a:lstStyle/>
+          <a:p>
+            <a:pPr algn="ctr"/>
+            <a:r>
+              <a:rPr lang="fr-FR" sz="2400" dirty="0" smtClean="0">
+                <a:ln w="0"/>
+                <a:effectLst>
+                  <a:outerShdw blurRad="38100" dist="19050" dir="2700000" algn="tl" rotWithShape="0">
+                    <a:schemeClr val="dk1">
+                      <a:alpha val="40000"/>
+                    </a:schemeClr>
+                  </a:outerShdw>
+                </a:effectLst>
+              </a:rPr>
+              <a:t>Ces fonctions permettent de renvoyer le maximum et le minimum d’une liste de nombre.</a:t>
+            </a:r>
+            <a:endParaRPr lang="fr-FR" sz="2400" b="0" cap="none" spc="0" dirty="0">
+              <a:ln w="0"/>
+              <a:solidFill>
+                <a:schemeClr val="tx1"/>
+              </a:solidFill>
+              <a:effectLst>
+                <a:outerShdw blurRad="38100" dist="19050" dir="2700000" algn="tl" rotWithShape="0">
+                  <a:schemeClr val="dk1">
+                    <a:alpha val="40000"/>
+                  </a:schemeClr>
+                </a:outerShdw>
+              </a:effectLst>
+            </a:endParaRPr>
+          </a:p>
+        </p:txBody>
+      </p:sp>
+      <p:sp>
+        <p:nvSpPr>
+          <p:cNvPr id="11" name="Rectangle 10"/>
+          <p:cNvSpPr/>
+          <p:nvPr/>
+        </p:nvSpPr>
+        <p:spPr>
+          <a:xfrm>
+            <a:off x="171598" y="2923118"/>
+            <a:ext cx="7395614" cy="461665"/>
+          </a:xfrm>
+          <a:prstGeom prst="rect">
+            <a:avLst/>
+          </a:prstGeom>
+          <a:noFill/>
+        </p:spPr>
+        <p:txBody>
+          <a:bodyPr wrap="none" lIns="91440" tIns="45720" rIns="91440" bIns="45720">
+            <a:spAutoFit/>
+          </a:bodyPr>
+          <a:lstStyle/>
+          <a:p>
+            <a:pPr algn="ctr"/>
+            <a:r>
+              <a:rPr lang="fr-FR" sz="2400" dirty="0" smtClean="0">
+                <a:ln w="0"/>
+                <a:effectLst>
+                  <a:outerShdw blurRad="38100" dist="19050" dir="2700000" algn="tl" rotWithShape="0">
+                    <a:schemeClr val="dk1">
+                      <a:alpha val="40000"/>
+                    </a:schemeClr>
+                  </a:outerShdw>
+                </a:effectLst>
+              </a:rPr>
+              <a:t>MOYENNE : Elle renvoie la moyenne d’une liste de valeurs</a:t>
+            </a:r>
+            <a:endParaRPr lang="fr-FR" sz="2400" b="0" cap="none" spc="0" dirty="0">
+              <a:ln w="0"/>
+              <a:solidFill>
+                <a:schemeClr val="tx1"/>
+              </a:solidFill>
+              <a:effectLst>
+                <a:outerShdw blurRad="38100" dist="19050" dir="2700000" algn="tl" rotWithShape="0">
+                  <a:schemeClr val="dk1">
+                    <a:alpha val="40000"/>
+                  </a:schemeClr>
+                </a:outerShdw>
+              </a:effectLst>
+            </a:endParaRPr>
+          </a:p>
+        </p:txBody>
+      </p:sp>
+      <p:sp>
+        <p:nvSpPr>
+          <p:cNvPr id="12" name="Rectangle 11"/>
+          <p:cNvSpPr/>
+          <p:nvPr/>
+        </p:nvSpPr>
+        <p:spPr>
+          <a:xfrm>
+            <a:off x="171598" y="3673795"/>
+            <a:ext cx="11687110" cy="830997"/>
+          </a:xfrm>
+          <a:prstGeom prst="rect">
+            <a:avLst/>
+          </a:prstGeom>
+          <a:noFill/>
+        </p:spPr>
+        <p:txBody>
+          <a:bodyPr wrap="none" lIns="91440" tIns="45720" rIns="91440" bIns="45720">
+            <a:spAutoFit/>
+          </a:bodyPr>
+          <a:lstStyle/>
+          <a:p>
+            <a:pPr algn="ctr"/>
+            <a:r>
+              <a:rPr lang="fr-FR" sz="2400" dirty="0" smtClean="0">
+                <a:ln w="0"/>
+                <a:effectLst>
+                  <a:outerShdw blurRad="38100" dist="19050" dir="2700000" algn="tl" rotWithShape="0">
+                    <a:schemeClr val="dk1">
+                      <a:alpha val="40000"/>
+                    </a:schemeClr>
+                  </a:outerShdw>
+                </a:effectLst>
+              </a:rPr>
+              <a:t>MOYENNE.SI : Elle combine la fonction MOYENNE et la fonction  SI pour donner la moyenne </a:t>
+            </a:r>
+          </a:p>
+          <a:p>
+            <a:pPr algn="ctr"/>
+            <a:r>
+              <a:rPr lang="fr-FR" sz="2400" dirty="0" smtClean="0">
+                <a:ln w="0"/>
+                <a:effectLst>
+                  <a:outerShdw blurRad="38100" dist="19050" dir="2700000" algn="tl" rotWithShape="0">
+                    <a:schemeClr val="dk1">
+                      <a:alpha val="40000"/>
+                    </a:schemeClr>
+                  </a:outerShdw>
+                </a:effectLst>
+              </a:rPr>
+              <a:t>d’une série de valeurs qui respectent une condition</a:t>
+            </a:r>
+            <a:endParaRPr lang="fr-FR" sz="2400" b="0" cap="none" spc="0" dirty="0">
+              <a:ln w="0"/>
+              <a:solidFill>
+                <a:schemeClr val="tx1"/>
+              </a:solidFill>
+              <a:effectLst>
+                <a:outerShdw blurRad="38100" dist="19050" dir="2700000" algn="tl" rotWithShape="0">
+                  <a:schemeClr val="dk1">
+                    <a:alpha val="40000"/>
+                  </a:schemeClr>
+                </a:outerShdw>
+              </a:effectLst>
+            </a:endParaRPr>
+          </a:p>
+        </p:txBody>
+      </p:sp>
+      <p:sp>
+        <p:nvSpPr>
+          <p:cNvPr id="13" name="Rectangle 12"/>
+          <p:cNvSpPr/>
+          <p:nvPr/>
+        </p:nvSpPr>
+        <p:spPr>
+          <a:xfrm>
+            <a:off x="171598" y="4757378"/>
+            <a:ext cx="9102685" cy="830997"/>
+          </a:xfrm>
+          <a:prstGeom prst="rect">
+            <a:avLst/>
+          </a:prstGeom>
+          <a:noFill/>
+        </p:spPr>
+        <p:txBody>
+          <a:bodyPr wrap="none" lIns="91440" tIns="45720" rIns="91440" bIns="45720">
+            <a:spAutoFit/>
+          </a:bodyPr>
+          <a:lstStyle/>
+          <a:p>
+            <a:pPr algn="ctr"/>
+            <a:r>
+              <a:rPr lang="fr-FR" sz="2400" dirty="0" smtClean="0">
+                <a:ln w="0"/>
+                <a:effectLst>
+                  <a:outerShdw blurRad="38100" dist="19050" dir="2700000" algn="tl" rotWithShape="0">
+                    <a:schemeClr val="dk1">
+                      <a:alpha val="40000"/>
+                    </a:schemeClr>
+                  </a:outerShdw>
+                </a:effectLst>
+              </a:rPr>
+              <a:t>MEDIANE : Elle permet de renvoyer la médiane d’une série de nombre. </a:t>
+            </a:r>
+          </a:p>
+          <a:p>
+            <a:pPr algn="ctr"/>
+            <a:r>
+              <a:rPr lang="fr-FR" sz="2400" dirty="0" smtClean="0">
+                <a:ln w="0"/>
+                <a:effectLst>
+                  <a:outerShdw blurRad="38100" dist="19050" dir="2700000" algn="tl" rotWithShape="0">
+                    <a:schemeClr val="dk1">
+                      <a:alpha val="40000"/>
+                    </a:schemeClr>
+                  </a:outerShdw>
+                </a:effectLst>
+              </a:rPr>
+              <a:t>La médiane est le centre de cette série</a:t>
+            </a:r>
+            <a:endParaRPr lang="fr-FR" sz="2400" b="0" cap="none" spc="0" dirty="0">
+              <a:ln w="0"/>
+              <a:solidFill>
+                <a:schemeClr val="tx1"/>
+              </a:solidFill>
+              <a:effectLst>
+                <a:outerShdw blurRad="38100" dist="19050" dir="2700000" algn="tl" rotWithShape="0">
+                  <a:schemeClr val="dk1">
+                    <a:alpha val="40000"/>
+                  </a:schemeClr>
+                </a:outerShdw>
+              </a:effectLst>
+            </a:endParaRPr>
+          </a:p>
+        </p:txBody>
+      </p:sp>
+    </p:spTree>
+    <p:extLst>
+      <p:ext uri="{BB962C8B-B14F-4D97-AF65-F5344CB8AC3E}">
+        <p14:creationId xmlns:p14="http://schemas.microsoft.com/office/powerpoint/2010/main" val="3542756719"/>
+      </p:ext>
+    </p:extLst>
+  </p:cSld>
+  <p:clrMapOvr>
+    <a:masterClrMapping/>
+  </p:clrMapOvr>
+  <p:timing>
+    <p:tnLst>
+      <p:par>
+        <p:cTn id="1" dur="indefinite" restart="never" nodeType="tmRoot"/>
+      </p:par>
+    </p:tnLst>
+  </p:timing>
+</p:sld>
+</file>
+
+<file path=ppt/slides/slide13.xml><?xml version="1.0" encoding="utf-8"?>
+<p:sld xmlns:a="http://schemas.openxmlformats.org/drawingml/2006/main" xmlns:r="http://schemas.openxmlformats.org/officeDocument/2006/relationships" xmlns:p="http://schemas.openxmlformats.org/presentationml/2006/main">
+  <p:cSld>
+    <p:spTree>
+      <p:nvGrpSpPr>
+        <p:cNvPr id="1" name=""/>
+        <p:cNvGrpSpPr/>
+        <p:nvPr/>
+      </p:nvGrpSpPr>
+      <p:grpSpPr>
+        <a:xfrm>
+          <a:off x="0" y="0"/>
+          <a:ext cx="0" cy="0"/>
+          <a:chOff x="0" y="0"/>
+          <a:chExt cx="0" cy="0"/>
+        </a:xfrm>
+      </p:grpSpPr>
+      <p:sp>
+        <p:nvSpPr>
+          <p:cNvPr id="4" name="ZoneTexte 3">
+            <a:extLst>
+              <a:ext uri="{FF2B5EF4-FFF2-40B4-BE49-F238E27FC236}">
+                <a16:creationId xmlns:a16="http://schemas.microsoft.com/office/drawing/2014/main" id="{B7191FEF-1E3F-48E9-A65A-B5A88B9994F6}"/>
+              </a:ext>
+            </a:extLst>
+          </p:cNvPr>
+          <p:cNvSpPr txBox="1"/>
+          <p:nvPr/>
+        </p:nvSpPr>
+        <p:spPr>
+          <a:xfrm>
+            <a:off x="1919416" y="295004"/>
+            <a:ext cx="8353167" cy="707886"/>
+          </a:xfrm>
+          <a:prstGeom prst="rect">
+            <a:avLst/>
+          </a:prstGeom>
+          <a:solidFill>
+            <a:schemeClr val="accent6">
+              <a:lumMod val="50000"/>
+            </a:schemeClr>
+          </a:solidFill>
+          <a:ln>
+            <a:solidFill>
+              <a:schemeClr val="accent6">
+                <a:lumMod val="50000"/>
+              </a:schemeClr>
+            </a:solidFill>
+          </a:ln>
+          <a:effectLst>
+            <a:outerShdw blurRad="50800" dist="38100" dir="13500000" algn="br" rotWithShape="0">
+              <a:schemeClr val="accent1">
+                <a:alpha val="40000"/>
+              </a:schemeClr>
+            </a:outerShdw>
+            <a:reflection blurRad="6350" stA="50000" endA="300" endPos="55000" dir="5400000" sy="-100000" algn="bl" rotWithShape="0"/>
+          </a:effectLst>
+        </p:spPr>
+        <p:txBody>
+          <a:bodyPr wrap="square" rtlCol="0">
+            <a:spAutoFit/>
+          </a:bodyPr>
+          <a:lstStyle/>
+          <a:p>
+            <a:pPr algn="ctr"/>
+            <a:r>
+              <a:rPr lang="fr-FR" sz="4000" dirty="0" smtClean="0">
+                <a:solidFill>
+                  <a:schemeClr val="bg1"/>
+                </a:solidFill>
+              </a:rPr>
+              <a:t>Fonctions statistiques</a:t>
+            </a:r>
+            <a:endParaRPr lang="fr-FR" sz="4000" dirty="0">
+              <a:solidFill>
+                <a:schemeClr val="bg1"/>
+              </a:solidFill>
+            </a:endParaRPr>
+          </a:p>
+        </p:txBody>
+      </p:sp>
+      <p:cxnSp>
+        <p:nvCxnSpPr>
+          <p:cNvPr id="3" name="Connecteur droit 2">
+            <a:extLst>
+              <a:ext uri="{FF2B5EF4-FFF2-40B4-BE49-F238E27FC236}">
+                <a16:creationId xmlns:a16="http://schemas.microsoft.com/office/drawing/2014/main" id="{2E5FFC58-89E0-45F1-AB54-88B4500CE745}"/>
+              </a:ext>
+            </a:extLst>
+          </p:cNvPr>
+          <p:cNvCxnSpPr/>
+          <p:nvPr/>
+        </p:nvCxnSpPr>
+        <p:spPr>
+          <a:xfrm>
+            <a:off x="1327355" y="1002890"/>
+            <a:ext cx="9674942" cy="0"/>
+          </a:xfrm>
+          <a:prstGeom prst="line">
+            <a:avLst/>
+          </a:prstGeom>
+          <a:ln w="38100">
+            <a:solidFill>
+              <a:schemeClr val="accent6">
+                <a:lumMod val="50000"/>
+              </a:schemeClr>
+            </a:solidFill>
+          </a:ln>
+        </p:spPr>
+        <p:style>
+          <a:lnRef idx="1">
+            <a:schemeClr val="accent1"/>
+          </a:lnRef>
+          <a:fillRef idx="0">
+            <a:schemeClr val="accent1"/>
+          </a:fillRef>
+          <a:effectRef idx="0">
+            <a:schemeClr val="accent1"/>
+          </a:effectRef>
+          <a:fontRef idx="minor">
+            <a:schemeClr val="tx1"/>
+          </a:fontRef>
+        </p:style>
+      </p:cxnSp>
+      <p:sp>
+        <p:nvSpPr>
+          <p:cNvPr id="14" name="Rectangle 13">
+            <a:extLst>
+              <a:ext uri="{FF2B5EF4-FFF2-40B4-BE49-F238E27FC236}">
+                <a16:creationId xmlns:a16="http://schemas.microsoft.com/office/drawing/2014/main" id="{A111C86D-0A6E-4457-9131-84B9AB8CA6E2}"/>
+              </a:ext>
+            </a:extLst>
+          </p:cNvPr>
+          <p:cNvSpPr/>
+          <p:nvPr/>
+        </p:nvSpPr>
+        <p:spPr>
+          <a:xfrm>
+            <a:off x="0" y="6995795"/>
+            <a:ext cx="12192000" cy="525145"/>
+          </a:xfrm>
+          <a:prstGeom prst="rect">
+            <a:avLst/>
+          </a:prstGeom>
+          <a:solidFill>
+            <a:schemeClr val="accent1">
+              <a:lumMod val="20000"/>
+              <a:lumOff val="80000"/>
+            </a:schemeClr>
+          </a:solidFill>
+          <a:ln>
+            <a:noFill/>
+          </a:ln>
+        </p:spPr>
+        <p:style>
+          <a:lnRef idx="2">
+            <a:schemeClr val="accent1">
+              <a:shade val="50000"/>
+            </a:schemeClr>
+          </a:lnRef>
+          <a:fillRef idx="1">
+            <a:schemeClr val="accent1"/>
+          </a:fillRef>
+          <a:effectRef idx="0">
+            <a:schemeClr val="accent1"/>
+          </a:effectRef>
+          <a:fontRef idx="minor">
+            <a:schemeClr val="lt1"/>
+          </a:fontRef>
+        </p:style>
+        <p:txBody>
+          <a:bodyPr rtlCol="0" anchor="ctr"/>
+          <a:lstStyle/>
+          <a:p>
+            <a:pPr algn="ctr"/>
+            <a:endParaRPr lang="fr-FR"/>
+          </a:p>
+        </p:txBody>
+      </p:sp>
+      <p:sp>
+        <p:nvSpPr>
+          <p:cNvPr id="16" name="Espace réservé du numéro de diapositive 11">
+            <a:extLst>
+              <a:ext uri="{FF2B5EF4-FFF2-40B4-BE49-F238E27FC236}">
+                <a16:creationId xmlns:a16="http://schemas.microsoft.com/office/drawing/2014/main" id="{C4BC3E63-B4B6-49C0-95C7-9C149F176671}"/>
+              </a:ext>
+            </a:extLst>
+          </p:cNvPr>
+          <p:cNvSpPr>
+            <a:spLocks noGrp="1"/>
+          </p:cNvSpPr>
+          <p:nvPr>
+            <p:ph type="sldNum" sz="quarter" idx="12"/>
+          </p:nvPr>
+        </p:nvSpPr>
+        <p:spPr>
+          <a:xfrm>
+            <a:off x="11158322" y="6492875"/>
+            <a:ext cx="870036" cy="365125"/>
+          </a:xfrm>
+        </p:spPr>
+        <p:txBody>
+          <a:bodyPr/>
+          <a:lstStyle/>
+          <a:p>
+            <a:fld id="{09EA0DBA-1CB7-49FD-A4E9-CB9833829DE4}" type="slidenum">
+              <a:rPr lang="fr-FR" sz="2000" b="1" smtClean="0">
+                <a:solidFill>
+                  <a:srgbClr val="FF0000"/>
+                </a:solidFill>
+                <a:latin typeface="Times New Roman" panose="02020603050405020304" pitchFamily="18" charset="0"/>
+                <a:cs typeface="Times New Roman" panose="02020603050405020304" pitchFamily="18" charset="0"/>
+              </a:rPr>
+              <a:t>13</a:t>
+            </a:fld>
+            <a:endParaRPr lang="fr-FR" sz="2000" b="1" dirty="0">
+              <a:solidFill>
+                <a:srgbClr val="FF0000"/>
+              </a:solidFill>
+              <a:latin typeface="Times New Roman" panose="02020603050405020304" pitchFamily="18" charset="0"/>
+              <a:cs typeface="Times New Roman" panose="02020603050405020304" pitchFamily="18" charset="0"/>
+            </a:endParaRPr>
+          </a:p>
+        </p:txBody>
+      </p:sp>
+      <p:sp>
+        <p:nvSpPr>
+          <p:cNvPr id="9" name="Rectangle 8"/>
+          <p:cNvSpPr/>
+          <p:nvPr/>
+        </p:nvSpPr>
+        <p:spPr>
+          <a:xfrm>
+            <a:off x="270079" y="1412458"/>
+            <a:ext cx="11651840" cy="5262979"/>
+          </a:xfrm>
+          <a:prstGeom prst="rect">
+            <a:avLst/>
+          </a:prstGeom>
+          <a:noFill/>
+        </p:spPr>
+        <p:txBody>
+          <a:bodyPr wrap="square" lIns="91440" tIns="45720" rIns="91440" bIns="45720">
+            <a:spAutoFit/>
+          </a:bodyPr>
+          <a:lstStyle/>
+          <a:p>
+            <a:r>
+              <a:rPr lang="fr-FR" sz="2400" dirty="0">
+                <a:ln w="0"/>
+                <a:effectLst>
+                  <a:outerShdw blurRad="38100" dist="19050" dir="2700000" algn="tl" rotWithShape="0">
+                    <a:schemeClr val="dk1">
+                      <a:alpha val="40000"/>
+                    </a:schemeClr>
+                  </a:outerShdw>
+                </a:effectLst>
+              </a:rPr>
+              <a:t>MOYENNE Renvoie la moyenne de ses arguments.</a:t>
+            </a:r>
+          </a:p>
+          <a:p>
+            <a:r>
+              <a:rPr lang="fr-FR" sz="2400" dirty="0">
+                <a:ln w="0"/>
+                <a:effectLst>
+                  <a:outerShdw blurRad="38100" dist="19050" dir="2700000" algn="tl" rotWithShape="0">
+                    <a:schemeClr val="dk1">
+                      <a:alpha val="40000"/>
+                    </a:schemeClr>
+                  </a:outerShdw>
+                </a:effectLst>
+              </a:rPr>
+              <a:t>RANG Renvoie le classement d'une valeur dans un ensemble de valeur</a:t>
+            </a:r>
+          </a:p>
+          <a:p>
+            <a:r>
+              <a:rPr lang="fr-FR" sz="2400" dirty="0">
+                <a:ln w="0"/>
+                <a:effectLst>
+                  <a:outerShdw blurRad="38100" dist="19050" dir="2700000" algn="tl" rotWithShape="0">
+                    <a:schemeClr val="dk1">
+                      <a:alpha val="40000"/>
+                    </a:schemeClr>
+                  </a:outerShdw>
+                </a:effectLst>
+              </a:rPr>
+              <a:t>MAX Renvoie la valeur maximale contenue dans une liste d’arguments.</a:t>
+            </a:r>
+          </a:p>
+          <a:p>
+            <a:r>
+              <a:rPr lang="fr-FR" sz="2400" dirty="0">
+                <a:ln w="0"/>
+                <a:effectLst>
+                  <a:outerShdw blurRad="38100" dist="19050" dir="2700000" algn="tl" rotWithShape="0">
+                    <a:schemeClr val="dk1">
+                      <a:alpha val="40000"/>
+                    </a:schemeClr>
+                  </a:outerShdw>
+                </a:effectLst>
+              </a:rPr>
+              <a:t>MIN Renvoie la valeur minimale contenue dans une liste d’arguments.</a:t>
+            </a:r>
+          </a:p>
+          <a:p>
+            <a:r>
+              <a:rPr lang="fr-FR" sz="2400" dirty="0">
+                <a:ln w="0"/>
+                <a:effectLst>
+                  <a:outerShdw blurRad="38100" dist="19050" dir="2700000" algn="tl" rotWithShape="0">
+                    <a:schemeClr val="dk1">
+                      <a:alpha val="40000"/>
+                    </a:schemeClr>
+                  </a:outerShdw>
+                </a:effectLst>
+              </a:rPr>
+              <a:t>MOYENNE.SI Renvoie la moyenne (arithmétique) de toutes les cellules d’une plage qui répondent à des critères donnés.</a:t>
+            </a:r>
+          </a:p>
+          <a:p>
+            <a:r>
+              <a:rPr lang="fr-FR" sz="2400" dirty="0">
+                <a:ln w="0"/>
+                <a:effectLst>
+                  <a:outerShdw blurRad="38100" dist="19050" dir="2700000" algn="tl" rotWithShape="0">
+                    <a:schemeClr val="dk1">
+                      <a:alpha val="40000"/>
+                    </a:schemeClr>
+                  </a:outerShdw>
+                </a:effectLst>
+              </a:rPr>
+              <a:t>MOYENNE.SI.ENS Renvoie la moyenne (arithmétique) de toutes les cellules qui répondent à plusieurs critères.</a:t>
+            </a:r>
+          </a:p>
+          <a:p>
+            <a:r>
+              <a:rPr lang="fr-FR" sz="2400" dirty="0">
+                <a:ln w="0"/>
+                <a:effectLst>
+                  <a:outerShdw blurRad="38100" dist="19050" dir="2700000" algn="tl" rotWithShape="0">
+                    <a:schemeClr val="dk1">
+                      <a:alpha val="40000"/>
+                    </a:schemeClr>
+                  </a:outerShdw>
+                </a:effectLst>
+              </a:rPr>
+              <a:t>NB Détermine les nombres compris dans la liste des arguments.</a:t>
+            </a:r>
+          </a:p>
+          <a:p>
+            <a:r>
+              <a:rPr lang="fr-FR" sz="2400" dirty="0">
+                <a:ln w="0"/>
+                <a:effectLst>
+                  <a:outerShdw blurRad="38100" dist="19050" dir="2700000" algn="tl" rotWithShape="0">
+                    <a:schemeClr val="dk1">
+                      <a:alpha val="40000"/>
+                    </a:schemeClr>
+                  </a:outerShdw>
+                </a:effectLst>
+              </a:rPr>
+              <a:t>NBVAL Détermine le nombre de valeurs comprises dans la liste des arguments.</a:t>
+            </a:r>
+          </a:p>
+          <a:p>
+            <a:r>
+              <a:rPr lang="fr-FR" sz="2400" dirty="0">
+                <a:ln w="0"/>
+                <a:effectLst>
+                  <a:outerShdw blurRad="38100" dist="19050" dir="2700000" algn="tl" rotWithShape="0">
+                    <a:schemeClr val="dk1">
+                      <a:alpha val="40000"/>
+                    </a:schemeClr>
+                  </a:outerShdw>
+                </a:effectLst>
+              </a:rPr>
+              <a:t>NB.VIDE Compte le nombre de cellules vides dans une plage.</a:t>
+            </a:r>
+          </a:p>
+          <a:p>
+            <a:r>
+              <a:rPr lang="fr-FR" sz="2400" dirty="0">
+                <a:ln w="0"/>
+                <a:effectLst>
+                  <a:outerShdw blurRad="38100" dist="19050" dir="2700000" algn="tl" rotWithShape="0">
+                    <a:schemeClr val="dk1">
+                      <a:alpha val="40000"/>
+                    </a:schemeClr>
+                  </a:outerShdw>
+                </a:effectLst>
+              </a:rPr>
+              <a:t>NB.SI Compte le nombre de cellules qui répondent à un critère donné dans une plage.</a:t>
+            </a:r>
+          </a:p>
+          <a:p>
+            <a:r>
+              <a:rPr lang="fr-FR" sz="2400" dirty="0">
+                <a:ln w="0"/>
+                <a:effectLst>
+                  <a:outerShdw blurRad="38100" dist="19050" dir="2700000" algn="tl" rotWithShape="0">
+                    <a:schemeClr val="dk1">
+                      <a:alpha val="40000"/>
+                    </a:schemeClr>
+                  </a:outerShdw>
+                </a:effectLst>
+              </a:rPr>
+              <a:t>NB.SI.ENS Compte le nombre de cellules à l’intérieur d’une plage qui répondent à plusieurs critères.</a:t>
+            </a:r>
+            <a:endParaRPr lang="fr-FR" sz="2400" b="0" cap="none" spc="0" dirty="0">
+              <a:ln w="0"/>
+              <a:solidFill>
+                <a:schemeClr val="tx1"/>
+              </a:solidFill>
+              <a:effectLst>
+                <a:outerShdw blurRad="38100" dist="19050" dir="2700000" algn="tl" rotWithShape="0">
+                  <a:schemeClr val="dk1">
+                    <a:alpha val="40000"/>
+                  </a:schemeClr>
+                </a:outerShdw>
+              </a:effectLst>
+            </a:endParaRPr>
+          </a:p>
+        </p:txBody>
+      </p:sp>
+    </p:spTree>
+    <p:extLst>
+      <p:ext uri="{BB962C8B-B14F-4D97-AF65-F5344CB8AC3E}">
+        <p14:creationId xmlns:p14="http://schemas.microsoft.com/office/powerpoint/2010/main" val="1350074659"/>
+      </p:ext>
+    </p:extLst>
+  </p:cSld>
+  <p:clrMapOvr>
+    <a:masterClrMapping/>
+  </p:clrMapOvr>
+  <p:timing>
+    <p:tnLst>
+      <p:par>
+        <p:cTn id="1" dur="indefinite" restart="never" nodeType="tmRoot"/>
+      </p:par>
+    </p:tnLst>
+  </p:timing>
+</p:sld>
+</file>
+
+<file path=ppt/slides/slide14.xml><?xml version="1.0" encoding="utf-8"?>
+<p:sld xmlns:a="http://schemas.openxmlformats.org/drawingml/2006/main" xmlns:r="http://schemas.openxmlformats.org/officeDocument/2006/relationships" xmlns:p="http://schemas.openxmlformats.org/presentationml/2006/main">
+  <p:cSld>
+    <p:spTree>
+      <p:nvGrpSpPr>
+        <p:cNvPr id="1" name=""/>
+        <p:cNvGrpSpPr/>
+        <p:nvPr/>
+      </p:nvGrpSpPr>
+      <p:grpSpPr>
+        <a:xfrm>
+          <a:off x="0" y="0"/>
+          <a:ext cx="0" cy="0"/>
+          <a:chOff x="0" y="0"/>
+          <a:chExt cx="0" cy="0"/>
+        </a:xfrm>
+      </p:grpSpPr>
+      <p:sp>
+        <p:nvSpPr>
+          <p:cNvPr id="4" name="ZoneTexte 3">
+            <a:extLst>
+              <a:ext uri="{FF2B5EF4-FFF2-40B4-BE49-F238E27FC236}">
+                <a16:creationId xmlns:a16="http://schemas.microsoft.com/office/drawing/2014/main" id="{B7191FEF-1E3F-48E9-A65A-B5A88B9994F6}"/>
+              </a:ext>
+            </a:extLst>
+          </p:cNvPr>
+          <p:cNvSpPr txBox="1"/>
+          <p:nvPr/>
+        </p:nvSpPr>
+        <p:spPr>
+          <a:xfrm>
+            <a:off x="1919416" y="295004"/>
+            <a:ext cx="8353167" cy="707886"/>
+          </a:xfrm>
+          <a:prstGeom prst="rect">
+            <a:avLst/>
+          </a:prstGeom>
+          <a:solidFill>
+            <a:schemeClr val="accent6">
+              <a:lumMod val="50000"/>
+            </a:schemeClr>
+          </a:solidFill>
+          <a:ln>
+            <a:solidFill>
+              <a:schemeClr val="accent6">
+                <a:lumMod val="50000"/>
+              </a:schemeClr>
+            </a:solidFill>
+          </a:ln>
+          <a:effectLst>
+            <a:outerShdw blurRad="50800" dist="38100" dir="13500000" algn="br" rotWithShape="0">
+              <a:schemeClr val="accent1">
+                <a:alpha val="40000"/>
+              </a:schemeClr>
+            </a:outerShdw>
+            <a:reflection blurRad="6350" stA="50000" endA="300" endPos="55000" dir="5400000" sy="-100000" algn="bl" rotWithShape="0"/>
+          </a:effectLst>
+        </p:spPr>
+        <p:txBody>
+          <a:bodyPr wrap="square" rtlCol="0">
+            <a:spAutoFit/>
+          </a:bodyPr>
+          <a:lstStyle/>
+          <a:p>
+            <a:pPr algn="ctr"/>
+            <a:r>
+              <a:rPr lang="fr-FR" sz="4000" dirty="0" smtClean="0">
+                <a:solidFill>
+                  <a:schemeClr val="bg1"/>
+                </a:solidFill>
+              </a:rPr>
+              <a:t>Fonctions statistiques</a:t>
+            </a:r>
+            <a:endParaRPr lang="fr-FR" sz="4000" dirty="0">
+              <a:solidFill>
+                <a:schemeClr val="bg1"/>
+              </a:solidFill>
+            </a:endParaRPr>
+          </a:p>
+        </p:txBody>
+      </p:sp>
+      <p:cxnSp>
+        <p:nvCxnSpPr>
+          <p:cNvPr id="3" name="Connecteur droit 2">
+            <a:extLst>
+              <a:ext uri="{FF2B5EF4-FFF2-40B4-BE49-F238E27FC236}">
+                <a16:creationId xmlns:a16="http://schemas.microsoft.com/office/drawing/2014/main" id="{2E5FFC58-89E0-45F1-AB54-88B4500CE745}"/>
+              </a:ext>
+            </a:extLst>
+          </p:cNvPr>
+          <p:cNvCxnSpPr/>
+          <p:nvPr/>
+        </p:nvCxnSpPr>
+        <p:spPr>
+          <a:xfrm>
+            <a:off x="1327355" y="1002890"/>
+            <a:ext cx="9674942" cy="0"/>
+          </a:xfrm>
+          <a:prstGeom prst="line">
+            <a:avLst/>
+          </a:prstGeom>
+          <a:ln w="38100">
+            <a:solidFill>
+              <a:schemeClr val="accent6">
+                <a:lumMod val="50000"/>
+              </a:schemeClr>
+            </a:solidFill>
+          </a:ln>
+        </p:spPr>
+        <p:style>
+          <a:lnRef idx="1">
+            <a:schemeClr val="accent1"/>
+          </a:lnRef>
+          <a:fillRef idx="0">
+            <a:schemeClr val="accent1"/>
+          </a:fillRef>
+          <a:effectRef idx="0">
+            <a:schemeClr val="accent1"/>
+          </a:effectRef>
+          <a:fontRef idx="minor">
+            <a:schemeClr val="tx1"/>
+          </a:fontRef>
+        </p:style>
+      </p:cxnSp>
+      <p:sp>
+        <p:nvSpPr>
+          <p:cNvPr id="14" name="Rectangle 13">
+            <a:extLst>
+              <a:ext uri="{FF2B5EF4-FFF2-40B4-BE49-F238E27FC236}">
+                <a16:creationId xmlns:a16="http://schemas.microsoft.com/office/drawing/2014/main" id="{A111C86D-0A6E-4457-9131-84B9AB8CA6E2}"/>
+              </a:ext>
+            </a:extLst>
+          </p:cNvPr>
+          <p:cNvSpPr/>
+          <p:nvPr/>
+        </p:nvSpPr>
+        <p:spPr>
+          <a:xfrm>
+            <a:off x="0" y="6995795"/>
+            <a:ext cx="12192000" cy="525145"/>
+          </a:xfrm>
+          <a:prstGeom prst="rect">
+            <a:avLst/>
+          </a:prstGeom>
+          <a:solidFill>
+            <a:schemeClr val="accent1">
+              <a:lumMod val="20000"/>
+              <a:lumOff val="80000"/>
+            </a:schemeClr>
+          </a:solidFill>
+          <a:ln>
+            <a:noFill/>
+          </a:ln>
+        </p:spPr>
+        <p:style>
+          <a:lnRef idx="2">
+            <a:schemeClr val="accent1">
+              <a:shade val="50000"/>
+            </a:schemeClr>
+          </a:lnRef>
+          <a:fillRef idx="1">
+            <a:schemeClr val="accent1"/>
+          </a:fillRef>
+          <a:effectRef idx="0">
+            <a:schemeClr val="accent1"/>
+          </a:effectRef>
+          <a:fontRef idx="minor">
+            <a:schemeClr val="lt1"/>
+          </a:fontRef>
+        </p:style>
+        <p:txBody>
+          <a:bodyPr rtlCol="0" anchor="ctr"/>
+          <a:lstStyle/>
+          <a:p>
+            <a:pPr algn="ctr"/>
+            <a:endParaRPr lang="fr-FR"/>
+          </a:p>
+        </p:txBody>
+      </p:sp>
+      <p:sp>
+        <p:nvSpPr>
+          <p:cNvPr id="16" name="Espace réservé du numéro de diapositive 11">
+            <a:extLst>
+              <a:ext uri="{FF2B5EF4-FFF2-40B4-BE49-F238E27FC236}">
+                <a16:creationId xmlns:a16="http://schemas.microsoft.com/office/drawing/2014/main" id="{C4BC3E63-B4B6-49C0-95C7-9C149F176671}"/>
+              </a:ext>
+            </a:extLst>
+          </p:cNvPr>
+          <p:cNvSpPr>
+            <a:spLocks noGrp="1"/>
+          </p:cNvSpPr>
+          <p:nvPr>
+            <p:ph type="sldNum" sz="quarter" idx="12"/>
+          </p:nvPr>
+        </p:nvSpPr>
+        <p:spPr>
+          <a:xfrm>
+            <a:off x="11158322" y="6492875"/>
+            <a:ext cx="870036" cy="365125"/>
+          </a:xfrm>
+        </p:spPr>
+        <p:txBody>
+          <a:bodyPr/>
+          <a:lstStyle/>
+          <a:p>
+            <a:fld id="{09EA0DBA-1CB7-49FD-A4E9-CB9833829DE4}" type="slidenum">
+              <a:rPr lang="fr-FR" sz="2000" b="1" smtClean="0">
+                <a:solidFill>
+                  <a:srgbClr val="FF0000"/>
+                </a:solidFill>
+                <a:latin typeface="Times New Roman" panose="02020603050405020304" pitchFamily="18" charset="0"/>
+                <a:cs typeface="Times New Roman" panose="02020603050405020304" pitchFamily="18" charset="0"/>
+              </a:rPr>
+              <a:t>14</a:t>
+            </a:fld>
+            <a:endParaRPr lang="fr-FR" sz="2000" b="1" dirty="0">
+              <a:solidFill>
+                <a:srgbClr val="FF0000"/>
+              </a:solidFill>
+              <a:latin typeface="Times New Roman" panose="02020603050405020304" pitchFamily="18" charset="0"/>
+              <a:cs typeface="Times New Roman" panose="02020603050405020304" pitchFamily="18" charset="0"/>
+            </a:endParaRPr>
+          </a:p>
+        </p:txBody>
+      </p:sp>
+      <p:sp>
+        <p:nvSpPr>
+          <p:cNvPr id="11" name="Rectangle 10"/>
+          <p:cNvSpPr/>
+          <p:nvPr/>
+        </p:nvSpPr>
+        <p:spPr>
+          <a:xfrm>
+            <a:off x="464307" y="1449650"/>
+            <a:ext cx="8809976" cy="461665"/>
+          </a:xfrm>
+          <a:prstGeom prst="rect">
+            <a:avLst/>
+          </a:prstGeom>
+          <a:noFill/>
+        </p:spPr>
+        <p:txBody>
+          <a:bodyPr wrap="none" lIns="91440" tIns="45720" rIns="91440" bIns="45720">
+            <a:spAutoFit/>
+          </a:bodyPr>
+          <a:lstStyle/>
+          <a:p>
+            <a:pPr algn="ctr"/>
+            <a:r>
+              <a:rPr lang="fr-FR" sz="2400" dirty="0" smtClean="0">
+                <a:ln w="0"/>
+                <a:effectLst>
+                  <a:outerShdw blurRad="38100" dist="19050" dir="2700000" algn="tl" rotWithShape="0">
+                    <a:schemeClr val="dk1">
+                      <a:alpha val="40000"/>
+                    </a:schemeClr>
+                  </a:outerShdw>
+                </a:effectLst>
+              </a:rPr>
+              <a:t>ECARTYPE : Elle permet de renvoyer l’écart type d’une série de valeur.</a:t>
+            </a:r>
+            <a:endParaRPr lang="fr-FR" sz="2400" b="0" cap="none" spc="0" dirty="0">
+              <a:ln w="0"/>
+              <a:solidFill>
+                <a:schemeClr val="tx1"/>
+              </a:solidFill>
+              <a:effectLst>
+                <a:outerShdw blurRad="38100" dist="19050" dir="2700000" algn="tl" rotWithShape="0">
+                  <a:schemeClr val="dk1">
+                    <a:alpha val="40000"/>
+                  </a:schemeClr>
+                </a:outerShdw>
+              </a:effectLst>
+            </a:endParaRPr>
+          </a:p>
+        </p:txBody>
+      </p:sp>
+      <p:sp>
+        <p:nvSpPr>
+          <p:cNvPr id="12" name="Rectangle 11"/>
+          <p:cNvSpPr/>
+          <p:nvPr/>
+        </p:nvSpPr>
+        <p:spPr>
+          <a:xfrm>
+            <a:off x="464307" y="3304463"/>
+            <a:ext cx="9612310" cy="830997"/>
+          </a:xfrm>
+          <a:prstGeom prst="rect">
+            <a:avLst/>
+          </a:prstGeom>
+          <a:noFill/>
+        </p:spPr>
+        <p:txBody>
+          <a:bodyPr wrap="none" lIns="91440" tIns="45720" rIns="91440" bIns="45720">
+            <a:spAutoFit/>
+          </a:bodyPr>
+          <a:lstStyle/>
+          <a:p>
+            <a:pPr algn="ctr"/>
+            <a:r>
+              <a:rPr lang="fr-FR" sz="2400" dirty="0" smtClean="0">
+                <a:ln w="0"/>
+                <a:effectLst>
+                  <a:outerShdw blurRad="38100" dist="19050" dir="2700000" algn="tl" rotWithShape="0">
+                    <a:schemeClr val="dk1">
+                      <a:alpha val="40000"/>
+                    </a:schemeClr>
+                  </a:outerShdw>
+                </a:effectLst>
+              </a:rPr>
+              <a:t>FREQUENCE : Elle permet de renvoyer la répartition des valeurs d’une série </a:t>
+            </a:r>
+          </a:p>
+          <a:p>
+            <a:pPr algn="ctr"/>
+            <a:r>
+              <a:rPr lang="fr-FR" sz="2400" dirty="0" smtClean="0">
+                <a:ln w="0"/>
+                <a:effectLst>
+                  <a:outerShdw blurRad="38100" dist="19050" dir="2700000" algn="tl" rotWithShape="0">
+                    <a:schemeClr val="dk1">
+                      <a:alpha val="40000"/>
+                    </a:schemeClr>
+                  </a:outerShdw>
+                </a:effectLst>
+              </a:rPr>
+              <a:t>dans des intervalles définis</a:t>
+            </a:r>
+            <a:endParaRPr lang="fr-FR" sz="2400" b="0" cap="none" spc="0" dirty="0">
+              <a:ln w="0"/>
+              <a:solidFill>
+                <a:schemeClr val="tx1"/>
+              </a:solidFill>
+              <a:effectLst>
+                <a:outerShdw blurRad="38100" dist="19050" dir="2700000" algn="tl" rotWithShape="0">
+                  <a:schemeClr val="dk1">
+                    <a:alpha val="40000"/>
+                  </a:schemeClr>
+                </a:outerShdw>
+              </a:effectLst>
+            </a:endParaRPr>
+          </a:p>
+        </p:txBody>
+      </p:sp>
+      <p:sp>
+        <p:nvSpPr>
+          <p:cNvPr id="13" name="Rectangle 12"/>
+          <p:cNvSpPr/>
+          <p:nvPr/>
+        </p:nvSpPr>
+        <p:spPr>
+          <a:xfrm>
+            <a:off x="709097" y="4757378"/>
+            <a:ext cx="8027710" cy="830997"/>
+          </a:xfrm>
+          <a:prstGeom prst="rect">
+            <a:avLst/>
+          </a:prstGeom>
+          <a:noFill/>
+        </p:spPr>
+        <p:txBody>
+          <a:bodyPr wrap="none" lIns="91440" tIns="45720" rIns="91440" bIns="45720">
+            <a:spAutoFit/>
+          </a:bodyPr>
+          <a:lstStyle/>
+          <a:p>
+            <a:pPr algn="ctr"/>
+            <a:r>
+              <a:rPr lang="fr-FR" sz="2400" dirty="0" smtClean="0">
+                <a:ln w="0"/>
+                <a:effectLst>
+                  <a:outerShdw blurRad="38100" dist="19050" dir="2700000" algn="tl" rotWithShape="0">
+                    <a:schemeClr val="dk1">
+                      <a:alpha val="40000"/>
+                    </a:schemeClr>
+                  </a:outerShdw>
+                </a:effectLst>
+              </a:rPr>
+              <a:t>NB : Elle permet de renvoyer le nombre de cellules d’une plage</a:t>
+            </a:r>
+          </a:p>
+          <a:p>
+            <a:pPr algn="ctr"/>
+            <a:r>
+              <a:rPr lang="fr-FR" sz="2400" dirty="0" smtClean="0">
+                <a:ln w="0"/>
+                <a:effectLst>
+                  <a:outerShdw blurRad="38100" dist="19050" dir="2700000" algn="tl" rotWithShape="0">
+                    <a:schemeClr val="dk1">
+                      <a:alpha val="40000"/>
+                    </a:schemeClr>
+                  </a:outerShdw>
+                </a:effectLst>
+              </a:rPr>
+              <a:t> qui comporte un nombre</a:t>
+            </a:r>
+            <a:endParaRPr lang="fr-FR" sz="2400" b="0" cap="none" spc="0" dirty="0">
+              <a:ln w="0"/>
+              <a:solidFill>
+                <a:schemeClr val="tx1"/>
+              </a:solidFill>
+              <a:effectLst>
+                <a:outerShdw blurRad="38100" dist="19050" dir="2700000" algn="tl" rotWithShape="0">
+                  <a:schemeClr val="dk1">
+                    <a:alpha val="40000"/>
+                  </a:schemeClr>
+                </a:outerShdw>
+              </a:effectLst>
+            </a:endParaRPr>
+          </a:p>
+        </p:txBody>
+      </p:sp>
+      <p:sp>
+        <p:nvSpPr>
+          <p:cNvPr id="15" name="Rectangle 14"/>
+          <p:cNvSpPr/>
+          <p:nvPr/>
+        </p:nvSpPr>
+        <p:spPr>
+          <a:xfrm>
+            <a:off x="594866" y="2266375"/>
+            <a:ext cx="8548880" cy="461665"/>
+          </a:xfrm>
+          <a:prstGeom prst="rect">
+            <a:avLst/>
+          </a:prstGeom>
+          <a:noFill/>
+        </p:spPr>
+        <p:txBody>
+          <a:bodyPr wrap="none" lIns="91440" tIns="45720" rIns="91440" bIns="45720">
+            <a:spAutoFit/>
+          </a:bodyPr>
+          <a:lstStyle/>
+          <a:p>
+            <a:pPr algn="ctr"/>
+            <a:r>
+              <a:rPr lang="fr-FR" sz="2400" dirty="0" smtClean="0">
+                <a:ln w="0"/>
+                <a:effectLst>
+                  <a:outerShdw blurRad="38100" dist="19050" dir="2700000" algn="tl" rotWithShape="0">
+                    <a:schemeClr val="dk1">
+                      <a:alpha val="40000"/>
+                    </a:schemeClr>
+                  </a:outerShdw>
+                </a:effectLst>
+              </a:rPr>
+              <a:t>L’écart type mesure la dispersion des valeurs autour de la moyenne</a:t>
+            </a:r>
+            <a:endParaRPr lang="fr-FR" sz="2400" b="0" cap="none" spc="0" dirty="0">
+              <a:ln w="0"/>
+              <a:solidFill>
+                <a:schemeClr val="tx1"/>
+              </a:solidFill>
+              <a:effectLst>
+                <a:outerShdw blurRad="38100" dist="19050" dir="2700000" algn="tl" rotWithShape="0">
+                  <a:schemeClr val="dk1">
+                    <a:alpha val="40000"/>
+                  </a:schemeClr>
+                </a:outerShdw>
+              </a:effectLst>
+            </a:endParaRPr>
+          </a:p>
+        </p:txBody>
+      </p:sp>
+      <p:sp>
+        <p:nvSpPr>
+          <p:cNvPr id="17" name="Rectangle 16"/>
+          <p:cNvSpPr/>
+          <p:nvPr/>
+        </p:nvSpPr>
+        <p:spPr>
+          <a:xfrm>
+            <a:off x="629241" y="5630218"/>
+            <a:ext cx="7958975" cy="461665"/>
+          </a:xfrm>
+          <a:prstGeom prst="rect">
+            <a:avLst/>
+          </a:prstGeom>
+          <a:noFill/>
+        </p:spPr>
+        <p:txBody>
+          <a:bodyPr wrap="none" lIns="91440" tIns="45720" rIns="91440" bIns="45720">
+            <a:spAutoFit/>
+          </a:bodyPr>
+          <a:lstStyle/>
+          <a:p>
+            <a:pPr algn="ctr"/>
+            <a:r>
+              <a:rPr lang="fr-FR" sz="2400" dirty="0" smtClean="0">
+                <a:ln w="0"/>
+                <a:effectLst>
+                  <a:outerShdw blurRad="38100" dist="19050" dir="2700000" algn="tl" rotWithShape="0">
+                    <a:schemeClr val="dk1">
+                      <a:alpha val="40000"/>
+                    </a:schemeClr>
+                  </a:outerShdw>
+                </a:effectLst>
+              </a:rPr>
+              <a:t>NB.SI : Elle permet de compter les cellules selon une condition</a:t>
+            </a:r>
+            <a:endParaRPr lang="fr-FR" sz="2400" b="0" cap="none" spc="0" dirty="0">
+              <a:ln w="0"/>
+              <a:solidFill>
+                <a:schemeClr val="tx1"/>
+              </a:solidFill>
+              <a:effectLst>
+                <a:outerShdw blurRad="38100" dist="19050" dir="2700000" algn="tl" rotWithShape="0">
+                  <a:schemeClr val="dk1">
+                    <a:alpha val="40000"/>
+                  </a:schemeClr>
+                </a:outerShdw>
+              </a:effectLst>
+            </a:endParaRPr>
+          </a:p>
+        </p:txBody>
+      </p:sp>
+    </p:spTree>
+    <p:extLst>
+      <p:ext uri="{BB962C8B-B14F-4D97-AF65-F5344CB8AC3E}">
+        <p14:creationId xmlns:p14="http://schemas.microsoft.com/office/powerpoint/2010/main" val="396344488"/>
+      </p:ext>
+    </p:extLst>
+  </p:cSld>
+  <p:clrMapOvr>
+    <a:masterClrMapping/>
+  </p:clrMapOvr>
+  <p:timing>
+    <p:tnLst>
+      <p:par>
+        <p:cTn id="1" dur="indefinite" restart="never" nodeType="tmRoot"/>
+      </p:par>
+    </p:tnLst>
+  </p:timing>
+</p:sld>
+</file>
+
+<file path=ppt/slides/slide15.xml><?xml version="1.0" encoding="utf-8"?>
+<p:sld xmlns:a="http://schemas.openxmlformats.org/drawingml/2006/main" xmlns:r="http://schemas.openxmlformats.org/officeDocument/2006/relationships" xmlns:p="http://schemas.openxmlformats.org/presentationml/2006/main">
+  <p:cSld>
+    <p:spTree>
+      <p:nvGrpSpPr>
+        <p:cNvPr id="1" name=""/>
+        <p:cNvGrpSpPr/>
+        <p:nvPr/>
+      </p:nvGrpSpPr>
+      <p:grpSpPr>
+        <a:xfrm>
+          <a:off x="0" y="0"/>
+          <a:ext cx="0" cy="0"/>
+          <a:chOff x="0" y="0"/>
+          <a:chExt cx="0" cy="0"/>
+        </a:xfrm>
+      </p:grpSpPr>
+      <p:sp>
+        <p:nvSpPr>
+          <p:cNvPr id="4" name="ZoneTexte 3">
+            <a:extLst>
+              <a:ext uri="{FF2B5EF4-FFF2-40B4-BE49-F238E27FC236}">
+                <a16:creationId xmlns:a16="http://schemas.microsoft.com/office/drawing/2014/main" id="{B7191FEF-1E3F-48E9-A65A-B5A88B9994F6}"/>
+              </a:ext>
+            </a:extLst>
+          </p:cNvPr>
+          <p:cNvSpPr txBox="1"/>
+          <p:nvPr/>
+        </p:nvSpPr>
+        <p:spPr>
+          <a:xfrm>
+            <a:off x="1919416" y="295004"/>
+            <a:ext cx="8353167" cy="707886"/>
+          </a:xfrm>
+          <a:prstGeom prst="rect">
+            <a:avLst/>
+          </a:prstGeom>
+          <a:solidFill>
+            <a:schemeClr val="accent6">
+              <a:lumMod val="50000"/>
+            </a:schemeClr>
+          </a:solidFill>
+          <a:ln>
+            <a:solidFill>
+              <a:schemeClr val="accent6">
+                <a:lumMod val="50000"/>
+              </a:schemeClr>
+            </a:solidFill>
+          </a:ln>
+          <a:effectLst>
+            <a:outerShdw blurRad="50800" dist="38100" dir="13500000" algn="br" rotWithShape="0">
+              <a:schemeClr val="accent1">
+                <a:alpha val="40000"/>
+              </a:schemeClr>
+            </a:outerShdw>
+            <a:reflection blurRad="6350" stA="50000" endA="300" endPos="55000" dir="5400000" sy="-100000" algn="bl" rotWithShape="0"/>
+          </a:effectLst>
+        </p:spPr>
+        <p:txBody>
+          <a:bodyPr wrap="square" rtlCol="0">
+            <a:spAutoFit/>
+          </a:bodyPr>
+          <a:lstStyle/>
+          <a:p>
+            <a:pPr algn="ctr"/>
+            <a:r>
+              <a:rPr lang="fr-FR" sz="4000" dirty="0" smtClean="0">
+                <a:solidFill>
+                  <a:schemeClr val="bg1"/>
+                </a:solidFill>
+              </a:rPr>
+              <a:t>Fonctions statistiques</a:t>
+            </a:r>
+            <a:endParaRPr lang="fr-FR" sz="4000" dirty="0">
+              <a:solidFill>
+                <a:schemeClr val="bg1"/>
+              </a:solidFill>
+            </a:endParaRPr>
+          </a:p>
+        </p:txBody>
+      </p:sp>
+      <p:cxnSp>
+        <p:nvCxnSpPr>
+          <p:cNvPr id="3" name="Connecteur droit 2">
+            <a:extLst>
+              <a:ext uri="{FF2B5EF4-FFF2-40B4-BE49-F238E27FC236}">
+                <a16:creationId xmlns:a16="http://schemas.microsoft.com/office/drawing/2014/main" id="{2E5FFC58-89E0-45F1-AB54-88B4500CE745}"/>
+              </a:ext>
+            </a:extLst>
+          </p:cNvPr>
+          <p:cNvCxnSpPr/>
+          <p:nvPr/>
+        </p:nvCxnSpPr>
+        <p:spPr>
+          <a:xfrm>
+            <a:off x="1327355" y="1002890"/>
+            <a:ext cx="9674942" cy="0"/>
+          </a:xfrm>
+          <a:prstGeom prst="line">
+            <a:avLst/>
+          </a:prstGeom>
+          <a:ln w="38100">
+            <a:solidFill>
+              <a:schemeClr val="accent6">
+                <a:lumMod val="50000"/>
+              </a:schemeClr>
+            </a:solidFill>
+          </a:ln>
+        </p:spPr>
+        <p:style>
+          <a:lnRef idx="1">
+            <a:schemeClr val="accent1"/>
+          </a:lnRef>
+          <a:fillRef idx="0">
+            <a:schemeClr val="accent1"/>
+          </a:fillRef>
+          <a:effectRef idx="0">
+            <a:schemeClr val="accent1"/>
+          </a:effectRef>
+          <a:fontRef idx="minor">
+            <a:schemeClr val="tx1"/>
+          </a:fontRef>
+        </p:style>
+      </p:cxnSp>
+      <p:sp>
+        <p:nvSpPr>
+          <p:cNvPr id="14" name="Rectangle 13">
+            <a:extLst>
+              <a:ext uri="{FF2B5EF4-FFF2-40B4-BE49-F238E27FC236}">
+                <a16:creationId xmlns:a16="http://schemas.microsoft.com/office/drawing/2014/main" id="{A111C86D-0A6E-4457-9131-84B9AB8CA6E2}"/>
+              </a:ext>
+            </a:extLst>
+          </p:cNvPr>
+          <p:cNvSpPr/>
+          <p:nvPr/>
+        </p:nvSpPr>
+        <p:spPr>
+          <a:xfrm>
+            <a:off x="0" y="6995795"/>
+            <a:ext cx="12192000" cy="525145"/>
+          </a:xfrm>
+          <a:prstGeom prst="rect">
+            <a:avLst/>
+          </a:prstGeom>
+          <a:solidFill>
+            <a:schemeClr val="accent1">
+              <a:lumMod val="20000"/>
+              <a:lumOff val="80000"/>
+            </a:schemeClr>
+          </a:solidFill>
+          <a:ln>
+            <a:noFill/>
+          </a:ln>
+        </p:spPr>
+        <p:style>
+          <a:lnRef idx="2">
+            <a:schemeClr val="accent1">
+              <a:shade val="50000"/>
+            </a:schemeClr>
+          </a:lnRef>
+          <a:fillRef idx="1">
+            <a:schemeClr val="accent1"/>
+          </a:fillRef>
+          <a:effectRef idx="0">
+            <a:schemeClr val="accent1"/>
+          </a:effectRef>
+          <a:fontRef idx="minor">
+            <a:schemeClr val="lt1"/>
+          </a:fontRef>
+        </p:style>
+        <p:txBody>
+          <a:bodyPr rtlCol="0" anchor="ctr"/>
+          <a:lstStyle/>
+          <a:p>
+            <a:pPr algn="ctr"/>
+            <a:endParaRPr lang="fr-FR"/>
+          </a:p>
+        </p:txBody>
+      </p:sp>
+      <p:sp>
+        <p:nvSpPr>
+          <p:cNvPr id="16" name="Espace réservé du numéro de diapositive 11">
+            <a:extLst>
+              <a:ext uri="{FF2B5EF4-FFF2-40B4-BE49-F238E27FC236}">
+                <a16:creationId xmlns:a16="http://schemas.microsoft.com/office/drawing/2014/main" id="{C4BC3E63-B4B6-49C0-95C7-9C149F176671}"/>
+              </a:ext>
+            </a:extLst>
+          </p:cNvPr>
+          <p:cNvSpPr>
+            <a:spLocks noGrp="1"/>
+          </p:cNvSpPr>
+          <p:nvPr>
+            <p:ph type="sldNum" sz="quarter" idx="12"/>
+          </p:nvPr>
+        </p:nvSpPr>
+        <p:spPr>
+          <a:xfrm>
+            <a:off x="11158322" y="6492875"/>
+            <a:ext cx="870036" cy="365125"/>
+          </a:xfrm>
+        </p:spPr>
+        <p:txBody>
+          <a:bodyPr/>
+          <a:lstStyle/>
+          <a:p>
+            <a:fld id="{09EA0DBA-1CB7-49FD-A4E9-CB9833829DE4}" type="slidenum">
+              <a:rPr lang="fr-FR" sz="2000" b="1" smtClean="0">
+                <a:solidFill>
+                  <a:srgbClr val="FF0000"/>
+                </a:solidFill>
+                <a:latin typeface="Times New Roman" panose="02020603050405020304" pitchFamily="18" charset="0"/>
+                <a:cs typeface="Times New Roman" panose="02020603050405020304" pitchFamily="18" charset="0"/>
+              </a:rPr>
+              <a:t>15</a:t>
+            </a:fld>
+            <a:endParaRPr lang="fr-FR" sz="2000" b="1" dirty="0">
+              <a:solidFill>
+                <a:srgbClr val="FF0000"/>
+              </a:solidFill>
+              <a:latin typeface="Times New Roman" panose="02020603050405020304" pitchFamily="18" charset="0"/>
+              <a:cs typeface="Times New Roman" panose="02020603050405020304" pitchFamily="18" charset="0"/>
+            </a:endParaRPr>
+          </a:p>
+        </p:txBody>
+      </p:sp>
+      <p:sp>
+        <p:nvSpPr>
           <p:cNvPr id="11" name="Rectangle 10"/>
           <p:cNvSpPr/>
           <p:nvPr/>
@@ -6287,7 +7256,7 @@
 </p:sld>
 </file>
 
-<file path=ppt/slides/slide13.xml><?xml version="1.0" encoding="utf-8"?>
+<file path=ppt/slides/slide16.xml><?xml version="1.0" encoding="utf-8"?>
 <p:sld xmlns:a="http://schemas.openxmlformats.org/drawingml/2006/main" xmlns:r="http://schemas.openxmlformats.org/officeDocument/2006/relationships" xmlns:p="http://schemas.openxmlformats.org/presentationml/2006/main">
   <p:cSld>
     <p:spTree>
@@ -8024,7 +8993,7 @@
           <a:p>
             <a:r>
               <a:rPr lang="fr-FR" sz="2800" dirty="0" smtClean="0"/>
-              <a:t>Fonctions statistiques</a:t>
+              <a:t>Exemples de Fonctions</a:t>
             </a:r>
             <a:endParaRPr lang="fr-FR" sz="2800" dirty="0"/>
           </a:p>
@@ -8060,7 +9029,7 @@
           <a:p>
             <a:r>
               <a:rPr lang="fr-FR" sz="2800" dirty="0" smtClean="0"/>
-              <a:t>Autres fonctions</a:t>
+              <a:t>Résumons</a:t>
             </a:r>
             <a:endParaRPr lang="fr-FR" sz="2800" dirty="0"/>
           </a:p>
@@ -8319,7 +9288,7 @@
         </p:nvSpPr>
         <p:spPr>
           <a:xfrm>
-            <a:off x="-1456583" y="1710776"/>
+            <a:off x="234020" y="1503266"/>
             <a:ext cx="11979049" cy="830997"/>
           </a:xfrm>
           <a:prstGeom prst="rect">
@@ -8333,7 +9302,6 @@
           </a:bodyPr>
           <a:lstStyle/>
           <a:p>
-            <a:pPr algn="ctr"/>
             <a:r>
               <a:rPr lang="fr-FR" sz="2400" b="0" cap="none" spc="0" dirty="0" smtClean="0">
                 <a:ln w="0"/>
@@ -8352,7 +9320,6 @@
             </a:r>
           </a:p>
           <a:p>
-            <a:pPr algn="ctr"/>
             <a:r>
               <a:rPr lang="fr-FR" sz="2400" b="0" cap="none" spc="0" dirty="0" smtClean="0">
                 <a:ln w="0"/>
@@ -8414,7 +9381,7 @@
         </p:blipFill>
         <p:spPr>
           <a:xfrm>
-            <a:off x="2583181" y="2834640"/>
+            <a:off x="2060667" y="2442754"/>
             <a:ext cx="6652260" cy="3551174"/>
           </a:xfrm>
           <a:prstGeom prst="rect">
@@ -8675,7 +9642,7 @@
         </p:nvSpPr>
         <p:spPr>
           <a:xfrm>
-            <a:off x="-1043114" y="1710776"/>
+            <a:off x="441184" y="1479943"/>
             <a:ext cx="11152156" cy="461665"/>
           </a:xfrm>
           <a:prstGeom prst="rect">
@@ -8999,8 +9966,8 @@
         </p:nvSpPr>
         <p:spPr>
           <a:xfrm>
-            <a:off x="3243223" y="1710776"/>
-            <a:ext cx="2579489" cy="461665"/>
+            <a:off x="3044739" y="1508134"/>
+            <a:ext cx="5916381" cy="523220"/>
           </a:xfrm>
           <a:prstGeom prst="rect">
             <a:avLst/>
@@ -9008,14 +9975,13 @@
           <a:noFill/>
         </p:spPr>
         <p:txBody>
-          <a:bodyPr wrap="none" lIns="91440" tIns="45720" rIns="91440" bIns="45720">
+          <a:bodyPr wrap="square" lIns="91440" tIns="45720" rIns="91440" bIns="45720">
             <a:spAutoFit/>
           </a:bodyPr>
           <a:lstStyle/>
           <a:p>
-            <a:pPr algn="ctr"/>
-            <a:r>
-              <a:rPr lang="fr-FR" sz="2400" dirty="0" smtClean="0">
+            <a:r>
+              <a:rPr lang="fr-FR" sz="2800" dirty="0" smtClean="0">
                 <a:ln w="0"/>
                 <a:effectLst>
                   <a:outerShdw blurRad="38100" dist="19050" dir="2700000" algn="tl" rotWithShape="0">
@@ -9025,14 +9991,11 @@
                   </a:outerShdw>
                 </a:effectLst>
               </a:rPr>
-              <a:t>Structure générale</a:t>
-            </a:r>
-            <a:r>
-              <a:rPr lang="fr-FR" sz="2400" b="0" cap="none" spc="0" dirty="0" smtClean="0">
+              <a:t>Structure </a:t>
+            </a:r>
+            <a:r>
+              <a:rPr lang="fr-FR" sz="2800" dirty="0" smtClean="0">
                 <a:ln w="0"/>
-                <a:solidFill>
-                  <a:schemeClr val="tx1"/>
-                </a:solidFill>
                 <a:effectLst>
                   <a:outerShdw blurRad="38100" dist="19050" dir="2700000" algn="tl" rotWithShape="0">
                     <a:schemeClr val="dk1">
@@ -9041,9 +10004,9 @@
                   </a:outerShdw>
                 </a:effectLst>
               </a:rPr>
-              <a:t>.</a:t>
-            </a:r>
-            <a:endParaRPr lang="fr-FR" sz="2400" b="0" cap="none" spc="0" dirty="0">
+              <a:t>générale d’une fonction</a:t>
+            </a:r>
+            <a:endParaRPr lang="fr-FR" sz="2800" b="0" cap="none" spc="0" dirty="0">
               <a:ln w="0"/>
               <a:solidFill>
                 <a:schemeClr val="tx1"/>
@@ -9067,7 +10030,7 @@
         </p:nvSpPr>
         <p:spPr>
           <a:xfrm>
-            <a:off x="1370178" y="2417079"/>
+            <a:off x="1370178" y="2521499"/>
             <a:ext cx="7402860" cy="461665"/>
           </a:xfrm>
           <a:prstGeom prst="rect">
@@ -9122,8 +10085,8 @@
         </p:nvSpPr>
         <p:spPr>
           <a:xfrm>
-            <a:off x="1370178" y="3355796"/>
-            <a:ext cx="5645264" cy="461665"/>
+            <a:off x="2210360" y="3368889"/>
+            <a:ext cx="6551345" cy="523220"/>
           </a:xfrm>
           <a:prstGeom prst="rect">
             <a:avLst/>
@@ -9138,7 +10101,7 @@
           <a:p>
             <a:pPr algn="ctr"/>
             <a:r>
-              <a:rPr lang="fr-FR" sz="2400" dirty="0" smtClean="0">
+              <a:rPr lang="fr-FR" sz="2800" dirty="0" smtClean="0">
                 <a:ln w="0"/>
                 <a:effectLst>
                   <a:outerShdw blurRad="38100" dist="19050" dir="2700000" algn="tl" rotWithShape="0">
@@ -9150,7 +10113,7 @@
               </a:rPr>
               <a:t>Comment une fonction est-elle renseignée?</a:t>
             </a:r>
-            <a:endParaRPr lang="fr-FR" sz="2400" b="0" cap="none" spc="0" dirty="0">
+            <a:endParaRPr lang="fr-FR" sz="2800" b="0" cap="none" spc="0" dirty="0">
               <a:ln w="0"/>
               <a:solidFill>
                 <a:schemeClr val="tx1"/>
@@ -9174,7 +10137,7 @@
         </p:nvSpPr>
         <p:spPr>
           <a:xfrm>
-            <a:off x="914348" y="4397643"/>
+            <a:off x="652749" y="4268991"/>
             <a:ext cx="9666566" cy="830997"/>
           </a:xfrm>
           <a:prstGeom prst="rect">
@@ -9188,7 +10151,7 @@
           </a:bodyPr>
           <a:lstStyle/>
           <a:p>
-            <a:pPr marL="342900" indent="-342900" algn="ctr">
+            <a:pPr marL="342900" indent="-342900">
               <a:buFont typeface="Wingdings" panose="05000000000000000000" pitchFamily="2" charset="2"/>
               <a:buChar char="Ø"/>
             </a:pPr>
@@ -9207,7 +10170,6 @@
             </a:r>
           </a:p>
           <a:p>
-            <a:pPr algn="ctr"/>
             <a:r>
               <a:rPr lang="fr-FR" sz="2400" dirty="0">
                 <a:ln w="0"/>
@@ -9261,8 +10223,8 @@
         </p:nvSpPr>
         <p:spPr>
           <a:xfrm>
-            <a:off x="1012831" y="5614365"/>
-            <a:ext cx="7760207" cy="830997"/>
+            <a:off x="652749" y="5327403"/>
+            <a:ext cx="9097820" cy="830997"/>
           </a:xfrm>
           <a:prstGeom prst="rect">
             <a:avLst/>
@@ -9275,7 +10237,7 @@
           </a:bodyPr>
           <a:lstStyle/>
           <a:p>
-            <a:pPr marL="342900" indent="-342900" algn="ctr">
+            <a:pPr marL="342900" indent="-342900">
               <a:buFont typeface="Wingdings" panose="05000000000000000000" pitchFamily="2" charset="2"/>
               <a:buChar char="Ø"/>
             </a:pPr>
@@ -9294,7 +10256,6 @@
             </a:r>
           </a:p>
           <a:p>
-            <a:pPr algn="ctr"/>
             <a:r>
               <a:rPr lang="fr-FR" sz="2400" dirty="0" smtClean="0">
                 <a:ln w="0"/>
@@ -9571,14 +10532,14 @@
       </p:sp>
       <p:sp>
         <p:nvSpPr>
-          <p:cNvPr id="8" name="Rectangle 7"/>
+          <p:cNvPr id="9" name="Rectangle 8"/>
           <p:cNvSpPr/>
           <p:nvPr/>
         </p:nvSpPr>
         <p:spPr>
           <a:xfrm>
-            <a:off x="-79107" y="1710776"/>
-            <a:ext cx="9224192" cy="461665"/>
+            <a:off x="391332" y="2957028"/>
+            <a:ext cx="11494735" cy="830997"/>
           </a:xfrm>
           <a:prstGeom prst="rect">
             <a:avLst/>
@@ -9586,14 +10547,13 @@
           <a:noFill/>
         </p:spPr>
         <p:txBody>
-          <a:bodyPr wrap="none" lIns="91440" tIns="45720" rIns="91440" bIns="45720">
+          <a:bodyPr wrap="square" lIns="91440" tIns="45720" rIns="91440" bIns="45720">
             <a:spAutoFit/>
           </a:bodyPr>
           <a:lstStyle/>
           <a:p>
-            <a:pPr algn="ctr"/>
-            <a:r>
-              <a:rPr lang="fr-FR" sz="2400" dirty="0" smtClean="0">
+            <a:r>
+              <a:rPr lang="fr-FR" sz="2400" dirty="0">
                 <a:ln w="0"/>
                 <a:effectLst>
                   <a:outerShdw blurRad="38100" dist="19050" dir="2700000" algn="tl" rotWithShape="0">
@@ -9603,7 +10563,7 @@
                   </a:outerShdw>
                 </a:effectLst>
               </a:rPr>
-              <a:t>SI : Elle permet de renvoyer une valeur ou une autre selon une condition</a:t>
+              <a:t>La fonction SI() permet d’afficher un résultat différent en fonction du contenu d’une autre cellule.</a:t>
             </a:r>
             <a:endParaRPr lang="fr-FR" sz="2400" b="0" cap="none" spc="0" dirty="0">
               <a:ln w="0"/>
@@ -9623,14 +10583,14 @@
       </p:sp>
       <p:sp>
         <p:nvSpPr>
-          <p:cNvPr id="9" name="Rectangle 8"/>
-          <p:cNvSpPr/>
+          <p:cNvPr id="2" name="ZoneTexte 1"/>
+          <p:cNvSpPr txBox="1"/>
           <p:nvPr/>
         </p:nvSpPr>
         <p:spPr>
           <a:xfrm>
-            <a:off x="2488767" y="2172441"/>
-            <a:ext cx="6374630" cy="461665"/>
+            <a:off x="496389" y="1304559"/>
+            <a:ext cx="10661933" cy="1200329"/>
           </a:xfrm>
           <a:prstGeom prst="rect">
             <a:avLst/>
@@ -9638,129 +10598,28 @@
           <a:noFill/>
         </p:spPr>
         <p:txBody>
-          <a:bodyPr wrap="none" lIns="91440" tIns="45720" rIns="91440" bIns="45720">
+          <a:bodyPr wrap="square" rtlCol="0">
             <a:spAutoFit/>
           </a:bodyPr>
           <a:lstStyle/>
           <a:p>
-            <a:pPr algn="ctr"/>
-            <a:r>
-              <a:rPr lang="fr-FR" sz="2400" dirty="0" smtClean="0">
-                <a:ln w="0"/>
-                <a:effectLst>
-                  <a:outerShdw blurRad="38100" dist="19050" dir="2700000" algn="tl" rotWithShape="0">
-                    <a:schemeClr val="dk1">
-                      <a:alpha val="40000"/>
-                    </a:schemeClr>
-                  </a:outerShdw>
-                </a:effectLst>
-              </a:rPr>
-              <a:t>=SI(</a:t>
-            </a:r>
-            <a:r>
-              <a:rPr lang="fr-FR" sz="2400" dirty="0" err="1" smtClean="0">
-                <a:ln w="0"/>
-                <a:effectLst>
-                  <a:outerShdw blurRad="38100" dist="19050" dir="2700000" algn="tl" rotWithShape="0">
-                    <a:schemeClr val="dk1">
-                      <a:alpha val="40000"/>
-                    </a:schemeClr>
-                  </a:outerShdw>
-                </a:effectLst>
-              </a:rPr>
-              <a:t>test_logique</a:t>
-            </a:r>
-            <a:r>
-              <a:rPr lang="fr-FR" sz="2400" dirty="0" smtClean="0">
-                <a:ln w="0"/>
-                <a:effectLst>
-                  <a:outerShdw blurRad="38100" dist="19050" dir="2700000" algn="tl" rotWithShape="0">
-                    <a:schemeClr val="dk1">
-                      <a:alpha val="40000"/>
-                    </a:schemeClr>
-                  </a:outerShdw>
-                </a:effectLst>
-              </a:rPr>
-              <a:t>;[</a:t>
-            </a:r>
-            <a:r>
-              <a:rPr lang="fr-FR" sz="2400" dirty="0" err="1" smtClean="0">
-                <a:ln w="0"/>
-                <a:effectLst>
-                  <a:outerShdw blurRad="38100" dist="19050" dir="2700000" algn="tl" rotWithShape="0">
-                    <a:schemeClr val="dk1">
-                      <a:alpha val="40000"/>
-                    </a:schemeClr>
-                  </a:outerShdw>
-                </a:effectLst>
-              </a:rPr>
-              <a:t>valeur_si_vrai</a:t>
-            </a:r>
-            <a:r>
-              <a:rPr lang="fr-FR" sz="2400" dirty="0" smtClean="0">
-                <a:ln w="0"/>
-                <a:effectLst>
-                  <a:outerShdw blurRad="38100" dist="19050" dir="2700000" algn="tl" rotWithShape="0">
-                    <a:schemeClr val="dk1">
-                      <a:alpha val="40000"/>
-                    </a:schemeClr>
-                  </a:outerShdw>
-                </a:effectLst>
-              </a:rPr>
-              <a:t>];[</a:t>
-            </a:r>
-            <a:r>
-              <a:rPr lang="fr-FR" sz="2400" dirty="0" err="1" smtClean="0">
-                <a:ln w="0"/>
-                <a:effectLst>
-                  <a:outerShdw blurRad="38100" dist="19050" dir="2700000" algn="tl" rotWithShape="0">
-                    <a:schemeClr val="dk1">
-                      <a:alpha val="40000"/>
-                    </a:schemeClr>
-                  </a:outerShdw>
-                </a:effectLst>
-              </a:rPr>
-              <a:t>valeur_si_faux</a:t>
-            </a:r>
-            <a:r>
-              <a:rPr lang="fr-FR" sz="2400" dirty="0" smtClean="0">
-                <a:ln w="0"/>
-                <a:effectLst>
-                  <a:outerShdw blurRad="38100" dist="19050" dir="2700000" algn="tl" rotWithShape="0">
-                    <a:schemeClr val="dk1">
-                      <a:alpha val="40000"/>
-                    </a:schemeClr>
-                  </a:outerShdw>
-                </a:effectLst>
-              </a:rPr>
-              <a:t>])</a:t>
-            </a:r>
-            <a:endParaRPr lang="fr-FR" sz="2400" b="0" cap="none" spc="0" dirty="0">
-              <a:ln w="0"/>
-              <a:solidFill>
-                <a:schemeClr val="tx1"/>
-              </a:solidFill>
-              <a:effectLst>
-                <a:outerShdw blurRad="38100" dist="19050" dir="2700000" algn="tl" rotWithShape="0">
-                  <a:schemeClr val="dk1">
-                    <a:alpha val="40000"/>
-                  </a:schemeClr>
-                </a:outerShdw>
-              </a:effectLst>
-            </a:endParaRPr>
-          </a:p>
-        </p:txBody>
-      </p:sp>
-      <p:sp>
-        <p:nvSpPr>
-          <p:cNvPr id="11" name="Rectangle 10"/>
-          <p:cNvSpPr/>
+            <a:r>
+              <a:rPr lang="fr-FR" sz="2400" dirty="0"/>
+              <a:t>Les fonctions logiques servent à tester des conditions spécifiques. Ces fonctions sont souvent appelées opérateurs logiques. Les opérateurs logiques servent à déterminer si la condition est  VRAIE ou FAUSSE</a:t>
+            </a:r>
+          </a:p>
+        </p:txBody>
+      </p:sp>
+      <p:sp>
+        <p:nvSpPr>
+          <p:cNvPr id="5" name="ZoneTexte 4"/>
+          <p:cNvSpPr txBox="1"/>
           <p:nvPr/>
         </p:nvSpPr>
         <p:spPr>
           <a:xfrm>
-            <a:off x="487752" y="2923118"/>
-            <a:ext cx="6763326" cy="461665"/>
+            <a:off x="496389" y="4408733"/>
+            <a:ext cx="10384971" cy="1815882"/>
           </a:xfrm>
           <a:prstGeom prst="rect">
             <a:avLst/>
@@ -9768,320 +10627,21 @@
           <a:noFill/>
         </p:spPr>
         <p:txBody>
-          <a:bodyPr wrap="none" lIns="91440" tIns="45720" rIns="91440" bIns="45720">
+          <a:bodyPr wrap="square" rtlCol="0">
             <a:spAutoFit/>
           </a:bodyPr>
           <a:lstStyle/>
           <a:p>
-            <a:pPr algn="ctr"/>
-            <a:r>
-              <a:rPr lang="fr-FR" sz="2400" dirty="0" smtClean="0">
-                <a:ln w="0"/>
-                <a:effectLst>
-                  <a:outerShdw blurRad="38100" dist="19050" dir="2700000" algn="tl" rotWithShape="0">
-                    <a:schemeClr val="dk1">
-                      <a:alpha val="40000"/>
-                    </a:schemeClr>
-                  </a:outerShdw>
-                </a:effectLst>
-              </a:rPr>
-              <a:t>On peut aussi utiliser des fonctions SI « imbriquées »</a:t>
-            </a:r>
-            <a:endParaRPr lang="fr-FR" sz="2400" b="0" cap="none" spc="0" dirty="0">
-              <a:ln w="0"/>
-              <a:solidFill>
-                <a:schemeClr val="tx1"/>
-              </a:solidFill>
-              <a:effectLst>
-                <a:outerShdw blurRad="38100" dist="19050" dir="2700000" algn="tl" rotWithShape="0">
-                  <a:schemeClr val="dk1">
-                    <a:alpha val="40000"/>
-                  </a:schemeClr>
-                </a:outerShdw>
-              </a:effectLst>
-            </a:endParaRPr>
-          </a:p>
-        </p:txBody>
-      </p:sp>
-      <p:sp>
-        <p:nvSpPr>
-          <p:cNvPr id="12" name="Rectangle 11"/>
-          <p:cNvSpPr/>
-          <p:nvPr/>
-        </p:nvSpPr>
-        <p:spPr>
-          <a:xfrm>
-            <a:off x="430957" y="3673795"/>
-            <a:ext cx="11168442" cy="830997"/>
-          </a:xfrm>
-          <a:prstGeom prst="rect">
-            <a:avLst/>
-          </a:prstGeom>
-          <a:noFill/>
-        </p:spPr>
-        <p:txBody>
-          <a:bodyPr wrap="none" lIns="91440" tIns="45720" rIns="91440" bIns="45720">
-            <a:spAutoFit/>
-          </a:bodyPr>
-          <a:lstStyle/>
-          <a:p>
-            <a:pPr algn="ctr"/>
-            <a:r>
-              <a:rPr lang="fr-FR" sz="2400" dirty="0" smtClean="0">
-                <a:ln w="0"/>
-                <a:effectLst>
-                  <a:outerShdw blurRad="38100" dist="19050" dir="2700000" algn="tl" rotWithShape="0">
-                    <a:schemeClr val="dk1">
-                      <a:alpha val="40000"/>
-                    </a:schemeClr>
-                  </a:outerShdw>
-                </a:effectLst>
-              </a:rPr>
-              <a:t>ET </a:t>
-            </a:r>
-            <a:r>
-              <a:rPr lang="fr-FR" sz="2400" dirty="0" err="1" smtClean="0">
-                <a:ln w="0"/>
-                <a:effectLst>
-                  <a:outerShdw blurRad="38100" dist="19050" dir="2700000" algn="tl" rotWithShape="0">
-                    <a:schemeClr val="dk1">
-                      <a:alpha val="40000"/>
-                    </a:schemeClr>
-                  </a:outerShdw>
-                </a:effectLst>
-              </a:rPr>
-              <a:t>et</a:t>
-            </a:r>
-            <a:r>
-              <a:rPr lang="fr-FR" sz="2400" dirty="0" smtClean="0">
-                <a:ln w="0"/>
-                <a:effectLst>
-                  <a:outerShdw blurRad="38100" dist="19050" dir="2700000" algn="tl" rotWithShape="0">
-                    <a:schemeClr val="dk1">
-                      <a:alpha val="40000"/>
-                    </a:schemeClr>
-                  </a:outerShdw>
-                </a:effectLst>
-              </a:rPr>
-              <a:t> OU : Ces deux fonctions permettent de faciliter l’écriture des fonctions SI </a:t>
-            </a:r>
-            <a:r>
-              <a:rPr lang="fr-FR" sz="2400" dirty="0" err="1" smtClean="0">
-                <a:ln w="0"/>
-                <a:effectLst>
-                  <a:outerShdw blurRad="38100" dist="19050" dir="2700000" algn="tl" rotWithShape="0">
-                    <a:schemeClr val="dk1">
-                      <a:alpha val="40000"/>
-                    </a:schemeClr>
-                  </a:outerShdw>
-                </a:effectLst>
-              </a:rPr>
-              <a:t>lorsqque</a:t>
-            </a:r>
-            <a:r>
-              <a:rPr lang="fr-FR" sz="2400" dirty="0" smtClean="0">
-                <a:ln w="0"/>
-                <a:effectLst>
-                  <a:outerShdw blurRad="38100" dist="19050" dir="2700000" algn="tl" rotWithShape="0">
-                    <a:schemeClr val="dk1">
-                      <a:alpha val="40000"/>
-                    </a:schemeClr>
-                  </a:outerShdw>
-                </a:effectLst>
-              </a:rPr>
-              <a:t> </a:t>
-            </a:r>
-          </a:p>
-          <a:p>
-            <a:pPr algn="ctr"/>
-            <a:r>
-              <a:rPr lang="fr-FR" sz="2400" dirty="0" smtClean="0">
-                <a:ln w="0"/>
-                <a:effectLst>
-                  <a:outerShdw blurRad="38100" dist="19050" dir="2700000" algn="tl" rotWithShape="0">
-                    <a:schemeClr val="dk1">
-                      <a:alpha val="40000"/>
-                    </a:schemeClr>
-                  </a:outerShdw>
-                </a:effectLst>
-              </a:rPr>
-              <a:t>vous avez plusieurs conditions à respecter.</a:t>
-            </a:r>
-            <a:endParaRPr lang="fr-FR" sz="2400" b="0" cap="none" spc="0" dirty="0">
-              <a:ln w="0"/>
-              <a:solidFill>
-                <a:schemeClr val="tx1"/>
-              </a:solidFill>
-              <a:effectLst>
-                <a:outerShdw blurRad="38100" dist="19050" dir="2700000" algn="tl" rotWithShape="0">
-                  <a:schemeClr val="dk1">
-                    <a:alpha val="40000"/>
-                  </a:schemeClr>
-                </a:outerShdw>
-              </a:effectLst>
-            </a:endParaRPr>
-          </a:p>
-        </p:txBody>
-      </p:sp>
-      <p:sp>
-        <p:nvSpPr>
-          <p:cNvPr id="13" name="Rectangle 12"/>
-          <p:cNvSpPr/>
-          <p:nvPr/>
-        </p:nvSpPr>
-        <p:spPr>
-          <a:xfrm>
-            <a:off x="-1145113" y="4757378"/>
-            <a:ext cx="11736162" cy="830997"/>
-          </a:xfrm>
-          <a:prstGeom prst="rect">
-            <a:avLst/>
-          </a:prstGeom>
-          <a:noFill/>
-        </p:spPr>
-        <p:txBody>
-          <a:bodyPr wrap="none" lIns="91440" tIns="45720" rIns="91440" bIns="45720">
-            <a:spAutoFit/>
-          </a:bodyPr>
-          <a:lstStyle/>
-          <a:p>
-            <a:pPr algn="ctr"/>
-            <a:r>
-              <a:rPr lang="fr-FR" sz="2400" dirty="0" smtClean="0">
-                <a:ln w="0"/>
-                <a:effectLst>
-                  <a:outerShdw blurRad="38100" dist="19050" dir="2700000" algn="tl" rotWithShape="0">
-                    <a:schemeClr val="dk1">
-                      <a:alpha val="40000"/>
-                    </a:schemeClr>
-                  </a:outerShdw>
-                </a:effectLst>
-              </a:rPr>
-              <a:t>La fonction ET permet de dire que </a:t>
-            </a:r>
-          </a:p>
-          <a:p>
-            <a:pPr algn="ctr"/>
-            <a:r>
-              <a:rPr lang="fr-FR" sz="2400" dirty="0">
-                <a:ln w="0"/>
-                <a:effectLst>
-                  <a:outerShdw blurRad="38100" dist="19050" dir="2700000" algn="tl" rotWithShape="0">
-                    <a:schemeClr val="dk1">
-                      <a:alpha val="40000"/>
-                    </a:schemeClr>
-                  </a:outerShdw>
-                </a:effectLst>
-              </a:rPr>
-              <a:t> </a:t>
-            </a:r>
-            <a:r>
-              <a:rPr lang="fr-FR" sz="2400" dirty="0" smtClean="0">
-                <a:ln w="0"/>
-                <a:effectLst>
-                  <a:outerShdw blurRad="38100" dist="19050" dir="2700000" algn="tl" rotWithShape="0">
-                    <a:schemeClr val="dk1">
-                      <a:alpha val="40000"/>
-                    </a:schemeClr>
-                  </a:outerShdw>
-                </a:effectLst>
-              </a:rPr>
-              <a:t>                   deux ou plusieurs conditions soient respectées pour que la fonction renvoie VRAI.</a:t>
-            </a:r>
-            <a:endParaRPr lang="fr-FR" sz="2400" b="0" cap="none" spc="0" dirty="0">
-              <a:ln w="0"/>
-              <a:solidFill>
-                <a:schemeClr val="tx1"/>
-              </a:solidFill>
-              <a:effectLst>
-                <a:outerShdw blurRad="38100" dist="19050" dir="2700000" algn="tl" rotWithShape="0">
-                  <a:schemeClr val="dk1">
-                    <a:alpha val="40000"/>
-                  </a:schemeClr>
-                </a:outerShdw>
-              </a:effectLst>
-            </a:endParaRPr>
-          </a:p>
-        </p:txBody>
-      </p:sp>
-      <p:sp>
-        <p:nvSpPr>
-          <p:cNvPr id="15" name="Rectangle 14"/>
-          <p:cNvSpPr/>
-          <p:nvPr/>
-        </p:nvSpPr>
-        <p:spPr>
-          <a:xfrm>
-            <a:off x="-1372272" y="5796473"/>
-            <a:ext cx="12495280" cy="830997"/>
-          </a:xfrm>
-          <a:prstGeom prst="rect">
-            <a:avLst/>
-          </a:prstGeom>
-          <a:noFill/>
-        </p:spPr>
-        <p:txBody>
-          <a:bodyPr wrap="none" lIns="91440" tIns="45720" rIns="91440" bIns="45720">
-            <a:spAutoFit/>
-          </a:bodyPr>
-          <a:lstStyle/>
-          <a:p>
-            <a:pPr algn="ctr"/>
-            <a:r>
-              <a:rPr lang="fr-FR" sz="2400" dirty="0" smtClean="0">
-                <a:ln w="0"/>
-                <a:effectLst>
-                  <a:outerShdw blurRad="38100" dist="19050" dir="2700000" algn="tl" rotWithShape="0">
-                    <a:schemeClr val="dk1">
-                      <a:alpha val="40000"/>
-                    </a:schemeClr>
-                  </a:outerShdw>
-                </a:effectLst>
-              </a:rPr>
-              <a:t>La fonction OU permet de dire que seulement une des </a:t>
-            </a:r>
-          </a:p>
-          <a:p>
-            <a:pPr algn="ctr"/>
-            <a:r>
-              <a:rPr lang="fr-FR" sz="2400" dirty="0">
-                <a:ln w="0"/>
-                <a:effectLst>
-                  <a:outerShdw blurRad="38100" dist="19050" dir="2700000" algn="tl" rotWithShape="0">
-                    <a:schemeClr val="dk1">
-                      <a:alpha val="40000"/>
-                    </a:schemeClr>
-                  </a:outerShdw>
-                </a:effectLst>
-              </a:rPr>
-              <a:t> </a:t>
-            </a:r>
-            <a:r>
-              <a:rPr lang="fr-FR" sz="2400" dirty="0" smtClean="0">
-                <a:ln w="0"/>
-                <a:effectLst>
-                  <a:outerShdw blurRad="38100" dist="19050" dir="2700000" algn="tl" rotWithShape="0">
-                    <a:schemeClr val="dk1">
-                      <a:alpha val="40000"/>
-                    </a:schemeClr>
-                  </a:outerShdw>
-                </a:effectLst>
-              </a:rPr>
-              <a:t>                   deux ou plusieurs conditions doivent être respectées pour que la fonction renvoie VRAI.</a:t>
-            </a:r>
-            <a:endParaRPr lang="fr-FR" sz="2400" b="0" cap="none" spc="0" dirty="0">
-              <a:ln w="0"/>
-              <a:solidFill>
-                <a:schemeClr val="tx1"/>
-              </a:solidFill>
-              <a:effectLst>
-                <a:outerShdw blurRad="38100" dist="19050" dir="2700000" algn="tl" rotWithShape="0">
-                  <a:schemeClr val="dk1">
-                    <a:alpha val="40000"/>
-                  </a:schemeClr>
-                </a:outerShdw>
-              </a:effectLst>
-            </a:endParaRPr>
+            <a:r>
+              <a:rPr lang="fr-FR" sz="2800" dirty="0"/>
+              <a:t>La syntaxe utilisée est la suivante : =SI(condition à évaluer ; valeur de la cellule si la condition est vraie ; valeur si la condition est fausse)</a:t>
+            </a:r>
+          </a:p>
+          <a:p>
+            <a:r>
+              <a:rPr lang="fr-FR" sz="2800" dirty="0"/>
+              <a:t>Le résultat de la formule peut être une valeur numérique, une formule de calcul ou du texte.</a:t>
+            </a:r>
           </a:p>
         </p:txBody>
       </p:sp>
@@ -10137,7 +10697,7 @@
         <p:spPr>
           <a:xfrm>
             <a:off x="1919416" y="295004"/>
-            <a:ext cx="8671633" cy="707886"/>
+            <a:ext cx="8353167" cy="707886"/>
           </a:xfrm>
           <a:prstGeom prst="rect">
             <a:avLst/>
@@ -10176,7 +10736,7 @@
                   <a:schemeClr val="bg1"/>
                 </a:solidFill>
               </a:rPr>
-              <a:t>Les fonctions de Recherche et Référence</a:t>
+              <a:t>Fonctions Logiques</a:t>
             </a:r>
             <a:endParaRPr lang="fr-FR" sz="4000" dirty="0">
               <a:solidFill>
@@ -10332,14 +10892,14 @@
       </p:sp>
       <p:sp>
         <p:nvSpPr>
-          <p:cNvPr id="8" name="Rectangle 7"/>
+          <p:cNvPr id="9" name="Rectangle 8"/>
           <p:cNvSpPr/>
           <p:nvPr/>
         </p:nvSpPr>
         <p:spPr>
           <a:xfrm>
-            <a:off x="-954934" y="1710776"/>
-            <a:ext cx="10975890" cy="1200329"/>
+            <a:off x="533623" y="2394981"/>
+            <a:ext cx="11494735" cy="461665"/>
           </a:xfrm>
           <a:prstGeom prst="rect">
             <a:avLst/>
@@ -10347,14 +10907,13 @@
           <a:noFill/>
         </p:spPr>
         <p:txBody>
-          <a:bodyPr wrap="none" lIns="91440" tIns="45720" rIns="91440" bIns="45720">
+          <a:bodyPr wrap="square" lIns="91440" tIns="45720" rIns="91440" bIns="45720">
             <a:spAutoFit/>
           </a:bodyPr>
           <a:lstStyle/>
           <a:p>
-            <a:pPr algn="ctr"/>
-            <a:r>
-              <a:rPr lang="fr-FR" sz="2400" dirty="0" smtClean="0">
+            <a:r>
+              <a:rPr lang="fr-FR" sz="2400" dirty="0">
                 <a:ln w="0"/>
                 <a:effectLst>
                   <a:outerShdw blurRad="38100" dist="19050" dir="2700000" algn="tl" rotWithShape="0">
@@ -10364,42 +10923,7 @@
                   </a:outerShdw>
                 </a:effectLst>
               </a:rPr>
-              <a:t>RECHERCHEV: Elle permet de rechercher une valeur dans un tableau, </a:t>
-            </a:r>
-          </a:p>
-          <a:p>
-            <a:pPr algn="ctr"/>
-            <a:r>
-              <a:rPr lang="fr-FR" sz="2400" dirty="0" smtClean="0">
-                <a:ln w="0"/>
-                <a:effectLst>
-                  <a:outerShdw blurRad="38100" dist="19050" dir="2700000" algn="tl" rotWithShape="0">
-                    <a:schemeClr val="dk1">
-                      <a:alpha val="40000"/>
-                    </a:schemeClr>
-                  </a:outerShdw>
-                </a:effectLst>
-              </a:rPr>
-              <a:t>plage de cellule ou matrice et de renvoyer une valeur associée.</a:t>
-            </a:r>
-          </a:p>
-          <a:p>
-            <a:pPr algn="ctr"/>
-            <a:r>
-              <a:rPr lang="fr-FR" sz="2400" b="0" cap="none" spc="0" dirty="0" smtClean="0">
-                <a:ln w="0"/>
-                <a:solidFill>
-                  <a:schemeClr val="tx1"/>
-                </a:solidFill>
-                <a:effectLst>
-                  <a:outerShdw blurRad="38100" dist="19050" dir="2700000" algn="tl" rotWithShape="0">
-                    <a:schemeClr val="dk1">
-                      <a:alpha val="40000"/>
-                    </a:schemeClr>
-                  </a:outerShdw>
-                </a:effectLst>
-              </a:rPr>
-              <a:t>Elle cherche dans la première colonne et renvoie une valeur d’une des autres colonnes</a:t>
+              <a:t>SI imbriqués</a:t>
             </a:r>
             <a:endParaRPr lang="fr-FR" sz="2400" b="0" cap="none" spc="0" dirty="0">
               <a:ln w="0"/>
@@ -10419,14 +10943,14 @@
       </p:sp>
       <p:sp>
         <p:nvSpPr>
-          <p:cNvPr id="11" name="Rectangle 10"/>
-          <p:cNvSpPr/>
+          <p:cNvPr id="2" name="ZoneTexte 1"/>
+          <p:cNvSpPr txBox="1"/>
           <p:nvPr/>
         </p:nvSpPr>
         <p:spPr>
           <a:xfrm>
-            <a:off x="-790916" y="2923118"/>
-            <a:ext cx="9320693" cy="461665"/>
+            <a:off x="496389" y="1304559"/>
+            <a:ext cx="10661933" cy="461665"/>
           </a:xfrm>
           <a:prstGeom prst="rect">
             <a:avLst/>
@@ -10434,103 +10958,32 @@
           <a:noFill/>
         </p:spPr>
         <p:txBody>
-          <a:bodyPr wrap="none" lIns="91440" tIns="45720" rIns="91440" bIns="45720">
+          <a:bodyPr wrap="square" rtlCol="0">
             <a:spAutoFit/>
           </a:bodyPr>
           <a:lstStyle/>
           <a:p>
-            <a:pPr algn="ctr"/>
-            <a:r>
-              <a:rPr lang="fr-FR" sz="2400" dirty="0" smtClean="0">
-                <a:ln w="0"/>
-                <a:effectLst>
-                  <a:outerShdw blurRad="38100" dist="19050" dir="2700000" algn="tl" rotWithShape="0">
-                    <a:schemeClr val="dk1">
-                      <a:alpha val="40000"/>
-                    </a:schemeClr>
-                  </a:outerShdw>
-                </a:effectLst>
-              </a:rPr>
-              <a:t>=RECHERCHEV(</a:t>
-            </a:r>
-            <a:r>
-              <a:rPr lang="fr-FR" sz="2400" dirty="0" err="1" smtClean="0">
-                <a:ln w="0"/>
-                <a:effectLst>
-                  <a:outerShdw blurRad="38100" dist="19050" dir="2700000" algn="tl" rotWithShape="0">
-                    <a:schemeClr val="dk1">
-                      <a:alpha val="40000"/>
-                    </a:schemeClr>
-                  </a:outerShdw>
-                </a:effectLst>
-              </a:rPr>
-              <a:t>valeur_cherchée;plage;numéro_colonne</a:t>
-            </a:r>
-            <a:r>
-              <a:rPr lang="fr-FR" sz="2400" dirty="0" smtClean="0">
-                <a:ln w="0"/>
-                <a:effectLst>
-                  <a:outerShdw blurRad="38100" dist="19050" dir="2700000" algn="tl" rotWithShape="0">
-                    <a:schemeClr val="dk1">
-                      <a:alpha val="40000"/>
-                    </a:schemeClr>
-                  </a:outerShdw>
-                </a:effectLst>
-              </a:rPr>
-              <a:t>;[</a:t>
-            </a:r>
-            <a:r>
-              <a:rPr lang="fr-FR" sz="2400" dirty="0" err="1" smtClean="0">
-                <a:ln w="0"/>
-                <a:effectLst>
-                  <a:outerShdw blurRad="38100" dist="19050" dir="2700000" algn="tl" rotWithShape="0">
-                    <a:schemeClr val="dk1">
-                      <a:alpha val="40000"/>
-                    </a:schemeClr>
-                  </a:outerShdw>
-                </a:effectLst>
-              </a:rPr>
-              <a:t>valeur_proche</a:t>
-            </a:r>
-            <a:r>
-              <a:rPr lang="fr-FR" sz="2400" dirty="0" smtClean="0">
-                <a:ln w="0"/>
-                <a:effectLst>
-                  <a:outerShdw blurRad="38100" dist="19050" dir="2700000" algn="tl" rotWithShape="0">
-                    <a:schemeClr val="dk1">
-                      <a:alpha val="40000"/>
-                    </a:schemeClr>
-                  </a:outerShdw>
-                </a:effectLst>
-              </a:rPr>
-              <a:t>])</a:t>
-            </a:r>
-            <a:endParaRPr lang="fr-FR" sz="2400" b="0" cap="none" spc="0" dirty="0">
-              <a:ln w="0"/>
-              <a:solidFill>
-                <a:schemeClr val="tx1"/>
-              </a:solidFill>
-              <a:effectLst>
-                <a:outerShdw blurRad="38100" dist="19050" dir="2700000" algn="tl" rotWithShape="0">
-                  <a:schemeClr val="dk1">
-                    <a:alpha val="40000"/>
-                  </a:schemeClr>
-                </a:outerShdw>
-              </a:effectLst>
-            </a:endParaRPr>
-          </a:p>
-        </p:txBody>
-      </p:sp>
-      <p:sp>
-        <p:nvSpPr>
-          <p:cNvPr id="12" name="Rectangle 11"/>
-          <p:cNvSpPr/>
+            <a:r>
+              <a:rPr lang="fr-FR" sz="2400" dirty="0" smtClean="0"/>
+              <a:t>Exemple : Si </a:t>
+            </a:r>
+            <a:r>
+              <a:rPr lang="fr-FR" sz="2400" dirty="0"/>
+              <a:t>l’élève a 18 ans ou plus, alors il est majeur, sinon il est mineur.</a:t>
+            </a:r>
+          </a:p>
+        </p:txBody>
+      </p:sp>
+      <p:sp>
+        <p:nvSpPr>
+          <p:cNvPr id="5" name="ZoneTexte 4"/>
+          <p:cNvSpPr txBox="1"/>
           <p:nvPr/>
         </p:nvSpPr>
         <p:spPr>
           <a:xfrm>
-            <a:off x="3433194" y="3673795"/>
-            <a:ext cx="5163978" cy="461665"/>
+            <a:off x="496389" y="3326157"/>
+            <a:ext cx="10384971" cy="523220"/>
           </a:xfrm>
           <a:prstGeom prst="rect">
             <a:avLst/>
@@ -10538,45 +10991,63 @@
           <a:noFill/>
         </p:spPr>
         <p:txBody>
-          <a:bodyPr wrap="none" lIns="91440" tIns="45720" rIns="91440" bIns="45720">
+          <a:bodyPr wrap="square" rtlCol="0">
             <a:spAutoFit/>
           </a:bodyPr>
           <a:lstStyle/>
           <a:p>
-            <a:pPr algn="ctr"/>
-            <a:r>
-              <a:rPr lang="fr-FR" sz="2400" dirty="0" smtClean="0">
-                <a:ln w="0"/>
-                <a:effectLst>
-                  <a:outerShdw blurRad="38100" dist="19050" dir="2700000" algn="tl" rotWithShape="0">
-                    <a:schemeClr val="dk1">
-                      <a:alpha val="40000"/>
-                    </a:schemeClr>
-                  </a:outerShdw>
-                </a:effectLst>
-              </a:rPr>
-              <a:t>RECHERCHE,RECHERCHEH,RECHERCHEX</a:t>
-            </a:r>
-            <a:endParaRPr lang="fr-FR" sz="2400" b="0" cap="none" spc="0" dirty="0">
-              <a:ln w="0"/>
-              <a:solidFill>
-                <a:schemeClr val="tx1"/>
-              </a:solidFill>
-              <a:effectLst>
-                <a:outerShdw blurRad="38100" dist="19050" dir="2700000" algn="tl" rotWithShape="0">
-                  <a:schemeClr val="dk1">
-                    <a:alpha val="40000"/>
-                  </a:schemeClr>
-                </a:outerShdw>
-              </a:effectLst>
-            </a:endParaRPr>
+            <a:r>
+              <a:rPr lang="fr-FR" sz="2800" dirty="0"/>
+              <a:t>=ET() et =OU()</a:t>
+            </a:r>
+          </a:p>
+        </p:txBody>
+      </p:sp>
+      <p:sp>
+        <p:nvSpPr>
+          <p:cNvPr id="6" name="ZoneTexte 5"/>
+          <p:cNvSpPr txBox="1"/>
+          <p:nvPr/>
+        </p:nvSpPr>
+        <p:spPr>
+          <a:xfrm>
+            <a:off x="533623" y="4101737"/>
+            <a:ext cx="10624699" cy="1569660"/>
+          </a:xfrm>
+          <a:prstGeom prst="rect">
+            <a:avLst/>
+          </a:prstGeom>
+          <a:noFill/>
+        </p:spPr>
+        <p:txBody>
+          <a:bodyPr wrap="square" rtlCol="0">
+            <a:spAutoFit/>
+          </a:bodyPr>
+          <a:lstStyle/>
+          <a:p>
+            <a:r>
+              <a:rPr lang="fr-FR" sz="2400" dirty="0"/>
+              <a:t>=ET(condition1;condition2;condition3 ...)</a:t>
+            </a:r>
+          </a:p>
+          <a:p>
+            <a:r>
+              <a:rPr lang="fr-FR" sz="2400" dirty="0"/>
+              <a:t>Il faut au moins deux conditions. Mais vous pouvez en ajouter d'autres.</a:t>
+            </a:r>
+          </a:p>
+          <a:p>
+            <a:r>
+              <a:rPr lang="fr-FR" sz="2400" dirty="0"/>
+              <a:t>Toutes les conditions doivent être remplies pour que la fonction affiche VRAI. Sinon, elle affichera FAUX.</a:t>
+            </a:r>
           </a:p>
         </p:txBody>
       </p:sp>
     </p:spTree>
     <p:extLst>
       <p:ext uri="{BB962C8B-B14F-4D97-AF65-F5344CB8AC3E}">
-        <p14:creationId xmlns:p14="http://schemas.microsoft.com/office/powerpoint/2010/main" val="3132475057"/>
+        <p14:creationId xmlns:p14="http://schemas.microsoft.com/office/powerpoint/2010/main" val="2670209602"/>
       </p:ext>
     </p:extLst>
   </p:cSld>
@@ -10625,7 +11096,7 @@
         <p:spPr>
           <a:xfrm>
             <a:off x="1919416" y="295004"/>
-            <a:ext cx="8671633" cy="707886"/>
+            <a:ext cx="8353167" cy="707886"/>
           </a:xfrm>
           <a:prstGeom prst="rect">
             <a:avLst/>
@@ -10664,7 +11135,7 @@
                   <a:schemeClr val="bg1"/>
                 </a:solidFill>
               </a:rPr>
-              <a:t>Les fonctions Texte</a:t>
+              <a:t>Fonctions Logiques</a:t>
             </a:r>
             <a:endParaRPr lang="fr-FR" sz="4000" dirty="0">
               <a:solidFill>
@@ -10820,14 +11291,14 @@
       </p:sp>
       <p:sp>
         <p:nvSpPr>
-          <p:cNvPr id="8" name="Rectangle 7"/>
-          <p:cNvSpPr/>
+          <p:cNvPr id="2" name="ZoneTexte 1"/>
+          <p:cNvSpPr txBox="1"/>
           <p:nvPr/>
         </p:nvSpPr>
         <p:spPr>
           <a:xfrm>
-            <a:off x="-2204343" y="1710776"/>
-            <a:ext cx="13474714" cy="830997"/>
+            <a:off x="533623" y="1467896"/>
+            <a:ext cx="10661933" cy="1569660"/>
           </a:xfrm>
           <a:prstGeom prst="rect">
             <a:avLst/>
@@ -10835,158 +11306,40 @@
           <a:noFill/>
         </p:spPr>
         <p:txBody>
-          <a:bodyPr wrap="none" lIns="91440" tIns="45720" rIns="91440" bIns="45720">
+          <a:bodyPr wrap="square" rtlCol="0">
             <a:spAutoFit/>
           </a:bodyPr>
           <a:lstStyle/>
           <a:p>
-            <a:pPr algn="ctr"/>
-            <a:r>
-              <a:rPr lang="fr-FR" sz="2400" dirty="0" smtClean="0">
-                <a:ln w="0"/>
-                <a:effectLst>
-                  <a:outerShdw blurRad="38100" dist="19050" dir="2700000" algn="tl" rotWithShape="0">
-                    <a:schemeClr val="dk1">
-                      <a:alpha val="40000"/>
-                    </a:schemeClr>
-                  </a:outerShdw>
-                </a:effectLst>
-              </a:rPr>
-              <a:t>CONCATENER: Elle permet de mettre bout à bout des chaînes de caractère (du texte) pour n’en former une.</a:t>
-            </a:r>
-          </a:p>
-          <a:p>
-            <a:pPr algn="ctr"/>
-            <a:r>
-              <a:rPr lang="fr-FR" sz="2400" b="0" cap="none" spc="0" dirty="0" smtClean="0">
-                <a:ln w="0"/>
-                <a:solidFill>
-                  <a:schemeClr val="tx1"/>
-                </a:solidFill>
-                <a:effectLst>
-                  <a:outerShdw blurRad="38100" dist="19050" dir="2700000" algn="tl" rotWithShape="0">
-                    <a:schemeClr val="dk1">
-                      <a:alpha val="40000"/>
-                    </a:schemeClr>
-                  </a:outerShdw>
-                </a:effectLst>
-              </a:rPr>
-              <a:t>Elle cherche dans la première colonne et renvoie une valeur d’une des autres colonnes</a:t>
-            </a:r>
-            <a:endParaRPr lang="fr-FR" sz="2400" b="0" cap="none" spc="0" dirty="0">
-              <a:ln w="0"/>
-              <a:solidFill>
-                <a:schemeClr val="tx1"/>
-              </a:solidFill>
-              <a:effectLst>
-                <a:outerShdw blurRad="38100" dist="19050" dir="2700000" algn="tl" rotWithShape="0">
-                  <a:schemeClr val="dk1">
-                    <a:alpha val="40000"/>
-                  </a:schemeClr>
-                </a:outerShdw>
-              </a:effectLst>
-            </a:endParaRPr>
-          </a:p>
-        </p:txBody>
-      </p:sp>
-      <p:sp>
-        <p:nvSpPr>
-          <p:cNvPr id="11" name="Rectangle 10"/>
-          <p:cNvSpPr/>
-          <p:nvPr/>
-        </p:nvSpPr>
-        <p:spPr>
-          <a:xfrm>
-            <a:off x="723276" y="2912400"/>
-            <a:ext cx="10414902" cy="830997"/>
-          </a:xfrm>
-          <a:prstGeom prst="rect">
-            <a:avLst/>
-          </a:prstGeom>
-          <a:noFill/>
-        </p:spPr>
-        <p:txBody>
-          <a:bodyPr wrap="none" lIns="91440" tIns="45720" rIns="91440" bIns="45720">
-            <a:spAutoFit/>
-          </a:bodyPr>
-          <a:lstStyle/>
-          <a:p>
-            <a:pPr algn="ctr"/>
-            <a:r>
-              <a:rPr lang="fr-FR" sz="2400" dirty="0" smtClean="0">
-                <a:ln w="0"/>
-                <a:effectLst>
-                  <a:outerShdw blurRad="38100" dist="19050" dir="2700000" algn="tl" rotWithShape="0">
-                    <a:schemeClr val="dk1">
-                      <a:alpha val="40000"/>
-                    </a:schemeClr>
-                  </a:outerShdw>
-                </a:effectLst>
-              </a:rPr>
-              <a:t>DROITE et GAUCHE: Elles permettent d’extraire les caractères du début (GAUCHE) </a:t>
-            </a:r>
-          </a:p>
-          <a:p>
-            <a:pPr algn="ctr"/>
-            <a:r>
-              <a:rPr lang="fr-FR" sz="2400" dirty="0" smtClean="0">
-                <a:ln w="0"/>
-                <a:effectLst>
-                  <a:outerShdw blurRad="38100" dist="19050" dir="2700000" algn="tl" rotWithShape="0">
-                    <a:schemeClr val="dk1">
-                      <a:alpha val="40000"/>
-                    </a:schemeClr>
-                  </a:outerShdw>
-                </a:effectLst>
-              </a:rPr>
-              <a:t>et de fin (DROITE) de la chaîne de </a:t>
-            </a:r>
-            <a:r>
-              <a:rPr lang="fr-FR" sz="2400" dirty="0" err="1" smtClean="0">
-                <a:ln w="0"/>
-                <a:effectLst>
-                  <a:outerShdw blurRad="38100" dist="19050" dir="2700000" algn="tl" rotWithShape="0">
-                    <a:schemeClr val="dk1">
-                      <a:alpha val="40000"/>
-                    </a:schemeClr>
-                  </a:outerShdw>
-                </a:effectLst>
-              </a:rPr>
-              <a:t>carctère</a:t>
-            </a:r>
-            <a:r>
-              <a:rPr lang="fr-FR" sz="2400" dirty="0" smtClean="0">
-                <a:ln w="0"/>
-                <a:effectLst>
-                  <a:outerShdw blurRad="38100" dist="19050" dir="2700000" algn="tl" rotWithShape="0">
-                    <a:schemeClr val="dk1">
-                      <a:alpha val="40000"/>
-                    </a:schemeClr>
-                  </a:outerShdw>
-                </a:effectLst>
-              </a:rPr>
-              <a:t>.</a:t>
-            </a:r>
-            <a:endParaRPr lang="fr-FR" sz="2400" b="0" cap="none" spc="0" dirty="0">
-              <a:ln w="0"/>
-              <a:solidFill>
-                <a:schemeClr val="tx1"/>
-              </a:solidFill>
-              <a:effectLst>
-                <a:outerShdw blurRad="38100" dist="19050" dir="2700000" algn="tl" rotWithShape="0">
-                  <a:schemeClr val="dk1">
-                    <a:alpha val="40000"/>
-                  </a:schemeClr>
-                </a:outerShdw>
-              </a:effectLst>
-            </a:endParaRPr>
+            <a:r>
+              <a:rPr lang="fr-FR" sz="2400" dirty="0"/>
+              <a:t>=OU(condition1;condition2; condition3 ...)</a:t>
+            </a:r>
+          </a:p>
+          <a:p>
+            <a:r>
+              <a:rPr lang="fr-FR" sz="2400" dirty="0"/>
+              <a:t>Il faut au moins deux conditions. Vous pouvez en ajouter d'autres.</a:t>
+            </a:r>
+          </a:p>
+          <a:p>
+            <a:r>
+              <a:rPr lang="fr-FR" sz="2400" dirty="0"/>
+              <a:t>L'une des conditions doit être remplie pour que la fonction affiche VRAI.</a:t>
+            </a:r>
+          </a:p>
+          <a:p>
+            <a:r>
+              <a:rPr lang="fr-FR" sz="2400" dirty="0"/>
+              <a:t>Si aucune des conditions n'est remplie, elle affichera FAUX.</a:t>
+            </a:r>
           </a:p>
         </p:txBody>
       </p:sp>
     </p:spTree>
     <p:extLst>
       <p:ext uri="{BB962C8B-B14F-4D97-AF65-F5344CB8AC3E}">
-        <p14:creationId xmlns:p14="http://schemas.microsoft.com/office/powerpoint/2010/main" val="4091201067"/>
+        <p14:creationId xmlns:p14="http://schemas.microsoft.com/office/powerpoint/2010/main" val="2111570494"/>
       </p:ext>
     </p:extLst>
   </p:cSld>

--- a/Cours/IFDC_2.pptx
+++ b/Cours/IFDC_2.pptx
@@ -5,7 +5,7 @@
     <p:sldMasterId id="2147483648" r:id="rId1"/>
   </p:sldMasterIdLst>
   <p:notesMasterIdLst>
-    <p:notesMasterId r:id="rId18"/>
+    <p:notesMasterId r:id="rId21"/>
   </p:notesMasterIdLst>
   <p:sldIdLst>
     <p:sldId id="285" r:id="rId2"/>
@@ -19,11 +19,14 @@
     <p:sldId id="369" r:id="rId10"/>
     <p:sldId id="370" r:id="rId11"/>
     <p:sldId id="365" r:id="rId12"/>
-    <p:sldId id="364" r:id="rId13"/>
-    <p:sldId id="367" r:id="rId14"/>
-    <p:sldId id="362" r:id="rId15"/>
-    <p:sldId id="363" r:id="rId16"/>
-    <p:sldId id="316" r:id="rId17"/>
+    <p:sldId id="372" r:id="rId13"/>
+    <p:sldId id="371" r:id="rId14"/>
+    <p:sldId id="373" r:id="rId15"/>
+    <p:sldId id="374" r:id="rId16"/>
+    <p:sldId id="364" r:id="rId17"/>
+    <p:sldId id="362" r:id="rId18"/>
+    <p:sldId id="363" r:id="rId19"/>
+    <p:sldId id="316" r:id="rId20"/>
   </p:sldIdLst>
   <p:sldSz cx="12192000" cy="6858000"/>
   <p:notesSz cx="6858000" cy="9144000"/>
@@ -224,7 +227,7 @@
           <a:p>
             <a:fld id="{4D4C40A0-6BBE-4DBE-B061-D31F9ACB94AF}" type="datetimeFigureOut">
               <a:rPr lang="fr-FR" smtClean="0"/>
-              <a:t>29/06/2021</a:t>
+              <a:t>30/06/2021</a:t>
             </a:fld>
             <a:endParaRPr lang="fr-FR"/>
           </a:p>
@@ -747,7 +750,7 @@
           <a:p>
             <a:fld id="{BE1F1DDC-4961-4DFF-8961-DF0A67287833}" type="datetimeFigureOut">
               <a:rPr lang="fr-FR" smtClean="0"/>
-              <a:t>29/06/2021</a:t>
+              <a:t>30/06/2021</a:t>
             </a:fld>
             <a:endParaRPr lang="fr-FR"/>
           </a:p>
@@ -945,7 +948,7 @@
           <a:p>
             <a:fld id="{BE1F1DDC-4961-4DFF-8961-DF0A67287833}" type="datetimeFigureOut">
               <a:rPr lang="fr-FR" smtClean="0"/>
-              <a:t>29/06/2021</a:t>
+              <a:t>30/06/2021</a:t>
             </a:fld>
             <a:endParaRPr lang="fr-FR"/>
           </a:p>
@@ -1153,7 +1156,7 @@
           <a:p>
             <a:fld id="{BE1F1DDC-4961-4DFF-8961-DF0A67287833}" type="datetimeFigureOut">
               <a:rPr lang="fr-FR" smtClean="0"/>
-              <a:t>29/06/2021</a:t>
+              <a:t>30/06/2021</a:t>
             </a:fld>
             <a:endParaRPr lang="fr-FR"/>
           </a:p>
@@ -1351,7 +1354,7 @@
           <a:p>
             <a:fld id="{BE1F1DDC-4961-4DFF-8961-DF0A67287833}" type="datetimeFigureOut">
               <a:rPr lang="fr-FR" smtClean="0"/>
-              <a:t>29/06/2021</a:t>
+              <a:t>30/06/2021</a:t>
             </a:fld>
             <a:endParaRPr lang="fr-FR"/>
           </a:p>
@@ -1626,7 +1629,7 @@
           <a:p>
             <a:fld id="{BE1F1DDC-4961-4DFF-8961-DF0A67287833}" type="datetimeFigureOut">
               <a:rPr lang="fr-FR" smtClean="0"/>
-              <a:t>29/06/2021</a:t>
+              <a:t>30/06/2021</a:t>
             </a:fld>
             <a:endParaRPr lang="fr-FR"/>
           </a:p>
@@ -1891,7 +1894,7 @@
           <a:p>
             <a:fld id="{BE1F1DDC-4961-4DFF-8961-DF0A67287833}" type="datetimeFigureOut">
               <a:rPr lang="fr-FR" smtClean="0"/>
-              <a:t>29/06/2021</a:t>
+              <a:t>30/06/2021</a:t>
             </a:fld>
             <a:endParaRPr lang="fr-FR"/>
           </a:p>
@@ -2303,7 +2306,7 @@
           <a:p>
             <a:fld id="{BE1F1DDC-4961-4DFF-8961-DF0A67287833}" type="datetimeFigureOut">
               <a:rPr lang="fr-FR" smtClean="0"/>
-              <a:t>29/06/2021</a:t>
+              <a:t>30/06/2021</a:t>
             </a:fld>
             <a:endParaRPr lang="fr-FR"/>
           </a:p>
@@ -2444,7 +2447,7 @@
           <a:p>
             <a:fld id="{BE1F1DDC-4961-4DFF-8961-DF0A67287833}" type="datetimeFigureOut">
               <a:rPr lang="fr-FR" smtClean="0"/>
-              <a:t>29/06/2021</a:t>
+              <a:t>30/06/2021</a:t>
             </a:fld>
             <a:endParaRPr lang="fr-FR"/>
           </a:p>
@@ -2557,7 +2560,7 @@
           <a:p>
             <a:fld id="{BE1F1DDC-4961-4DFF-8961-DF0A67287833}" type="datetimeFigureOut">
               <a:rPr lang="fr-FR" smtClean="0"/>
-              <a:t>29/06/2021</a:t>
+              <a:t>30/06/2021</a:t>
             </a:fld>
             <a:endParaRPr lang="fr-FR"/>
           </a:p>
@@ -2868,7 +2871,7 @@
           <a:p>
             <a:fld id="{BE1F1DDC-4961-4DFF-8961-DF0A67287833}" type="datetimeFigureOut">
               <a:rPr lang="fr-FR" smtClean="0"/>
-              <a:t>29/06/2021</a:t>
+              <a:t>30/06/2021</a:t>
             </a:fld>
             <a:endParaRPr lang="fr-FR"/>
           </a:p>
@@ -3156,7 +3159,7 @@
           <a:p>
             <a:fld id="{BE1F1DDC-4961-4DFF-8961-DF0A67287833}" type="datetimeFigureOut">
               <a:rPr lang="fr-FR" smtClean="0"/>
-              <a:t>29/06/2021</a:t>
+              <a:t>30/06/2021</a:t>
             </a:fld>
             <a:endParaRPr lang="fr-FR"/>
           </a:p>
@@ -3425,7 +3428,7 @@
           <a:p>
             <a:fld id="{BE1F1DDC-4961-4DFF-8961-DF0A67287833}" type="datetimeFigureOut">
               <a:rPr lang="fr-FR" smtClean="0"/>
-              <a:t>29/06/2021</a:t>
+              <a:t>30/06/2021</a:t>
             </a:fld>
             <a:endParaRPr lang="fr-FR"/>
           </a:p>
@@ -4268,15 +4271,7 @@
                   <a:schemeClr val="bg1"/>
                 </a:solidFill>
               </a:rPr>
-              <a:t>Fonctions </a:t>
-            </a:r>
-            <a:r>
-              <a:rPr lang="fr-FR" sz="4000" dirty="0" smtClean="0">
-                <a:solidFill>
-                  <a:schemeClr val="bg1"/>
-                </a:solidFill>
-              </a:rPr>
-              <a:t>Textes</a:t>
+              <a:t>Fonctions Textes</a:t>
             </a:r>
             <a:endParaRPr lang="fr-FR" sz="4000" dirty="0">
               <a:solidFill>
@@ -4492,8 +4487,33 @@
                   </a:outerShdw>
                 </a:effectLst>
               </a:rPr>
-              <a:t>=CONCATENER(): </a:t>
-            </a:r>
+              <a:t>=CONCATENER(): Elle permet de mettre bout à bout des chaînes de caractère (du texte) pour n’en former une.</a:t>
+            </a:r>
+          </a:p>
+        </p:txBody>
+      </p:sp>
+      <p:sp>
+        <p:nvSpPr>
+          <p:cNvPr id="8" name="Rectangle 7"/>
+          <p:cNvSpPr/>
+          <p:nvPr/>
+        </p:nvSpPr>
+        <p:spPr>
+          <a:xfrm>
+            <a:off x="0" y="4212887"/>
+            <a:ext cx="11722376" cy="830997"/>
+          </a:xfrm>
+          <a:prstGeom prst="rect">
+            <a:avLst/>
+          </a:prstGeom>
+          <a:noFill/>
+        </p:spPr>
+        <p:txBody>
+          <a:bodyPr wrap="none" lIns="91440" tIns="45720" rIns="91440" bIns="45720">
+            <a:spAutoFit/>
+          </a:bodyPr>
+          <a:lstStyle/>
+          <a:p>
             <a:r>
               <a:rPr lang="fr-FR" sz="2400" dirty="0" smtClean="0">
                 <a:ln w="0"/>
@@ -4505,8 +4525,10 @@
                   </a:outerShdw>
                 </a:effectLst>
               </a:rPr>
-              <a:t>Elle permet de mettre bout à bout des chaînes de caractère (du texte) pour n’en former une</a:t>
-            </a:r>
+              <a:t>      =DROITE() et =GAUCHE(): Elles permettent d’extraire les caractères du début (GAUCHE) </a:t>
+            </a:r>
+          </a:p>
+          <a:p>
             <a:r>
               <a:rPr lang="fr-FR" sz="2400" dirty="0" smtClean="0">
                 <a:ln w="0"/>
@@ -4518,135 +4540,7 @@
                   </a:outerShdw>
                 </a:effectLst>
               </a:rPr>
-              <a:t>.</a:t>
-            </a:r>
-            <a:endParaRPr lang="fr-FR" sz="2400" dirty="0" smtClean="0">
-              <a:ln w="0"/>
-              <a:effectLst>
-                <a:outerShdw blurRad="38100" dist="19050" dir="2700000" algn="tl" rotWithShape="0">
-                  <a:schemeClr val="dk1">
-                    <a:alpha val="40000"/>
-                  </a:schemeClr>
-                </a:outerShdw>
-              </a:effectLst>
-            </a:endParaRPr>
-          </a:p>
-        </p:txBody>
-      </p:sp>
-      <p:sp>
-        <p:nvSpPr>
-          <p:cNvPr id="8" name="Rectangle 7"/>
-          <p:cNvSpPr/>
-          <p:nvPr/>
-        </p:nvSpPr>
-        <p:spPr>
-          <a:xfrm>
-            <a:off x="0" y="4212887"/>
-            <a:ext cx="11722376" cy="830997"/>
-          </a:xfrm>
-          <a:prstGeom prst="rect">
-            <a:avLst/>
-          </a:prstGeom>
-          <a:noFill/>
-        </p:spPr>
-        <p:txBody>
-          <a:bodyPr wrap="none" lIns="91440" tIns="45720" rIns="91440" bIns="45720">
-            <a:spAutoFit/>
-          </a:bodyPr>
-          <a:lstStyle/>
-          <a:p>
-            <a:r>
-              <a:rPr lang="fr-FR" sz="2400" dirty="0" smtClean="0">
-                <a:ln w="0"/>
-                <a:effectLst>
-                  <a:outerShdw blurRad="38100" dist="19050" dir="2700000" algn="tl" rotWithShape="0">
-                    <a:schemeClr val="dk1">
-                      <a:alpha val="40000"/>
-                    </a:schemeClr>
-                  </a:outerShdw>
-                </a:effectLst>
-              </a:rPr>
-              <a:t>      =DROITE() </a:t>
-            </a:r>
-            <a:r>
-              <a:rPr lang="fr-FR" sz="2400" dirty="0" smtClean="0">
-                <a:ln w="0"/>
-                <a:effectLst>
-                  <a:outerShdw blurRad="38100" dist="19050" dir="2700000" algn="tl" rotWithShape="0">
-                    <a:schemeClr val="dk1">
-                      <a:alpha val="40000"/>
-                    </a:schemeClr>
-                  </a:outerShdw>
-                </a:effectLst>
-              </a:rPr>
-              <a:t>et </a:t>
-            </a:r>
-            <a:r>
-              <a:rPr lang="fr-FR" sz="2400" dirty="0" smtClean="0">
-                <a:ln w="0"/>
-                <a:effectLst>
-                  <a:outerShdw blurRad="38100" dist="19050" dir="2700000" algn="tl" rotWithShape="0">
-                    <a:schemeClr val="dk1">
-                      <a:alpha val="40000"/>
-                    </a:schemeClr>
-                  </a:outerShdw>
-                </a:effectLst>
-              </a:rPr>
-              <a:t>=GAUCHE(): </a:t>
-            </a:r>
-            <a:r>
-              <a:rPr lang="fr-FR" sz="2400" dirty="0" smtClean="0">
-                <a:ln w="0"/>
-                <a:effectLst>
-                  <a:outerShdw blurRad="38100" dist="19050" dir="2700000" algn="tl" rotWithShape="0">
-                    <a:schemeClr val="dk1">
-                      <a:alpha val="40000"/>
-                    </a:schemeClr>
-                  </a:outerShdw>
-                </a:effectLst>
-              </a:rPr>
-              <a:t>Elles permettent d’extraire les caractères du début (GAUCHE) </a:t>
-            </a:r>
-          </a:p>
-          <a:p>
-            <a:r>
-              <a:rPr lang="fr-FR" sz="2400" dirty="0" smtClean="0">
-                <a:ln w="0"/>
-                <a:effectLst>
-                  <a:outerShdw blurRad="38100" dist="19050" dir="2700000" algn="tl" rotWithShape="0">
-                    <a:schemeClr val="dk1">
-                      <a:alpha val="40000"/>
-                    </a:schemeClr>
-                  </a:outerShdw>
-                </a:effectLst>
-              </a:rPr>
-              <a:t>et de fin (DROITE) de la chaîne de </a:t>
-            </a:r>
-            <a:r>
-              <a:rPr lang="fr-FR" sz="2400" dirty="0" smtClean="0">
-                <a:ln w="0"/>
-                <a:effectLst>
-                  <a:outerShdw blurRad="38100" dist="19050" dir="2700000" algn="tl" rotWithShape="0">
-                    <a:schemeClr val="dk1">
-                      <a:alpha val="40000"/>
-                    </a:schemeClr>
-                  </a:outerShdw>
-                </a:effectLst>
-              </a:rPr>
-              <a:t>caractère</a:t>
-            </a:r>
-            <a:r>
-              <a:rPr lang="fr-FR" sz="2400" dirty="0" smtClean="0">
-                <a:ln w="0"/>
-                <a:effectLst>
-                  <a:outerShdw blurRad="38100" dist="19050" dir="2700000" algn="tl" rotWithShape="0">
-                    <a:schemeClr val="dk1">
-                      <a:alpha val="40000"/>
-                    </a:schemeClr>
-                  </a:outerShdw>
-                </a:effectLst>
-              </a:rPr>
-              <a:t>.</a:t>
+              <a:t>et de fin (DROITE) de la chaîne de caractère.</a:t>
             </a:r>
             <a:endParaRPr lang="fr-FR" sz="2400" cap="none" spc="0" dirty="0">
               <a:ln w="0"/>
@@ -4950,8 +4844,8 @@
         </p:nvSpPr>
         <p:spPr>
           <a:xfrm>
-            <a:off x="921908" y="1591293"/>
-            <a:ext cx="9319282" cy="646331"/>
+            <a:off x="45654" y="1358652"/>
+            <a:ext cx="11982704" cy="1384995"/>
           </a:xfrm>
           <a:prstGeom prst="rect">
             <a:avLst/>
@@ -4965,31 +4859,123 @@
           <a:lstStyle/>
           <a:p>
             <a:r>
-              <a:rPr lang="fr-FR" dirty="0"/>
-              <a:t>Les fonctions du groupe RECHERCHE &amp; MATRICE permet de faire des recherches </a:t>
-            </a:r>
-            <a:endParaRPr lang="fr-FR" dirty="0" smtClean="0"/>
-          </a:p>
-          <a:p>
-            <a:r>
-              <a:rPr lang="fr-FR" dirty="0" smtClean="0"/>
-              <a:t>dans </a:t>
-            </a:r>
-            <a:r>
-              <a:rPr lang="fr-FR" dirty="0"/>
-              <a:t>un tableau de valeurs et de renvoyer la valeur trouvée dans une cellule </a:t>
-            </a:r>
-            <a:r>
-              <a:rPr lang="fr-FR"/>
+              <a:rPr lang="fr-FR" sz="2800" dirty="0"/>
+              <a:t>Les fonctions du groupe RECHERCHE </a:t>
+            </a:r>
+            <a:r>
+              <a:rPr lang="fr-FR" sz="2800" dirty="0" smtClean="0"/>
+              <a:t>&amp; REFERENCE </a:t>
+            </a:r>
+            <a:r>
+              <a:rPr lang="fr-FR" sz="2800" dirty="0"/>
+              <a:t>permet de faire des </a:t>
+            </a:r>
+            <a:endParaRPr lang="fr-FR" sz="2800" dirty="0" smtClean="0"/>
+          </a:p>
+          <a:p>
+            <a:r>
+              <a:rPr lang="fr-FR" sz="2800" dirty="0" smtClean="0"/>
+              <a:t>recherches dans </a:t>
+            </a:r>
+            <a:r>
+              <a:rPr lang="fr-FR" sz="2800" dirty="0"/>
+              <a:t>un tableau de valeurs et de renvoyer la valeur trouvée dans une </a:t>
+            </a:r>
+            <a:endParaRPr lang="fr-FR" sz="2800" dirty="0" smtClean="0"/>
+          </a:p>
+          <a:p>
+            <a:r>
+              <a:rPr lang="fr-FR" sz="2800" dirty="0" smtClean="0"/>
+              <a:t>cellule </a:t>
+            </a:r>
+            <a:r>
+              <a:rPr lang="fr-FR" sz="2800" dirty="0"/>
               <a:t>ou </a:t>
             </a:r>
             <a:r>
-              <a:rPr lang="fr-FR" smtClean="0"/>
+              <a:rPr lang="fr-FR" sz="2800" dirty="0" smtClean="0"/>
               <a:t>plusieurs </a:t>
             </a:r>
             <a:r>
-              <a:rPr lang="fr-FR" dirty="0"/>
+              <a:rPr lang="fr-FR" sz="2800" dirty="0"/>
               <a:t>cellules.</a:t>
+            </a:r>
+            <a:endParaRPr lang="fr-FR" sz="2800" b="0" cap="none" spc="0" dirty="0">
+              <a:ln w="0"/>
+              <a:solidFill>
+                <a:schemeClr val="tx1"/>
+              </a:solidFill>
+              <a:effectLst>
+                <a:outerShdw blurRad="38100" dist="19050" dir="2700000" algn="tl" rotWithShape="0">
+                  <a:schemeClr val="dk1">
+                    <a:alpha val="40000"/>
+                  </a:schemeClr>
+                </a:outerShdw>
+              </a:effectLst>
+            </a:endParaRPr>
+          </a:p>
+        </p:txBody>
+      </p:sp>
+      <p:sp>
+        <p:nvSpPr>
+          <p:cNvPr id="11" name="Rectangle 10"/>
+          <p:cNvSpPr/>
+          <p:nvPr/>
+        </p:nvSpPr>
+        <p:spPr>
+          <a:xfrm>
+            <a:off x="1196796" y="2971454"/>
+            <a:ext cx="5905784" cy="461665"/>
+          </a:xfrm>
+          <a:prstGeom prst="rect">
+            <a:avLst/>
+          </a:prstGeom>
+          <a:noFill/>
+        </p:spPr>
+        <p:txBody>
+          <a:bodyPr wrap="none" lIns="91440" tIns="45720" rIns="91440" bIns="45720">
+            <a:spAutoFit/>
+          </a:bodyPr>
+          <a:lstStyle/>
+          <a:p>
+            <a:r>
+              <a:rPr lang="fr-FR" sz="2400" dirty="0">
+                <a:ln w="0"/>
+                <a:effectLst>
+                  <a:outerShdw blurRad="38100" dist="19050" dir="2700000" algn="tl" rotWithShape="0">
+                    <a:schemeClr val="dk1">
+                      <a:alpha val="40000"/>
+                    </a:schemeClr>
+                  </a:outerShdw>
+                </a:effectLst>
+              </a:rPr>
+              <a:t>La fonction </a:t>
+            </a:r>
+            <a:r>
+              <a:rPr lang="fr-FR" sz="2400" dirty="0" smtClean="0">
+                <a:ln w="0"/>
+                <a:effectLst>
+                  <a:outerShdw blurRad="38100" dist="19050" dir="2700000" algn="tl" rotWithShape="0">
+                    <a:schemeClr val="dk1">
+                      <a:alpha val="40000"/>
+                    </a:schemeClr>
+                  </a:outerShdw>
+                </a:effectLst>
+              </a:rPr>
+              <a:t>RECHERCHEV(), </a:t>
+            </a:r>
+            <a:r>
+              <a:rPr lang="fr-FR" sz="2400" dirty="0">
+                <a:ln w="0"/>
+                <a:effectLst>
+                  <a:outerShdw blurRad="38100" dist="19050" dir="2700000" algn="tl" rotWithShape="0">
+                    <a:schemeClr val="dk1">
+                      <a:alpha val="40000"/>
+                    </a:schemeClr>
+                  </a:outerShdw>
+                </a:effectLst>
+              </a:rPr>
+              <a:t>Que permet-elle ?</a:t>
             </a:r>
             <a:endParaRPr lang="fr-FR" sz="2400" b="0" cap="none" spc="0" dirty="0">
               <a:ln w="0"/>
@@ -5009,14 +4995,14 @@
       </p:sp>
       <p:sp>
         <p:nvSpPr>
-          <p:cNvPr id="11" name="Rectangle 10"/>
-          <p:cNvSpPr/>
+          <p:cNvPr id="2" name="ZoneTexte 1"/>
+          <p:cNvSpPr txBox="1"/>
           <p:nvPr/>
         </p:nvSpPr>
         <p:spPr>
           <a:xfrm>
-            <a:off x="-790916" y="2923118"/>
-            <a:ext cx="9320693" cy="461665"/>
+            <a:off x="174812" y="3913094"/>
+            <a:ext cx="10827485" cy="1815882"/>
           </a:xfrm>
           <a:prstGeom prst="rect">
             <a:avLst/>
@@ -5024,142 +5010,24 @@
           <a:noFill/>
         </p:spPr>
         <p:txBody>
-          <a:bodyPr wrap="none" lIns="91440" tIns="45720" rIns="91440" bIns="45720">
+          <a:bodyPr wrap="square" rtlCol="0">
             <a:spAutoFit/>
           </a:bodyPr>
           <a:lstStyle/>
           <a:p>
-            <a:pPr algn="ctr"/>
-            <a:r>
-              <a:rPr lang="fr-FR" sz="2400" dirty="0" smtClean="0">
-                <a:ln w="0"/>
-                <a:effectLst>
-                  <a:outerShdw blurRad="38100" dist="19050" dir="2700000" algn="tl" rotWithShape="0">
-                    <a:schemeClr val="dk1">
-                      <a:alpha val="40000"/>
-                    </a:schemeClr>
-                  </a:outerShdw>
-                </a:effectLst>
-              </a:rPr>
-              <a:t>=RECHERCHEV(</a:t>
-            </a:r>
-            <a:r>
-              <a:rPr lang="fr-FR" sz="2400" dirty="0" err="1" smtClean="0">
-                <a:ln w="0"/>
-                <a:effectLst>
-                  <a:outerShdw blurRad="38100" dist="19050" dir="2700000" algn="tl" rotWithShape="0">
-                    <a:schemeClr val="dk1">
-                      <a:alpha val="40000"/>
-                    </a:schemeClr>
-                  </a:outerShdw>
-                </a:effectLst>
-              </a:rPr>
-              <a:t>valeur_cherchée;plage;numéro_colonne</a:t>
-            </a:r>
-            <a:r>
-              <a:rPr lang="fr-FR" sz="2400" dirty="0" smtClean="0">
-                <a:ln w="0"/>
-                <a:effectLst>
-                  <a:outerShdw blurRad="38100" dist="19050" dir="2700000" algn="tl" rotWithShape="0">
-                    <a:schemeClr val="dk1">
-                      <a:alpha val="40000"/>
-                    </a:schemeClr>
-                  </a:outerShdw>
-                </a:effectLst>
-              </a:rPr>
-              <a:t>;[</a:t>
-            </a:r>
-            <a:r>
-              <a:rPr lang="fr-FR" sz="2400" dirty="0" err="1" smtClean="0">
-                <a:ln w="0"/>
-                <a:effectLst>
-                  <a:outerShdw blurRad="38100" dist="19050" dir="2700000" algn="tl" rotWithShape="0">
-                    <a:schemeClr val="dk1">
-                      <a:alpha val="40000"/>
-                    </a:schemeClr>
-                  </a:outerShdw>
-                </a:effectLst>
-              </a:rPr>
-              <a:t>valeur_proche</a:t>
-            </a:r>
-            <a:r>
-              <a:rPr lang="fr-FR" sz="2400" dirty="0" smtClean="0">
-                <a:ln w="0"/>
-                <a:effectLst>
-                  <a:outerShdw blurRad="38100" dist="19050" dir="2700000" algn="tl" rotWithShape="0">
-                    <a:schemeClr val="dk1">
-                      <a:alpha val="40000"/>
-                    </a:schemeClr>
-                  </a:outerShdw>
-                </a:effectLst>
-              </a:rPr>
-              <a:t>])</a:t>
-            </a:r>
-            <a:endParaRPr lang="fr-FR" sz="2400" b="0" cap="none" spc="0" dirty="0">
-              <a:ln w="0"/>
-              <a:solidFill>
-                <a:schemeClr val="tx1"/>
-              </a:solidFill>
-              <a:effectLst>
-                <a:outerShdw blurRad="38100" dist="19050" dir="2700000" algn="tl" rotWithShape="0">
-                  <a:schemeClr val="dk1">
-                    <a:alpha val="40000"/>
-                  </a:schemeClr>
-                </a:outerShdw>
-              </a:effectLst>
-            </a:endParaRPr>
-          </a:p>
-        </p:txBody>
-      </p:sp>
-      <p:sp>
-        <p:nvSpPr>
-          <p:cNvPr id="12" name="Rectangle 11"/>
-          <p:cNvSpPr/>
-          <p:nvPr/>
-        </p:nvSpPr>
-        <p:spPr>
-          <a:xfrm>
-            <a:off x="3433194" y="3673795"/>
-            <a:ext cx="5163978" cy="461665"/>
-          </a:xfrm>
-          <a:prstGeom prst="rect">
-            <a:avLst/>
-          </a:prstGeom>
-          <a:noFill/>
-        </p:spPr>
-        <p:txBody>
-          <a:bodyPr wrap="none" lIns="91440" tIns="45720" rIns="91440" bIns="45720">
-            <a:spAutoFit/>
-          </a:bodyPr>
-          <a:lstStyle/>
-          <a:p>
-            <a:pPr algn="ctr"/>
-            <a:r>
-              <a:rPr lang="fr-FR" sz="2400" dirty="0" smtClean="0">
-                <a:ln w="0"/>
-                <a:effectLst>
-                  <a:outerShdw blurRad="38100" dist="19050" dir="2700000" algn="tl" rotWithShape="0">
-                    <a:schemeClr val="dk1">
-                      <a:alpha val="40000"/>
-                    </a:schemeClr>
-                  </a:outerShdw>
-                </a:effectLst>
-              </a:rPr>
-              <a:t>RECHERCHE,RECHERCHEH,RECHERCHEX</a:t>
-            </a:r>
-            <a:endParaRPr lang="fr-FR" sz="2400" b="0" cap="none" spc="0" dirty="0">
-              <a:ln w="0"/>
-              <a:solidFill>
-                <a:schemeClr val="tx1"/>
-              </a:solidFill>
-              <a:effectLst>
-                <a:outerShdw blurRad="38100" dist="19050" dir="2700000" algn="tl" rotWithShape="0">
-                  <a:schemeClr val="dk1">
-                    <a:alpha val="40000"/>
-                  </a:schemeClr>
-                </a:outerShdw>
-              </a:effectLst>
-            </a:endParaRPr>
+            <a:r>
+              <a:rPr lang="fr-FR" sz="2800" dirty="0"/>
+              <a:t>E</a:t>
+            </a:r>
+            <a:r>
+              <a:rPr lang="fr-FR" sz="2800" dirty="0" smtClean="0"/>
+              <a:t>lle </a:t>
+            </a:r>
+            <a:r>
+              <a:rPr lang="fr-FR" sz="2800" dirty="0"/>
+              <a:t>permet de rechercher une valeur dans un tableau, plage de cellule ou matrice et de renvoyer une valeur associée. Elle cherche dans la première colonne et renvoie une valeur d'une des autres colonnes sur la même ligne.</a:t>
+            </a:r>
+            <a:endParaRPr lang="fr-FR" sz="2800" dirty="0"/>
           </a:p>
         </p:txBody>
       </p:sp>
@@ -5215,7 +5083,7 @@
         <p:spPr>
           <a:xfrm>
             <a:off x="1919416" y="295004"/>
-            <a:ext cx="8353167" cy="707886"/>
+            <a:ext cx="8671633" cy="707886"/>
           </a:xfrm>
           <a:prstGeom prst="rect">
             <a:avLst/>
@@ -5254,7 +5122,7 @@
                   <a:schemeClr val="bg1"/>
                 </a:solidFill>
               </a:rPr>
-              <a:t>Fonctions statistiques</a:t>
+              <a:t>Les fonctions de Recherche et Référence</a:t>
             </a:r>
             <a:endParaRPr lang="fr-FR" sz="4000" dirty="0">
               <a:solidFill>
@@ -5416,8 +5284,8 @@
         </p:nvSpPr>
         <p:spPr>
           <a:xfrm>
-            <a:off x="3674433" y="1710776"/>
-            <a:ext cx="1717073" cy="461665"/>
+            <a:off x="1471042" y="1443025"/>
+            <a:ext cx="6452344" cy="523220"/>
           </a:xfrm>
           <a:prstGeom prst="rect">
             <a:avLst/>
@@ -5430,9 +5298,50 @@
           </a:bodyPr>
           <a:lstStyle/>
           <a:p>
-            <a:pPr algn="ctr"/>
-            <a:r>
-              <a:rPr lang="fr-FR" sz="2400" dirty="0" smtClean="0">
+            <a:r>
+              <a:rPr lang="fr-FR" sz="2800" dirty="0"/>
+              <a:t>Comment s'écrit-elle et quels paramètres ?</a:t>
+            </a:r>
+            <a:endParaRPr lang="fr-FR" sz="2800" b="0" cap="none" spc="0" dirty="0">
+              <a:ln w="0"/>
+              <a:solidFill>
+                <a:schemeClr val="tx1"/>
+              </a:solidFill>
+              <a:effectLst>
+                <a:outerShdw blurRad="38100" dist="19050" dir="2700000" algn="tl" rotWithShape="0">
+                  <a:schemeClr val="dk1">
+                    <a:alpha val="40000"/>
+                  </a:schemeClr>
+                </a:outerShdw>
+              </a:effectLst>
+            </a:endParaRPr>
+          </a:p>
+        </p:txBody>
+      </p:sp>
+      <p:sp>
+        <p:nvSpPr>
+          <p:cNvPr id="11" name="Rectangle 10"/>
+          <p:cNvSpPr/>
+          <p:nvPr/>
+        </p:nvSpPr>
+        <p:spPr>
+          <a:xfrm>
+            <a:off x="174812" y="2247648"/>
+            <a:ext cx="9718173" cy="1200329"/>
+          </a:xfrm>
+          <a:prstGeom prst="rect">
+            <a:avLst/>
+          </a:prstGeom>
+          <a:noFill/>
+        </p:spPr>
+        <p:txBody>
+          <a:bodyPr wrap="none" lIns="91440" tIns="45720" rIns="91440" bIns="45720">
+            <a:spAutoFit/>
+          </a:bodyPr>
+          <a:lstStyle/>
+          <a:p>
+            <a:r>
+              <a:rPr lang="fr-FR" sz="2400" dirty="0">
                 <a:ln w="0"/>
                 <a:effectLst>
                   <a:outerShdw blurRad="38100" dist="19050" dir="2700000" algn="tl" rotWithShape="0">
@@ -5442,7 +5351,96 @@
                   </a:outerShdw>
                 </a:effectLst>
               </a:rPr>
-              <a:t>MAX et MIN</a:t>
+              <a:t>Cette fonction prend plusieurs paramètres, trois obligatoires et un facultatif. </a:t>
+            </a:r>
+            <a:endParaRPr lang="fr-FR" sz="2400" dirty="0" smtClean="0">
+              <a:ln w="0"/>
+              <a:effectLst>
+                <a:outerShdw blurRad="38100" dist="19050" dir="2700000" algn="tl" rotWithShape="0">
+                  <a:schemeClr val="dk1">
+                    <a:alpha val="40000"/>
+                  </a:schemeClr>
+                </a:outerShdw>
+              </a:effectLst>
+            </a:endParaRPr>
+          </a:p>
+          <a:p>
+            <a:endParaRPr lang="fr-FR" sz="2400" dirty="0">
+              <a:ln w="0"/>
+              <a:effectLst>
+                <a:outerShdw blurRad="38100" dist="19050" dir="2700000" algn="tl" rotWithShape="0">
+                  <a:schemeClr val="dk1">
+                    <a:alpha val="40000"/>
+                  </a:schemeClr>
+                </a:outerShdw>
+              </a:effectLst>
+            </a:endParaRPr>
+          </a:p>
+          <a:p>
+            <a:r>
+              <a:rPr lang="fr-FR" sz="2400" dirty="0">
+                <a:ln w="0"/>
+                <a:effectLst>
+                  <a:outerShdw blurRad="38100" dist="19050" dir="2700000" algn="tl" rotWithShape="0">
+                    <a:schemeClr val="dk1">
+                      <a:alpha val="40000"/>
+                    </a:schemeClr>
+                  </a:outerShdw>
+                </a:effectLst>
+              </a:rPr>
+              <a:t>=RECHERCHEV(</a:t>
+            </a:r>
+            <a:r>
+              <a:rPr lang="fr-FR" sz="2400" dirty="0" err="1">
+                <a:ln w="0"/>
+                <a:effectLst>
+                  <a:outerShdw blurRad="38100" dist="19050" dir="2700000" algn="tl" rotWithShape="0">
+                    <a:schemeClr val="dk1">
+                      <a:alpha val="40000"/>
+                    </a:schemeClr>
+                  </a:outerShdw>
+                </a:effectLst>
+              </a:rPr>
+              <a:t>valeur_cherchée;plage;numero_colonne</a:t>
+            </a:r>
+            <a:r>
+              <a:rPr lang="fr-FR" sz="2400" dirty="0">
+                <a:ln w="0"/>
+                <a:effectLst>
+                  <a:outerShdw blurRad="38100" dist="19050" dir="2700000" algn="tl" rotWithShape="0">
+                    <a:schemeClr val="dk1">
+                      <a:alpha val="40000"/>
+                    </a:schemeClr>
+                  </a:outerShdw>
+                </a:effectLst>
+              </a:rPr>
+              <a:t>;[</a:t>
+            </a:r>
+            <a:r>
+              <a:rPr lang="fr-FR" sz="2400" dirty="0" err="1">
+                <a:ln w="0"/>
+                <a:effectLst>
+                  <a:outerShdw blurRad="38100" dist="19050" dir="2700000" algn="tl" rotWithShape="0">
+                    <a:schemeClr val="dk1">
+                      <a:alpha val="40000"/>
+                    </a:schemeClr>
+                  </a:outerShdw>
+                </a:effectLst>
+              </a:rPr>
+              <a:t>valeur_proche</a:t>
+            </a:r>
+            <a:r>
+              <a:rPr lang="fr-FR" sz="2400" dirty="0">
+                <a:ln w="0"/>
+                <a:effectLst>
+                  <a:outerShdw blurRad="38100" dist="19050" dir="2700000" algn="tl" rotWithShape="0">
+                    <a:schemeClr val="dk1">
+                      <a:alpha val="40000"/>
+                    </a:schemeClr>
+                  </a:outerShdw>
+                </a:effectLst>
+              </a:rPr>
+              <a:t>])</a:t>
             </a:r>
             <a:endParaRPr lang="fr-FR" sz="2400" b="0" cap="none" spc="0" dirty="0">
               <a:ln w="0"/>
@@ -5462,14 +5460,14 @@
       </p:sp>
       <p:sp>
         <p:nvSpPr>
-          <p:cNvPr id="9" name="Rectangle 8"/>
-          <p:cNvSpPr/>
+          <p:cNvPr id="2" name="ZoneTexte 1"/>
+          <p:cNvSpPr txBox="1"/>
           <p:nvPr/>
         </p:nvSpPr>
         <p:spPr>
           <a:xfrm>
-            <a:off x="0" y="2172441"/>
-            <a:ext cx="11352147" cy="461665"/>
+            <a:off x="174812" y="3859306"/>
+            <a:ext cx="10827485" cy="2246769"/>
           </a:xfrm>
           <a:prstGeom prst="rect">
             <a:avLst/>
@@ -5477,233 +5475,38 @@
           <a:noFill/>
         </p:spPr>
         <p:txBody>
-          <a:bodyPr wrap="none" lIns="91440" tIns="45720" rIns="91440" bIns="45720">
+          <a:bodyPr wrap="square" rtlCol="0">
             <a:spAutoFit/>
           </a:bodyPr>
           <a:lstStyle/>
           <a:p>
-            <a:pPr algn="ctr"/>
-            <a:r>
-              <a:rPr lang="fr-FR" sz="2400" dirty="0" smtClean="0">
-                <a:ln w="0"/>
-                <a:effectLst>
-                  <a:outerShdw blurRad="38100" dist="19050" dir="2700000" algn="tl" rotWithShape="0">
-                    <a:schemeClr val="dk1">
-                      <a:alpha val="40000"/>
-                    </a:schemeClr>
-                  </a:outerShdw>
-                </a:effectLst>
-              </a:rPr>
-              <a:t>Ces fonctions permettent de renvoyer le maximum et le minimum d’une liste de nombre.</a:t>
-            </a:r>
-            <a:endParaRPr lang="fr-FR" sz="2400" b="0" cap="none" spc="0" dirty="0">
-              <a:ln w="0"/>
-              <a:solidFill>
-                <a:schemeClr val="tx1"/>
-              </a:solidFill>
-              <a:effectLst>
-                <a:outerShdw blurRad="38100" dist="19050" dir="2700000" algn="tl" rotWithShape="0">
-                  <a:schemeClr val="dk1">
-                    <a:alpha val="40000"/>
-                  </a:schemeClr>
-                </a:outerShdw>
-              </a:effectLst>
-            </a:endParaRPr>
-          </a:p>
-        </p:txBody>
-      </p:sp>
-      <p:sp>
-        <p:nvSpPr>
-          <p:cNvPr id="11" name="Rectangle 10"/>
-          <p:cNvSpPr/>
-          <p:nvPr/>
-        </p:nvSpPr>
-        <p:spPr>
-          <a:xfrm>
-            <a:off x="171598" y="2923118"/>
-            <a:ext cx="7395614" cy="461665"/>
-          </a:xfrm>
-          <a:prstGeom prst="rect">
-            <a:avLst/>
-          </a:prstGeom>
-          <a:noFill/>
-        </p:spPr>
-        <p:txBody>
-          <a:bodyPr wrap="none" lIns="91440" tIns="45720" rIns="91440" bIns="45720">
-            <a:spAutoFit/>
-          </a:bodyPr>
-          <a:lstStyle/>
-          <a:p>
-            <a:pPr algn="ctr"/>
-            <a:r>
-              <a:rPr lang="fr-FR" sz="2400" dirty="0" smtClean="0">
-                <a:ln w="0"/>
-                <a:effectLst>
-                  <a:outerShdw blurRad="38100" dist="19050" dir="2700000" algn="tl" rotWithShape="0">
-                    <a:schemeClr val="dk1">
-                      <a:alpha val="40000"/>
-                    </a:schemeClr>
-                  </a:outerShdw>
-                </a:effectLst>
-              </a:rPr>
-              <a:t>MOYENNE : Elle renvoie la moyenne d’une liste de valeurs</a:t>
-            </a:r>
-            <a:endParaRPr lang="fr-FR" sz="2400" b="0" cap="none" spc="0" dirty="0">
-              <a:ln w="0"/>
-              <a:solidFill>
-                <a:schemeClr val="tx1"/>
-              </a:solidFill>
-              <a:effectLst>
-                <a:outerShdw blurRad="38100" dist="19050" dir="2700000" algn="tl" rotWithShape="0">
-                  <a:schemeClr val="dk1">
-                    <a:alpha val="40000"/>
-                  </a:schemeClr>
-                </a:outerShdw>
-              </a:effectLst>
-            </a:endParaRPr>
-          </a:p>
-        </p:txBody>
-      </p:sp>
-      <p:sp>
-        <p:nvSpPr>
-          <p:cNvPr id="12" name="Rectangle 11"/>
-          <p:cNvSpPr/>
-          <p:nvPr/>
-        </p:nvSpPr>
-        <p:spPr>
-          <a:xfrm>
-            <a:off x="171598" y="3673795"/>
-            <a:ext cx="11687110" cy="830997"/>
-          </a:xfrm>
-          <a:prstGeom prst="rect">
-            <a:avLst/>
-          </a:prstGeom>
-          <a:noFill/>
-        </p:spPr>
-        <p:txBody>
-          <a:bodyPr wrap="none" lIns="91440" tIns="45720" rIns="91440" bIns="45720">
-            <a:spAutoFit/>
-          </a:bodyPr>
-          <a:lstStyle/>
-          <a:p>
-            <a:pPr algn="ctr"/>
-            <a:r>
-              <a:rPr lang="fr-FR" sz="2400" dirty="0" smtClean="0">
-                <a:ln w="0"/>
-                <a:effectLst>
-                  <a:outerShdw blurRad="38100" dist="19050" dir="2700000" algn="tl" rotWithShape="0">
-                    <a:schemeClr val="dk1">
-                      <a:alpha val="40000"/>
-                    </a:schemeClr>
-                  </a:outerShdw>
-                </a:effectLst>
-              </a:rPr>
-              <a:t>MOYENNE.SI : Elle combine la fonction MOYENNE et la fonction  SI pour donner la moyenne </a:t>
-            </a:r>
-          </a:p>
-          <a:p>
-            <a:pPr algn="ctr"/>
-            <a:r>
-              <a:rPr lang="fr-FR" sz="2400" dirty="0" smtClean="0">
-                <a:ln w="0"/>
-                <a:effectLst>
-                  <a:outerShdw blurRad="38100" dist="19050" dir="2700000" algn="tl" rotWithShape="0">
-                    <a:schemeClr val="dk1">
-                      <a:alpha val="40000"/>
-                    </a:schemeClr>
-                  </a:outerShdw>
-                </a:effectLst>
-              </a:rPr>
-              <a:t>d’une série de valeurs qui respectent une condition</a:t>
-            </a:r>
-            <a:endParaRPr lang="fr-FR" sz="2400" b="0" cap="none" spc="0" dirty="0">
-              <a:ln w="0"/>
-              <a:solidFill>
-                <a:schemeClr val="tx1"/>
-              </a:solidFill>
-              <a:effectLst>
-                <a:outerShdw blurRad="38100" dist="19050" dir="2700000" algn="tl" rotWithShape="0">
-                  <a:schemeClr val="dk1">
-                    <a:alpha val="40000"/>
-                  </a:schemeClr>
-                </a:outerShdw>
-              </a:effectLst>
-            </a:endParaRPr>
-          </a:p>
-        </p:txBody>
-      </p:sp>
-      <p:sp>
-        <p:nvSpPr>
-          <p:cNvPr id="13" name="Rectangle 12"/>
-          <p:cNvSpPr/>
-          <p:nvPr/>
-        </p:nvSpPr>
-        <p:spPr>
-          <a:xfrm>
-            <a:off x="171598" y="4757378"/>
-            <a:ext cx="9102685" cy="830997"/>
-          </a:xfrm>
-          <a:prstGeom prst="rect">
-            <a:avLst/>
-          </a:prstGeom>
-          <a:noFill/>
-        </p:spPr>
-        <p:txBody>
-          <a:bodyPr wrap="none" lIns="91440" tIns="45720" rIns="91440" bIns="45720">
-            <a:spAutoFit/>
-          </a:bodyPr>
-          <a:lstStyle/>
-          <a:p>
-            <a:pPr algn="ctr"/>
-            <a:r>
-              <a:rPr lang="fr-FR" sz="2400" dirty="0" smtClean="0">
-                <a:ln w="0"/>
-                <a:effectLst>
-                  <a:outerShdw blurRad="38100" dist="19050" dir="2700000" algn="tl" rotWithShape="0">
-                    <a:schemeClr val="dk1">
-                      <a:alpha val="40000"/>
-                    </a:schemeClr>
-                  </a:outerShdw>
-                </a:effectLst>
-              </a:rPr>
-              <a:t>MEDIANE : Elle permet de renvoyer la médiane d’une série de nombre. </a:t>
-            </a:r>
-          </a:p>
-          <a:p>
-            <a:pPr algn="ctr"/>
-            <a:r>
-              <a:rPr lang="fr-FR" sz="2400" dirty="0" smtClean="0">
-                <a:ln w="0"/>
-                <a:effectLst>
-                  <a:outerShdw blurRad="38100" dist="19050" dir="2700000" algn="tl" rotWithShape="0">
-                    <a:schemeClr val="dk1">
-                      <a:alpha val="40000"/>
-                    </a:schemeClr>
-                  </a:outerShdw>
-                </a:effectLst>
-              </a:rPr>
-              <a:t>La médiane est le centre de cette série</a:t>
-            </a:r>
-            <a:endParaRPr lang="fr-FR" sz="2400" b="0" cap="none" spc="0" dirty="0">
-              <a:ln w="0"/>
-              <a:solidFill>
-                <a:schemeClr val="tx1"/>
-              </a:solidFill>
-              <a:effectLst>
-                <a:outerShdw blurRad="38100" dist="19050" dir="2700000" algn="tl" rotWithShape="0">
-                  <a:schemeClr val="dk1">
-                    <a:alpha val="40000"/>
-                  </a:schemeClr>
-                </a:outerShdw>
-              </a:effectLst>
-            </a:endParaRPr>
+            <a:r>
+              <a:rPr lang="fr-FR" sz="2800" dirty="0"/>
+              <a:t>La </a:t>
+            </a:r>
+            <a:r>
+              <a:rPr lang="fr-FR" sz="2800" b="1" dirty="0"/>
+              <a:t>valeur cherchée </a:t>
+            </a:r>
+            <a:r>
+              <a:rPr lang="fr-FR" sz="2800" dirty="0"/>
+              <a:t>peut être une valeur chiffrée, du texte (qui sera alors entre guillemets) ou une cellule (et donc la valeur qu'elle contient). Elle doit être </a:t>
+            </a:r>
+            <a:r>
+              <a:rPr lang="fr-FR" sz="2800" b="1" dirty="0"/>
+              <a:t>obligatoirement dans la première colonne </a:t>
+            </a:r>
+            <a:r>
+              <a:rPr lang="fr-FR" sz="2800" dirty="0"/>
+              <a:t>sinon la cellule contenant la fonction RECHERCHEV vous renvoie l'erreur suivante : #NOM?.</a:t>
+            </a:r>
           </a:p>
         </p:txBody>
       </p:sp>
     </p:spTree>
     <p:extLst>
       <p:ext uri="{BB962C8B-B14F-4D97-AF65-F5344CB8AC3E}">
-        <p14:creationId xmlns:p14="http://schemas.microsoft.com/office/powerpoint/2010/main" val="3542756719"/>
+        <p14:creationId xmlns:p14="http://schemas.microsoft.com/office/powerpoint/2010/main" val="3669575213"/>
       </p:ext>
     </p:extLst>
   </p:cSld>
@@ -5752,7 +5555,7 @@
         <p:spPr>
           <a:xfrm>
             <a:off x="1919416" y="295004"/>
-            <a:ext cx="8353167" cy="707886"/>
+            <a:ext cx="8671633" cy="707886"/>
           </a:xfrm>
           <a:prstGeom prst="rect">
             <a:avLst/>
@@ -5791,7 +5594,7 @@
                   <a:schemeClr val="bg1"/>
                 </a:solidFill>
               </a:rPr>
-              <a:t>Fonctions statistiques</a:t>
+              <a:t>Les fonctions de Recherche et Référence</a:t>
             </a:r>
             <a:endParaRPr lang="fr-FR" sz="4000" dirty="0">
               <a:solidFill>
@@ -5947,14 +5750,14 @@
       </p:sp>
       <p:sp>
         <p:nvSpPr>
-          <p:cNvPr id="9" name="Rectangle 8"/>
+          <p:cNvPr id="8" name="Rectangle 7"/>
           <p:cNvSpPr/>
           <p:nvPr/>
         </p:nvSpPr>
         <p:spPr>
           <a:xfrm>
-            <a:off x="270079" y="1412458"/>
-            <a:ext cx="11651840" cy="5262979"/>
+            <a:off x="0" y="1587484"/>
+            <a:ext cx="11327140" cy="4524315"/>
           </a:xfrm>
           <a:prstGeom prst="rect">
             <a:avLst/>
@@ -5962,194 +5765,154 @@
           <a:noFill/>
         </p:spPr>
         <p:txBody>
-          <a:bodyPr wrap="square" lIns="91440" tIns="45720" rIns="91440" bIns="45720">
+          <a:bodyPr wrap="none" lIns="91440" tIns="45720" rIns="91440" bIns="45720">
             <a:spAutoFit/>
           </a:bodyPr>
           <a:lstStyle/>
           <a:p>
             <a:r>
-              <a:rPr lang="fr-FR" sz="2400" dirty="0">
-                <a:ln w="0"/>
-                <a:effectLst>
-                  <a:outerShdw blurRad="38100" dist="19050" dir="2700000" algn="tl" rotWithShape="0">
-                    <a:schemeClr val="dk1">
-                      <a:alpha val="40000"/>
-                    </a:schemeClr>
-                  </a:outerShdw>
-                </a:effectLst>
-              </a:rPr>
-              <a:t>MOYENNE Renvoie la moyenne de ses arguments.</a:t>
-            </a:r>
-          </a:p>
-          <a:p>
-            <a:r>
-              <a:rPr lang="fr-FR" sz="2400" dirty="0">
-                <a:ln w="0"/>
-                <a:effectLst>
-                  <a:outerShdw blurRad="38100" dist="19050" dir="2700000" algn="tl" rotWithShape="0">
-                    <a:schemeClr val="dk1">
-                      <a:alpha val="40000"/>
-                    </a:schemeClr>
-                  </a:outerShdw>
-                </a:effectLst>
-              </a:rPr>
-              <a:t>RANG Renvoie le classement d'une valeur dans un ensemble de valeur</a:t>
-            </a:r>
-          </a:p>
-          <a:p>
-            <a:r>
-              <a:rPr lang="fr-FR" sz="2400" dirty="0">
-                <a:ln w="0"/>
-                <a:effectLst>
-                  <a:outerShdw blurRad="38100" dist="19050" dir="2700000" algn="tl" rotWithShape="0">
-                    <a:schemeClr val="dk1">
-                      <a:alpha val="40000"/>
-                    </a:schemeClr>
-                  </a:outerShdw>
-                </a:effectLst>
-              </a:rPr>
-              <a:t>MAX Renvoie la valeur maximale contenue dans une liste d’arguments.</a:t>
-            </a:r>
-          </a:p>
-          <a:p>
-            <a:r>
-              <a:rPr lang="fr-FR" sz="2400" dirty="0">
-                <a:ln w="0"/>
-                <a:effectLst>
-                  <a:outerShdw blurRad="38100" dist="19050" dir="2700000" algn="tl" rotWithShape="0">
-                    <a:schemeClr val="dk1">
-                      <a:alpha val="40000"/>
-                    </a:schemeClr>
-                  </a:outerShdw>
-                </a:effectLst>
-              </a:rPr>
-              <a:t>MIN Renvoie la valeur minimale contenue dans une liste d’arguments.</a:t>
-            </a:r>
-          </a:p>
-          <a:p>
-            <a:r>
-              <a:rPr lang="fr-FR" sz="2400" dirty="0">
-                <a:ln w="0"/>
-                <a:effectLst>
-                  <a:outerShdw blurRad="38100" dist="19050" dir="2700000" algn="tl" rotWithShape="0">
-                    <a:schemeClr val="dk1">
-                      <a:alpha val="40000"/>
-                    </a:schemeClr>
-                  </a:outerShdw>
-                </a:effectLst>
-              </a:rPr>
-              <a:t>MOYENNE.SI Renvoie la moyenne (arithmétique) de toutes les cellules d’une plage qui répondent à des critères donnés.</a:t>
-            </a:r>
-          </a:p>
-          <a:p>
-            <a:r>
-              <a:rPr lang="fr-FR" sz="2400" dirty="0">
-                <a:ln w="0"/>
-                <a:effectLst>
-                  <a:outerShdw blurRad="38100" dist="19050" dir="2700000" algn="tl" rotWithShape="0">
-                    <a:schemeClr val="dk1">
-                      <a:alpha val="40000"/>
-                    </a:schemeClr>
-                  </a:outerShdw>
-                </a:effectLst>
-              </a:rPr>
-              <a:t>MOYENNE.SI.ENS Renvoie la moyenne (arithmétique) de toutes les cellules qui répondent à plusieurs critères.</a:t>
-            </a:r>
-          </a:p>
-          <a:p>
-            <a:r>
-              <a:rPr lang="fr-FR" sz="2400" dirty="0">
-                <a:ln w="0"/>
-                <a:effectLst>
-                  <a:outerShdw blurRad="38100" dist="19050" dir="2700000" algn="tl" rotWithShape="0">
-                    <a:schemeClr val="dk1">
-                      <a:alpha val="40000"/>
-                    </a:schemeClr>
-                  </a:outerShdw>
-                </a:effectLst>
-              </a:rPr>
-              <a:t>NB Détermine les nombres compris dans la liste des arguments.</a:t>
-            </a:r>
-          </a:p>
-          <a:p>
-            <a:r>
-              <a:rPr lang="fr-FR" sz="2400" dirty="0">
-                <a:ln w="0"/>
-                <a:effectLst>
-                  <a:outerShdw blurRad="38100" dist="19050" dir="2700000" algn="tl" rotWithShape="0">
-                    <a:schemeClr val="dk1">
-                      <a:alpha val="40000"/>
-                    </a:schemeClr>
-                  </a:outerShdw>
-                </a:effectLst>
-              </a:rPr>
-              <a:t>NBVAL Détermine le nombre de valeurs comprises dans la liste des arguments.</a:t>
-            </a:r>
-          </a:p>
-          <a:p>
-            <a:r>
-              <a:rPr lang="fr-FR" sz="2400" dirty="0">
-                <a:ln w="0"/>
-                <a:effectLst>
-                  <a:outerShdw blurRad="38100" dist="19050" dir="2700000" algn="tl" rotWithShape="0">
-                    <a:schemeClr val="dk1">
-                      <a:alpha val="40000"/>
-                    </a:schemeClr>
-                  </a:outerShdw>
-                </a:effectLst>
-              </a:rPr>
-              <a:t>NB.VIDE Compte le nombre de cellules vides dans une plage.</a:t>
-            </a:r>
-          </a:p>
-          <a:p>
-            <a:r>
-              <a:rPr lang="fr-FR" sz="2400" dirty="0">
-                <a:ln w="0"/>
-                <a:effectLst>
-                  <a:outerShdw blurRad="38100" dist="19050" dir="2700000" algn="tl" rotWithShape="0">
-                    <a:schemeClr val="dk1">
-                      <a:alpha val="40000"/>
-                    </a:schemeClr>
-                  </a:outerShdw>
-                </a:effectLst>
-              </a:rPr>
-              <a:t>NB.SI Compte le nombre de cellules qui répondent à un critère donné dans une plage.</a:t>
-            </a:r>
-          </a:p>
-          <a:p>
-            <a:r>
-              <a:rPr lang="fr-FR" sz="2400" dirty="0">
-                <a:ln w="0"/>
-                <a:effectLst>
-                  <a:outerShdw blurRad="38100" dist="19050" dir="2700000" algn="tl" rotWithShape="0">
-                    <a:schemeClr val="dk1">
-                      <a:alpha val="40000"/>
-                    </a:schemeClr>
-                  </a:outerShdw>
-                </a:effectLst>
-              </a:rPr>
-              <a:t>NB.SI.ENS Compte le nombre de cellules à l’intérieur d’une plage qui répondent à plusieurs critères.</a:t>
-            </a:r>
-            <a:endParaRPr lang="fr-FR" sz="2400" b="0" cap="none" spc="0" dirty="0">
-              <a:ln w="0"/>
-              <a:solidFill>
-                <a:schemeClr val="tx1"/>
-              </a:solidFill>
-              <a:effectLst>
-                <a:outerShdw blurRad="38100" dist="19050" dir="2700000" algn="tl" rotWithShape="0">
-                  <a:schemeClr val="dk1">
-                    <a:alpha val="40000"/>
-                  </a:schemeClr>
-                </a:outerShdw>
-              </a:effectLst>
-            </a:endParaRPr>
+              <a:rPr lang="fr-FR" sz="2400" dirty="0"/>
+              <a:t>Enfin, le troisième paramètre concerne le numéro de la colonne dans laquelle la fonction </a:t>
+            </a:r>
+            <a:endParaRPr lang="fr-FR" sz="2400" dirty="0" smtClean="0"/>
+          </a:p>
+          <a:p>
+            <a:r>
+              <a:rPr lang="fr-FR" sz="2400" dirty="0" smtClean="0"/>
+              <a:t>doit chercher la </a:t>
+            </a:r>
+            <a:r>
+              <a:rPr lang="fr-FR" sz="2400" dirty="0"/>
+              <a:t>valeur à retourner</a:t>
+            </a:r>
+            <a:r>
+              <a:rPr lang="fr-FR" sz="2400" dirty="0" smtClean="0"/>
+              <a:t>.</a:t>
+            </a:r>
+          </a:p>
+          <a:p>
+            <a:r>
+              <a:rPr lang="fr-FR" sz="2400" dirty="0" smtClean="0"/>
+              <a:t> </a:t>
+            </a:r>
+            <a:r>
+              <a:rPr lang="fr-FR" sz="2400" dirty="0"/>
+              <a:t>Il est donc inutile d'indiquer la première colonne puisque c'est dans celle-ci </a:t>
+            </a:r>
+            <a:r>
+              <a:rPr lang="fr-FR" sz="2400" dirty="0" smtClean="0"/>
+              <a:t>que</a:t>
+            </a:r>
+          </a:p>
+          <a:p>
+            <a:r>
+              <a:rPr lang="fr-FR" sz="2400" dirty="0" smtClean="0"/>
+              <a:t> </a:t>
+            </a:r>
+            <a:r>
+              <a:rPr lang="fr-FR" sz="2400" dirty="0"/>
+              <a:t>la recherche est faite</a:t>
+            </a:r>
+            <a:r>
+              <a:rPr lang="fr-FR" sz="2400" dirty="0" smtClean="0"/>
+              <a:t>.</a:t>
+            </a:r>
+          </a:p>
+          <a:p>
+            <a:endParaRPr lang="fr-FR" sz="2400" dirty="0"/>
+          </a:p>
+          <a:p>
+            <a:r>
+              <a:rPr lang="fr-FR" sz="2400" dirty="0"/>
+              <a:t>En ce qui concerne le paramètre facultatif, il peut prendre que deux valeurs différentes : </a:t>
+            </a:r>
+            <a:endParaRPr lang="fr-FR" sz="2400" dirty="0" smtClean="0"/>
+          </a:p>
+          <a:p>
+            <a:r>
+              <a:rPr lang="fr-FR" sz="2400" dirty="0" smtClean="0"/>
+              <a:t>VRAI </a:t>
+            </a:r>
+            <a:r>
+              <a:rPr lang="fr-FR" sz="2400" dirty="0"/>
+              <a:t>ou FAUX. </a:t>
+            </a:r>
+            <a:endParaRPr lang="fr-FR" sz="2400" dirty="0" smtClean="0"/>
+          </a:p>
+          <a:p>
+            <a:r>
+              <a:rPr lang="fr-FR" sz="2400" dirty="0" smtClean="0"/>
+              <a:t>S'il </a:t>
+            </a:r>
+            <a:r>
+              <a:rPr lang="fr-FR" sz="2400" dirty="0"/>
+              <a:t>n'est pas spécifié, il a pour valeur VRAI. </a:t>
+            </a:r>
+            <a:endParaRPr lang="fr-FR" sz="2400" dirty="0" smtClean="0"/>
+          </a:p>
+          <a:p>
+            <a:pPr marL="285750" indent="-285750">
+              <a:buFont typeface="Wingdings" panose="05000000000000000000" pitchFamily="2" charset="2"/>
+              <a:buChar char="Ø"/>
+            </a:pPr>
+            <a:r>
+              <a:rPr lang="fr-FR" sz="2400" dirty="0" smtClean="0"/>
+              <a:t>Quand </a:t>
+            </a:r>
+            <a:r>
+              <a:rPr lang="fr-FR" sz="2400" dirty="0"/>
+              <a:t>il vaut VRAI, la première colonne doit être dans l'ordre croissant et </a:t>
+            </a:r>
+            <a:endParaRPr lang="fr-FR" sz="2400" dirty="0" smtClean="0"/>
+          </a:p>
+          <a:p>
+            <a:r>
+              <a:rPr lang="fr-FR" sz="2400" dirty="0" smtClean="0"/>
+              <a:t>la </a:t>
+            </a:r>
+            <a:r>
+              <a:rPr lang="fr-FR" sz="2400" dirty="0"/>
+              <a:t>fonction recherche une valeur approximative</a:t>
+            </a:r>
+            <a:r>
+              <a:rPr lang="fr-FR" sz="2400" dirty="0" smtClean="0"/>
+              <a:t>.</a:t>
+            </a:r>
+          </a:p>
+          <a:p>
+            <a:pPr marL="285750" indent="-285750">
+              <a:buFont typeface="Wingdings" panose="05000000000000000000" pitchFamily="2" charset="2"/>
+              <a:buChar char="Ø"/>
+            </a:pPr>
+            <a:r>
+              <a:rPr lang="fr-FR" sz="2400" dirty="0" smtClean="0"/>
+              <a:t> </a:t>
+            </a:r>
+            <a:r>
+              <a:rPr lang="fr-FR" sz="2400" dirty="0"/>
+              <a:t>Quand il vaut FAUX, la fonction cherche la valeur exacte</a:t>
+            </a:r>
+            <a:r>
+              <a:rPr lang="fr-FR" sz="2400" dirty="0" smtClean="0"/>
+              <a:t>.</a:t>
+            </a:r>
+          </a:p>
+          <a:p>
+            <a:r>
+              <a:rPr lang="fr-FR" sz="2400" dirty="0" smtClean="0"/>
+              <a:t> </a:t>
+            </a:r>
+            <a:r>
+              <a:rPr lang="fr-FR" sz="2400" dirty="0"/>
+              <a:t>Si la fonction ne trouve pas la valeur exacte, elle renvoie : #N/A.</a:t>
+            </a:r>
           </a:p>
         </p:txBody>
       </p:sp>
     </p:spTree>
     <p:extLst>
       <p:ext uri="{BB962C8B-B14F-4D97-AF65-F5344CB8AC3E}">
-        <p14:creationId xmlns:p14="http://schemas.microsoft.com/office/powerpoint/2010/main" val="1350074659"/>
+        <p14:creationId xmlns:p14="http://schemas.microsoft.com/office/powerpoint/2010/main" val="2673633924"/>
       </p:ext>
     </p:extLst>
   </p:cSld>
@@ -6198,7 +5961,7 @@
         <p:spPr>
           <a:xfrm>
             <a:off x="1919416" y="295004"/>
-            <a:ext cx="8353167" cy="707886"/>
+            <a:ext cx="8671633" cy="707886"/>
           </a:xfrm>
           <a:prstGeom prst="rect">
             <a:avLst/>
@@ -6237,7 +6000,7 @@
                   <a:schemeClr val="bg1"/>
                 </a:solidFill>
               </a:rPr>
-              <a:t>Fonctions statistiques</a:t>
+              <a:t>Les fonctions de Recherche et Référence</a:t>
             </a:r>
             <a:endParaRPr lang="fr-FR" sz="4000" dirty="0">
               <a:solidFill>
@@ -6393,14 +6156,14 @@
       </p:sp>
       <p:sp>
         <p:nvSpPr>
-          <p:cNvPr id="11" name="Rectangle 10"/>
+          <p:cNvPr id="8" name="Rectangle 7"/>
           <p:cNvSpPr/>
           <p:nvPr/>
         </p:nvSpPr>
         <p:spPr>
           <a:xfrm>
-            <a:off x="464307" y="1449650"/>
-            <a:ext cx="8809976" cy="461665"/>
+            <a:off x="0" y="1587484"/>
+            <a:ext cx="12196031" cy="4524315"/>
           </a:xfrm>
           <a:prstGeom prst="rect">
             <a:avLst/>
@@ -6413,280 +6176,202 @@
           </a:bodyPr>
           <a:lstStyle/>
           <a:p>
-            <a:pPr algn="ctr"/>
-            <a:r>
-              <a:rPr lang="fr-FR" sz="2400" dirty="0" smtClean="0">
-                <a:ln w="0"/>
-                <a:effectLst>
-                  <a:outerShdw blurRad="38100" dist="19050" dir="2700000" algn="tl" rotWithShape="0">
-                    <a:schemeClr val="dk1">
-                      <a:alpha val="40000"/>
-                    </a:schemeClr>
-                  </a:outerShdw>
-                </a:effectLst>
-              </a:rPr>
-              <a:t>ECARTYPE : Elle permet de renvoyer l’écart type d’une série de valeur.</a:t>
-            </a:r>
-            <a:endParaRPr lang="fr-FR" sz="2400" b="0" cap="none" spc="0" dirty="0">
-              <a:ln w="0"/>
-              <a:solidFill>
-                <a:schemeClr val="tx1"/>
-              </a:solidFill>
-              <a:effectLst>
-                <a:outerShdw blurRad="38100" dist="19050" dir="2700000" algn="tl" rotWithShape="0">
-                  <a:schemeClr val="dk1">
-                    <a:alpha val="40000"/>
-                  </a:schemeClr>
-                </a:outerShdw>
-              </a:effectLst>
-            </a:endParaRPr>
-          </a:p>
-        </p:txBody>
-      </p:sp>
-      <p:sp>
-        <p:nvSpPr>
-          <p:cNvPr id="12" name="Rectangle 11"/>
-          <p:cNvSpPr/>
-          <p:nvPr/>
-        </p:nvSpPr>
-        <p:spPr>
-          <a:xfrm>
-            <a:off x="464307" y="3304463"/>
-            <a:ext cx="9612310" cy="830997"/>
-          </a:xfrm>
-          <a:prstGeom prst="rect">
-            <a:avLst/>
-          </a:prstGeom>
-          <a:noFill/>
-        </p:spPr>
-        <p:txBody>
-          <a:bodyPr wrap="none" lIns="91440" tIns="45720" rIns="91440" bIns="45720">
-            <a:spAutoFit/>
-          </a:bodyPr>
-          <a:lstStyle/>
-          <a:p>
-            <a:pPr algn="ctr"/>
-            <a:r>
-              <a:rPr lang="fr-FR" sz="2400" dirty="0" smtClean="0">
-                <a:ln w="0"/>
-                <a:effectLst>
-                  <a:outerShdw blurRad="38100" dist="19050" dir="2700000" algn="tl" rotWithShape="0">
-                    <a:schemeClr val="dk1">
-                      <a:alpha val="40000"/>
-                    </a:schemeClr>
-                  </a:outerShdw>
-                </a:effectLst>
-              </a:rPr>
-              <a:t>FREQUENCE : Elle permet de renvoyer la répartition des valeurs d’une série </a:t>
-            </a:r>
-          </a:p>
-          <a:p>
-            <a:pPr algn="ctr"/>
-            <a:r>
-              <a:rPr lang="fr-FR" sz="2400" dirty="0" smtClean="0">
-                <a:ln w="0"/>
-                <a:effectLst>
-                  <a:outerShdw blurRad="38100" dist="19050" dir="2700000" algn="tl" rotWithShape="0">
-                    <a:schemeClr val="dk1">
-                      <a:alpha val="40000"/>
-                    </a:schemeClr>
-                  </a:outerShdw>
-                </a:effectLst>
-              </a:rPr>
-              <a:t>dans des intervalles définis</a:t>
-            </a:r>
-            <a:endParaRPr lang="fr-FR" sz="2400" b="0" cap="none" spc="0" dirty="0">
-              <a:ln w="0"/>
-              <a:solidFill>
-                <a:schemeClr val="tx1"/>
-              </a:solidFill>
-              <a:effectLst>
-                <a:outerShdw blurRad="38100" dist="19050" dir="2700000" algn="tl" rotWithShape="0">
-                  <a:schemeClr val="dk1">
-                    <a:alpha val="40000"/>
-                  </a:schemeClr>
-                </a:outerShdw>
-              </a:effectLst>
-            </a:endParaRPr>
-          </a:p>
-        </p:txBody>
-      </p:sp>
-      <p:sp>
-        <p:nvSpPr>
-          <p:cNvPr id="13" name="Rectangle 12"/>
-          <p:cNvSpPr/>
-          <p:nvPr/>
-        </p:nvSpPr>
-        <p:spPr>
-          <a:xfrm>
-            <a:off x="709097" y="4757378"/>
-            <a:ext cx="8027710" cy="830997"/>
-          </a:xfrm>
-          <a:prstGeom prst="rect">
-            <a:avLst/>
-          </a:prstGeom>
-          <a:noFill/>
-        </p:spPr>
-        <p:txBody>
-          <a:bodyPr wrap="none" lIns="91440" tIns="45720" rIns="91440" bIns="45720">
-            <a:spAutoFit/>
-          </a:bodyPr>
-          <a:lstStyle/>
-          <a:p>
-            <a:pPr algn="ctr"/>
-            <a:r>
-              <a:rPr lang="fr-FR" sz="2400" dirty="0" smtClean="0">
-                <a:ln w="0"/>
-                <a:effectLst>
-                  <a:outerShdw blurRad="38100" dist="19050" dir="2700000" algn="tl" rotWithShape="0">
-                    <a:schemeClr val="dk1">
-                      <a:alpha val="40000"/>
-                    </a:schemeClr>
-                  </a:outerShdw>
-                </a:effectLst>
-              </a:rPr>
-              <a:t>NB : Elle permet de renvoyer le nombre de cellules d’une plage</a:t>
-            </a:r>
-          </a:p>
-          <a:p>
-            <a:pPr algn="ctr"/>
-            <a:r>
-              <a:rPr lang="fr-FR" sz="2400" dirty="0" smtClean="0">
-                <a:ln w="0"/>
-                <a:effectLst>
-                  <a:outerShdw blurRad="38100" dist="19050" dir="2700000" algn="tl" rotWithShape="0">
-                    <a:schemeClr val="dk1">
-                      <a:alpha val="40000"/>
-                    </a:schemeClr>
-                  </a:outerShdw>
-                </a:effectLst>
-              </a:rPr>
-              <a:t> qui comporte un nombre</a:t>
-            </a:r>
-            <a:endParaRPr lang="fr-FR" sz="2400" b="0" cap="none" spc="0" dirty="0">
-              <a:ln w="0"/>
-              <a:solidFill>
-                <a:schemeClr val="tx1"/>
-              </a:solidFill>
-              <a:effectLst>
-                <a:outerShdw blurRad="38100" dist="19050" dir="2700000" algn="tl" rotWithShape="0">
-                  <a:schemeClr val="dk1">
-                    <a:alpha val="40000"/>
-                  </a:schemeClr>
-                </a:outerShdw>
-              </a:effectLst>
-            </a:endParaRPr>
-          </a:p>
-        </p:txBody>
-      </p:sp>
-      <p:sp>
-        <p:nvSpPr>
-          <p:cNvPr id="15" name="Rectangle 14"/>
-          <p:cNvSpPr/>
-          <p:nvPr/>
-        </p:nvSpPr>
-        <p:spPr>
-          <a:xfrm>
-            <a:off x="594866" y="2266375"/>
-            <a:ext cx="8548880" cy="461665"/>
-          </a:xfrm>
-          <a:prstGeom prst="rect">
-            <a:avLst/>
-          </a:prstGeom>
-          <a:noFill/>
-        </p:spPr>
-        <p:txBody>
-          <a:bodyPr wrap="none" lIns="91440" tIns="45720" rIns="91440" bIns="45720">
-            <a:spAutoFit/>
-          </a:bodyPr>
-          <a:lstStyle/>
-          <a:p>
-            <a:pPr algn="ctr"/>
-            <a:r>
-              <a:rPr lang="fr-FR" sz="2400" dirty="0" smtClean="0">
-                <a:ln w="0"/>
-                <a:effectLst>
-                  <a:outerShdw blurRad="38100" dist="19050" dir="2700000" algn="tl" rotWithShape="0">
-                    <a:schemeClr val="dk1">
-                      <a:alpha val="40000"/>
-                    </a:schemeClr>
-                  </a:outerShdw>
-                </a:effectLst>
-              </a:rPr>
-              <a:t>L’écart type mesure la dispersion des valeurs autour de la moyenne</a:t>
-            </a:r>
-            <a:endParaRPr lang="fr-FR" sz="2400" b="0" cap="none" spc="0" dirty="0">
-              <a:ln w="0"/>
-              <a:solidFill>
-                <a:schemeClr val="tx1"/>
-              </a:solidFill>
-              <a:effectLst>
-                <a:outerShdw blurRad="38100" dist="19050" dir="2700000" algn="tl" rotWithShape="0">
-                  <a:schemeClr val="dk1">
-                    <a:alpha val="40000"/>
-                  </a:schemeClr>
-                </a:outerShdw>
-              </a:effectLst>
-            </a:endParaRPr>
-          </a:p>
-        </p:txBody>
-      </p:sp>
-      <p:sp>
-        <p:nvSpPr>
-          <p:cNvPr id="17" name="Rectangle 16"/>
-          <p:cNvSpPr/>
-          <p:nvPr/>
-        </p:nvSpPr>
-        <p:spPr>
-          <a:xfrm>
-            <a:off x="629241" y="5630218"/>
-            <a:ext cx="7958975" cy="461665"/>
-          </a:xfrm>
-          <a:prstGeom prst="rect">
-            <a:avLst/>
-          </a:prstGeom>
-          <a:noFill/>
-        </p:spPr>
-        <p:txBody>
-          <a:bodyPr wrap="none" lIns="91440" tIns="45720" rIns="91440" bIns="45720">
-            <a:spAutoFit/>
-          </a:bodyPr>
-          <a:lstStyle/>
-          <a:p>
-            <a:pPr algn="ctr"/>
-            <a:r>
-              <a:rPr lang="fr-FR" sz="2400" dirty="0" smtClean="0">
-                <a:ln w="0"/>
-                <a:effectLst>
-                  <a:outerShdw blurRad="38100" dist="19050" dir="2700000" algn="tl" rotWithShape="0">
-                    <a:schemeClr val="dk1">
-                      <a:alpha val="40000"/>
-                    </a:schemeClr>
-                  </a:outerShdw>
-                </a:effectLst>
-              </a:rPr>
-              <a:t>NB.SI : Elle permet de compter les cellules selon une condition</a:t>
-            </a:r>
-            <a:endParaRPr lang="fr-FR" sz="2400" b="0" cap="none" spc="0" dirty="0">
-              <a:ln w="0"/>
-              <a:solidFill>
-                <a:schemeClr val="tx1"/>
-              </a:solidFill>
-              <a:effectLst>
-                <a:outerShdw blurRad="38100" dist="19050" dir="2700000" algn="tl" rotWithShape="0">
-                  <a:schemeClr val="dk1">
-                    <a:alpha val="40000"/>
-                  </a:schemeClr>
-                </a:outerShdw>
-              </a:effectLst>
-            </a:endParaRPr>
+            <a:r>
+              <a:rPr lang="fr-FR" sz="2400" dirty="0"/>
+              <a:t>La fonction Excel </a:t>
+            </a:r>
+            <a:r>
+              <a:rPr lang="fr-FR" sz="2400" dirty="0" smtClean="0"/>
+              <a:t>RECHERCHEH() </a:t>
+            </a:r>
+            <a:r>
+              <a:rPr lang="fr-FR" sz="2400" dirty="0"/>
+              <a:t>recherche une valeur dans la première ligne d'un </a:t>
+            </a:r>
+            <a:r>
+              <a:rPr lang="fr-FR" sz="2400" dirty="0" smtClean="0"/>
+              <a:t>tableau</a:t>
+            </a:r>
+          </a:p>
+          <a:p>
+            <a:r>
+              <a:rPr lang="fr-FR" sz="2400" dirty="0" smtClean="0"/>
+              <a:t> </a:t>
+            </a:r>
+            <a:r>
+              <a:rPr lang="fr-FR" sz="2400" dirty="0"/>
+              <a:t>puis renvoie la valeur d'une cellule qui se situe dans la même colonne que la valeur recherchée.</a:t>
+            </a:r>
+          </a:p>
+          <a:p>
+            <a:endParaRPr lang="fr-FR" sz="2400" dirty="0"/>
+          </a:p>
+          <a:p>
+            <a:r>
+              <a:rPr lang="fr-FR" sz="2400" dirty="0"/>
+              <a:t>Utilisation </a:t>
+            </a:r>
+            <a:r>
+              <a:rPr lang="fr-FR" sz="2400" dirty="0" smtClean="0"/>
+              <a:t>:   </a:t>
+            </a:r>
+            <a:r>
+              <a:rPr lang="fr-FR" sz="2400" b="1" dirty="0" smtClean="0"/>
+              <a:t>=</a:t>
+            </a:r>
+            <a:r>
+              <a:rPr lang="fr-FR" sz="2400" b="1" dirty="0"/>
+              <a:t>RECHERCHEH(recherche; tableau; ligne; type</a:t>
+            </a:r>
+            <a:r>
+              <a:rPr lang="fr-FR" sz="2400" b="1" dirty="0" smtClean="0"/>
+              <a:t>)</a:t>
+            </a:r>
+          </a:p>
+          <a:p>
+            <a:endParaRPr lang="fr-FR" sz="2400" b="1" dirty="0"/>
+          </a:p>
+          <a:p>
+            <a:pPr marL="342900" indent="-342900">
+              <a:buFont typeface="Wingdings" panose="05000000000000000000" pitchFamily="2" charset="2"/>
+              <a:buChar char="Ø"/>
+            </a:pPr>
+            <a:r>
+              <a:rPr lang="fr-FR" sz="2400" dirty="0"/>
+              <a:t>Dans "</a:t>
+            </a:r>
+            <a:r>
+              <a:rPr lang="fr-FR" sz="2400" dirty="0" err="1"/>
+              <a:t>Valeur_cherchée</a:t>
+            </a:r>
+            <a:r>
+              <a:rPr lang="fr-FR" sz="2400" dirty="0"/>
+              <a:t>", entrez la valeur à rechercher dans la première ligne </a:t>
+            </a:r>
+            <a:r>
+              <a:rPr lang="fr-FR" sz="2400" dirty="0" smtClean="0"/>
+              <a:t>du.</a:t>
+            </a:r>
+            <a:endParaRPr lang="fr-FR" sz="2400" dirty="0"/>
+          </a:p>
+          <a:p>
+            <a:pPr marL="342900" indent="-342900">
+              <a:buFont typeface="Wingdings" panose="05000000000000000000" pitchFamily="2" charset="2"/>
+              <a:buChar char="Ø"/>
+            </a:pPr>
+            <a:r>
+              <a:rPr lang="fr-FR" sz="2400" dirty="0"/>
+              <a:t>Dans "</a:t>
+            </a:r>
+            <a:r>
+              <a:rPr lang="fr-FR" sz="2400" dirty="0" err="1"/>
+              <a:t>Table_matrice</a:t>
+            </a:r>
+            <a:r>
+              <a:rPr lang="fr-FR" sz="2400" dirty="0"/>
+              <a:t>", entrez la plage de cellules qui contient les données du tableau.</a:t>
+            </a:r>
+          </a:p>
+          <a:p>
+            <a:pPr marL="342900" indent="-342900">
+              <a:buFont typeface="Wingdings" panose="05000000000000000000" pitchFamily="2" charset="2"/>
+              <a:buChar char="Ø"/>
+            </a:pPr>
+            <a:r>
+              <a:rPr lang="fr-FR" sz="2400" dirty="0"/>
+              <a:t>Dans "</a:t>
+            </a:r>
+            <a:r>
+              <a:rPr lang="fr-FR" sz="2400" dirty="0" err="1"/>
+              <a:t>No_index_col</a:t>
+            </a:r>
+            <a:r>
+              <a:rPr lang="fr-FR" sz="2400" dirty="0"/>
+              <a:t>", entrez le numéro de ligne du tableau qui contient le résultat à </a:t>
+            </a:r>
+            <a:r>
+              <a:rPr lang="fr-FR" sz="2400" dirty="0" smtClean="0"/>
+              <a:t>renvoyer</a:t>
+            </a:r>
+            <a:endParaRPr lang="fr-FR" sz="2400" dirty="0"/>
+          </a:p>
+          <a:p>
+            <a:pPr marL="342900" indent="-342900">
+              <a:buFont typeface="Wingdings" panose="05000000000000000000" pitchFamily="2" charset="2"/>
+              <a:buChar char="Ø"/>
+            </a:pPr>
+            <a:r>
+              <a:rPr lang="fr-FR" sz="2400" dirty="0"/>
+              <a:t>Dans "</a:t>
+            </a:r>
+            <a:r>
+              <a:rPr lang="fr-FR" sz="2400" dirty="0" err="1"/>
+              <a:t>Valeur_proche</a:t>
+            </a:r>
+            <a:r>
+              <a:rPr lang="fr-FR" sz="2400" dirty="0"/>
+              <a:t>", entrez FAUX pour rechercher la valeur exacte de "</a:t>
+            </a:r>
+            <a:r>
+              <a:rPr lang="fr-FR" sz="2400" dirty="0" err="1"/>
+              <a:t>Valeur_cherchée</a:t>
+            </a:r>
+            <a:r>
+              <a:rPr lang="fr-FR" sz="2400" dirty="0"/>
+              <a:t>" </a:t>
+            </a:r>
+            <a:endParaRPr lang="fr-FR" sz="2400" dirty="0" smtClean="0"/>
+          </a:p>
+          <a:p>
+            <a:r>
+              <a:rPr lang="fr-FR" sz="2400" dirty="0" smtClean="0"/>
+              <a:t>(</a:t>
+            </a:r>
+            <a:r>
+              <a:rPr lang="fr-FR" sz="2400" dirty="0"/>
+              <a:t>dans le doute, entrez FAUX pour éviter les surprises). </a:t>
+            </a:r>
+            <a:endParaRPr lang="fr-FR" sz="2400" dirty="0" smtClean="0"/>
+          </a:p>
+          <a:p>
+            <a:r>
+              <a:rPr lang="fr-FR" sz="2400" dirty="0" smtClean="0"/>
+              <a:t>Vous </a:t>
+            </a:r>
+            <a:r>
+              <a:rPr lang="fr-FR" sz="2400" dirty="0"/>
+              <a:t>pouvez aussi choisir de rechercher la valeur la plus proche de "</a:t>
+            </a:r>
+            <a:r>
+              <a:rPr lang="fr-FR" sz="2400" dirty="0" err="1"/>
+              <a:t>Valeur_cherchée</a:t>
+            </a:r>
+            <a:r>
+              <a:rPr lang="fr-FR" sz="2400" dirty="0"/>
+              <a:t>" </a:t>
+            </a:r>
+            <a:r>
+              <a:rPr lang="fr-FR" sz="2400" dirty="0" smtClean="0"/>
+              <a:t>en</a:t>
+            </a:r>
+          </a:p>
+          <a:p>
+            <a:r>
+              <a:rPr lang="fr-FR" sz="2400" dirty="0" smtClean="0"/>
+              <a:t> </a:t>
+            </a:r>
+            <a:r>
+              <a:rPr lang="fr-FR" sz="2400" dirty="0"/>
+              <a:t>entrant VRAI (ou en laissant vide).</a:t>
+            </a:r>
+            <a:endParaRPr lang="fr-FR" sz="2400" dirty="0"/>
           </a:p>
         </p:txBody>
       </p:sp>
     </p:spTree>
     <p:extLst>
       <p:ext uri="{BB962C8B-B14F-4D97-AF65-F5344CB8AC3E}">
-        <p14:creationId xmlns:p14="http://schemas.microsoft.com/office/powerpoint/2010/main" val="396344488"/>
+        <p14:creationId xmlns:p14="http://schemas.microsoft.com/office/powerpoint/2010/main" val="1482714483"/>
       </p:ext>
     </p:extLst>
   </p:cSld>
@@ -6735,7 +6420,7 @@
         <p:spPr>
           <a:xfrm>
             <a:off x="1919416" y="295004"/>
-            <a:ext cx="8353167" cy="707886"/>
+            <a:ext cx="8671633" cy="707886"/>
           </a:xfrm>
           <a:prstGeom prst="rect">
             <a:avLst/>
@@ -6774,7 +6459,7 @@
                   <a:schemeClr val="bg1"/>
                 </a:solidFill>
               </a:rPr>
-              <a:t>Fonctions statistiques</a:t>
+              <a:t>Les fonctions de Recherche et Référence</a:t>
             </a:r>
             <a:endParaRPr lang="fr-FR" sz="4000" dirty="0">
               <a:solidFill>
@@ -6930,14 +6615,369 @@
       </p:sp>
       <p:sp>
         <p:nvSpPr>
-          <p:cNvPr id="11" name="Rectangle 10"/>
+          <p:cNvPr id="8" name="Rectangle 7"/>
           <p:cNvSpPr/>
           <p:nvPr/>
         </p:nvSpPr>
         <p:spPr>
           <a:xfrm>
-            <a:off x="3535439" y="1449650"/>
-            <a:ext cx="2667717" cy="461665"/>
+            <a:off x="0" y="1587484"/>
+            <a:ext cx="11402993" cy="1938992"/>
+          </a:xfrm>
+          <a:prstGeom prst="rect">
+            <a:avLst/>
+          </a:prstGeom>
+          <a:noFill/>
+        </p:spPr>
+        <p:txBody>
+          <a:bodyPr wrap="none" lIns="91440" tIns="45720" rIns="91440" bIns="45720">
+            <a:spAutoFit/>
+          </a:bodyPr>
+          <a:lstStyle/>
+          <a:p>
+            <a:r>
+              <a:rPr lang="fr-FR" sz="2400" dirty="0"/>
+              <a:t>La fonction </a:t>
+            </a:r>
+            <a:r>
+              <a:rPr lang="fr-FR" sz="2400" dirty="0" smtClean="0"/>
+              <a:t> RECHERCHEX() </a:t>
+            </a:r>
+            <a:r>
+              <a:rPr lang="fr-FR" sz="2400" dirty="0"/>
+              <a:t>recherche une valeur dans un tableau </a:t>
+            </a:r>
+            <a:r>
+              <a:rPr lang="fr-FR" sz="2400" dirty="0" smtClean="0"/>
+              <a:t>puis</a:t>
+            </a:r>
+          </a:p>
+          <a:p>
+            <a:r>
+              <a:rPr lang="fr-FR" sz="2400" dirty="0" smtClean="0"/>
+              <a:t> </a:t>
+            </a:r>
+            <a:r>
+              <a:rPr lang="fr-FR" sz="2400" dirty="0"/>
+              <a:t>retourne la valeur correspondante (à la même position) dans un second tableau</a:t>
+            </a:r>
+            <a:r>
+              <a:rPr lang="fr-FR" sz="2400" dirty="0" smtClean="0"/>
+              <a:t>.</a:t>
+            </a:r>
+          </a:p>
+          <a:p>
+            <a:r>
+              <a:rPr lang="fr-FR" sz="2400" dirty="0"/>
+              <a:t>Cette fonction sert généralement </a:t>
+            </a:r>
+            <a:r>
+              <a:rPr lang="fr-FR" sz="2400" b="1" dirty="0"/>
+              <a:t>à rechercher une valeur dans une colonne d'un </a:t>
+            </a:r>
+            <a:r>
+              <a:rPr lang="fr-FR" sz="2400" b="1" dirty="0" smtClean="0"/>
+              <a:t>tableau</a:t>
+            </a:r>
+          </a:p>
+          <a:p>
+            <a:r>
+              <a:rPr lang="fr-FR" sz="2400" b="1" dirty="0" smtClean="0"/>
+              <a:t> </a:t>
+            </a:r>
+            <a:r>
+              <a:rPr lang="fr-FR" sz="2400" b="1" dirty="0"/>
+              <a:t>et à retourner la valeur correspondante d'une autre colonne</a:t>
+            </a:r>
+            <a:r>
+              <a:rPr lang="fr-FR" sz="2400" dirty="0"/>
+              <a:t>.</a:t>
+            </a:r>
+          </a:p>
+          <a:p>
+            <a:r>
+              <a:rPr lang="fr-FR" sz="2400" dirty="0" smtClean="0"/>
+              <a:t>Utilisation :   </a:t>
+            </a:r>
+            <a:r>
+              <a:rPr lang="fr-FR" sz="2400" b="1" dirty="0"/>
+              <a:t>=RECHERCHEX(recherche; </a:t>
+            </a:r>
+            <a:r>
+              <a:rPr lang="fr-FR" sz="2400" b="1" dirty="0" err="1"/>
+              <a:t>tableau_recherche</a:t>
+            </a:r>
+            <a:r>
+              <a:rPr lang="fr-FR" sz="2400" b="1" dirty="0"/>
+              <a:t>; </a:t>
+            </a:r>
+            <a:r>
+              <a:rPr lang="fr-FR" sz="2400" b="1" dirty="0" err="1"/>
+              <a:t>tableau_résultat</a:t>
+            </a:r>
+            <a:r>
+              <a:rPr lang="fr-FR" sz="2400" b="1" dirty="0" smtClean="0"/>
+              <a:t>)</a:t>
+            </a:r>
+            <a:endParaRPr lang="fr-FR" sz="2400" dirty="0"/>
+          </a:p>
+        </p:txBody>
+      </p:sp>
+    </p:spTree>
+    <p:extLst>
+      <p:ext uri="{BB962C8B-B14F-4D97-AF65-F5344CB8AC3E}">
+        <p14:creationId xmlns:p14="http://schemas.microsoft.com/office/powerpoint/2010/main" val="2513862646"/>
+      </p:ext>
+    </p:extLst>
+  </p:cSld>
+  <p:clrMapOvr>
+    <a:masterClrMapping/>
+  </p:clrMapOvr>
+  <p:timing>
+    <p:tnLst>
+      <p:par>
+        <p:cTn id="1" dur="indefinite" restart="never" nodeType="tmRoot"/>
+      </p:par>
+    </p:tnLst>
+  </p:timing>
+</p:sld>
+</file>
+
+<file path=ppt/slides/slide16.xml><?xml version="1.0" encoding="utf-8"?>
+<p:sld xmlns:a="http://schemas.openxmlformats.org/drawingml/2006/main" xmlns:r="http://schemas.openxmlformats.org/officeDocument/2006/relationships" xmlns:p="http://schemas.openxmlformats.org/presentationml/2006/main">
+  <p:cSld>
+    <p:spTree>
+      <p:nvGrpSpPr>
+        <p:cNvPr id="1" name=""/>
+        <p:cNvGrpSpPr/>
+        <p:nvPr/>
+      </p:nvGrpSpPr>
+      <p:grpSpPr>
+        <a:xfrm>
+          <a:off x="0" y="0"/>
+          <a:ext cx="0" cy="0"/>
+          <a:chOff x="0" y="0"/>
+          <a:chExt cx="0" cy="0"/>
+        </a:xfrm>
+      </p:grpSpPr>
+      <p:sp>
+        <p:nvSpPr>
+          <p:cNvPr id="4" name="ZoneTexte 3">
+            <a:extLst>
+              <a:ext uri="{FF2B5EF4-FFF2-40B4-BE49-F238E27FC236}">
+                <a16:creationId xmlns:a16="http://schemas.microsoft.com/office/drawing/2014/main" id="{B7191FEF-1E3F-48E9-A65A-B5A88B9994F6}"/>
+              </a:ext>
+            </a:extLst>
+          </p:cNvPr>
+          <p:cNvSpPr txBox="1"/>
+          <p:nvPr/>
+        </p:nvSpPr>
+        <p:spPr>
+          <a:xfrm>
+            <a:off x="1919416" y="295004"/>
+            <a:ext cx="8353167" cy="707886"/>
+          </a:xfrm>
+          <a:prstGeom prst="rect">
+            <a:avLst/>
+          </a:prstGeom>
+          <a:solidFill>
+            <a:schemeClr val="accent6">
+              <a:lumMod val="50000"/>
+            </a:schemeClr>
+          </a:solidFill>
+          <a:ln>
+            <a:solidFill>
+              <a:schemeClr val="accent6">
+                <a:lumMod val="50000"/>
+              </a:schemeClr>
+            </a:solidFill>
+          </a:ln>
+          <a:effectLst>
+            <a:outerShdw blurRad="50800" dist="38100" dir="13500000" algn="br" rotWithShape="0">
+              <a:schemeClr val="accent1">
+                <a:alpha val="40000"/>
+              </a:schemeClr>
+            </a:outerShdw>
+            <a:reflection blurRad="6350" stA="50000" endA="300" endPos="55000" dir="5400000" sy="-100000" algn="bl" rotWithShape="0"/>
+          </a:effectLst>
+        </p:spPr>
+        <p:txBody>
+          <a:bodyPr wrap="square" rtlCol="0">
+            <a:spAutoFit/>
+          </a:bodyPr>
+          <a:lstStyle/>
+          <a:p>
+            <a:pPr algn="ctr"/>
+            <a:r>
+              <a:rPr lang="fr-FR" sz="4000" dirty="0" smtClean="0">
+                <a:solidFill>
+                  <a:schemeClr val="bg1"/>
+                </a:solidFill>
+              </a:rPr>
+              <a:t>Fonctions statistiques</a:t>
+            </a:r>
+            <a:endParaRPr lang="fr-FR" sz="4000" dirty="0">
+              <a:solidFill>
+                <a:schemeClr val="bg1"/>
+              </a:solidFill>
+            </a:endParaRPr>
+          </a:p>
+        </p:txBody>
+      </p:sp>
+      <p:cxnSp>
+        <p:nvCxnSpPr>
+          <p:cNvPr id="3" name="Connecteur droit 2">
+            <a:extLst>
+              <a:ext uri="{FF2B5EF4-FFF2-40B4-BE49-F238E27FC236}">
+                <a16:creationId xmlns:a16="http://schemas.microsoft.com/office/drawing/2014/main" id="{2E5FFC58-89E0-45F1-AB54-88B4500CE745}"/>
+              </a:ext>
+            </a:extLst>
+          </p:cNvPr>
+          <p:cNvCxnSpPr/>
+          <p:nvPr/>
+        </p:nvCxnSpPr>
+        <p:spPr>
+          <a:xfrm>
+            <a:off x="1327355" y="1002890"/>
+            <a:ext cx="9674942" cy="0"/>
+          </a:xfrm>
+          <a:prstGeom prst="line">
+            <a:avLst/>
+          </a:prstGeom>
+          <a:ln w="38100">
+            <a:solidFill>
+              <a:schemeClr val="accent6">
+                <a:lumMod val="50000"/>
+              </a:schemeClr>
+            </a:solidFill>
+          </a:ln>
+        </p:spPr>
+        <p:style>
+          <a:lnRef idx="1">
+            <a:schemeClr val="accent1"/>
+          </a:lnRef>
+          <a:fillRef idx="0">
+            <a:schemeClr val="accent1"/>
+          </a:fillRef>
+          <a:effectRef idx="0">
+            <a:schemeClr val="accent1"/>
+          </a:effectRef>
+          <a:fontRef idx="minor">
+            <a:schemeClr val="tx1"/>
+          </a:fontRef>
+        </p:style>
+      </p:cxnSp>
+      <p:sp>
+        <p:nvSpPr>
+          <p:cNvPr id="14" name="Rectangle 13">
+            <a:extLst>
+              <a:ext uri="{FF2B5EF4-FFF2-40B4-BE49-F238E27FC236}">
+                <a16:creationId xmlns:a16="http://schemas.microsoft.com/office/drawing/2014/main" id="{A111C86D-0A6E-4457-9131-84B9AB8CA6E2}"/>
+              </a:ext>
+            </a:extLst>
+          </p:cNvPr>
+          <p:cNvSpPr/>
+          <p:nvPr/>
+        </p:nvSpPr>
+        <p:spPr>
+          <a:xfrm>
+            <a:off x="0" y="6995795"/>
+            <a:ext cx="12192000" cy="525145"/>
+          </a:xfrm>
+          <a:prstGeom prst="rect">
+            <a:avLst/>
+          </a:prstGeom>
+          <a:solidFill>
+            <a:schemeClr val="accent1">
+              <a:lumMod val="20000"/>
+              <a:lumOff val="80000"/>
+            </a:schemeClr>
+          </a:solidFill>
+          <a:ln>
+            <a:noFill/>
+          </a:ln>
+        </p:spPr>
+        <p:style>
+          <a:lnRef idx="2">
+            <a:schemeClr val="accent1">
+              <a:shade val="50000"/>
+            </a:schemeClr>
+          </a:lnRef>
+          <a:fillRef idx="1">
+            <a:schemeClr val="accent1"/>
+          </a:fillRef>
+          <a:effectRef idx="0">
+            <a:schemeClr val="accent1"/>
+          </a:effectRef>
+          <a:fontRef idx="minor">
+            <a:schemeClr val="lt1"/>
+          </a:fontRef>
+        </p:style>
+        <p:txBody>
+          <a:bodyPr rtlCol="0" anchor="ctr"/>
+          <a:lstStyle/>
+          <a:p>
+            <a:pPr algn="ctr"/>
+            <a:endParaRPr lang="fr-FR"/>
+          </a:p>
+        </p:txBody>
+      </p:sp>
+      <p:sp>
+        <p:nvSpPr>
+          <p:cNvPr id="16" name="Espace réservé du numéro de diapositive 11">
+            <a:extLst>
+              <a:ext uri="{FF2B5EF4-FFF2-40B4-BE49-F238E27FC236}">
+                <a16:creationId xmlns:a16="http://schemas.microsoft.com/office/drawing/2014/main" id="{C4BC3E63-B4B6-49C0-95C7-9C149F176671}"/>
+              </a:ext>
+            </a:extLst>
+          </p:cNvPr>
+          <p:cNvSpPr>
+            <a:spLocks noGrp="1"/>
+          </p:cNvSpPr>
+          <p:nvPr>
+            <p:ph type="sldNum" sz="quarter" idx="12"/>
+          </p:nvPr>
+        </p:nvSpPr>
+        <p:spPr>
+          <a:xfrm>
+            <a:off x="11158322" y="6492875"/>
+            <a:ext cx="870036" cy="365125"/>
+          </a:xfrm>
+        </p:spPr>
+        <p:txBody>
+          <a:bodyPr/>
+          <a:lstStyle/>
+          <a:p>
+            <a:fld id="{09EA0DBA-1CB7-49FD-A4E9-CB9833829DE4}" type="slidenum">
+              <a:rPr lang="fr-FR" sz="2000" b="1" smtClean="0">
+                <a:solidFill>
+                  <a:srgbClr val="FF0000"/>
+                </a:solidFill>
+                <a:latin typeface="Times New Roman" panose="02020603050405020304" pitchFamily="18" charset="0"/>
+                <a:cs typeface="Times New Roman" panose="02020603050405020304" pitchFamily="18" charset="0"/>
+              </a:rPr>
+              <a:t>16</a:t>
+            </a:fld>
+            <a:endParaRPr lang="fr-FR" sz="2000" b="1" dirty="0">
+              <a:solidFill>
+                <a:srgbClr val="FF0000"/>
+              </a:solidFill>
+              <a:latin typeface="Times New Roman" panose="02020603050405020304" pitchFamily="18" charset="0"/>
+              <a:cs typeface="Times New Roman" panose="02020603050405020304" pitchFamily="18" charset="0"/>
+            </a:endParaRPr>
+          </a:p>
+        </p:txBody>
+      </p:sp>
+      <p:sp>
+        <p:nvSpPr>
+          <p:cNvPr id="8" name="Rectangle 7"/>
+          <p:cNvSpPr/>
+          <p:nvPr/>
+        </p:nvSpPr>
+        <p:spPr>
+          <a:xfrm>
+            <a:off x="3674433" y="1710776"/>
+            <a:ext cx="1717073" cy="461665"/>
           </a:xfrm>
           <a:prstGeom prst="rect">
             <a:avLst/>
@@ -6962,7 +7002,7 @@
                   </a:outerShdw>
                 </a:effectLst>
               </a:rPr>
-              <a:t>SOMME, SOMME.SI</a:t>
+              <a:t>MAX et MIN</a:t>
             </a:r>
             <a:endParaRPr lang="fr-FR" sz="2400" b="0" cap="none" spc="0" dirty="0">
               <a:ln w="0"/>
@@ -6982,14 +7022,14 @@
       </p:sp>
       <p:sp>
         <p:nvSpPr>
-          <p:cNvPr id="12" name="Rectangle 11"/>
+          <p:cNvPr id="9" name="Rectangle 8"/>
           <p:cNvSpPr/>
           <p:nvPr/>
         </p:nvSpPr>
         <p:spPr>
           <a:xfrm>
-            <a:off x="464307" y="3304463"/>
-            <a:ext cx="9612310" cy="830997"/>
+            <a:off x="0" y="2172441"/>
+            <a:ext cx="11352147" cy="461665"/>
           </a:xfrm>
           <a:prstGeom prst="rect">
             <a:avLst/>
@@ -7014,23 +7054,7 @@
                   </a:outerShdw>
                 </a:effectLst>
               </a:rPr>
-              <a:t>FREQUENCE : Elle permet de renvoyer la répartition des valeurs d’une série </a:t>
-            </a:r>
-          </a:p>
-          <a:p>
-            <a:pPr algn="ctr"/>
-            <a:r>
-              <a:rPr lang="fr-FR" sz="2400" dirty="0" smtClean="0">
-                <a:ln w="0"/>
-                <a:effectLst>
-                  <a:outerShdw blurRad="38100" dist="19050" dir="2700000" algn="tl" rotWithShape="0">
-                    <a:schemeClr val="dk1">
-                      <a:alpha val="40000"/>
-                    </a:schemeClr>
-                  </a:outerShdw>
-                </a:effectLst>
-              </a:rPr>
-              <a:t>dans des intervalles définis</a:t>
+              <a:t>Ces fonctions permettent de renvoyer le maximum et le minimum d’une liste de nombre.</a:t>
             </a:r>
             <a:endParaRPr lang="fr-FR" sz="2400" b="0" cap="none" spc="0" dirty="0">
               <a:ln w="0"/>
@@ -7050,14 +7074,14 @@
       </p:sp>
       <p:sp>
         <p:nvSpPr>
-          <p:cNvPr id="13" name="Rectangle 12"/>
+          <p:cNvPr id="11" name="Rectangle 10"/>
           <p:cNvSpPr/>
           <p:nvPr/>
         </p:nvSpPr>
         <p:spPr>
           <a:xfrm>
-            <a:off x="709097" y="4757378"/>
-            <a:ext cx="8027710" cy="830997"/>
+            <a:off x="171598" y="2923118"/>
+            <a:ext cx="7395614" cy="461665"/>
           </a:xfrm>
           <a:prstGeom prst="rect">
             <a:avLst/>
@@ -7082,23 +7106,7 @@
                   </a:outerShdw>
                 </a:effectLst>
               </a:rPr>
-              <a:t>NB : Elle permet de renvoyer le nombre de cellules d’une plage</a:t>
-            </a:r>
-          </a:p>
-          <a:p>
-            <a:pPr algn="ctr"/>
-            <a:r>
-              <a:rPr lang="fr-FR" sz="2400" dirty="0" smtClean="0">
-                <a:ln w="0"/>
-                <a:effectLst>
-                  <a:outerShdw blurRad="38100" dist="19050" dir="2700000" algn="tl" rotWithShape="0">
-                    <a:schemeClr val="dk1">
-                      <a:alpha val="40000"/>
-                    </a:schemeClr>
-                  </a:outerShdw>
-                </a:effectLst>
-              </a:rPr>
-              <a:t> qui comporte un nombre</a:t>
+              <a:t>MOYENNE : Elle renvoie la moyenne d’une liste de valeurs</a:t>
             </a:r>
             <a:endParaRPr lang="fr-FR" sz="2400" b="0" cap="none" spc="0" dirty="0">
               <a:ln w="0"/>
@@ -7118,14 +7126,14 @@
       </p:sp>
       <p:sp>
         <p:nvSpPr>
-          <p:cNvPr id="15" name="Rectangle 14"/>
+          <p:cNvPr id="12" name="Rectangle 11"/>
           <p:cNvSpPr/>
           <p:nvPr/>
         </p:nvSpPr>
         <p:spPr>
           <a:xfrm>
-            <a:off x="-134346" y="2266375"/>
-            <a:ext cx="10007355" cy="830997"/>
+            <a:off x="171598" y="3673795"/>
+            <a:ext cx="11687110" cy="830997"/>
           </a:xfrm>
           <a:prstGeom prst="rect">
             <a:avLst/>
@@ -7150,7 +7158,7 @@
                   </a:outerShdw>
                 </a:effectLst>
               </a:rPr>
-              <a:t>ALEA.ENTRE.BORNES : Elle permet de renvoyer un nombre entier aléatoire qui </a:t>
+              <a:t>MOYENNE.SI : Elle combine la fonction MOYENNE et la fonction  SI pour donner la moyenne </a:t>
             </a:r>
           </a:p>
           <a:p>
@@ -7166,7 +7174,7 @@
                   </a:outerShdw>
                 </a:effectLst>
               </a:rPr>
-              <a:t>est situé entre deux bornes spécifiées par l’utilisateur</a:t>
+              <a:t>d’une série de valeurs qui respectent une condition</a:t>
             </a:r>
             <a:endParaRPr lang="fr-FR" sz="2400" b="0" cap="none" spc="0" dirty="0">
               <a:ln w="0"/>
@@ -7186,14 +7194,14 @@
       </p:sp>
       <p:sp>
         <p:nvSpPr>
-          <p:cNvPr id="17" name="Rectangle 16"/>
+          <p:cNvPr id="13" name="Rectangle 12"/>
           <p:cNvSpPr/>
           <p:nvPr/>
         </p:nvSpPr>
         <p:spPr>
           <a:xfrm>
-            <a:off x="629241" y="5630218"/>
-            <a:ext cx="7958975" cy="461665"/>
+            <a:off x="171598" y="4757378"/>
+            <a:ext cx="9102685" cy="830997"/>
           </a:xfrm>
           <a:prstGeom prst="rect">
             <a:avLst/>
@@ -7207,6 +7215,1110 @@
           <a:lstStyle/>
           <a:p>
             <a:pPr algn="ctr"/>
+            <a:r>
+              <a:rPr lang="fr-FR" sz="2400" dirty="0" smtClean="0">
+                <a:ln w="0"/>
+                <a:effectLst>
+                  <a:outerShdw blurRad="38100" dist="19050" dir="2700000" algn="tl" rotWithShape="0">
+                    <a:schemeClr val="dk1">
+                      <a:alpha val="40000"/>
+                    </a:schemeClr>
+                  </a:outerShdw>
+                </a:effectLst>
+              </a:rPr>
+              <a:t>MEDIANE : Elle permet de renvoyer la médiane d’une série de nombre. </a:t>
+            </a:r>
+          </a:p>
+          <a:p>
+            <a:pPr algn="ctr"/>
+            <a:r>
+              <a:rPr lang="fr-FR" sz="2400" dirty="0" smtClean="0">
+                <a:ln w="0"/>
+                <a:effectLst>
+                  <a:outerShdw blurRad="38100" dist="19050" dir="2700000" algn="tl" rotWithShape="0">
+                    <a:schemeClr val="dk1">
+                      <a:alpha val="40000"/>
+                    </a:schemeClr>
+                  </a:outerShdw>
+                </a:effectLst>
+              </a:rPr>
+              <a:t>La médiane est le centre de cette série</a:t>
+            </a:r>
+            <a:endParaRPr lang="fr-FR" sz="2400" b="0" cap="none" spc="0" dirty="0">
+              <a:ln w="0"/>
+              <a:solidFill>
+                <a:schemeClr val="tx1"/>
+              </a:solidFill>
+              <a:effectLst>
+                <a:outerShdw blurRad="38100" dist="19050" dir="2700000" algn="tl" rotWithShape="0">
+                  <a:schemeClr val="dk1">
+                    <a:alpha val="40000"/>
+                  </a:schemeClr>
+                </a:outerShdw>
+              </a:effectLst>
+            </a:endParaRPr>
+          </a:p>
+        </p:txBody>
+      </p:sp>
+    </p:spTree>
+    <p:extLst>
+      <p:ext uri="{BB962C8B-B14F-4D97-AF65-F5344CB8AC3E}">
+        <p14:creationId xmlns:p14="http://schemas.microsoft.com/office/powerpoint/2010/main" val="3542756719"/>
+      </p:ext>
+    </p:extLst>
+  </p:cSld>
+  <p:clrMapOvr>
+    <a:masterClrMapping/>
+  </p:clrMapOvr>
+  <p:timing>
+    <p:tnLst>
+      <p:par>
+        <p:cTn id="1" dur="indefinite" restart="never" nodeType="tmRoot"/>
+      </p:par>
+    </p:tnLst>
+  </p:timing>
+</p:sld>
+</file>
+
+<file path=ppt/slides/slide17.xml><?xml version="1.0" encoding="utf-8"?>
+<p:sld xmlns:a="http://schemas.openxmlformats.org/drawingml/2006/main" xmlns:r="http://schemas.openxmlformats.org/officeDocument/2006/relationships" xmlns:p="http://schemas.openxmlformats.org/presentationml/2006/main">
+  <p:cSld>
+    <p:spTree>
+      <p:nvGrpSpPr>
+        <p:cNvPr id="1" name=""/>
+        <p:cNvGrpSpPr/>
+        <p:nvPr/>
+      </p:nvGrpSpPr>
+      <p:grpSpPr>
+        <a:xfrm>
+          <a:off x="0" y="0"/>
+          <a:ext cx="0" cy="0"/>
+          <a:chOff x="0" y="0"/>
+          <a:chExt cx="0" cy="0"/>
+        </a:xfrm>
+      </p:grpSpPr>
+      <p:sp>
+        <p:nvSpPr>
+          <p:cNvPr id="4" name="ZoneTexte 3">
+            <a:extLst>
+              <a:ext uri="{FF2B5EF4-FFF2-40B4-BE49-F238E27FC236}">
+                <a16:creationId xmlns:a16="http://schemas.microsoft.com/office/drawing/2014/main" id="{B7191FEF-1E3F-48E9-A65A-B5A88B9994F6}"/>
+              </a:ext>
+            </a:extLst>
+          </p:cNvPr>
+          <p:cNvSpPr txBox="1"/>
+          <p:nvPr/>
+        </p:nvSpPr>
+        <p:spPr>
+          <a:xfrm>
+            <a:off x="1919416" y="295004"/>
+            <a:ext cx="8353167" cy="707886"/>
+          </a:xfrm>
+          <a:prstGeom prst="rect">
+            <a:avLst/>
+          </a:prstGeom>
+          <a:solidFill>
+            <a:schemeClr val="accent6">
+              <a:lumMod val="50000"/>
+            </a:schemeClr>
+          </a:solidFill>
+          <a:ln>
+            <a:solidFill>
+              <a:schemeClr val="accent6">
+                <a:lumMod val="50000"/>
+              </a:schemeClr>
+            </a:solidFill>
+          </a:ln>
+          <a:effectLst>
+            <a:outerShdw blurRad="50800" dist="38100" dir="13500000" algn="br" rotWithShape="0">
+              <a:schemeClr val="accent1">
+                <a:alpha val="40000"/>
+              </a:schemeClr>
+            </a:outerShdw>
+            <a:reflection blurRad="6350" stA="50000" endA="300" endPos="55000" dir="5400000" sy="-100000" algn="bl" rotWithShape="0"/>
+          </a:effectLst>
+        </p:spPr>
+        <p:txBody>
+          <a:bodyPr wrap="square" rtlCol="0">
+            <a:spAutoFit/>
+          </a:bodyPr>
+          <a:lstStyle/>
+          <a:p>
+            <a:pPr algn="ctr"/>
+            <a:r>
+              <a:rPr lang="fr-FR" sz="4000" dirty="0" smtClean="0">
+                <a:solidFill>
+                  <a:schemeClr val="bg1"/>
+                </a:solidFill>
+              </a:rPr>
+              <a:t>Fonctions statistiques</a:t>
+            </a:r>
+            <a:endParaRPr lang="fr-FR" sz="4000" dirty="0">
+              <a:solidFill>
+                <a:schemeClr val="bg1"/>
+              </a:solidFill>
+            </a:endParaRPr>
+          </a:p>
+        </p:txBody>
+      </p:sp>
+      <p:cxnSp>
+        <p:nvCxnSpPr>
+          <p:cNvPr id="3" name="Connecteur droit 2">
+            <a:extLst>
+              <a:ext uri="{FF2B5EF4-FFF2-40B4-BE49-F238E27FC236}">
+                <a16:creationId xmlns:a16="http://schemas.microsoft.com/office/drawing/2014/main" id="{2E5FFC58-89E0-45F1-AB54-88B4500CE745}"/>
+              </a:ext>
+            </a:extLst>
+          </p:cNvPr>
+          <p:cNvCxnSpPr/>
+          <p:nvPr/>
+        </p:nvCxnSpPr>
+        <p:spPr>
+          <a:xfrm>
+            <a:off x="1327355" y="1002890"/>
+            <a:ext cx="9674942" cy="0"/>
+          </a:xfrm>
+          <a:prstGeom prst="line">
+            <a:avLst/>
+          </a:prstGeom>
+          <a:ln w="38100">
+            <a:solidFill>
+              <a:schemeClr val="accent6">
+                <a:lumMod val="50000"/>
+              </a:schemeClr>
+            </a:solidFill>
+          </a:ln>
+        </p:spPr>
+        <p:style>
+          <a:lnRef idx="1">
+            <a:schemeClr val="accent1"/>
+          </a:lnRef>
+          <a:fillRef idx="0">
+            <a:schemeClr val="accent1"/>
+          </a:fillRef>
+          <a:effectRef idx="0">
+            <a:schemeClr val="accent1"/>
+          </a:effectRef>
+          <a:fontRef idx="minor">
+            <a:schemeClr val="tx1"/>
+          </a:fontRef>
+        </p:style>
+      </p:cxnSp>
+      <p:sp>
+        <p:nvSpPr>
+          <p:cNvPr id="14" name="Rectangle 13">
+            <a:extLst>
+              <a:ext uri="{FF2B5EF4-FFF2-40B4-BE49-F238E27FC236}">
+                <a16:creationId xmlns:a16="http://schemas.microsoft.com/office/drawing/2014/main" id="{A111C86D-0A6E-4457-9131-84B9AB8CA6E2}"/>
+              </a:ext>
+            </a:extLst>
+          </p:cNvPr>
+          <p:cNvSpPr/>
+          <p:nvPr/>
+        </p:nvSpPr>
+        <p:spPr>
+          <a:xfrm>
+            <a:off x="0" y="6995795"/>
+            <a:ext cx="12192000" cy="525145"/>
+          </a:xfrm>
+          <a:prstGeom prst="rect">
+            <a:avLst/>
+          </a:prstGeom>
+          <a:solidFill>
+            <a:schemeClr val="accent1">
+              <a:lumMod val="20000"/>
+              <a:lumOff val="80000"/>
+            </a:schemeClr>
+          </a:solidFill>
+          <a:ln>
+            <a:noFill/>
+          </a:ln>
+        </p:spPr>
+        <p:style>
+          <a:lnRef idx="2">
+            <a:schemeClr val="accent1">
+              <a:shade val="50000"/>
+            </a:schemeClr>
+          </a:lnRef>
+          <a:fillRef idx="1">
+            <a:schemeClr val="accent1"/>
+          </a:fillRef>
+          <a:effectRef idx="0">
+            <a:schemeClr val="accent1"/>
+          </a:effectRef>
+          <a:fontRef idx="minor">
+            <a:schemeClr val="lt1"/>
+          </a:fontRef>
+        </p:style>
+        <p:txBody>
+          <a:bodyPr rtlCol="0" anchor="ctr"/>
+          <a:lstStyle/>
+          <a:p>
+            <a:pPr algn="ctr"/>
+            <a:endParaRPr lang="fr-FR"/>
+          </a:p>
+        </p:txBody>
+      </p:sp>
+      <p:sp>
+        <p:nvSpPr>
+          <p:cNvPr id="16" name="Espace réservé du numéro de diapositive 11">
+            <a:extLst>
+              <a:ext uri="{FF2B5EF4-FFF2-40B4-BE49-F238E27FC236}">
+                <a16:creationId xmlns:a16="http://schemas.microsoft.com/office/drawing/2014/main" id="{C4BC3E63-B4B6-49C0-95C7-9C149F176671}"/>
+              </a:ext>
+            </a:extLst>
+          </p:cNvPr>
+          <p:cNvSpPr>
+            <a:spLocks noGrp="1"/>
+          </p:cNvSpPr>
+          <p:nvPr>
+            <p:ph type="sldNum" sz="quarter" idx="12"/>
+          </p:nvPr>
+        </p:nvSpPr>
+        <p:spPr>
+          <a:xfrm>
+            <a:off x="11158322" y="6492875"/>
+            <a:ext cx="870036" cy="365125"/>
+          </a:xfrm>
+        </p:spPr>
+        <p:txBody>
+          <a:bodyPr/>
+          <a:lstStyle/>
+          <a:p>
+            <a:fld id="{09EA0DBA-1CB7-49FD-A4E9-CB9833829DE4}" type="slidenum">
+              <a:rPr lang="fr-FR" sz="2000" b="1" smtClean="0">
+                <a:solidFill>
+                  <a:srgbClr val="FF0000"/>
+                </a:solidFill>
+                <a:latin typeface="Times New Roman" panose="02020603050405020304" pitchFamily="18" charset="0"/>
+                <a:cs typeface="Times New Roman" panose="02020603050405020304" pitchFamily="18" charset="0"/>
+              </a:rPr>
+              <a:t>17</a:t>
+            </a:fld>
+            <a:endParaRPr lang="fr-FR" sz="2000" b="1" dirty="0">
+              <a:solidFill>
+                <a:srgbClr val="FF0000"/>
+              </a:solidFill>
+              <a:latin typeface="Times New Roman" panose="02020603050405020304" pitchFamily="18" charset="0"/>
+              <a:cs typeface="Times New Roman" panose="02020603050405020304" pitchFamily="18" charset="0"/>
+            </a:endParaRPr>
+          </a:p>
+        </p:txBody>
+      </p:sp>
+      <p:sp>
+        <p:nvSpPr>
+          <p:cNvPr id="11" name="Rectangle 10"/>
+          <p:cNvSpPr/>
+          <p:nvPr/>
+        </p:nvSpPr>
+        <p:spPr>
+          <a:xfrm>
+            <a:off x="464307" y="1449650"/>
+            <a:ext cx="8809976" cy="461665"/>
+          </a:xfrm>
+          <a:prstGeom prst="rect">
+            <a:avLst/>
+          </a:prstGeom>
+          <a:noFill/>
+        </p:spPr>
+        <p:txBody>
+          <a:bodyPr wrap="none" lIns="91440" tIns="45720" rIns="91440" bIns="45720">
+            <a:spAutoFit/>
+          </a:bodyPr>
+          <a:lstStyle/>
+          <a:p>
+            <a:r>
+              <a:rPr lang="fr-FR" sz="2400" dirty="0" smtClean="0">
+                <a:ln w="0"/>
+                <a:effectLst>
+                  <a:outerShdw blurRad="38100" dist="19050" dir="2700000" algn="tl" rotWithShape="0">
+                    <a:schemeClr val="dk1">
+                      <a:alpha val="40000"/>
+                    </a:schemeClr>
+                  </a:outerShdw>
+                </a:effectLst>
+              </a:rPr>
+              <a:t>ECARTYPE : Elle permet de renvoyer l’écart type d’une série de valeur.</a:t>
+            </a:r>
+            <a:endParaRPr lang="fr-FR" sz="2400" b="0" cap="none" spc="0" dirty="0">
+              <a:ln w="0"/>
+              <a:solidFill>
+                <a:schemeClr val="tx1"/>
+              </a:solidFill>
+              <a:effectLst>
+                <a:outerShdw blurRad="38100" dist="19050" dir="2700000" algn="tl" rotWithShape="0">
+                  <a:schemeClr val="dk1">
+                    <a:alpha val="40000"/>
+                  </a:schemeClr>
+                </a:outerShdw>
+              </a:effectLst>
+            </a:endParaRPr>
+          </a:p>
+        </p:txBody>
+      </p:sp>
+      <p:sp>
+        <p:nvSpPr>
+          <p:cNvPr id="12" name="Rectangle 11"/>
+          <p:cNvSpPr/>
+          <p:nvPr/>
+        </p:nvSpPr>
+        <p:spPr>
+          <a:xfrm>
+            <a:off x="464307" y="3304463"/>
+            <a:ext cx="9612310" cy="830997"/>
+          </a:xfrm>
+          <a:prstGeom prst="rect">
+            <a:avLst/>
+          </a:prstGeom>
+          <a:noFill/>
+        </p:spPr>
+        <p:txBody>
+          <a:bodyPr wrap="none" lIns="91440" tIns="45720" rIns="91440" bIns="45720">
+            <a:spAutoFit/>
+          </a:bodyPr>
+          <a:lstStyle/>
+          <a:p>
+            <a:r>
+              <a:rPr lang="fr-FR" sz="2400" dirty="0" smtClean="0">
+                <a:ln w="0"/>
+                <a:effectLst>
+                  <a:outerShdw blurRad="38100" dist="19050" dir="2700000" algn="tl" rotWithShape="0">
+                    <a:schemeClr val="dk1">
+                      <a:alpha val="40000"/>
+                    </a:schemeClr>
+                  </a:outerShdw>
+                </a:effectLst>
+              </a:rPr>
+              <a:t>FREQUENCE : Elle permet de renvoyer la répartition des valeurs d’une série </a:t>
+            </a:r>
+          </a:p>
+          <a:p>
+            <a:r>
+              <a:rPr lang="fr-FR" sz="2400" dirty="0" smtClean="0">
+                <a:ln w="0"/>
+                <a:effectLst>
+                  <a:outerShdw blurRad="38100" dist="19050" dir="2700000" algn="tl" rotWithShape="0">
+                    <a:schemeClr val="dk1">
+                      <a:alpha val="40000"/>
+                    </a:schemeClr>
+                  </a:outerShdw>
+                </a:effectLst>
+              </a:rPr>
+              <a:t>dans des intervalles définis</a:t>
+            </a:r>
+            <a:endParaRPr lang="fr-FR" sz="2400" b="0" cap="none" spc="0" dirty="0">
+              <a:ln w="0"/>
+              <a:solidFill>
+                <a:schemeClr val="tx1"/>
+              </a:solidFill>
+              <a:effectLst>
+                <a:outerShdw blurRad="38100" dist="19050" dir="2700000" algn="tl" rotWithShape="0">
+                  <a:schemeClr val="dk1">
+                    <a:alpha val="40000"/>
+                  </a:schemeClr>
+                </a:outerShdw>
+              </a:effectLst>
+            </a:endParaRPr>
+          </a:p>
+        </p:txBody>
+      </p:sp>
+      <p:sp>
+        <p:nvSpPr>
+          <p:cNvPr id="13" name="Rectangle 12"/>
+          <p:cNvSpPr/>
+          <p:nvPr/>
+        </p:nvSpPr>
+        <p:spPr>
+          <a:xfrm>
+            <a:off x="464307" y="4614553"/>
+            <a:ext cx="8027710" cy="830997"/>
+          </a:xfrm>
+          <a:prstGeom prst="rect">
+            <a:avLst/>
+          </a:prstGeom>
+          <a:noFill/>
+        </p:spPr>
+        <p:txBody>
+          <a:bodyPr wrap="none" lIns="91440" tIns="45720" rIns="91440" bIns="45720">
+            <a:spAutoFit/>
+          </a:bodyPr>
+          <a:lstStyle/>
+          <a:p>
+            <a:r>
+              <a:rPr lang="fr-FR" sz="2400" dirty="0" smtClean="0">
+                <a:ln w="0"/>
+                <a:effectLst>
+                  <a:outerShdw blurRad="38100" dist="19050" dir="2700000" algn="tl" rotWithShape="0">
+                    <a:schemeClr val="dk1">
+                      <a:alpha val="40000"/>
+                    </a:schemeClr>
+                  </a:outerShdw>
+                </a:effectLst>
+              </a:rPr>
+              <a:t>NB : Elle permet de renvoyer le nombre de cellules d’une plage</a:t>
+            </a:r>
+          </a:p>
+          <a:p>
+            <a:r>
+              <a:rPr lang="fr-FR" sz="2400" dirty="0" smtClean="0">
+                <a:ln w="0"/>
+                <a:effectLst>
+                  <a:outerShdw blurRad="38100" dist="19050" dir="2700000" algn="tl" rotWithShape="0">
+                    <a:schemeClr val="dk1">
+                      <a:alpha val="40000"/>
+                    </a:schemeClr>
+                  </a:outerShdw>
+                </a:effectLst>
+              </a:rPr>
+              <a:t> qui comporte un nombre</a:t>
+            </a:r>
+            <a:endParaRPr lang="fr-FR" sz="2400" b="0" cap="none" spc="0" dirty="0">
+              <a:ln w="0"/>
+              <a:solidFill>
+                <a:schemeClr val="tx1"/>
+              </a:solidFill>
+              <a:effectLst>
+                <a:outerShdw blurRad="38100" dist="19050" dir="2700000" algn="tl" rotWithShape="0">
+                  <a:schemeClr val="dk1">
+                    <a:alpha val="40000"/>
+                  </a:schemeClr>
+                </a:outerShdw>
+              </a:effectLst>
+            </a:endParaRPr>
+          </a:p>
+        </p:txBody>
+      </p:sp>
+      <p:sp>
+        <p:nvSpPr>
+          <p:cNvPr id="15" name="Rectangle 14"/>
+          <p:cNvSpPr/>
+          <p:nvPr/>
+        </p:nvSpPr>
+        <p:spPr>
+          <a:xfrm>
+            <a:off x="448512" y="2266815"/>
+            <a:ext cx="8548880" cy="461665"/>
+          </a:xfrm>
+          <a:prstGeom prst="rect">
+            <a:avLst/>
+          </a:prstGeom>
+          <a:noFill/>
+        </p:spPr>
+        <p:txBody>
+          <a:bodyPr wrap="none" lIns="91440" tIns="45720" rIns="91440" bIns="45720">
+            <a:spAutoFit/>
+          </a:bodyPr>
+          <a:lstStyle/>
+          <a:p>
+            <a:r>
+              <a:rPr lang="fr-FR" sz="2400" dirty="0" smtClean="0">
+                <a:ln w="0"/>
+                <a:effectLst>
+                  <a:outerShdw blurRad="38100" dist="19050" dir="2700000" algn="tl" rotWithShape="0">
+                    <a:schemeClr val="dk1">
+                      <a:alpha val="40000"/>
+                    </a:schemeClr>
+                  </a:outerShdw>
+                </a:effectLst>
+              </a:rPr>
+              <a:t>L’écart type mesure la dispersion des valeurs autour de la moyenne</a:t>
+            </a:r>
+            <a:endParaRPr lang="fr-FR" sz="2400" b="0" cap="none" spc="0" dirty="0">
+              <a:ln w="0"/>
+              <a:solidFill>
+                <a:schemeClr val="tx1"/>
+              </a:solidFill>
+              <a:effectLst>
+                <a:outerShdw blurRad="38100" dist="19050" dir="2700000" algn="tl" rotWithShape="0">
+                  <a:schemeClr val="dk1">
+                    <a:alpha val="40000"/>
+                  </a:schemeClr>
+                </a:outerShdw>
+              </a:effectLst>
+            </a:endParaRPr>
+          </a:p>
+        </p:txBody>
+      </p:sp>
+      <p:sp>
+        <p:nvSpPr>
+          <p:cNvPr id="17" name="Rectangle 16"/>
+          <p:cNvSpPr/>
+          <p:nvPr/>
+        </p:nvSpPr>
+        <p:spPr>
+          <a:xfrm>
+            <a:off x="498674" y="5665084"/>
+            <a:ext cx="7958975" cy="461665"/>
+          </a:xfrm>
+          <a:prstGeom prst="rect">
+            <a:avLst/>
+          </a:prstGeom>
+          <a:noFill/>
+        </p:spPr>
+        <p:txBody>
+          <a:bodyPr wrap="none" lIns="91440" tIns="45720" rIns="91440" bIns="45720">
+            <a:spAutoFit/>
+          </a:bodyPr>
+          <a:lstStyle/>
+          <a:p>
+            <a:r>
+              <a:rPr lang="fr-FR" sz="2400" dirty="0" smtClean="0">
+                <a:ln w="0"/>
+                <a:effectLst>
+                  <a:outerShdw blurRad="38100" dist="19050" dir="2700000" algn="tl" rotWithShape="0">
+                    <a:schemeClr val="dk1">
+                      <a:alpha val="40000"/>
+                    </a:schemeClr>
+                  </a:outerShdw>
+                </a:effectLst>
+              </a:rPr>
+              <a:t>NB.SI : Elle permet de compter les cellules selon une condition</a:t>
+            </a:r>
+            <a:endParaRPr lang="fr-FR" sz="2400" b="0" cap="none" spc="0" dirty="0">
+              <a:ln w="0"/>
+              <a:solidFill>
+                <a:schemeClr val="tx1"/>
+              </a:solidFill>
+              <a:effectLst>
+                <a:outerShdw blurRad="38100" dist="19050" dir="2700000" algn="tl" rotWithShape="0">
+                  <a:schemeClr val="dk1">
+                    <a:alpha val="40000"/>
+                  </a:schemeClr>
+                </a:outerShdw>
+              </a:effectLst>
+            </a:endParaRPr>
+          </a:p>
+        </p:txBody>
+      </p:sp>
+    </p:spTree>
+    <p:extLst>
+      <p:ext uri="{BB962C8B-B14F-4D97-AF65-F5344CB8AC3E}">
+        <p14:creationId xmlns:p14="http://schemas.microsoft.com/office/powerpoint/2010/main" val="396344488"/>
+      </p:ext>
+    </p:extLst>
+  </p:cSld>
+  <p:clrMapOvr>
+    <a:masterClrMapping/>
+  </p:clrMapOvr>
+  <p:timing>
+    <p:tnLst>
+      <p:par>
+        <p:cTn id="1" dur="indefinite" restart="never" nodeType="tmRoot"/>
+      </p:par>
+    </p:tnLst>
+  </p:timing>
+</p:sld>
+</file>
+
+<file path=ppt/slides/slide18.xml><?xml version="1.0" encoding="utf-8"?>
+<p:sld xmlns:a="http://schemas.openxmlformats.org/drawingml/2006/main" xmlns:r="http://schemas.openxmlformats.org/officeDocument/2006/relationships" xmlns:p="http://schemas.openxmlformats.org/presentationml/2006/main">
+  <p:cSld>
+    <p:spTree>
+      <p:nvGrpSpPr>
+        <p:cNvPr id="1" name=""/>
+        <p:cNvGrpSpPr/>
+        <p:nvPr/>
+      </p:nvGrpSpPr>
+      <p:grpSpPr>
+        <a:xfrm>
+          <a:off x="0" y="0"/>
+          <a:ext cx="0" cy="0"/>
+          <a:chOff x="0" y="0"/>
+          <a:chExt cx="0" cy="0"/>
+        </a:xfrm>
+      </p:grpSpPr>
+      <p:sp>
+        <p:nvSpPr>
+          <p:cNvPr id="4" name="ZoneTexte 3">
+            <a:extLst>
+              <a:ext uri="{FF2B5EF4-FFF2-40B4-BE49-F238E27FC236}">
+                <a16:creationId xmlns:a16="http://schemas.microsoft.com/office/drawing/2014/main" id="{B7191FEF-1E3F-48E9-A65A-B5A88B9994F6}"/>
+              </a:ext>
+            </a:extLst>
+          </p:cNvPr>
+          <p:cNvSpPr txBox="1"/>
+          <p:nvPr/>
+        </p:nvSpPr>
+        <p:spPr>
+          <a:xfrm>
+            <a:off x="1919416" y="295004"/>
+            <a:ext cx="8353167" cy="707886"/>
+          </a:xfrm>
+          <a:prstGeom prst="rect">
+            <a:avLst/>
+          </a:prstGeom>
+          <a:solidFill>
+            <a:schemeClr val="accent6">
+              <a:lumMod val="50000"/>
+            </a:schemeClr>
+          </a:solidFill>
+          <a:ln>
+            <a:solidFill>
+              <a:schemeClr val="accent6">
+                <a:lumMod val="50000"/>
+              </a:schemeClr>
+            </a:solidFill>
+          </a:ln>
+          <a:effectLst>
+            <a:outerShdw blurRad="50800" dist="38100" dir="13500000" algn="br" rotWithShape="0">
+              <a:schemeClr val="accent1">
+                <a:alpha val="40000"/>
+              </a:schemeClr>
+            </a:outerShdw>
+            <a:reflection blurRad="6350" stA="50000" endA="300" endPos="55000" dir="5400000" sy="-100000" algn="bl" rotWithShape="0"/>
+          </a:effectLst>
+        </p:spPr>
+        <p:txBody>
+          <a:bodyPr wrap="square" rtlCol="0">
+            <a:spAutoFit/>
+          </a:bodyPr>
+          <a:lstStyle/>
+          <a:p>
+            <a:pPr algn="ctr"/>
+            <a:r>
+              <a:rPr lang="fr-FR" sz="4000" dirty="0" smtClean="0">
+                <a:solidFill>
+                  <a:schemeClr val="bg1"/>
+                </a:solidFill>
+              </a:rPr>
+              <a:t>Fonctions statistiques</a:t>
+            </a:r>
+            <a:endParaRPr lang="fr-FR" sz="4000" dirty="0">
+              <a:solidFill>
+                <a:schemeClr val="bg1"/>
+              </a:solidFill>
+            </a:endParaRPr>
+          </a:p>
+        </p:txBody>
+      </p:sp>
+      <p:cxnSp>
+        <p:nvCxnSpPr>
+          <p:cNvPr id="3" name="Connecteur droit 2">
+            <a:extLst>
+              <a:ext uri="{FF2B5EF4-FFF2-40B4-BE49-F238E27FC236}">
+                <a16:creationId xmlns:a16="http://schemas.microsoft.com/office/drawing/2014/main" id="{2E5FFC58-89E0-45F1-AB54-88B4500CE745}"/>
+              </a:ext>
+            </a:extLst>
+          </p:cNvPr>
+          <p:cNvCxnSpPr/>
+          <p:nvPr/>
+        </p:nvCxnSpPr>
+        <p:spPr>
+          <a:xfrm>
+            <a:off x="1327355" y="1002890"/>
+            <a:ext cx="9674942" cy="0"/>
+          </a:xfrm>
+          <a:prstGeom prst="line">
+            <a:avLst/>
+          </a:prstGeom>
+          <a:ln w="38100">
+            <a:solidFill>
+              <a:schemeClr val="accent6">
+                <a:lumMod val="50000"/>
+              </a:schemeClr>
+            </a:solidFill>
+          </a:ln>
+        </p:spPr>
+        <p:style>
+          <a:lnRef idx="1">
+            <a:schemeClr val="accent1"/>
+          </a:lnRef>
+          <a:fillRef idx="0">
+            <a:schemeClr val="accent1"/>
+          </a:fillRef>
+          <a:effectRef idx="0">
+            <a:schemeClr val="accent1"/>
+          </a:effectRef>
+          <a:fontRef idx="minor">
+            <a:schemeClr val="tx1"/>
+          </a:fontRef>
+        </p:style>
+      </p:cxnSp>
+      <p:sp>
+        <p:nvSpPr>
+          <p:cNvPr id="14" name="Rectangle 13">
+            <a:extLst>
+              <a:ext uri="{FF2B5EF4-FFF2-40B4-BE49-F238E27FC236}">
+                <a16:creationId xmlns:a16="http://schemas.microsoft.com/office/drawing/2014/main" id="{A111C86D-0A6E-4457-9131-84B9AB8CA6E2}"/>
+              </a:ext>
+            </a:extLst>
+          </p:cNvPr>
+          <p:cNvSpPr/>
+          <p:nvPr/>
+        </p:nvSpPr>
+        <p:spPr>
+          <a:xfrm>
+            <a:off x="0" y="6995795"/>
+            <a:ext cx="12192000" cy="525145"/>
+          </a:xfrm>
+          <a:prstGeom prst="rect">
+            <a:avLst/>
+          </a:prstGeom>
+          <a:solidFill>
+            <a:schemeClr val="accent1">
+              <a:lumMod val="20000"/>
+              <a:lumOff val="80000"/>
+            </a:schemeClr>
+          </a:solidFill>
+          <a:ln>
+            <a:noFill/>
+          </a:ln>
+        </p:spPr>
+        <p:style>
+          <a:lnRef idx="2">
+            <a:schemeClr val="accent1">
+              <a:shade val="50000"/>
+            </a:schemeClr>
+          </a:lnRef>
+          <a:fillRef idx="1">
+            <a:schemeClr val="accent1"/>
+          </a:fillRef>
+          <a:effectRef idx="0">
+            <a:schemeClr val="accent1"/>
+          </a:effectRef>
+          <a:fontRef idx="minor">
+            <a:schemeClr val="lt1"/>
+          </a:fontRef>
+        </p:style>
+        <p:txBody>
+          <a:bodyPr rtlCol="0" anchor="ctr"/>
+          <a:lstStyle/>
+          <a:p>
+            <a:pPr algn="ctr"/>
+            <a:endParaRPr lang="fr-FR"/>
+          </a:p>
+        </p:txBody>
+      </p:sp>
+      <p:sp>
+        <p:nvSpPr>
+          <p:cNvPr id="16" name="Espace réservé du numéro de diapositive 11">
+            <a:extLst>
+              <a:ext uri="{FF2B5EF4-FFF2-40B4-BE49-F238E27FC236}">
+                <a16:creationId xmlns:a16="http://schemas.microsoft.com/office/drawing/2014/main" id="{C4BC3E63-B4B6-49C0-95C7-9C149F176671}"/>
+              </a:ext>
+            </a:extLst>
+          </p:cNvPr>
+          <p:cNvSpPr>
+            <a:spLocks noGrp="1"/>
+          </p:cNvSpPr>
+          <p:nvPr>
+            <p:ph type="sldNum" sz="quarter" idx="12"/>
+          </p:nvPr>
+        </p:nvSpPr>
+        <p:spPr>
+          <a:xfrm>
+            <a:off x="11158322" y="6492875"/>
+            <a:ext cx="870036" cy="365125"/>
+          </a:xfrm>
+        </p:spPr>
+        <p:txBody>
+          <a:bodyPr/>
+          <a:lstStyle/>
+          <a:p>
+            <a:fld id="{09EA0DBA-1CB7-49FD-A4E9-CB9833829DE4}" type="slidenum">
+              <a:rPr lang="fr-FR" sz="2000" b="1" smtClean="0">
+                <a:solidFill>
+                  <a:srgbClr val="FF0000"/>
+                </a:solidFill>
+                <a:latin typeface="Times New Roman" panose="02020603050405020304" pitchFamily="18" charset="0"/>
+                <a:cs typeface="Times New Roman" panose="02020603050405020304" pitchFamily="18" charset="0"/>
+              </a:rPr>
+              <a:t>18</a:t>
+            </a:fld>
+            <a:endParaRPr lang="fr-FR" sz="2000" b="1" dirty="0">
+              <a:solidFill>
+                <a:srgbClr val="FF0000"/>
+              </a:solidFill>
+              <a:latin typeface="Times New Roman" panose="02020603050405020304" pitchFamily="18" charset="0"/>
+              <a:cs typeface="Times New Roman" panose="02020603050405020304" pitchFamily="18" charset="0"/>
+            </a:endParaRPr>
+          </a:p>
+        </p:txBody>
+      </p:sp>
+      <p:sp>
+        <p:nvSpPr>
+          <p:cNvPr id="11" name="Rectangle 10"/>
+          <p:cNvSpPr/>
+          <p:nvPr/>
+        </p:nvSpPr>
+        <p:spPr>
+          <a:xfrm>
+            <a:off x="69262" y="1295167"/>
+            <a:ext cx="2667717" cy="461665"/>
+          </a:xfrm>
+          <a:prstGeom prst="rect">
+            <a:avLst/>
+          </a:prstGeom>
+          <a:noFill/>
+        </p:spPr>
+        <p:txBody>
+          <a:bodyPr wrap="none" lIns="91440" tIns="45720" rIns="91440" bIns="45720">
+            <a:spAutoFit/>
+          </a:bodyPr>
+          <a:lstStyle/>
+          <a:p>
+            <a:r>
+              <a:rPr lang="fr-FR" sz="2400" dirty="0" smtClean="0">
+                <a:ln w="0"/>
+                <a:effectLst>
+                  <a:outerShdw blurRad="38100" dist="19050" dir="2700000" algn="tl" rotWithShape="0">
+                    <a:schemeClr val="dk1">
+                      <a:alpha val="40000"/>
+                    </a:schemeClr>
+                  </a:outerShdw>
+                </a:effectLst>
+              </a:rPr>
+              <a:t>SOMME, SOMME.SI</a:t>
+            </a:r>
+            <a:endParaRPr lang="fr-FR" sz="2400" b="0" cap="none" spc="0" dirty="0">
+              <a:ln w="0"/>
+              <a:solidFill>
+                <a:schemeClr val="tx1"/>
+              </a:solidFill>
+              <a:effectLst>
+                <a:outerShdw blurRad="38100" dist="19050" dir="2700000" algn="tl" rotWithShape="0">
+                  <a:schemeClr val="dk1">
+                    <a:alpha val="40000"/>
+                  </a:schemeClr>
+                </a:outerShdw>
+              </a:effectLst>
+            </a:endParaRPr>
+          </a:p>
+        </p:txBody>
+      </p:sp>
+      <p:sp>
+        <p:nvSpPr>
+          <p:cNvPr id="12" name="Rectangle 11"/>
+          <p:cNvSpPr/>
+          <p:nvPr/>
+        </p:nvSpPr>
+        <p:spPr>
+          <a:xfrm>
+            <a:off x="69262" y="3222671"/>
+            <a:ext cx="9612310" cy="830997"/>
+          </a:xfrm>
+          <a:prstGeom prst="rect">
+            <a:avLst/>
+          </a:prstGeom>
+          <a:noFill/>
+        </p:spPr>
+        <p:txBody>
+          <a:bodyPr wrap="none" lIns="91440" tIns="45720" rIns="91440" bIns="45720">
+            <a:spAutoFit/>
+          </a:bodyPr>
+          <a:lstStyle/>
+          <a:p>
+            <a:r>
+              <a:rPr lang="fr-FR" sz="2400" dirty="0" smtClean="0">
+                <a:ln w="0"/>
+                <a:effectLst>
+                  <a:outerShdw blurRad="38100" dist="19050" dir="2700000" algn="tl" rotWithShape="0">
+                    <a:schemeClr val="dk1">
+                      <a:alpha val="40000"/>
+                    </a:schemeClr>
+                  </a:outerShdw>
+                </a:effectLst>
+              </a:rPr>
+              <a:t>FREQUENCE : Elle permet de renvoyer la répartition des valeurs d’une série </a:t>
+            </a:r>
+          </a:p>
+          <a:p>
+            <a:r>
+              <a:rPr lang="fr-FR" sz="2400" dirty="0" smtClean="0">
+                <a:ln w="0"/>
+                <a:effectLst>
+                  <a:outerShdw blurRad="38100" dist="19050" dir="2700000" algn="tl" rotWithShape="0">
+                    <a:schemeClr val="dk1">
+                      <a:alpha val="40000"/>
+                    </a:schemeClr>
+                  </a:outerShdw>
+                </a:effectLst>
+              </a:rPr>
+              <a:t>dans des intervalles définis</a:t>
+            </a:r>
+            <a:endParaRPr lang="fr-FR" sz="2400" b="0" cap="none" spc="0" dirty="0">
+              <a:ln w="0"/>
+              <a:solidFill>
+                <a:schemeClr val="tx1"/>
+              </a:solidFill>
+              <a:effectLst>
+                <a:outerShdw blurRad="38100" dist="19050" dir="2700000" algn="tl" rotWithShape="0">
+                  <a:schemeClr val="dk1">
+                    <a:alpha val="40000"/>
+                  </a:schemeClr>
+                </a:outerShdw>
+              </a:effectLst>
+            </a:endParaRPr>
+          </a:p>
+        </p:txBody>
+      </p:sp>
+      <p:sp>
+        <p:nvSpPr>
+          <p:cNvPr id="13" name="Rectangle 12"/>
+          <p:cNvSpPr/>
+          <p:nvPr/>
+        </p:nvSpPr>
+        <p:spPr>
+          <a:xfrm>
+            <a:off x="69262" y="4347265"/>
+            <a:ext cx="8027710" cy="830997"/>
+          </a:xfrm>
+          <a:prstGeom prst="rect">
+            <a:avLst/>
+          </a:prstGeom>
+          <a:noFill/>
+        </p:spPr>
+        <p:txBody>
+          <a:bodyPr wrap="none" lIns="91440" tIns="45720" rIns="91440" bIns="45720">
+            <a:spAutoFit/>
+          </a:bodyPr>
+          <a:lstStyle/>
+          <a:p>
+            <a:r>
+              <a:rPr lang="fr-FR" sz="2400" dirty="0" smtClean="0">
+                <a:ln w="0"/>
+                <a:effectLst>
+                  <a:outerShdw blurRad="38100" dist="19050" dir="2700000" algn="tl" rotWithShape="0">
+                    <a:schemeClr val="dk1">
+                      <a:alpha val="40000"/>
+                    </a:schemeClr>
+                  </a:outerShdw>
+                </a:effectLst>
+              </a:rPr>
+              <a:t>NB : Elle permet de renvoyer le nombre de cellules d’une plage</a:t>
+            </a:r>
+          </a:p>
+          <a:p>
+            <a:r>
+              <a:rPr lang="fr-FR" sz="2400" dirty="0" smtClean="0">
+                <a:ln w="0"/>
+                <a:effectLst>
+                  <a:outerShdw blurRad="38100" dist="19050" dir="2700000" algn="tl" rotWithShape="0">
+                    <a:schemeClr val="dk1">
+                      <a:alpha val="40000"/>
+                    </a:schemeClr>
+                  </a:outerShdw>
+                </a:effectLst>
+              </a:rPr>
+              <a:t> qui comporte un nombre</a:t>
+            </a:r>
+            <a:endParaRPr lang="fr-FR" sz="2400" b="0" cap="none" spc="0" dirty="0">
+              <a:ln w="0"/>
+              <a:solidFill>
+                <a:schemeClr val="tx1"/>
+              </a:solidFill>
+              <a:effectLst>
+                <a:outerShdw blurRad="38100" dist="19050" dir="2700000" algn="tl" rotWithShape="0">
+                  <a:schemeClr val="dk1">
+                    <a:alpha val="40000"/>
+                  </a:schemeClr>
+                </a:outerShdw>
+              </a:effectLst>
+            </a:endParaRPr>
+          </a:p>
+        </p:txBody>
+      </p:sp>
+      <p:sp>
+        <p:nvSpPr>
+          <p:cNvPr id="15" name="Rectangle 14"/>
+          <p:cNvSpPr/>
+          <p:nvPr/>
+        </p:nvSpPr>
+        <p:spPr>
+          <a:xfrm>
+            <a:off x="69262" y="2049110"/>
+            <a:ext cx="10007355" cy="830997"/>
+          </a:xfrm>
+          <a:prstGeom prst="rect">
+            <a:avLst/>
+          </a:prstGeom>
+          <a:noFill/>
+        </p:spPr>
+        <p:txBody>
+          <a:bodyPr wrap="none" lIns="91440" tIns="45720" rIns="91440" bIns="45720">
+            <a:spAutoFit/>
+          </a:bodyPr>
+          <a:lstStyle/>
+          <a:p>
+            <a:r>
+              <a:rPr lang="fr-FR" sz="2400" dirty="0" smtClean="0">
+                <a:ln w="0"/>
+                <a:effectLst>
+                  <a:outerShdw blurRad="38100" dist="19050" dir="2700000" algn="tl" rotWithShape="0">
+                    <a:schemeClr val="dk1">
+                      <a:alpha val="40000"/>
+                    </a:schemeClr>
+                  </a:outerShdw>
+                </a:effectLst>
+              </a:rPr>
+              <a:t>ALEA.ENTRE.BORNES : Elle permet de renvoyer un nombre entier aléatoire qui </a:t>
+            </a:r>
+          </a:p>
+          <a:p>
+            <a:r>
+              <a:rPr lang="fr-FR" sz="2400" dirty="0" smtClean="0">
+                <a:ln w="0"/>
+                <a:effectLst>
+                  <a:outerShdw blurRad="38100" dist="19050" dir="2700000" algn="tl" rotWithShape="0">
+                    <a:schemeClr val="dk1">
+                      <a:alpha val="40000"/>
+                    </a:schemeClr>
+                  </a:outerShdw>
+                </a:effectLst>
+              </a:rPr>
+              <a:t>est situé entre deux bornes spécifiées par </a:t>
+            </a:r>
+            <a:r>
+              <a:rPr lang="fr-FR" sz="2400" dirty="0" smtClean="0">
+                <a:ln w="0"/>
+                <a:effectLst>
+                  <a:outerShdw blurRad="38100" dist="19050" dir="2700000" algn="tl" rotWithShape="0">
+                    <a:schemeClr val="dk1">
+                      <a:alpha val="40000"/>
+                    </a:schemeClr>
+                  </a:outerShdw>
+                </a:effectLst>
+              </a:rPr>
+              <a:t>l’utilisateur.</a:t>
+            </a:r>
+            <a:endParaRPr lang="fr-FR" sz="2400" b="0" cap="none" spc="0" dirty="0">
+              <a:ln w="0"/>
+              <a:solidFill>
+                <a:schemeClr val="tx1"/>
+              </a:solidFill>
+              <a:effectLst>
+                <a:outerShdw blurRad="38100" dist="19050" dir="2700000" algn="tl" rotWithShape="0">
+                  <a:schemeClr val="dk1">
+                    <a:alpha val="40000"/>
+                  </a:schemeClr>
+                </a:outerShdw>
+              </a:effectLst>
+            </a:endParaRPr>
+          </a:p>
+        </p:txBody>
+      </p:sp>
+      <p:sp>
+        <p:nvSpPr>
+          <p:cNvPr id="17" name="Rectangle 16"/>
+          <p:cNvSpPr/>
+          <p:nvPr/>
+        </p:nvSpPr>
+        <p:spPr>
+          <a:xfrm>
+            <a:off x="69262" y="5625363"/>
+            <a:ext cx="7958975" cy="461665"/>
+          </a:xfrm>
+          <a:prstGeom prst="rect">
+            <a:avLst/>
+          </a:prstGeom>
+          <a:noFill/>
+        </p:spPr>
+        <p:txBody>
+          <a:bodyPr wrap="none" lIns="91440" tIns="45720" rIns="91440" bIns="45720">
+            <a:spAutoFit/>
+          </a:bodyPr>
+          <a:lstStyle/>
+          <a:p>
             <a:r>
               <a:rPr lang="fr-FR" sz="2400" dirty="0" smtClean="0">
                 <a:ln w="0"/>
@@ -7256,7 +8368,7 @@
 </p:sld>
 </file>
 
-<file path=ppt/slides/slide16.xml><?xml version="1.0" encoding="utf-8"?>
+<file path=ppt/slides/slide19.xml><?xml version="1.0" encoding="utf-8"?>
 <p:sld xmlns:a="http://schemas.openxmlformats.org/drawingml/2006/main" xmlns:r="http://schemas.openxmlformats.org/officeDocument/2006/relationships" xmlns:p="http://schemas.openxmlformats.org/presentationml/2006/main">
   <p:cSld>
     <p:spTree>
@@ -9991,20 +11103,7 @@
                   </a:outerShdw>
                 </a:effectLst>
               </a:rPr>
-              <a:t>Structure </a:t>
-            </a:r>
-            <a:r>
-              <a:rPr lang="fr-FR" sz="2800" dirty="0" smtClean="0">
-                <a:ln w="0"/>
-                <a:effectLst>
-                  <a:outerShdw blurRad="38100" dist="19050" dir="2700000" algn="tl" rotWithShape="0">
-                    <a:schemeClr val="dk1">
-                      <a:alpha val="40000"/>
-                    </a:schemeClr>
-                  </a:outerShdw>
-                </a:effectLst>
-              </a:rPr>
-              <a:t>générale d’une fonction</a:t>
+              <a:t>Structure générale d’une fonction</a:t>
             </a:r>
             <a:endParaRPr lang="fr-FR" sz="2800" b="0" cap="none" spc="0" dirty="0">
               <a:ln w="0"/>

--- a/Cours/IFDC_2.pptx
+++ b/Cours/IFDC_2.pptx
@@ -5,28 +5,27 @@
     <p:sldMasterId id="2147483648" r:id="rId1"/>
   </p:sldMasterIdLst>
   <p:notesMasterIdLst>
-    <p:notesMasterId r:id="rId21"/>
+    <p:notesMasterId r:id="rId20"/>
   </p:notesMasterIdLst>
   <p:sldIdLst>
     <p:sldId id="285" r:id="rId2"/>
     <p:sldId id="319" r:id="rId3"/>
-    <p:sldId id="291" r:id="rId4"/>
-    <p:sldId id="292" r:id="rId5"/>
-    <p:sldId id="360" r:id="rId6"/>
-    <p:sldId id="361" r:id="rId7"/>
-    <p:sldId id="339" r:id="rId8"/>
-    <p:sldId id="368" r:id="rId9"/>
-    <p:sldId id="369" r:id="rId10"/>
-    <p:sldId id="370" r:id="rId11"/>
-    <p:sldId id="365" r:id="rId12"/>
-    <p:sldId id="372" r:id="rId13"/>
-    <p:sldId id="371" r:id="rId14"/>
-    <p:sldId id="373" r:id="rId15"/>
-    <p:sldId id="374" r:id="rId16"/>
-    <p:sldId id="364" r:id="rId17"/>
-    <p:sldId id="362" r:id="rId18"/>
-    <p:sldId id="363" r:id="rId19"/>
-    <p:sldId id="316" r:id="rId20"/>
+    <p:sldId id="292" r:id="rId4"/>
+    <p:sldId id="360" r:id="rId5"/>
+    <p:sldId id="361" r:id="rId6"/>
+    <p:sldId id="339" r:id="rId7"/>
+    <p:sldId id="368" r:id="rId8"/>
+    <p:sldId id="369" r:id="rId9"/>
+    <p:sldId id="370" r:id="rId10"/>
+    <p:sldId id="365" r:id="rId11"/>
+    <p:sldId id="372" r:id="rId12"/>
+    <p:sldId id="371" r:id="rId13"/>
+    <p:sldId id="373" r:id="rId14"/>
+    <p:sldId id="374" r:id="rId15"/>
+    <p:sldId id="364" r:id="rId16"/>
+    <p:sldId id="362" r:id="rId17"/>
+    <p:sldId id="363" r:id="rId18"/>
+    <p:sldId id="316" r:id="rId19"/>
   </p:sldIdLst>
   <p:sldSz cx="12192000" cy="6858000"/>
   <p:notesSz cx="6858000" cy="9144000"/>
@@ -4232,7 +4231,7 @@
         <p:spPr>
           <a:xfrm>
             <a:off x="1919416" y="295004"/>
-            <a:ext cx="8353167" cy="707886"/>
+            <a:ext cx="8671633" cy="707886"/>
           </a:xfrm>
           <a:prstGeom prst="rect">
             <a:avLst/>
@@ -4271,7 +4270,7 @@
                   <a:schemeClr val="bg1"/>
                 </a:solidFill>
               </a:rPr>
-              <a:t>Fonctions Textes</a:t>
+              <a:t>Les fonctions de Recherche et Référence</a:t>
             </a:r>
             <a:endParaRPr lang="fr-FR" sz="4000" dirty="0">
               <a:solidFill>
@@ -4427,14 +4426,14 @@
       </p:sp>
       <p:sp>
         <p:nvSpPr>
-          <p:cNvPr id="2" name="ZoneTexte 1"/>
-          <p:cNvSpPr txBox="1"/>
+          <p:cNvPr id="8" name="Rectangle 7"/>
+          <p:cNvSpPr/>
           <p:nvPr/>
         </p:nvSpPr>
         <p:spPr>
           <a:xfrm>
-            <a:off x="533623" y="1467896"/>
-            <a:ext cx="10661933" cy="954107"/>
+            <a:off x="45654" y="1358652"/>
+            <a:ext cx="11982704" cy="1384995"/>
           </a:xfrm>
           <a:prstGeom prst="rect">
             <a:avLst/>
@@ -4442,107 +4441,54 @@
           <a:noFill/>
         </p:spPr>
         <p:txBody>
-          <a:bodyPr wrap="square" rtlCol="0">
-            <a:spAutoFit/>
-          </a:bodyPr>
-          <a:lstStyle/>
-          <a:p>
-            <a:r>
-              <a:rPr lang="fr-FR" sz="2800" dirty="0"/>
-              <a:t>Les fonctions de la catégorie TEXTE vous permettent de manipuler des chaînes de caractères: suppression, ajout, déplacement, comptage...</a:t>
-            </a:r>
-          </a:p>
-        </p:txBody>
-      </p:sp>
-      <p:sp>
-        <p:nvSpPr>
-          <p:cNvPr id="7" name="Rectangle 6"/>
-          <p:cNvSpPr/>
-          <p:nvPr/>
-        </p:nvSpPr>
-        <p:spPr>
-          <a:xfrm>
-            <a:off x="451367" y="2763898"/>
-            <a:ext cx="11740633" cy="830997"/>
-          </a:xfrm>
-          <a:prstGeom prst="rect">
-            <a:avLst/>
-          </a:prstGeom>
-          <a:noFill/>
-        </p:spPr>
-        <p:txBody>
-          <a:bodyPr wrap="square" lIns="91440" tIns="45720" rIns="91440" bIns="45720">
-            <a:spAutoFit/>
-          </a:bodyPr>
-          <a:lstStyle/>
-          <a:p>
-            <a:r>
-              <a:rPr lang="fr-FR" sz="2400" dirty="0" smtClean="0">
-                <a:ln w="0"/>
-                <a:effectLst>
-                  <a:outerShdw blurRad="38100" dist="19050" dir="2700000" algn="tl" rotWithShape="0">
-                    <a:schemeClr val="dk1">
-                      <a:alpha val="40000"/>
-                    </a:schemeClr>
-                  </a:outerShdw>
-                </a:effectLst>
-              </a:rPr>
-              <a:t>=CONCATENER(): Elle permet de mettre bout à bout des chaînes de caractère (du texte) pour n’en former une.</a:t>
-            </a:r>
-          </a:p>
-        </p:txBody>
-      </p:sp>
-      <p:sp>
-        <p:nvSpPr>
-          <p:cNvPr id="8" name="Rectangle 7"/>
-          <p:cNvSpPr/>
-          <p:nvPr/>
-        </p:nvSpPr>
-        <p:spPr>
-          <a:xfrm>
-            <a:off x="0" y="4212887"/>
-            <a:ext cx="11722376" cy="830997"/>
-          </a:xfrm>
-          <a:prstGeom prst="rect">
-            <a:avLst/>
-          </a:prstGeom>
-          <a:noFill/>
-        </p:spPr>
-        <p:txBody>
           <a:bodyPr wrap="none" lIns="91440" tIns="45720" rIns="91440" bIns="45720">
             <a:spAutoFit/>
           </a:bodyPr>
           <a:lstStyle/>
           <a:p>
             <a:r>
-              <a:rPr lang="fr-FR" sz="2400" dirty="0" smtClean="0">
-                <a:ln w="0"/>
-                <a:effectLst>
-                  <a:outerShdw blurRad="38100" dist="19050" dir="2700000" algn="tl" rotWithShape="0">
-                    <a:schemeClr val="dk1">
-                      <a:alpha val="40000"/>
-                    </a:schemeClr>
-                  </a:outerShdw>
-                </a:effectLst>
-              </a:rPr>
-              <a:t>      =DROITE() et =GAUCHE(): Elles permettent d’extraire les caractères du début (GAUCHE) </a:t>
-            </a:r>
-          </a:p>
-          <a:p>
-            <a:r>
-              <a:rPr lang="fr-FR" sz="2400" dirty="0" smtClean="0">
-                <a:ln w="0"/>
-                <a:effectLst>
-                  <a:outerShdw blurRad="38100" dist="19050" dir="2700000" algn="tl" rotWithShape="0">
-                    <a:schemeClr val="dk1">
-                      <a:alpha val="40000"/>
-                    </a:schemeClr>
-                  </a:outerShdw>
-                </a:effectLst>
-              </a:rPr>
-              <a:t>et de fin (DROITE) de la chaîne de caractère.</a:t>
-            </a:r>
-            <a:endParaRPr lang="fr-FR" sz="2400" cap="none" spc="0" dirty="0">
+              <a:rPr lang="fr-FR" sz="2800" dirty="0"/>
+              <a:t>Les fonctions du groupe RECHERCHE </a:t>
+            </a:r>
+            <a:r>
+              <a:rPr lang="fr-FR" sz="2800" dirty="0" smtClean="0"/>
+              <a:t>&amp; REFERENCE </a:t>
+            </a:r>
+            <a:r>
+              <a:rPr lang="fr-FR" sz="2800" dirty="0"/>
+              <a:t>permet de faire des </a:t>
+            </a:r>
+            <a:endParaRPr lang="fr-FR" sz="2800" dirty="0" smtClean="0"/>
+          </a:p>
+          <a:p>
+            <a:r>
+              <a:rPr lang="fr-FR" sz="2800" dirty="0" smtClean="0"/>
+              <a:t>recherches dans </a:t>
+            </a:r>
+            <a:r>
+              <a:rPr lang="fr-FR" sz="2800" dirty="0"/>
+              <a:t>un tableau de valeurs et de renvoyer la valeur trouvée dans une </a:t>
+            </a:r>
+            <a:endParaRPr lang="fr-FR" sz="2800" dirty="0" smtClean="0"/>
+          </a:p>
+          <a:p>
+            <a:r>
+              <a:rPr lang="fr-FR" sz="2800" dirty="0" smtClean="0"/>
+              <a:t>cellule </a:t>
+            </a:r>
+            <a:r>
+              <a:rPr lang="fr-FR" sz="2800" dirty="0"/>
+              <a:t>ou </a:t>
+            </a:r>
+            <a:r>
+              <a:rPr lang="fr-FR" sz="2800" dirty="0" smtClean="0"/>
+              <a:t>plusieurs </a:t>
+            </a:r>
+            <a:r>
+              <a:rPr lang="fr-FR" sz="2800" dirty="0"/>
+              <a:t>cellules.</a:t>
+            </a:r>
+            <a:endParaRPr lang="fr-FR" sz="2800" b="0" cap="none" spc="0" dirty="0">
               <a:ln w="0"/>
               <a:solidFill>
                 <a:schemeClr val="tx1"/>
@@ -4560,14 +4506,14 @@
       </p:sp>
       <p:sp>
         <p:nvSpPr>
-          <p:cNvPr id="5" name="ZoneTexte 4"/>
-          <p:cNvSpPr txBox="1"/>
+          <p:cNvPr id="11" name="Rectangle 10"/>
+          <p:cNvSpPr/>
           <p:nvPr/>
         </p:nvSpPr>
         <p:spPr>
           <a:xfrm>
-            <a:off x="451367" y="5292544"/>
-            <a:ext cx="7787417" cy="461665"/>
+            <a:off x="1196796" y="2971454"/>
+            <a:ext cx="5905784" cy="461665"/>
           </a:xfrm>
           <a:prstGeom prst="rect">
             <a:avLst/>
@@ -4575,18 +4521,99 @@
           <a:noFill/>
         </p:spPr>
         <p:txBody>
+          <a:bodyPr wrap="none" lIns="91440" tIns="45720" rIns="91440" bIns="45720">
+            <a:spAutoFit/>
+          </a:bodyPr>
+          <a:lstStyle/>
+          <a:p>
+            <a:r>
+              <a:rPr lang="fr-FR" sz="2400" dirty="0">
+                <a:ln w="0"/>
+                <a:effectLst>
+                  <a:outerShdw blurRad="38100" dist="19050" dir="2700000" algn="tl" rotWithShape="0">
+                    <a:schemeClr val="dk1">
+                      <a:alpha val="40000"/>
+                    </a:schemeClr>
+                  </a:outerShdw>
+                </a:effectLst>
+              </a:rPr>
+              <a:t>La fonction </a:t>
+            </a:r>
+            <a:r>
+              <a:rPr lang="fr-FR" sz="2400" dirty="0" smtClean="0">
+                <a:ln w="0"/>
+                <a:effectLst>
+                  <a:outerShdw blurRad="38100" dist="19050" dir="2700000" algn="tl" rotWithShape="0">
+                    <a:schemeClr val="dk1">
+                      <a:alpha val="40000"/>
+                    </a:schemeClr>
+                  </a:outerShdw>
+                </a:effectLst>
+              </a:rPr>
+              <a:t>RECHERCHEV(), </a:t>
+            </a:r>
+            <a:r>
+              <a:rPr lang="fr-FR" sz="2400" dirty="0">
+                <a:ln w="0"/>
+                <a:effectLst>
+                  <a:outerShdw blurRad="38100" dist="19050" dir="2700000" algn="tl" rotWithShape="0">
+                    <a:schemeClr val="dk1">
+                      <a:alpha val="40000"/>
+                    </a:schemeClr>
+                  </a:outerShdw>
+                </a:effectLst>
+              </a:rPr>
+              <a:t>Que permet-elle ?</a:t>
+            </a:r>
+            <a:endParaRPr lang="fr-FR" sz="2400" b="0" cap="none" spc="0" dirty="0">
+              <a:ln w="0"/>
+              <a:solidFill>
+                <a:schemeClr val="tx1"/>
+              </a:solidFill>
+              <a:effectLst>
+                <a:outerShdw blurRad="38100" dist="19050" dir="2700000" algn="tl" rotWithShape="0">
+                  <a:schemeClr val="dk1">
+                    <a:alpha val="40000"/>
+                  </a:schemeClr>
+                </a:outerShdw>
+              </a:effectLst>
+            </a:endParaRPr>
+          </a:p>
+        </p:txBody>
+      </p:sp>
+      <p:sp>
+        <p:nvSpPr>
+          <p:cNvPr id="2" name="ZoneTexte 1"/>
+          <p:cNvSpPr txBox="1"/>
+          <p:nvPr/>
+        </p:nvSpPr>
+        <p:spPr>
+          <a:xfrm>
+            <a:off x="174812" y="3913094"/>
+            <a:ext cx="10827485" cy="1815882"/>
+          </a:xfrm>
+          <a:prstGeom prst="rect">
+            <a:avLst/>
+          </a:prstGeom>
+          <a:noFill/>
+        </p:spPr>
+        <p:txBody>
           <a:bodyPr wrap="square" rtlCol="0">
             <a:spAutoFit/>
           </a:bodyPr>
           <a:lstStyle/>
           <a:p>
             <a:r>
-              <a:rPr lang="fr-FR" sz="2400" dirty="0" smtClean="0"/>
-              <a:t>=REMPLACER() remplace </a:t>
-            </a:r>
-            <a:r>
-              <a:rPr lang="fr-FR" sz="2400" dirty="0"/>
-              <a:t>des caractères dans un texte.</a:t>
+              <a:rPr lang="fr-FR" sz="2800" dirty="0"/>
+              <a:t>E</a:t>
+            </a:r>
+            <a:r>
+              <a:rPr lang="fr-FR" sz="2800" dirty="0" smtClean="0"/>
+              <a:t>lle </a:t>
+            </a:r>
+            <a:r>
+              <a:rPr lang="fr-FR" sz="2800" dirty="0"/>
+              <a:t>permet de rechercher une valeur dans un tableau, plage de cellule ou matrice et de renvoyer une valeur associée. Elle cherche dans la première colonne et renvoie une valeur d'une des autres colonnes sur la même ligne.</a:t>
             </a:r>
           </a:p>
         </p:txBody>
@@ -4594,7 +4621,7 @@
     </p:spTree>
     <p:extLst>
       <p:ext uri="{BB962C8B-B14F-4D97-AF65-F5344CB8AC3E}">
-        <p14:creationId xmlns:p14="http://schemas.microsoft.com/office/powerpoint/2010/main" val="2920057356"/>
+        <p14:creationId xmlns:p14="http://schemas.microsoft.com/office/powerpoint/2010/main" val="3132475057"/>
       </p:ext>
     </p:extLst>
   </p:cSld>
@@ -4844,8 +4871,8 @@
         </p:nvSpPr>
         <p:spPr>
           <a:xfrm>
-            <a:off x="45654" y="1358652"/>
-            <a:ext cx="11982704" cy="1384995"/>
+            <a:off x="1471042" y="1443025"/>
+            <a:ext cx="6452344" cy="523220"/>
           </a:xfrm>
           <a:prstGeom prst="rect">
             <a:avLst/>
@@ -4860,45 +4887,7 @@
           <a:p>
             <a:r>
               <a:rPr lang="fr-FR" sz="2800" dirty="0"/>
-              <a:t>Les fonctions du groupe RECHERCHE </a:t>
-            </a:r>
-            <a:r>
-              <a:rPr lang="fr-FR" sz="2800" dirty="0" smtClean="0"/>
-              <a:t>&amp; REFERENCE </a:t>
-            </a:r>
-            <a:r>
-              <a:rPr lang="fr-FR" sz="2800" dirty="0"/>
-              <a:t>permet de faire des </a:t>
-            </a:r>
-            <a:endParaRPr lang="fr-FR" sz="2800" dirty="0" smtClean="0"/>
-          </a:p>
-          <a:p>
-            <a:r>
-              <a:rPr lang="fr-FR" sz="2800" dirty="0" smtClean="0"/>
-              <a:t>recherches dans </a:t>
-            </a:r>
-            <a:r>
-              <a:rPr lang="fr-FR" sz="2800" dirty="0"/>
-              <a:t>un tableau de valeurs et de renvoyer la valeur trouvée dans une </a:t>
-            </a:r>
-            <a:endParaRPr lang="fr-FR" sz="2800" dirty="0" smtClean="0"/>
-          </a:p>
-          <a:p>
-            <a:r>
-              <a:rPr lang="fr-FR" sz="2800" dirty="0" smtClean="0"/>
-              <a:t>cellule </a:t>
-            </a:r>
-            <a:r>
-              <a:rPr lang="fr-FR" sz="2800" dirty="0"/>
-              <a:t>ou </a:t>
-            </a:r>
-            <a:r>
-              <a:rPr lang="fr-FR" sz="2800" dirty="0" smtClean="0"/>
-              <a:t>plusieurs </a:t>
-            </a:r>
-            <a:r>
-              <a:rPr lang="fr-FR" sz="2800" dirty="0"/>
-              <a:t>cellules.</a:t>
+              <a:t>Comment s'écrit-elle et quels paramètres ?</a:t>
             </a:r>
             <a:endParaRPr lang="fr-FR" sz="2800" b="0" cap="none" spc="0" dirty="0">
               <a:ln w="0"/>
@@ -4924,8 +4913,8 @@
         </p:nvSpPr>
         <p:spPr>
           <a:xfrm>
-            <a:off x="1196796" y="2971454"/>
-            <a:ext cx="5905784" cy="461665"/>
+            <a:off x="174812" y="2247648"/>
+            <a:ext cx="9718173" cy="1200329"/>
           </a:xfrm>
           <a:prstGeom prst="rect">
             <a:avLst/>
@@ -4949,21 +4938,32 @@
                   </a:outerShdw>
                 </a:effectLst>
               </a:rPr>
-              <a:t>La fonction </a:t>
-            </a:r>
-            <a:r>
-              <a:rPr lang="fr-FR" sz="2400" dirty="0" smtClean="0">
-                <a:ln w="0"/>
-                <a:effectLst>
-                  <a:outerShdw blurRad="38100" dist="19050" dir="2700000" algn="tl" rotWithShape="0">
-                    <a:schemeClr val="dk1">
-                      <a:alpha val="40000"/>
-                    </a:schemeClr>
-                  </a:outerShdw>
-                </a:effectLst>
-              </a:rPr>
-              <a:t>RECHERCHEV(), </a:t>
-            </a:r>
+              <a:t>Cette fonction prend plusieurs paramètres, trois obligatoires et un facultatif. </a:t>
+            </a:r>
+            <a:endParaRPr lang="fr-FR" sz="2400" dirty="0" smtClean="0">
+              <a:ln w="0"/>
+              <a:effectLst>
+                <a:outerShdw blurRad="38100" dist="19050" dir="2700000" algn="tl" rotWithShape="0">
+                  <a:schemeClr val="dk1">
+                    <a:alpha val="40000"/>
+                  </a:schemeClr>
+                </a:outerShdw>
+              </a:effectLst>
+            </a:endParaRPr>
+          </a:p>
+          <a:p>
+            <a:endParaRPr lang="fr-FR" sz="2400" dirty="0">
+              <a:ln w="0"/>
+              <a:effectLst>
+                <a:outerShdw blurRad="38100" dist="19050" dir="2700000" algn="tl" rotWithShape="0">
+                  <a:schemeClr val="dk1">
+                    <a:alpha val="40000"/>
+                  </a:schemeClr>
+                </a:outerShdw>
+              </a:effectLst>
+            </a:endParaRPr>
+          </a:p>
+          <a:p>
             <a:r>
               <a:rPr lang="fr-FR" sz="2400" dirty="0">
                 <a:ln w="0"/>
@@ -4975,7 +4975,59 @@
                   </a:outerShdw>
                 </a:effectLst>
               </a:rPr>
-              <a:t>Que permet-elle ?</a:t>
+              <a:t>=RECHERCHEV(</a:t>
+            </a:r>
+            <a:r>
+              <a:rPr lang="fr-FR" sz="2400" dirty="0" err="1">
+                <a:ln w="0"/>
+                <a:effectLst>
+                  <a:outerShdw blurRad="38100" dist="19050" dir="2700000" algn="tl" rotWithShape="0">
+                    <a:schemeClr val="dk1">
+                      <a:alpha val="40000"/>
+                    </a:schemeClr>
+                  </a:outerShdw>
+                </a:effectLst>
+              </a:rPr>
+              <a:t>valeur_cherchée;plage;numero_colonne</a:t>
+            </a:r>
+            <a:r>
+              <a:rPr lang="fr-FR" sz="2400" dirty="0">
+                <a:ln w="0"/>
+                <a:effectLst>
+                  <a:outerShdw blurRad="38100" dist="19050" dir="2700000" algn="tl" rotWithShape="0">
+                    <a:schemeClr val="dk1">
+                      <a:alpha val="40000"/>
+                    </a:schemeClr>
+                  </a:outerShdw>
+                </a:effectLst>
+              </a:rPr>
+              <a:t>;[</a:t>
+            </a:r>
+            <a:r>
+              <a:rPr lang="fr-FR" sz="2400" dirty="0" err="1">
+                <a:ln w="0"/>
+                <a:effectLst>
+                  <a:outerShdw blurRad="38100" dist="19050" dir="2700000" algn="tl" rotWithShape="0">
+                    <a:schemeClr val="dk1">
+                      <a:alpha val="40000"/>
+                    </a:schemeClr>
+                  </a:outerShdw>
+                </a:effectLst>
+              </a:rPr>
+              <a:t>valeur_proche</a:t>
+            </a:r>
+            <a:r>
+              <a:rPr lang="fr-FR" sz="2400" dirty="0">
+                <a:ln w="0"/>
+                <a:effectLst>
+                  <a:outerShdw blurRad="38100" dist="19050" dir="2700000" algn="tl" rotWithShape="0">
+                    <a:schemeClr val="dk1">
+                      <a:alpha val="40000"/>
+                    </a:schemeClr>
+                  </a:outerShdw>
+                </a:effectLst>
+              </a:rPr>
+              <a:t>])</a:t>
             </a:r>
             <a:endParaRPr lang="fr-FR" sz="2400" b="0" cap="none" spc="0" dirty="0">
               <a:ln w="0"/>
@@ -5001,8 +5053,8 @@
         </p:nvSpPr>
         <p:spPr>
           <a:xfrm>
-            <a:off x="174812" y="3913094"/>
-            <a:ext cx="10827485" cy="1815882"/>
+            <a:off x="174812" y="3859306"/>
+            <a:ext cx="10827485" cy="2246769"/>
           </a:xfrm>
           <a:prstGeom prst="rect">
             <a:avLst/>
@@ -5017,24 +5069,31 @@
           <a:p>
             <a:r>
               <a:rPr lang="fr-FR" sz="2800" dirty="0"/>
-              <a:t>E</a:t>
-            </a:r>
-            <a:r>
-              <a:rPr lang="fr-FR" sz="2800" dirty="0" smtClean="0"/>
-              <a:t>lle </a:t>
+              <a:t>La </a:t>
+            </a:r>
+            <a:r>
+              <a:rPr lang="fr-FR" sz="2800" b="1" dirty="0"/>
+              <a:t>valeur cherchée </a:t>
             </a:r>
             <a:r>
               <a:rPr lang="fr-FR" sz="2800" dirty="0"/>
-              <a:t>permet de rechercher une valeur dans un tableau, plage de cellule ou matrice et de renvoyer une valeur associée. Elle cherche dans la première colonne et renvoie une valeur d'une des autres colonnes sur la même ligne.</a:t>
-            </a:r>
-            <a:endParaRPr lang="fr-FR" sz="2800" dirty="0"/>
+              <a:t>peut être une valeur chiffrée, du texte (qui sera alors entre guillemets) ou une cellule (et donc la valeur qu'elle contient). Elle doit être </a:t>
+            </a:r>
+            <a:r>
+              <a:rPr lang="fr-FR" sz="2800" b="1" dirty="0"/>
+              <a:t>obligatoirement dans la première colonne </a:t>
+            </a:r>
+            <a:r>
+              <a:rPr lang="fr-FR" sz="2800" dirty="0"/>
+              <a:t>sinon la cellule contenant la fonction RECHERCHEV vous renvoie l'erreur suivante : #NOM?.</a:t>
+            </a:r>
           </a:p>
         </p:txBody>
       </p:sp>
     </p:spTree>
     <p:extLst>
       <p:ext uri="{BB962C8B-B14F-4D97-AF65-F5344CB8AC3E}">
-        <p14:creationId xmlns:p14="http://schemas.microsoft.com/office/powerpoint/2010/main" val="3132475057"/>
+        <p14:creationId xmlns:p14="http://schemas.microsoft.com/office/powerpoint/2010/main" val="3669575213"/>
       </p:ext>
     </p:extLst>
   </p:cSld>
@@ -5284,8 +5343,8 @@
         </p:nvSpPr>
         <p:spPr>
           <a:xfrm>
-            <a:off x="1471042" y="1443025"/>
-            <a:ext cx="6452344" cy="523220"/>
+            <a:off x="0" y="1587484"/>
+            <a:ext cx="11327140" cy="4524315"/>
           </a:xfrm>
           <a:prstGeom prst="rect">
             <a:avLst/>
@@ -5299,206 +5358,140 @@
           <a:lstStyle/>
           <a:p>
             <a:r>
-              <a:rPr lang="fr-FR" sz="2800" dirty="0"/>
-              <a:t>Comment s'écrit-elle et quels paramètres ?</a:t>
-            </a:r>
-            <a:endParaRPr lang="fr-FR" sz="2800" b="0" cap="none" spc="0" dirty="0">
-              <a:ln w="0"/>
-              <a:solidFill>
-                <a:schemeClr val="tx1"/>
-              </a:solidFill>
-              <a:effectLst>
-                <a:outerShdw blurRad="38100" dist="19050" dir="2700000" algn="tl" rotWithShape="0">
-                  <a:schemeClr val="dk1">
-                    <a:alpha val="40000"/>
-                  </a:schemeClr>
-                </a:outerShdw>
-              </a:effectLst>
-            </a:endParaRPr>
-          </a:p>
-        </p:txBody>
-      </p:sp>
-      <p:sp>
-        <p:nvSpPr>
-          <p:cNvPr id="11" name="Rectangle 10"/>
-          <p:cNvSpPr/>
-          <p:nvPr/>
-        </p:nvSpPr>
-        <p:spPr>
-          <a:xfrm>
-            <a:off x="174812" y="2247648"/>
-            <a:ext cx="9718173" cy="1200329"/>
-          </a:xfrm>
-          <a:prstGeom prst="rect">
-            <a:avLst/>
-          </a:prstGeom>
-          <a:noFill/>
-        </p:spPr>
-        <p:txBody>
-          <a:bodyPr wrap="none" lIns="91440" tIns="45720" rIns="91440" bIns="45720">
-            <a:spAutoFit/>
-          </a:bodyPr>
-          <a:lstStyle/>
-          <a:p>
-            <a:r>
-              <a:rPr lang="fr-FR" sz="2400" dirty="0">
-                <a:ln w="0"/>
-                <a:effectLst>
-                  <a:outerShdw blurRad="38100" dist="19050" dir="2700000" algn="tl" rotWithShape="0">
-                    <a:schemeClr val="dk1">
-                      <a:alpha val="40000"/>
-                    </a:schemeClr>
-                  </a:outerShdw>
-                </a:effectLst>
-              </a:rPr>
-              <a:t>Cette fonction prend plusieurs paramètres, trois obligatoires et un facultatif. </a:t>
-            </a:r>
-            <a:endParaRPr lang="fr-FR" sz="2400" dirty="0" smtClean="0">
-              <a:ln w="0"/>
-              <a:effectLst>
-                <a:outerShdw blurRad="38100" dist="19050" dir="2700000" algn="tl" rotWithShape="0">
-                  <a:schemeClr val="dk1">
-                    <a:alpha val="40000"/>
-                  </a:schemeClr>
-                </a:outerShdw>
-              </a:effectLst>
-            </a:endParaRPr>
-          </a:p>
-          <a:p>
-            <a:endParaRPr lang="fr-FR" sz="2400" dirty="0">
-              <a:ln w="0"/>
-              <a:effectLst>
-                <a:outerShdw blurRad="38100" dist="19050" dir="2700000" algn="tl" rotWithShape="0">
-                  <a:schemeClr val="dk1">
-                    <a:alpha val="40000"/>
-                  </a:schemeClr>
-                </a:outerShdw>
-              </a:effectLst>
-            </a:endParaRPr>
-          </a:p>
-          <a:p>
-            <a:r>
-              <a:rPr lang="fr-FR" sz="2400" dirty="0">
-                <a:ln w="0"/>
-                <a:effectLst>
-                  <a:outerShdw blurRad="38100" dist="19050" dir="2700000" algn="tl" rotWithShape="0">
-                    <a:schemeClr val="dk1">
-                      <a:alpha val="40000"/>
-                    </a:schemeClr>
-                  </a:outerShdw>
-                </a:effectLst>
-              </a:rPr>
-              <a:t>=RECHERCHEV(</a:t>
-            </a:r>
-            <a:r>
-              <a:rPr lang="fr-FR" sz="2400" dirty="0" err="1">
-                <a:ln w="0"/>
-                <a:effectLst>
-                  <a:outerShdw blurRad="38100" dist="19050" dir="2700000" algn="tl" rotWithShape="0">
-                    <a:schemeClr val="dk1">
-                      <a:alpha val="40000"/>
-                    </a:schemeClr>
-                  </a:outerShdw>
-                </a:effectLst>
-              </a:rPr>
-              <a:t>valeur_cherchée;plage;numero_colonne</a:t>
-            </a:r>
-            <a:r>
-              <a:rPr lang="fr-FR" sz="2400" dirty="0">
-                <a:ln w="0"/>
-                <a:effectLst>
-                  <a:outerShdw blurRad="38100" dist="19050" dir="2700000" algn="tl" rotWithShape="0">
-                    <a:schemeClr val="dk1">
-                      <a:alpha val="40000"/>
-                    </a:schemeClr>
-                  </a:outerShdw>
-                </a:effectLst>
-              </a:rPr>
-              <a:t>;[</a:t>
-            </a:r>
-            <a:r>
-              <a:rPr lang="fr-FR" sz="2400" dirty="0" err="1">
-                <a:ln w="0"/>
-                <a:effectLst>
-                  <a:outerShdw blurRad="38100" dist="19050" dir="2700000" algn="tl" rotWithShape="0">
-                    <a:schemeClr val="dk1">
-                      <a:alpha val="40000"/>
-                    </a:schemeClr>
-                  </a:outerShdw>
-                </a:effectLst>
-              </a:rPr>
-              <a:t>valeur_proche</a:t>
-            </a:r>
-            <a:r>
-              <a:rPr lang="fr-FR" sz="2400" dirty="0">
-                <a:ln w="0"/>
-                <a:effectLst>
-                  <a:outerShdw blurRad="38100" dist="19050" dir="2700000" algn="tl" rotWithShape="0">
-                    <a:schemeClr val="dk1">
-                      <a:alpha val="40000"/>
-                    </a:schemeClr>
-                  </a:outerShdw>
-                </a:effectLst>
-              </a:rPr>
-              <a:t>])</a:t>
-            </a:r>
-            <a:endParaRPr lang="fr-FR" sz="2400" b="0" cap="none" spc="0" dirty="0">
-              <a:ln w="0"/>
-              <a:solidFill>
-                <a:schemeClr val="tx1"/>
-              </a:solidFill>
-              <a:effectLst>
-                <a:outerShdw blurRad="38100" dist="19050" dir="2700000" algn="tl" rotWithShape="0">
-                  <a:schemeClr val="dk1">
-                    <a:alpha val="40000"/>
-                  </a:schemeClr>
-                </a:outerShdw>
-              </a:effectLst>
-            </a:endParaRPr>
-          </a:p>
-        </p:txBody>
-      </p:sp>
-      <p:sp>
-        <p:nvSpPr>
-          <p:cNvPr id="2" name="ZoneTexte 1"/>
-          <p:cNvSpPr txBox="1"/>
-          <p:nvPr/>
-        </p:nvSpPr>
-        <p:spPr>
-          <a:xfrm>
-            <a:off x="174812" y="3859306"/>
-            <a:ext cx="10827485" cy="2246769"/>
-          </a:xfrm>
-          <a:prstGeom prst="rect">
-            <a:avLst/>
-          </a:prstGeom>
-          <a:noFill/>
-        </p:spPr>
-        <p:txBody>
-          <a:bodyPr wrap="square" rtlCol="0">
-            <a:spAutoFit/>
-          </a:bodyPr>
-          <a:lstStyle/>
-          <a:p>
-            <a:r>
-              <a:rPr lang="fr-FR" sz="2800" dirty="0"/>
-              <a:t>La </a:t>
-            </a:r>
-            <a:r>
-              <a:rPr lang="fr-FR" sz="2800" b="1" dirty="0"/>
-              <a:t>valeur cherchée </a:t>
-            </a:r>
-            <a:r>
-              <a:rPr lang="fr-FR" sz="2800" dirty="0"/>
-              <a:t>peut être une valeur chiffrée, du texte (qui sera alors entre guillemets) ou une cellule (et donc la valeur qu'elle contient). Elle doit être </a:t>
-            </a:r>
-            <a:r>
-              <a:rPr lang="fr-FR" sz="2800" b="1" dirty="0"/>
-              <a:t>obligatoirement dans la première colonne </a:t>
-            </a:r>
-            <a:r>
-              <a:rPr lang="fr-FR" sz="2800" dirty="0"/>
-              <a:t>sinon la cellule contenant la fonction RECHERCHEV vous renvoie l'erreur suivante : #NOM?.</a:t>
+              <a:rPr lang="fr-FR" sz="2400" dirty="0"/>
+              <a:t>Enfin, le troisième paramètre concerne le numéro de la colonne dans laquelle la fonction </a:t>
+            </a:r>
+            <a:endParaRPr lang="fr-FR" sz="2400" dirty="0" smtClean="0"/>
+          </a:p>
+          <a:p>
+            <a:r>
+              <a:rPr lang="fr-FR" sz="2400" dirty="0" smtClean="0"/>
+              <a:t>doit chercher la </a:t>
+            </a:r>
+            <a:r>
+              <a:rPr lang="fr-FR" sz="2400" dirty="0"/>
+              <a:t>valeur à retourner</a:t>
+            </a:r>
+            <a:r>
+              <a:rPr lang="fr-FR" sz="2400" dirty="0" smtClean="0"/>
+              <a:t>.</a:t>
+            </a:r>
+          </a:p>
+          <a:p>
+            <a:r>
+              <a:rPr lang="fr-FR" sz="2400" dirty="0" smtClean="0"/>
+              <a:t> </a:t>
+            </a:r>
+            <a:r>
+              <a:rPr lang="fr-FR" sz="2400" dirty="0"/>
+              <a:t>Il est donc inutile d'indiquer la première colonne puisque c'est dans celle-ci </a:t>
+            </a:r>
+            <a:r>
+              <a:rPr lang="fr-FR" sz="2400" dirty="0" smtClean="0"/>
+              <a:t>que</a:t>
+            </a:r>
+          </a:p>
+          <a:p>
+            <a:r>
+              <a:rPr lang="fr-FR" sz="2400" dirty="0" smtClean="0"/>
+              <a:t> </a:t>
+            </a:r>
+            <a:r>
+              <a:rPr lang="fr-FR" sz="2400" dirty="0"/>
+              <a:t>la recherche est faite</a:t>
+            </a:r>
+            <a:r>
+              <a:rPr lang="fr-FR" sz="2400" dirty="0" smtClean="0"/>
+              <a:t>.</a:t>
+            </a:r>
+          </a:p>
+          <a:p>
+            <a:endParaRPr lang="fr-FR" sz="2400" dirty="0"/>
+          </a:p>
+          <a:p>
+            <a:r>
+              <a:rPr lang="fr-FR" sz="2400" dirty="0"/>
+              <a:t>En ce qui concerne le paramètre facultatif, il peut prendre que deux valeurs différentes : </a:t>
+            </a:r>
+            <a:endParaRPr lang="fr-FR" sz="2400" dirty="0" smtClean="0"/>
+          </a:p>
+          <a:p>
+            <a:r>
+              <a:rPr lang="fr-FR" sz="2400" dirty="0" smtClean="0"/>
+              <a:t>VRAI </a:t>
+            </a:r>
+            <a:r>
+              <a:rPr lang="fr-FR" sz="2400" dirty="0"/>
+              <a:t>ou FAUX. </a:t>
+            </a:r>
+            <a:endParaRPr lang="fr-FR" sz="2400" dirty="0" smtClean="0"/>
+          </a:p>
+          <a:p>
+            <a:r>
+              <a:rPr lang="fr-FR" sz="2400" dirty="0" smtClean="0"/>
+              <a:t>S'il </a:t>
+            </a:r>
+            <a:r>
+              <a:rPr lang="fr-FR" sz="2400" dirty="0"/>
+              <a:t>n'est pas spécifié, il a pour valeur VRAI. </a:t>
+            </a:r>
+            <a:endParaRPr lang="fr-FR" sz="2400" dirty="0" smtClean="0"/>
+          </a:p>
+          <a:p>
+            <a:pPr marL="285750" indent="-285750">
+              <a:buFont typeface="Wingdings" panose="05000000000000000000" pitchFamily="2" charset="2"/>
+              <a:buChar char="Ø"/>
+            </a:pPr>
+            <a:r>
+              <a:rPr lang="fr-FR" sz="2400" dirty="0" smtClean="0"/>
+              <a:t>Quand </a:t>
+            </a:r>
+            <a:r>
+              <a:rPr lang="fr-FR" sz="2400" dirty="0"/>
+              <a:t>il vaut VRAI, la première colonne doit être dans l'ordre croissant et </a:t>
+            </a:r>
+            <a:endParaRPr lang="fr-FR" sz="2400" dirty="0" smtClean="0"/>
+          </a:p>
+          <a:p>
+            <a:r>
+              <a:rPr lang="fr-FR" sz="2400" dirty="0" smtClean="0"/>
+              <a:t>la </a:t>
+            </a:r>
+            <a:r>
+              <a:rPr lang="fr-FR" sz="2400" dirty="0"/>
+              <a:t>fonction recherche une valeur approximative</a:t>
+            </a:r>
+            <a:r>
+              <a:rPr lang="fr-FR" sz="2400" dirty="0" smtClean="0"/>
+              <a:t>.</a:t>
+            </a:r>
+          </a:p>
+          <a:p>
+            <a:pPr marL="285750" indent="-285750">
+              <a:buFont typeface="Wingdings" panose="05000000000000000000" pitchFamily="2" charset="2"/>
+              <a:buChar char="Ø"/>
+            </a:pPr>
+            <a:r>
+              <a:rPr lang="fr-FR" sz="2400" dirty="0" smtClean="0"/>
+              <a:t> </a:t>
+            </a:r>
+            <a:r>
+              <a:rPr lang="fr-FR" sz="2400" dirty="0"/>
+              <a:t>Quand il vaut FAUX, la fonction cherche la valeur exacte</a:t>
+            </a:r>
+            <a:r>
+              <a:rPr lang="fr-FR" sz="2400" dirty="0" smtClean="0"/>
+              <a:t>.</a:t>
+            </a:r>
+          </a:p>
+          <a:p>
+            <a:r>
+              <a:rPr lang="fr-FR" sz="2400" dirty="0" smtClean="0"/>
+              <a:t> </a:t>
+            </a:r>
+            <a:r>
+              <a:rPr lang="fr-FR" sz="2400" dirty="0"/>
+              <a:t>Si la fonction ne trouve pas la valeur exacte, elle renvoie : #N/A.</a:t>
             </a:r>
           </a:p>
         </p:txBody>
@@ -5506,7 +5499,7 @@
     </p:spTree>
     <p:extLst>
       <p:ext uri="{BB962C8B-B14F-4D97-AF65-F5344CB8AC3E}">
-        <p14:creationId xmlns:p14="http://schemas.microsoft.com/office/powerpoint/2010/main" val="3669575213"/>
+        <p14:creationId xmlns:p14="http://schemas.microsoft.com/office/powerpoint/2010/main" val="2673633924"/>
       </p:ext>
     </p:extLst>
   </p:cSld>
@@ -5757,7 +5750,7 @@
         <p:spPr>
           <a:xfrm>
             <a:off x="0" y="1587484"/>
-            <a:ext cx="11327140" cy="4524315"/>
+            <a:ext cx="12196031" cy="4524315"/>
           </a:xfrm>
           <a:prstGeom prst="rect">
             <a:avLst/>
@@ -5772,22 +5765,19 @@
           <a:p>
             <a:r>
               <a:rPr lang="fr-FR" sz="2400" dirty="0"/>
-              <a:t>Enfin, le troisième paramètre concerne le numéro de la colonne dans laquelle la fonction </a:t>
-            </a:r>
-            <a:endParaRPr lang="fr-FR" sz="2400" dirty="0" smtClean="0"/>
-          </a:p>
-          <a:p>
+              <a:t>La fonction Excel </a:t>
+            </a:r>
             <a:r>
               <a:rPr lang="fr-FR" sz="2400" dirty="0" smtClean="0"/>
-              <a:t>doit chercher la </a:t>
+              <a:t>RECHERCHEH() </a:t>
             </a:r>
             <a:r>
               <a:rPr lang="fr-FR" sz="2400" dirty="0"/>
-              <a:t>valeur à retourner</a:t>
+              <a:t>recherche une valeur dans la première ligne d'un </a:t>
             </a:r>
             <a:r>
               <a:rPr lang="fr-FR" sz="2400" dirty="0" smtClean="0"/>
-              <a:t>.</a:t>
+              <a:t>tableau</a:t>
             </a:r>
           </a:p>
           <a:p>
@@ -5797,114 +5787,169 @@
             </a:r>
             <a:r>
               <a:rPr lang="fr-FR" sz="2400" dirty="0"/>
-              <a:t>Il est donc inutile d'indiquer la première colonne puisque c'est dans celle-ci </a:t>
+              <a:t>puis renvoie la valeur d'une cellule qui se situe dans la même colonne que la valeur recherchée.</a:t>
+            </a:r>
+          </a:p>
+          <a:p>
+            <a:endParaRPr lang="fr-FR" sz="2400" dirty="0"/>
+          </a:p>
+          <a:p>
+            <a:r>
+              <a:rPr lang="fr-FR" sz="2400" dirty="0"/>
+              <a:t>Utilisation </a:t>
             </a:r>
             <a:r>
               <a:rPr lang="fr-FR" sz="2400" dirty="0" smtClean="0"/>
-              <a:t>que</a:t>
-            </a:r>
-          </a:p>
-          <a:p>
-            <a:r>
-              <a:rPr lang="fr-FR" sz="2400" dirty="0" smtClean="0"/>
-              <a:t> </a:t>
-            </a:r>
-            <a:r>
-              <a:rPr lang="fr-FR" sz="2400" dirty="0"/>
-              <a:t>la recherche est faite</a:t>
-            </a:r>
-            <a:r>
-              <a:rPr lang="fr-FR" sz="2400" dirty="0" smtClean="0"/>
-              <a:t>.</a:t>
-            </a:r>
-          </a:p>
-          <a:p>
-            <a:endParaRPr lang="fr-FR" sz="2400" dirty="0"/>
-          </a:p>
-          <a:p>
-            <a:r>
-              <a:rPr lang="fr-FR" sz="2400" dirty="0"/>
-              <a:t>En ce qui concerne le paramètre facultatif, il peut prendre que deux valeurs différentes : </a:t>
-            </a:r>
-            <a:endParaRPr lang="fr-FR" sz="2400" dirty="0" smtClean="0"/>
-          </a:p>
-          <a:p>
-            <a:r>
-              <a:rPr lang="fr-FR" sz="2400" dirty="0" smtClean="0"/>
-              <a:t>VRAI </a:t>
-            </a:r>
-            <a:r>
-              <a:rPr lang="fr-FR" sz="2400" dirty="0"/>
-              <a:t>ou FAUX. </a:t>
-            </a:r>
-            <a:endParaRPr lang="fr-FR" sz="2400" dirty="0" smtClean="0"/>
-          </a:p>
-          <a:p>
-            <a:r>
-              <a:rPr lang="fr-FR" sz="2400" dirty="0" smtClean="0"/>
-              <a:t>S'il </a:t>
-            </a:r>
-            <a:r>
-              <a:rPr lang="fr-FR" sz="2400" dirty="0"/>
-              <a:t>n'est pas spécifié, il a pour valeur VRAI. </a:t>
-            </a:r>
-            <a:endParaRPr lang="fr-FR" sz="2400" dirty="0" smtClean="0"/>
-          </a:p>
-          <a:p>
-            <a:pPr marL="285750" indent="-285750">
+              <a:t>:   </a:t>
+            </a:r>
+            <a:r>
+              <a:rPr lang="fr-FR" sz="2400" b="1" dirty="0" smtClean="0"/>
+              <a:t>=</a:t>
+            </a:r>
+            <a:r>
+              <a:rPr lang="fr-FR" sz="2400" b="1" dirty="0"/>
+              <a:t>RECHERCHEH(recherche; tableau; ligne; type</a:t>
+            </a:r>
+            <a:r>
+              <a:rPr lang="fr-FR" sz="2400" b="1" dirty="0" smtClean="0"/>
+              <a:t>)</a:t>
+            </a:r>
+          </a:p>
+          <a:p>
+            <a:endParaRPr lang="fr-FR" sz="2400" b="1" dirty="0"/>
+          </a:p>
+          <a:p>
+            <a:pPr marL="342900" indent="-342900">
               <a:buFont typeface="Wingdings" panose="05000000000000000000" pitchFamily="2" charset="2"/>
               <a:buChar char="Ø"/>
             </a:pPr>
             <a:r>
+              <a:rPr lang="fr-FR" sz="2400" dirty="0"/>
+              <a:t>Dans "</a:t>
+            </a:r>
+            <a:r>
+              <a:rPr lang="fr-FR" sz="2400" dirty="0" err="1"/>
+              <a:t>Valeur_cherchée</a:t>
+            </a:r>
+            <a:r>
+              <a:rPr lang="fr-FR" sz="2400" dirty="0"/>
+              <a:t>", entrez la valeur à rechercher dans la première ligne </a:t>
+            </a:r>
+            <a:r>
               <a:rPr lang="fr-FR" sz="2400" dirty="0" smtClean="0"/>
-              <a:t>Quand </a:t>
-            </a:r>
-            <a:r>
-              <a:rPr lang="fr-FR" sz="2400" dirty="0"/>
-              <a:t>il vaut VRAI, la première colonne doit être dans l'ordre croissant et </a:t>
-            </a:r>
-            <a:endParaRPr lang="fr-FR" sz="2400" dirty="0" smtClean="0"/>
-          </a:p>
-          <a:p>
-            <a:r>
-              <a:rPr lang="fr-FR" sz="2400" dirty="0" smtClean="0"/>
-              <a:t>la </a:t>
-            </a:r>
-            <a:r>
-              <a:rPr lang="fr-FR" sz="2400" dirty="0"/>
-              <a:t>fonction recherche une valeur approximative</a:t>
-            </a:r>
-            <a:r>
-              <a:rPr lang="fr-FR" sz="2400" dirty="0" smtClean="0"/>
-              <a:t>.</a:t>
-            </a:r>
-          </a:p>
-          <a:p>
-            <a:pPr marL="285750" indent="-285750">
+              <a:t>du.</a:t>
+            </a:r>
+            <a:endParaRPr lang="fr-FR" sz="2400" dirty="0"/>
+          </a:p>
+          <a:p>
+            <a:pPr marL="342900" indent="-342900">
               <a:buFont typeface="Wingdings" panose="05000000000000000000" pitchFamily="2" charset="2"/>
               <a:buChar char="Ø"/>
             </a:pPr>
             <a:r>
+              <a:rPr lang="fr-FR" sz="2400" dirty="0"/>
+              <a:t>Dans "</a:t>
+            </a:r>
+            <a:r>
+              <a:rPr lang="fr-FR" sz="2400" dirty="0" err="1"/>
+              <a:t>Table_matrice</a:t>
+            </a:r>
+            <a:r>
+              <a:rPr lang="fr-FR" sz="2400" dirty="0"/>
+              <a:t>", entrez la plage de cellules qui contient les données du tableau.</a:t>
+            </a:r>
+          </a:p>
+          <a:p>
+            <a:pPr marL="342900" indent="-342900">
+              <a:buFont typeface="Wingdings" panose="05000000000000000000" pitchFamily="2" charset="2"/>
+              <a:buChar char="Ø"/>
+            </a:pPr>
+            <a:r>
+              <a:rPr lang="fr-FR" sz="2400" dirty="0"/>
+              <a:t>Dans "</a:t>
+            </a:r>
+            <a:r>
+              <a:rPr lang="fr-FR" sz="2400" dirty="0" err="1"/>
+              <a:t>No_index_col</a:t>
+            </a:r>
+            <a:r>
+              <a:rPr lang="fr-FR" sz="2400" dirty="0"/>
+              <a:t>", entrez le numéro de ligne du tableau qui contient le résultat à </a:t>
+            </a:r>
+            <a:r>
+              <a:rPr lang="fr-FR" sz="2400" dirty="0" smtClean="0"/>
+              <a:t>renvoyer</a:t>
+            </a:r>
+            <a:endParaRPr lang="fr-FR" sz="2400" dirty="0"/>
+          </a:p>
+          <a:p>
+            <a:pPr marL="342900" indent="-342900">
+              <a:buFont typeface="Wingdings" panose="05000000000000000000" pitchFamily="2" charset="2"/>
+              <a:buChar char="Ø"/>
+            </a:pPr>
+            <a:r>
+              <a:rPr lang="fr-FR" sz="2400" dirty="0"/>
+              <a:t>Dans "</a:t>
+            </a:r>
+            <a:r>
+              <a:rPr lang="fr-FR" sz="2400" dirty="0" err="1"/>
+              <a:t>Valeur_proche</a:t>
+            </a:r>
+            <a:r>
+              <a:rPr lang="fr-FR" sz="2400" dirty="0"/>
+              <a:t>", entrez FAUX pour rechercher la valeur exacte de "</a:t>
+            </a:r>
+            <a:r>
+              <a:rPr lang="fr-FR" sz="2400" dirty="0" err="1"/>
+              <a:t>Valeur_cherchée</a:t>
+            </a:r>
+            <a:r>
+              <a:rPr lang="fr-FR" sz="2400" dirty="0"/>
+              <a:t>" </a:t>
+            </a:r>
+            <a:endParaRPr lang="fr-FR" sz="2400" dirty="0" smtClean="0"/>
+          </a:p>
+          <a:p>
+            <a:r>
+              <a:rPr lang="fr-FR" sz="2400" dirty="0" smtClean="0"/>
+              <a:t>(</a:t>
+            </a:r>
+            <a:r>
+              <a:rPr lang="fr-FR" sz="2400" dirty="0"/>
+              <a:t>dans le doute, entrez FAUX pour éviter les surprises). </a:t>
+            </a:r>
+            <a:endParaRPr lang="fr-FR" sz="2400" dirty="0" smtClean="0"/>
+          </a:p>
+          <a:p>
+            <a:r>
+              <a:rPr lang="fr-FR" sz="2400" dirty="0" smtClean="0"/>
+              <a:t>Vous </a:t>
+            </a:r>
+            <a:r>
+              <a:rPr lang="fr-FR" sz="2400" dirty="0"/>
+              <a:t>pouvez aussi choisir de rechercher la valeur la plus proche de "</a:t>
+            </a:r>
+            <a:r>
+              <a:rPr lang="fr-FR" sz="2400" dirty="0" err="1"/>
+              <a:t>Valeur_cherchée</a:t>
+            </a:r>
+            <a:r>
+              <a:rPr lang="fr-FR" sz="2400" dirty="0"/>
+              <a:t>" </a:t>
+            </a:r>
+            <a:r>
+              <a:rPr lang="fr-FR" sz="2400" dirty="0" smtClean="0"/>
+              <a:t>en</a:t>
+            </a:r>
+          </a:p>
+          <a:p>
+            <a:r>
               <a:rPr lang="fr-FR" sz="2400" dirty="0" smtClean="0"/>
               <a:t> </a:t>
             </a:r>
             <a:r>
               <a:rPr lang="fr-FR" sz="2400" dirty="0"/>
-              <a:t>Quand il vaut FAUX, la fonction cherche la valeur exacte</a:t>
-            </a:r>
-            <a:r>
-              <a:rPr lang="fr-FR" sz="2400" dirty="0" smtClean="0"/>
-              <a:t>.</a:t>
-            </a:r>
-          </a:p>
-          <a:p>
-            <a:r>
-              <a:rPr lang="fr-FR" sz="2400" dirty="0" smtClean="0"/>
-              <a:t> </a:t>
-            </a:r>
-            <a:r>
-              <a:rPr lang="fr-FR" sz="2400" dirty="0"/>
-              <a:t>Si la fonction ne trouve pas la valeur exacte, elle renvoie : #N/A.</a:t>
+              <a:t>entrant VRAI (ou en laissant vide).</a:t>
             </a:r>
           </a:p>
         </p:txBody>
@@ -5912,7 +5957,7 @@
     </p:spTree>
     <p:extLst>
       <p:ext uri="{BB962C8B-B14F-4D97-AF65-F5344CB8AC3E}">
-        <p14:creationId xmlns:p14="http://schemas.microsoft.com/office/powerpoint/2010/main" val="2673633924"/>
+        <p14:creationId xmlns:p14="http://schemas.microsoft.com/office/powerpoint/2010/main" val="1482714483"/>
       </p:ext>
     </p:extLst>
   </p:cSld>
@@ -6163,7 +6208,7 @@
         <p:spPr>
           <a:xfrm>
             <a:off x="0" y="1587484"/>
-            <a:ext cx="12196031" cy="4524315"/>
+            <a:ext cx="11402993" cy="1938992"/>
           </a:xfrm>
           <a:prstGeom prst="rect">
             <a:avLst/>
@@ -6178,19 +6223,19 @@
           <a:p>
             <a:r>
               <a:rPr lang="fr-FR" sz="2400" dirty="0"/>
-              <a:t>La fonction Excel </a:t>
+              <a:t>La fonction </a:t>
             </a:r>
             <a:r>
               <a:rPr lang="fr-FR" sz="2400" dirty="0" smtClean="0"/>
-              <a:t>RECHERCHEH() </a:t>
+              <a:t> RECHERCHEX() </a:t>
             </a:r>
             <a:r>
               <a:rPr lang="fr-FR" sz="2400" dirty="0"/>
-              <a:t>recherche une valeur dans la première ligne d'un </a:t>
+              <a:t>recherche une valeur dans un tableau </a:t>
             </a:r>
             <a:r>
               <a:rPr lang="fr-FR" sz="2400" dirty="0" smtClean="0"/>
-              <a:t>tableau</a:t>
+              <a:t>puis</a:t>
             </a:r>
           </a:p>
           <a:p>
@@ -6200,169 +6245,65 @@
             </a:r>
             <a:r>
               <a:rPr lang="fr-FR" sz="2400" dirty="0"/>
-              <a:t>puis renvoie la valeur d'une cellule qui se situe dans la même colonne que la valeur recherchée.</a:t>
-            </a:r>
-          </a:p>
-          <a:p>
-            <a:endParaRPr lang="fr-FR" sz="2400" dirty="0"/>
+              <a:t>retourne la valeur correspondante (à la même position) dans un second tableau</a:t>
+            </a:r>
+            <a:r>
+              <a:rPr lang="fr-FR" sz="2400" dirty="0" smtClean="0"/>
+              <a:t>.</a:t>
+            </a:r>
           </a:p>
           <a:p>
             <a:r>
               <a:rPr lang="fr-FR" sz="2400" dirty="0"/>
-              <a:t>Utilisation </a:t>
-            </a:r>
+              <a:t>Cette fonction sert généralement </a:t>
+            </a:r>
+            <a:r>
+              <a:rPr lang="fr-FR" sz="2400" b="1" dirty="0"/>
+              <a:t>à rechercher une valeur dans une colonne d'un </a:t>
+            </a:r>
+            <a:r>
+              <a:rPr lang="fr-FR" sz="2400" b="1" dirty="0" smtClean="0"/>
+              <a:t>tableau</a:t>
+            </a:r>
+          </a:p>
+          <a:p>
+            <a:r>
+              <a:rPr lang="fr-FR" sz="2400" b="1" dirty="0" smtClean="0"/>
+              <a:t> </a:t>
+            </a:r>
+            <a:r>
+              <a:rPr lang="fr-FR" sz="2400" b="1" dirty="0"/>
+              <a:t>et à retourner la valeur correspondante d'une autre colonne</a:t>
+            </a:r>
+            <a:r>
+              <a:rPr lang="fr-FR" sz="2400" dirty="0"/>
+              <a:t>.</a:t>
+            </a:r>
+          </a:p>
+          <a:p>
             <a:r>
               <a:rPr lang="fr-FR" sz="2400" dirty="0" smtClean="0"/>
-              <a:t>:   </a:t>
-            </a:r>
-            <a:r>
-              <a:rPr lang="fr-FR" sz="2400" b="1" dirty="0" smtClean="0"/>
-              <a:t>=</a:t>
+              <a:t>Utilisation :   </a:t>
             </a:r>
             <a:r>
               <a:rPr lang="fr-FR" sz="2400" b="1" dirty="0"/>
-              <a:t>RECHERCHEH(recherche; tableau; ligne; type</a:t>
+              <a:t>=RECHERCHEX(recherche; </a:t>
+            </a:r>
+            <a:r>
+              <a:rPr lang="fr-FR" sz="2400" b="1" dirty="0" err="1"/>
+              <a:t>tableau_recherche</a:t>
+            </a:r>
+            <a:r>
+              <a:rPr lang="fr-FR" sz="2400" b="1" dirty="0"/>
+              <a:t>; </a:t>
+            </a:r>
+            <a:r>
+              <a:rPr lang="fr-FR" sz="2400" b="1" dirty="0" err="1"/>
+              <a:t>tableau_résultat</a:t>
             </a:r>
             <a:r>
               <a:rPr lang="fr-FR" sz="2400" b="1" dirty="0" smtClean="0"/>
               <a:t>)</a:t>
-            </a:r>
-          </a:p>
-          <a:p>
-            <a:endParaRPr lang="fr-FR" sz="2400" b="1" dirty="0"/>
-          </a:p>
-          <a:p>
-            <a:pPr marL="342900" indent="-342900">
-              <a:buFont typeface="Wingdings" panose="05000000000000000000" pitchFamily="2" charset="2"/>
-              <a:buChar char="Ø"/>
-            </a:pPr>
-            <a:r>
-              <a:rPr lang="fr-FR" sz="2400" dirty="0"/>
-              <a:t>Dans "</a:t>
-            </a:r>
-            <a:r>
-              <a:rPr lang="fr-FR" sz="2400" dirty="0" err="1"/>
-              <a:t>Valeur_cherchée</a:t>
-            </a:r>
-            <a:r>
-              <a:rPr lang="fr-FR" sz="2400" dirty="0"/>
-              <a:t>", entrez la valeur à rechercher dans la première ligne </a:t>
-            </a:r>
-            <a:r>
-              <a:rPr lang="fr-FR" sz="2400" dirty="0" smtClean="0"/>
-              <a:t>du.</a:t>
-            </a:r>
-            <a:endParaRPr lang="fr-FR" sz="2400" dirty="0"/>
-          </a:p>
-          <a:p>
-            <a:pPr marL="342900" indent="-342900">
-              <a:buFont typeface="Wingdings" panose="05000000000000000000" pitchFamily="2" charset="2"/>
-              <a:buChar char="Ø"/>
-            </a:pPr>
-            <a:r>
-              <a:rPr lang="fr-FR" sz="2400" dirty="0"/>
-              <a:t>Dans "</a:t>
-            </a:r>
-            <a:r>
-              <a:rPr lang="fr-FR" sz="2400" dirty="0" err="1"/>
-              <a:t>Table_matrice</a:t>
-            </a:r>
-            <a:r>
-              <a:rPr lang="fr-FR" sz="2400" dirty="0"/>
-              <a:t>", entrez la plage de cellules qui contient les données du tableau.</a:t>
-            </a:r>
-          </a:p>
-          <a:p>
-            <a:pPr marL="342900" indent="-342900">
-              <a:buFont typeface="Wingdings" panose="05000000000000000000" pitchFamily="2" charset="2"/>
-              <a:buChar char="Ø"/>
-            </a:pPr>
-            <a:r>
-              <a:rPr lang="fr-FR" sz="2400" dirty="0"/>
-              <a:t>Dans "</a:t>
-            </a:r>
-            <a:r>
-              <a:rPr lang="fr-FR" sz="2400" dirty="0" err="1"/>
-              <a:t>No_index_col</a:t>
-            </a:r>
-            <a:r>
-              <a:rPr lang="fr-FR" sz="2400" dirty="0"/>
-              <a:t>", entrez le numéro de ligne du tableau qui contient le résultat à </a:t>
-            </a:r>
-            <a:r>
-              <a:rPr lang="fr-FR" sz="2400" dirty="0" smtClean="0"/>
-              <a:t>renvoyer</a:t>
-            </a:r>
-            <a:endParaRPr lang="fr-FR" sz="2400" dirty="0"/>
-          </a:p>
-          <a:p>
-            <a:pPr marL="342900" indent="-342900">
-              <a:buFont typeface="Wingdings" panose="05000000000000000000" pitchFamily="2" charset="2"/>
-              <a:buChar char="Ø"/>
-            </a:pPr>
-            <a:r>
-              <a:rPr lang="fr-FR" sz="2400" dirty="0"/>
-              <a:t>Dans "</a:t>
-            </a:r>
-            <a:r>
-              <a:rPr lang="fr-FR" sz="2400" dirty="0" err="1"/>
-              <a:t>Valeur_proche</a:t>
-            </a:r>
-            <a:r>
-              <a:rPr lang="fr-FR" sz="2400" dirty="0"/>
-              <a:t>", entrez FAUX pour rechercher la valeur exacte de "</a:t>
-            </a:r>
-            <a:r>
-              <a:rPr lang="fr-FR" sz="2400" dirty="0" err="1"/>
-              <a:t>Valeur_cherchée</a:t>
-            </a:r>
-            <a:r>
-              <a:rPr lang="fr-FR" sz="2400" dirty="0"/>
-              <a:t>" </a:t>
-            </a:r>
-            <a:endParaRPr lang="fr-FR" sz="2400" dirty="0" smtClean="0"/>
-          </a:p>
-          <a:p>
-            <a:r>
-              <a:rPr lang="fr-FR" sz="2400" dirty="0" smtClean="0"/>
-              <a:t>(</a:t>
-            </a:r>
-            <a:r>
-              <a:rPr lang="fr-FR" sz="2400" dirty="0"/>
-              <a:t>dans le doute, entrez FAUX pour éviter les surprises). </a:t>
-            </a:r>
-            <a:endParaRPr lang="fr-FR" sz="2400" dirty="0" smtClean="0"/>
-          </a:p>
-          <a:p>
-            <a:r>
-              <a:rPr lang="fr-FR" sz="2400" dirty="0" smtClean="0"/>
-              <a:t>Vous </a:t>
-            </a:r>
-            <a:r>
-              <a:rPr lang="fr-FR" sz="2400" dirty="0"/>
-              <a:t>pouvez aussi choisir de rechercher la valeur la plus proche de "</a:t>
-            </a:r>
-            <a:r>
-              <a:rPr lang="fr-FR" sz="2400" dirty="0" err="1"/>
-              <a:t>Valeur_cherchée</a:t>
-            </a:r>
-            <a:r>
-              <a:rPr lang="fr-FR" sz="2400" dirty="0"/>
-              <a:t>" </a:t>
-            </a:r>
-            <a:r>
-              <a:rPr lang="fr-FR" sz="2400" dirty="0" smtClean="0"/>
-              <a:t>en</a:t>
-            </a:r>
-          </a:p>
-          <a:p>
-            <a:r>
-              <a:rPr lang="fr-FR" sz="2400" dirty="0" smtClean="0"/>
-              <a:t> </a:t>
-            </a:r>
-            <a:r>
-              <a:rPr lang="fr-FR" sz="2400" dirty="0"/>
-              <a:t>entrant VRAI (ou en laissant vide).</a:t>
             </a:r>
             <a:endParaRPr lang="fr-FR" sz="2400" dirty="0"/>
           </a:p>
@@ -6371,7 +6312,7 @@
     </p:spTree>
     <p:extLst>
       <p:ext uri="{BB962C8B-B14F-4D97-AF65-F5344CB8AC3E}">
-        <p14:creationId xmlns:p14="http://schemas.microsoft.com/office/powerpoint/2010/main" val="1482714483"/>
+        <p14:creationId xmlns:p14="http://schemas.microsoft.com/office/powerpoint/2010/main" val="2513862646"/>
       </p:ext>
     </p:extLst>
   </p:cSld>
@@ -6420,7 +6361,7 @@
         <p:spPr>
           <a:xfrm>
             <a:off x="1919416" y="295004"/>
-            <a:ext cx="8671633" cy="707886"/>
+            <a:ext cx="8353167" cy="707886"/>
           </a:xfrm>
           <a:prstGeom prst="rect">
             <a:avLst/>
@@ -6459,7 +6400,7 @@
                   <a:schemeClr val="bg1"/>
                 </a:solidFill>
               </a:rPr>
-              <a:t>Les fonctions de Recherche et Référence</a:t>
+              <a:t>Fonctions statistiques</a:t>
             </a:r>
             <a:endParaRPr lang="fr-FR" sz="4000" dirty="0">
               <a:solidFill>
@@ -6621,8 +6562,8 @@
         </p:nvSpPr>
         <p:spPr>
           <a:xfrm>
-            <a:off x="0" y="1587484"/>
-            <a:ext cx="11402993" cy="1938992"/>
+            <a:off x="3674433" y="1710776"/>
+            <a:ext cx="1717073" cy="461665"/>
           </a:xfrm>
           <a:prstGeom prst="rect">
             <a:avLst/>
@@ -6635,98 +6576,280 @@
           </a:bodyPr>
           <a:lstStyle/>
           <a:p>
-            <a:r>
-              <a:rPr lang="fr-FR" sz="2400" dirty="0"/>
-              <a:t>La fonction </a:t>
-            </a:r>
-            <a:r>
-              <a:rPr lang="fr-FR" sz="2400" dirty="0" smtClean="0"/>
-              <a:t> RECHERCHEX() </a:t>
-            </a:r>
-            <a:r>
-              <a:rPr lang="fr-FR" sz="2400" dirty="0"/>
-              <a:t>recherche une valeur dans un tableau </a:t>
-            </a:r>
-            <a:r>
-              <a:rPr lang="fr-FR" sz="2400" dirty="0" smtClean="0"/>
-              <a:t>puis</a:t>
-            </a:r>
-          </a:p>
-          <a:p>
-            <a:r>
-              <a:rPr lang="fr-FR" sz="2400" dirty="0" smtClean="0"/>
-              <a:t> </a:t>
-            </a:r>
-            <a:r>
-              <a:rPr lang="fr-FR" sz="2400" dirty="0"/>
-              <a:t>retourne la valeur correspondante (à la même position) dans un second tableau</a:t>
-            </a:r>
-            <a:r>
-              <a:rPr lang="fr-FR" sz="2400" dirty="0" smtClean="0"/>
-              <a:t>.</a:t>
-            </a:r>
-          </a:p>
-          <a:p>
-            <a:r>
-              <a:rPr lang="fr-FR" sz="2400" dirty="0"/>
-              <a:t>Cette fonction sert généralement </a:t>
-            </a:r>
-            <a:r>
-              <a:rPr lang="fr-FR" sz="2400" b="1" dirty="0"/>
-              <a:t>à rechercher une valeur dans une colonne d'un </a:t>
-            </a:r>
-            <a:r>
-              <a:rPr lang="fr-FR" sz="2400" b="1" dirty="0" smtClean="0"/>
-              <a:t>tableau</a:t>
-            </a:r>
-          </a:p>
-          <a:p>
-            <a:r>
-              <a:rPr lang="fr-FR" sz="2400" b="1" dirty="0" smtClean="0"/>
-              <a:t> </a:t>
-            </a:r>
-            <a:r>
-              <a:rPr lang="fr-FR" sz="2400" b="1" dirty="0"/>
-              <a:t>et à retourner la valeur correspondante d'une autre colonne</a:t>
-            </a:r>
-            <a:r>
-              <a:rPr lang="fr-FR" sz="2400" dirty="0"/>
-              <a:t>.</a:t>
-            </a:r>
-          </a:p>
-          <a:p>
-            <a:r>
-              <a:rPr lang="fr-FR" sz="2400" dirty="0" smtClean="0"/>
-              <a:t>Utilisation :   </a:t>
-            </a:r>
-            <a:r>
-              <a:rPr lang="fr-FR" sz="2400" b="1" dirty="0"/>
-              <a:t>=RECHERCHEX(recherche; </a:t>
-            </a:r>
-            <a:r>
-              <a:rPr lang="fr-FR" sz="2400" b="1" dirty="0" err="1"/>
-              <a:t>tableau_recherche</a:t>
-            </a:r>
-            <a:r>
-              <a:rPr lang="fr-FR" sz="2400" b="1" dirty="0"/>
-              <a:t>; </a:t>
-            </a:r>
-            <a:r>
-              <a:rPr lang="fr-FR" sz="2400" b="1" dirty="0" err="1"/>
-              <a:t>tableau_résultat</a:t>
-            </a:r>
-            <a:r>
-              <a:rPr lang="fr-FR" sz="2400" b="1" dirty="0" smtClean="0"/>
-              <a:t>)</a:t>
-            </a:r>
-            <a:endParaRPr lang="fr-FR" sz="2400" dirty="0"/>
+            <a:pPr algn="ctr"/>
+            <a:r>
+              <a:rPr lang="fr-FR" sz="2400" dirty="0" smtClean="0">
+                <a:ln w="0"/>
+                <a:effectLst>
+                  <a:outerShdw blurRad="38100" dist="19050" dir="2700000" algn="tl" rotWithShape="0">
+                    <a:schemeClr val="dk1">
+                      <a:alpha val="40000"/>
+                    </a:schemeClr>
+                  </a:outerShdw>
+                </a:effectLst>
+              </a:rPr>
+              <a:t>MAX et MIN</a:t>
+            </a:r>
+            <a:endParaRPr lang="fr-FR" sz="2400" b="0" cap="none" spc="0" dirty="0">
+              <a:ln w="0"/>
+              <a:solidFill>
+                <a:schemeClr val="tx1"/>
+              </a:solidFill>
+              <a:effectLst>
+                <a:outerShdw blurRad="38100" dist="19050" dir="2700000" algn="tl" rotWithShape="0">
+                  <a:schemeClr val="dk1">
+                    <a:alpha val="40000"/>
+                  </a:schemeClr>
+                </a:outerShdw>
+              </a:effectLst>
+            </a:endParaRPr>
+          </a:p>
+        </p:txBody>
+      </p:sp>
+      <p:sp>
+        <p:nvSpPr>
+          <p:cNvPr id="9" name="Rectangle 8"/>
+          <p:cNvSpPr/>
+          <p:nvPr/>
+        </p:nvSpPr>
+        <p:spPr>
+          <a:xfrm>
+            <a:off x="0" y="2172441"/>
+            <a:ext cx="11352147" cy="461665"/>
+          </a:xfrm>
+          <a:prstGeom prst="rect">
+            <a:avLst/>
+          </a:prstGeom>
+          <a:noFill/>
+        </p:spPr>
+        <p:txBody>
+          <a:bodyPr wrap="none" lIns="91440" tIns="45720" rIns="91440" bIns="45720">
+            <a:spAutoFit/>
+          </a:bodyPr>
+          <a:lstStyle/>
+          <a:p>
+            <a:pPr algn="ctr"/>
+            <a:r>
+              <a:rPr lang="fr-FR" sz="2400" dirty="0" smtClean="0">
+                <a:ln w="0"/>
+                <a:effectLst>
+                  <a:outerShdw blurRad="38100" dist="19050" dir="2700000" algn="tl" rotWithShape="0">
+                    <a:schemeClr val="dk1">
+                      <a:alpha val="40000"/>
+                    </a:schemeClr>
+                  </a:outerShdw>
+                </a:effectLst>
+              </a:rPr>
+              <a:t>Ces fonctions permettent de renvoyer le maximum et le minimum d’une liste de nombre.</a:t>
+            </a:r>
+            <a:endParaRPr lang="fr-FR" sz="2400" b="0" cap="none" spc="0" dirty="0">
+              <a:ln w="0"/>
+              <a:solidFill>
+                <a:schemeClr val="tx1"/>
+              </a:solidFill>
+              <a:effectLst>
+                <a:outerShdw blurRad="38100" dist="19050" dir="2700000" algn="tl" rotWithShape="0">
+                  <a:schemeClr val="dk1">
+                    <a:alpha val="40000"/>
+                  </a:schemeClr>
+                </a:outerShdw>
+              </a:effectLst>
+            </a:endParaRPr>
+          </a:p>
+        </p:txBody>
+      </p:sp>
+      <p:sp>
+        <p:nvSpPr>
+          <p:cNvPr id="11" name="Rectangle 10"/>
+          <p:cNvSpPr/>
+          <p:nvPr/>
+        </p:nvSpPr>
+        <p:spPr>
+          <a:xfrm>
+            <a:off x="171598" y="2923118"/>
+            <a:ext cx="7395614" cy="461665"/>
+          </a:xfrm>
+          <a:prstGeom prst="rect">
+            <a:avLst/>
+          </a:prstGeom>
+          <a:noFill/>
+        </p:spPr>
+        <p:txBody>
+          <a:bodyPr wrap="none" lIns="91440" tIns="45720" rIns="91440" bIns="45720">
+            <a:spAutoFit/>
+          </a:bodyPr>
+          <a:lstStyle/>
+          <a:p>
+            <a:pPr algn="ctr"/>
+            <a:r>
+              <a:rPr lang="fr-FR" sz="2400" dirty="0" smtClean="0">
+                <a:ln w="0"/>
+                <a:effectLst>
+                  <a:outerShdw blurRad="38100" dist="19050" dir="2700000" algn="tl" rotWithShape="0">
+                    <a:schemeClr val="dk1">
+                      <a:alpha val="40000"/>
+                    </a:schemeClr>
+                  </a:outerShdw>
+                </a:effectLst>
+              </a:rPr>
+              <a:t>MOYENNE : Elle renvoie la moyenne d’une liste de valeurs</a:t>
+            </a:r>
+            <a:endParaRPr lang="fr-FR" sz="2400" b="0" cap="none" spc="0" dirty="0">
+              <a:ln w="0"/>
+              <a:solidFill>
+                <a:schemeClr val="tx1"/>
+              </a:solidFill>
+              <a:effectLst>
+                <a:outerShdw blurRad="38100" dist="19050" dir="2700000" algn="tl" rotWithShape="0">
+                  <a:schemeClr val="dk1">
+                    <a:alpha val="40000"/>
+                  </a:schemeClr>
+                </a:outerShdw>
+              </a:effectLst>
+            </a:endParaRPr>
+          </a:p>
+        </p:txBody>
+      </p:sp>
+      <p:sp>
+        <p:nvSpPr>
+          <p:cNvPr id="12" name="Rectangle 11"/>
+          <p:cNvSpPr/>
+          <p:nvPr/>
+        </p:nvSpPr>
+        <p:spPr>
+          <a:xfrm>
+            <a:off x="171598" y="3673795"/>
+            <a:ext cx="11687110" cy="830997"/>
+          </a:xfrm>
+          <a:prstGeom prst="rect">
+            <a:avLst/>
+          </a:prstGeom>
+          <a:noFill/>
+        </p:spPr>
+        <p:txBody>
+          <a:bodyPr wrap="none" lIns="91440" tIns="45720" rIns="91440" bIns="45720">
+            <a:spAutoFit/>
+          </a:bodyPr>
+          <a:lstStyle/>
+          <a:p>
+            <a:pPr algn="ctr"/>
+            <a:r>
+              <a:rPr lang="fr-FR" sz="2400" dirty="0" smtClean="0">
+                <a:ln w="0"/>
+                <a:effectLst>
+                  <a:outerShdw blurRad="38100" dist="19050" dir="2700000" algn="tl" rotWithShape="0">
+                    <a:schemeClr val="dk1">
+                      <a:alpha val="40000"/>
+                    </a:schemeClr>
+                  </a:outerShdw>
+                </a:effectLst>
+              </a:rPr>
+              <a:t>MOYENNE.SI : Elle combine la fonction MOYENNE et la fonction  SI pour donner la moyenne </a:t>
+            </a:r>
+          </a:p>
+          <a:p>
+            <a:pPr algn="ctr"/>
+            <a:r>
+              <a:rPr lang="fr-FR" sz="2400" dirty="0" smtClean="0">
+                <a:ln w="0"/>
+                <a:effectLst>
+                  <a:outerShdw blurRad="38100" dist="19050" dir="2700000" algn="tl" rotWithShape="0">
+                    <a:schemeClr val="dk1">
+                      <a:alpha val="40000"/>
+                    </a:schemeClr>
+                  </a:outerShdw>
+                </a:effectLst>
+              </a:rPr>
+              <a:t>d’une série de valeurs qui respectent une condition</a:t>
+            </a:r>
+            <a:endParaRPr lang="fr-FR" sz="2400" b="0" cap="none" spc="0" dirty="0">
+              <a:ln w="0"/>
+              <a:solidFill>
+                <a:schemeClr val="tx1"/>
+              </a:solidFill>
+              <a:effectLst>
+                <a:outerShdw blurRad="38100" dist="19050" dir="2700000" algn="tl" rotWithShape="0">
+                  <a:schemeClr val="dk1">
+                    <a:alpha val="40000"/>
+                  </a:schemeClr>
+                </a:outerShdw>
+              </a:effectLst>
+            </a:endParaRPr>
+          </a:p>
+        </p:txBody>
+      </p:sp>
+      <p:sp>
+        <p:nvSpPr>
+          <p:cNvPr id="13" name="Rectangle 12"/>
+          <p:cNvSpPr/>
+          <p:nvPr/>
+        </p:nvSpPr>
+        <p:spPr>
+          <a:xfrm>
+            <a:off x="171598" y="4757378"/>
+            <a:ext cx="9102685" cy="830997"/>
+          </a:xfrm>
+          <a:prstGeom prst="rect">
+            <a:avLst/>
+          </a:prstGeom>
+          <a:noFill/>
+        </p:spPr>
+        <p:txBody>
+          <a:bodyPr wrap="none" lIns="91440" tIns="45720" rIns="91440" bIns="45720">
+            <a:spAutoFit/>
+          </a:bodyPr>
+          <a:lstStyle/>
+          <a:p>
+            <a:pPr algn="ctr"/>
+            <a:r>
+              <a:rPr lang="fr-FR" sz="2400" dirty="0" smtClean="0">
+                <a:ln w="0"/>
+                <a:effectLst>
+                  <a:outerShdw blurRad="38100" dist="19050" dir="2700000" algn="tl" rotWithShape="0">
+                    <a:schemeClr val="dk1">
+                      <a:alpha val="40000"/>
+                    </a:schemeClr>
+                  </a:outerShdw>
+                </a:effectLst>
+              </a:rPr>
+              <a:t>MEDIANE : Elle permet de renvoyer la médiane d’une série de nombre. </a:t>
+            </a:r>
+          </a:p>
+          <a:p>
+            <a:pPr algn="ctr"/>
+            <a:r>
+              <a:rPr lang="fr-FR" sz="2400" dirty="0" smtClean="0">
+                <a:ln w="0"/>
+                <a:effectLst>
+                  <a:outerShdw blurRad="38100" dist="19050" dir="2700000" algn="tl" rotWithShape="0">
+                    <a:schemeClr val="dk1">
+                      <a:alpha val="40000"/>
+                    </a:schemeClr>
+                  </a:outerShdw>
+                </a:effectLst>
+              </a:rPr>
+              <a:t>La médiane est le centre de cette série</a:t>
+            </a:r>
+            <a:endParaRPr lang="fr-FR" sz="2400" b="0" cap="none" spc="0" dirty="0">
+              <a:ln w="0"/>
+              <a:solidFill>
+                <a:schemeClr val="tx1"/>
+              </a:solidFill>
+              <a:effectLst>
+                <a:outerShdw blurRad="38100" dist="19050" dir="2700000" algn="tl" rotWithShape="0">
+                  <a:schemeClr val="dk1">
+                    <a:alpha val="40000"/>
+                  </a:schemeClr>
+                </a:outerShdw>
+              </a:effectLst>
+            </a:endParaRPr>
           </a:p>
         </p:txBody>
       </p:sp>
     </p:spTree>
     <p:extLst>
       <p:ext uri="{BB962C8B-B14F-4D97-AF65-F5344CB8AC3E}">
-        <p14:creationId xmlns:p14="http://schemas.microsoft.com/office/powerpoint/2010/main" val="2513862646"/>
+        <p14:creationId xmlns:p14="http://schemas.microsoft.com/office/powerpoint/2010/main" val="3542756719"/>
       </p:ext>
     </p:extLst>
   </p:cSld>
@@ -6970,14 +7093,14 @@
       </p:sp>
       <p:sp>
         <p:nvSpPr>
-          <p:cNvPr id="8" name="Rectangle 7"/>
+          <p:cNvPr id="11" name="Rectangle 10"/>
           <p:cNvSpPr/>
           <p:nvPr/>
         </p:nvSpPr>
         <p:spPr>
           <a:xfrm>
-            <a:off x="3674433" y="1710776"/>
-            <a:ext cx="1717073" cy="461665"/>
+            <a:off x="464307" y="1449650"/>
+            <a:ext cx="8809976" cy="461665"/>
           </a:xfrm>
           <a:prstGeom prst="rect">
             <a:avLst/>
@@ -6990,7 +7113,6 @@
           </a:bodyPr>
           <a:lstStyle/>
           <a:p>
-            <a:pPr algn="ctr"/>
             <a:r>
               <a:rPr lang="fr-FR" sz="2400" dirty="0" smtClean="0">
                 <a:ln w="0"/>
@@ -7002,7 +7124,7 @@
                   </a:outerShdw>
                 </a:effectLst>
               </a:rPr>
-              <a:t>MAX et MIN</a:t>
+              <a:t>ECARTYPE : Elle permet de renvoyer l’écart type d’une série de valeur.</a:t>
             </a:r>
             <a:endParaRPr lang="fr-FR" sz="2400" b="0" cap="none" spc="0" dirty="0">
               <a:ln w="0"/>
@@ -7022,14 +7144,14 @@
       </p:sp>
       <p:sp>
         <p:nvSpPr>
-          <p:cNvPr id="9" name="Rectangle 8"/>
+          <p:cNvPr id="12" name="Rectangle 11"/>
           <p:cNvSpPr/>
           <p:nvPr/>
         </p:nvSpPr>
         <p:spPr>
           <a:xfrm>
-            <a:off x="0" y="2172441"/>
-            <a:ext cx="11352147" cy="461665"/>
+            <a:off x="464307" y="3304463"/>
+            <a:ext cx="9612310" cy="830997"/>
           </a:xfrm>
           <a:prstGeom prst="rect">
             <a:avLst/>
@@ -7042,7 +7164,6 @@
           </a:bodyPr>
           <a:lstStyle/>
           <a:p>
-            <a:pPr algn="ctr"/>
             <a:r>
               <a:rPr lang="fr-FR" sz="2400" dirty="0" smtClean="0">
                 <a:ln w="0"/>
@@ -7054,7 +7175,22 @@
                   </a:outerShdw>
                 </a:effectLst>
               </a:rPr>
-              <a:t>Ces fonctions permettent de renvoyer le maximum et le minimum d’une liste de nombre.</a:t>
+              <a:t>FREQUENCE : Elle permet de renvoyer la répartition des valeurs d’une série </a:t>
+            </a:r>
+          </a:p>
+          <a:p>
+            <a:r>
+              <a:rPr lang="fr-FR" sz="2400" dirty="0" smtClean="0">
+                <a:ln w="0"/>
+                <a:effectLst>
+                  <a:outerShdw blurRad="38100" dist="19050" dir="2700000" algn="tl" rotWithShape="0">
+                    <a:schemeClr val="dk1">
+                      <a:alpha val="40000"/>
+                    </a:schemeClr>
+                  </a:outerShdw>
+                </a:effectLst>
+              </a:rPr>
+              <a:t>dans des intervalles définis</a:t>
             </a:r>
             <a:endParaRPr lang="fr-FR" sz="2400" b="0" cap="none" spc="0" dirty="0">
               <a:ln w="0"/>
@@ -7074,14 +7210,14 @@
       </p:sp>
       <p:sp>
         <p:nvSpPr>
-          <p:cNvPr id="11" name="Rectangle 10"/>
+          <p:cNvPr id="13" name="Rectangle 12"/>
           <p:cNvSpPr/>
           <p:nvPr/>
         </p:nvSpPr>
         <p:spPr>
           <a:xfrm>
-            <a:off x="171598" y="2923118"/>
-            <a:ext cx="7395614" cy="461665"/>
+            <a:off x="464307" y="4614553"/>
+            <a:ext cx="8027710" cy="830997"/>
           </a:xfrm>
           <a:prstGeom prst="rect">
             <a:avLst/>
@@ -7094,7 +7230,6 @@
           </a:bodyPr>
           <a:lstStyle/>
           <a:p>
-            <a:pPr algn="ctr"/>
             <a:r>
               <a:rPr lang="fr-FR" sz="2400" dirty="0" smtClean="0">
                 <a:ln w="0"/>
@@ -7106,7 +7241,22 @@
                   </a:outerShdw>
                 </a:effectLst>
               </a:rPr>
-              <a:t>MOYENNE : Elle renvoie la moyenne d’une liste de valeurs</a:t>
+              <a:t>NB : Elle permet de renvoyer le nombre de cellules d’une plage</a:t>
+            </a:r>
+          </a:p>
+          <a:p>
+            <a:r>
+              <a:rPr lang="fr-FR" sz="2400" dirty="0" smtClean="0">
+                <a:ln w="0"/>
+                <a:effectLst>
+                  <a:outerShdw blurRad="38100" dist="19050" dir="2700000" algn="tl" rotWithShape="0">
+                    <a:schemeClr val="dk1">
+                      <a:alpha val="40000"/>
+                    </a:schemeClr>
+                  </a:outerShdw>
+                </a:effectLst>
+              </a:rPr>
+              <a:t> qui comporte un nombre</a:t>
             </a:r>
             <a:endParaRPr lang="fr-FR" sz="2400" b="0" cap="none" spc="0" dirty="0">
               <a:ln w="0"/>
@@ -7126,14 +7276,14 @@
       </p:sp>
       <p:sp>
         <p:nvSpPr>
-          <p:cNvPr id="12" name="Rectangle 11"/>
+          <p:cNvPr id="15" name="Rectangle 14"/>
           <p:cNvSpPr/>
           <p:nvPr/>
         </p:nvSpPr>
         <p:spPr>
           <a:xfrm>
-            <a:off x="171598" y="3673795"/>
-            <a:ext cx="11687110" cy="830997"/>
+            <a:off x="448512" y="2266815"/>
+            <a:ext cx="8548880" cy="461665"/>
           </a:xfrm>
           <a:prstGeom prst="rect">
             <a:avLst/>
@@ -7146,7 +7296,6 @@
           </a:bodyPr>
           <a:lstStyle/>
           <a:p>
-            <a:pPr algn="ctr"/>
             <a:r>
               <a:rPr lang="fr-FR" sz="2400" dirty="0" smtClean="0">
                 <a:ln w="0"/>
@@ -7158,23 +7307,7 @@
                   </a:outerShdw>
                 </a:effectLst>
               </a:rPr>
-              <a:t>MOYENNE.SI : Elle combine la fonction MOYENNE et la fonction  SI pour donner la moyenne </a:t>
-            </a:r>
-          </a:p>
-          <a:p>
-            <a:pPr algn="ctr"/>
-            <a:r>
-              <a:rPr lang="fr-FR" sz="2400" dirty="0" smtClean="0">
-                <a:ln w="0"/>
-                <a:effectLst>
-                  <a:outerShdw blurRad="38100" dist="19050" dir="2700000" algn="tl" rotWithShape="0">
-                    <a:schemeClr val="dk1">
-                      <a:alpha val="40000"/>
-                    </a:schemeClr>
-                  </a:outerShdw>
-                </a:effectLst>
-              </a:rPr>
-              <a:t>d’une série de valeurs qui respectent une condition</a:t>
+              <a:t>L’écart type mesure la dispersion des valeurs autour de la moyenne</a:t>
             </a:r>
             <a:endParaRPr lang="fr-FR" sz="2400" b="0" cap="none" spc="0" dirty="0">
               <a:ln w="0"/>
@@ -7194,14 +7327,14 @@
       </p:sp>
       <p:sp>
         <p:nvSpPr>
-          <p:cNvPr id="13" name="Rectangle 12"/>
+          <p:cNvPr id="17" name="Rectangle 16"/>
           <p:cNvSpPr/>
           <p:nvPr/>
         </p:nvSpPr>
         <p:spPr>
           <a:xfrm>
-            <a:off x="171598" y="4757378"/>
-            <a:ext cx="9102685" cy="830997"/>
+            <a:off x="498674" y="5665084"/>
+            <a:ext cx="7958975" cy="461665"/>
           </a:xfrm>
           <a:prstGeom prst="rect">
             <a:avLst/>
@@ -7214,7 +7347,6 @@
           </a:bodyPr>
           <a:lstStyle/>
           <a:p>
-            <a:pPr algn="ctr"/>
             <a:r>
               <a:rPr lang="fr-FR" sz="2400" dirty="0" smtClean="0">
                 <a:ln w="0"/>
@@ -7226,23 +7358,7 @@
                   </a:outerShdw>
                 </a:effectLst>
               </a:rPr>
-              <a:t>MEDIANE : Elle permet de renvoyer la médiane d’une série de nombre. </a:t>
-            </a:r>
-          </a:p>
-          <a:p>
-            <a:pPr algn="ctr"/>
-            <a:r>
-              <a:rPr lang="fr-FR" sz="2400" dirty="0" smtClean="0">
-                <a:ln w="0"/>
-                <a:effectLst>
-                  <a:outerShdw blurRad="38100" dist="19050" dir="2700000" algn="tl" rotWithShape="0">
-                    <a:schemeClr val="dk1">
-                      <a:alpha val="40000"/>
-                    </a:schemeClr>
-                  </a:outerShdw>
-                </a:effectLst>
-              </a:rPr>
-              <a:t>La médiane est le centre de cette série</a:t>
+              <a:t>NB.SI : Elle permet de compter les cellules selon une condition</a:t>
             </a:r>
             <a:endParaRPr lang="fr-FR" sz="2400" b="0" cap="none" spc="0" dirty="0">
               <a:ln w="0"/>
@@ -7263,7 +7379,7 @@
     </p:spTree>
     <p:extLst>
       <p:ext uri="{BB962C8B-B14F-4D97-AF65-F5344CB8AC3E}">
-        <p14:creationId xmlns:p14="http://schemas.microsoft.com/office/powerpoint/2010/main" val="3542756719"/>
+        <p14:creationId xmlns:p14="http://schemas.microsoft.com/office/powerpoint/2010/main" val="396344488"/>
       </p:ext>
     </p:extLst>
   </p:cSld>
@@ -7513,8 +7629,8 @@
         </p:nvSpPr>
         <p:spPr>
           <a:xfrm>
-            <a:off x="464307" y="1449650"/>
-            <a:ext cx="8809976" cy="461665"/>
+            <a:off x="69262" y="1295167"/>
+            <a:ext cx="2667717" cy="461665"/>
           </a:xfrm>
           <a:prstGeom prst="rect">
             <a:avLst/>
@@ -7538,7 +7654,7 @@
                   </a:outerShdw>
                 </a:effectLst>
               </a:rPr>
-              <a:t>ECARTYPE : Elle permet de renvoyer l’écart type d’une série de valeur.</a:t>
+              <a:t>SOMME, SOMME.SI</a:t>
             </a:r>
             <a:endParaRPr lang="fr-FR" sz="2400" b="0" cap="none" spc="0" dirty="0">
               <a:ln w="0"/>
@@ -7564,7 +7680,7 @@
         </p:nvSpPr>
         <p:spPr>
           <a:xfrm>
-            <a:off x="464307" y="3304463"/>
+            <a:off x="69262" y="3222671"/>
             <a:ext cx="9612310" cy="830997"/>
           </a:xfrm>
           <a:prstGeom prst="rect">
@@ -7630,7 +7746,7 @@
         </p:nvSpPr>
         <p:spPr>
           <a:xfrm>
-            <a:off x="464307" y="4614553"/>
+            <a:off x="69262" y="4347265"/>
             <a:ext cx="8027710" cy="830997"/>
           </a:xfrm>
           <a:prstGeom prst="rect">
@@ -7696,536 +7812,6 @@
         </p:nvSpPr>
         <p:spPr>
           <a:xfrm>
-            <a:off x="448512" y="2266815"/>
-            <a:ext cx="8548880" cy="461665"/>
-          </a:xfrm>
-          <a:prstGeom prst="rect">
-            <a:avLst/>
-          </a:prstGeom>
-          <a:noFill/>
-        </p:spPr>
-        <p:txBody>
-          <a:bodyPr wrap="none" lIns="91440" tIns="45720" rIns="91440" bIns="45720">
-            <a:spAutoFit/>
-          </a:bodyPr>
-          <a:lstStyle/>
-          <a:p>
-            <a:r>
-              <a:rPr lang="fr-FR" sz="2400" dirty="0" smtClean="0">
-                <a:ln w="0"/>
-                <a:effectLst>
-                  <a:outerShdw blurRad="38100" dist="19050" dir="2700000" algn="tl" rotWithShape="0">
-                    <a:schemeClr val="dk1">
-                      <a:alpha val="40000"/>
-                    </a:schemeClr>
-                  </a:outerShdw>
-                </a:effectLst>
-              </a:rPr>
-              <a:t>L’écart type mesure la dispersion des valeurs autour de la moyenne</a:t>
-            </a:r>
-            <a:endParaRPr lang="fr-FR" sz="2400" b="0" cap="none" spc="0" dirty="0">
-              <a:ln w="0"/>
-              <a:solidFill>
-                <a:schemeClr val="tx1"/>
-              </a:solidFill>
-              <a:effectLst>
-                <a:outerShdw blurRad="38100" dist="19050" dir="2700000" algn="tl" rotWithShape="0">
-                  <a:schemeClr val="dk1">
-                    <a:alpha val="40000"/>
-                  </a:schemeClr>
-                </a:outerShdw>
-              </a:effectLst>
-            </a:endParaRPr>
-          </a:p>
-        </p:txBody>
-      </p:sp>
-      <p:sp>
-        <p:nvSpPr>
-          <p:cNvPr id="17" name="Rectangle 16"/>
-          <p:cNvSpPr/>
-          <p:nvPr/>
-        </p:nvSpPr>
-        <p:spPr>
-          <a:xfrm>
-            <a:off x="498674" y="5665084"/>
-            <a:ext cx="7958975" cy="461665"/>
-          </a:xfrm>
-          <a:prstGeom prst="rect">
-            <a:avLst/>
-          </a:prstGeom>
-          <a:noFill/>
-        </p:spPr>
-        <p:txBody>
-          <a:bodyPr wrap="none" lIns="91440" tIns="45720" rIns="91440" bIns="45720">
-            <a:spAutoFit/>
-          </a:bodyPr>
-          <a:lstStyle/>
-          <a:p>
-            <a:r>
-              <a:rPr lang="fr-FR" sz="2400" dirty="0" smtClean="0">
-                <a:ln w="0"/>
-                <a:effectLst>
-                  <a:outerShdw blurRad="38100" dist="19050" dir="2700000" algn="tl" rotWithShape="0">
-                    <a:schemeClr val="dk1">
-                      <a:alpha val="40000"/>
-                    </a:schemeClr>
-                  </a:outerShdw>
-                </a:effectLst>
-              </a:rPr>
-              <a:t>NB.SI : Elle permet de compter les cellules selon une condition</a:t>
-            </a:r>
-            <a:endParaRPr lang="fr-FR" sz="2400" b="0" cap="none" spc="0" dirty="0">
-              <a:ln w="0"/>
-              <a:solidFill>
-                <a:schemeClr val="tx1"/>
-              </a:solidFill>
-              <a:effectLst>
-                <a:outerShdw blurRad="38100" dist="19050" dir="2700000" algn="tl" rotWithShape="0">
-                  <a:schemeClr val="dk1">
-                    <a:alpha val="40000"/>
-                  </a:schemeClr>
-                </a:outerShdw>
-              </a:effectLst>
-            </a:endParaRPr>
-          </a:p>
-        </p:txBody>
-      </p:sp>
-    </p:spTree>
-    <p:extLst>
-      <p:ext uri="{BB962C8B-B14F-4D97-AF65-F5344CB8AC3E}">
-        <p14:creationId xmlns:p14="http://schemas.microsoft.com/office/powerpoint/2010/main" val="396344488"/>
-      </p:ext>
-    </p:extLst>
-  </p:cSld>
-  <p:clrMapOvr>
-    <a:masterClrMapping/>
-  </p:clrMapOvr>
-  <p:timing>
-    <p:tnLst>
-      <p:par>
-        <p:cTn id="1" dur="indefinite" restart="never" nodeType="tmRoot"/>
-      </p:par>
-    </p:tnLst>
-  </p:timing>
-</p:sld>
-</file>
-
-<file path=ppt/slides/slide18.xml><?xml version="1.0" encoding="utf-8"?>
-<p:sld xmlns:a="http://schemas.openxmlformats.org/drawingml/2006/main" xmlns:r="http://schemas.openxmlformats.org/officeDocument/2006/relationships" xmlns:p="http://schemas.openxmlformats.org/presentationml/2006/main">
-  <p:cSld>
-    <p:spTree>
-      <p:nvGrpSpPr>
-        <p:cNvPr id="1" name=""/>
-        <p:cNvGrpSpPr/>
-        <p:nvPr/>
-      </p:nvGrpSpPr>
-      <p:grpSpPr>
-        <a:xfrm>
-          <a:off x="0" y="0"/>
-          <a:ext cx="0" cy="0"/>
-          <a:chOff x="0" y="0"/>
-          <a:chExt cx="0" cy="0"/>
-        </a:xfrm>
-      </p:grpSpPr>
-      <p:sp>
-        <p:nvSpPr>
-          <p:cNvPr id="4" name="ZoneTexte 3">
-            <a:extLst>
-              <a:ext uri="{FF2B5EF4-FFF2-40B4-BE49-F238E27FC236}">
-                <a16:creationId xmlns:a16="http://schemas.microsoft.com/office/drawing/2014/main" id="{B7191FEF-1E3F-48E9-A65A-B5A88B9994F6}"/>
-              </a:ext>
-            </a:extLst>
-          </p:cNvPr>
-          <p:cNvSpPr txBox="1"/>
-          <p:nvPr/>
-        </p:nvSpPr>
-        <p:spPr>
-          <a:xfrm>
-            <a:off x="1919416" y="295004"/>
-            <a:ext cx="8353167" cy="707886"/>
-          </a:xfrm>
-          <a:prstGeom prst="rect">
-            <a:avLst/>
-          </a:prstGeom>
-          <a:solidFill>
-            <a:schemeClr val="accent6">
-              <a:lumMod val="50000"/>
-            </a:schemeClr>
-          </a:solidFill>
-          <a:ln>
-            <a:solidFill>
-              <a:schemeClr val="accent6">
-                <a:lumMod val="50000"/>
-              </a:schemeClr>
-            </a:solidFill>
-          </a:ln>
-          <a:effectLst>
-            <a:outerShdw blurRad="50800" dist="38100" dir="13500000" algn="br" rotWithShape="0">
-              <a:schemeClr val="accent1">
-                <a:alpha val="40000"/>
-              </a:schemeClr>
-            </a:outerShdw>
-            <a:reflection blurRad="6350" stA="50000" endA="300" endPos="55000" dir="5400000" sy="-100000" algn="bl" rotWithShape="0"/>
-          </a:effectLst>
-        </p:spPr>
-        <p:txBody>
-          <a:bodyPr wrap="square" rtlCol="0">
-            <a:spAutoFit/>
-          </a:bodyPr>
-          <a:lstStyle/>
-          <a:p>
-            <a:pPr algn="ctr"/>
-            <a:r>
-              <a:rPr lang="fr-FR" sz="4000" dirty="0" smtClean="0">
-                <a:solidFill>
-                  <a:schemeClr val="bg1"/>
-                </a:solidFill>
-              </a:rPr>
-              <a:t>Fonctions statistiques</a:t>
-            </a:r>
-            <a:endParaRPr lang="fr-FR" sz="4000" dirty="0">
-              <a:solidFill>
-                <a:schemeClr val="bg1"/>
-              </a:solidFill>
-            </a:endParaRPr>
-          </a:p>
-        </p:txBody>
-      </p:sp>
-      <p:cxnSp>
-        <p:nvCxnSpPr>
-          <p:cNvPr id="3" name="Connecteur droit 2">
-            <a:extLst>
-              <a:ext uri="{FF2B5EF4-FFF2-40B4-BE49-F238E27FC236}">
-                <a16:creationId xmlns:a16="http://schemas.microsoft.com/office/drawing/2014/main" id="{2E5FFC58-89E0-45F1-AB54-88B4500CE745}"/>
-              </a:ext>
-            </a:extLst>
-          </p:cNvPr>
-          <p:cNvCxnSpPr/>
-          <p:nvPr/>
-        </p:nvCxnSpPr>
-        <p:spPr>
-          <a:xfrm>
-            <a:off x="1327355" y="1002890"/>
-            <a:ext cx="9674942" cy="0"/>
-          </a:xfrm>
-          <a:prstGeom prst="line">
-            <a:avLst/>
-          </a:prstGeom>
-          <a:ln w="38100">
-            <a:solidFill>
-              <a:schemeClr val="accent6">
-                <a:lumMod val="50000"/>
-              </a:schemeClr>
-            </a:solidFill>
-          </a:ln>
-        </p:spPr>
-        <p:style>
-          <a:lnRef idx="1">
-            <a:schemeClr val="accent1"/>
-          </a:lnRef>
-          <a:fillRef idx="0">
-            <a:schemeClr val="accent1"/>
-          </a:fillRef>
-          <a:effectRef idx="0">
-            <a:schemeClr val="accent1"/>
-          </a:effectRef>
-          <a:fontRef idx="minor">
-            <a:schemeClr val="tx1"/>
-          </a:fontRef>
-        </p:style>
-      </p:cxnSp>
-      <p:sp>
-        <p:nvSpPr>
-          <p:cNvPr id="14" name="Rectangle 13">
-            <a:extLst>
-              <a:ext uri="{FF2B5EF4-FFF2-40B4-BE49-F238E27FC236}">
-                <a16:creationId xmlns:a16="http://schemas.microsoft.com/office/drawing/2014/main" id="{A111C86D-0A6E-4457-9131-84B9AB8CA6E2}"/>
-              </a:ext>
-            </a:extLst>
-          </p:cNvPr>
-          <p:cNvSpPr/>
-          <p:nvPr/>
-        </p:nvSpPr>
-        <p:spPr>
-          <a:xfrm>
-            <a:off x="0" y="6995795"/>
-            <a:ext cx="12192000" cy="525145"/>
-          </a:xfrm>
-          <a:prstGeom prst="rect">
-            <a:avLst/>
-          </a:prstGeom>
-          <a:solidFill>
-            <a:schemeClr val="accent1">
-              <a:lumMod val="20000"/>
-              <a:lumOff val="80000"/>
-            </a:schemeClr>
-          </a:solidFill>
-          <a:ln>
-            <a:noFill/>
-          </a:ln>
-        </p:spPr>
-        <p:style>
-          <a:lnRef idx="2">
-            <a:schemeClr val="accent1">
-              <a:shade val="50000"/>
-            </a:schemeClr>
-          </a:lnRef>
-          <a:fillRef idx="1">
-            <a:schemeClr val="accent1"/>
-          </a:fillRef>
-          <a:effectRef idx="0">
-            <a:schemeClr val="accent1"/>
-          </a:effectRef>
-          <a:fontRef idx="minor">
-            <a:schemeClr val="lt1"/>
-          </a:fontRef>
-        </p:style>
-        <p:txBody>
-          <a:bodyPr rtlCol="0" anchor="ctr"/>
-          <a:lstStyle/>
-          <a:p>
-            <a:pPr algn="ctr"/>
-            <a:endParaRPr lang="fr-FR"/>
-          </a:p>
-        </p:txBody>
-      </p:sp>
-      <p:sp>
-        <p:nvSpPr>
-          <p:cNvPr id="16" name="Espace réservé du numéro de diapositive 11">
-            <a:extLst>
-              <a:ext uri="{FF2B5EF4-FFF2-40B4-BE49-F238E27FC236}">
-                <a16:creationId xmlns:a16="http://schemas.microsoft.com/office/drawing/2014/main" id="{C4BC3E63-B4B6-49C0-95C7-9C149F176671}"/>
-              </a:ext>
-            </a:extLst>
-          </p:cNvPr>
-          <p:cNvSpPr>
-            <a:spLocks noGrp="1"/>
-          </p:cNvSpPr>
-          <p:nvPr>
-            <p:ph type="sldNum" sz="quarter" idx="12"/>
-          </p:nvPr>
-        </p:nvSpPr>
-        <p:spPr>
-          <a:xfrm>
-            <a:off x="11158322" y="6492875"/>
-            <a:ext cx="870036" cy="365125"/>
-          </a:xfrm>
-        </p:spPr>
-        <p:txBody>
-          <a:bodyPr/>
-          <a:lstStyle/>
-          <a:p>
-            <a:fld id="{09EA0DBA-1CB7-49FD-A4E9-CB9833829DE4}" type="slidenum">
-              <a:rPr lang="fr-FR" sz="2000" b="1" smtClean="0">
-                <a:solidFill>
-                  <a:srgbClr val="FF0000"/>
-                </a:solidFill>
-                <a:latin typeface="Times New Roman" panose="02020603050405020304" pitchFamily="18" charset="0"/>
-                <a:cs typeface="Times New Roman" panose="02020603050405020304" pitchFamily="18" charset="0"/>
-              </a:rPr>
-              <a:t>18</a:t>
-            </a:fld>
-            <a:endParaRPr lang="fr-FR" sz="2000" b="1" dirty="0">
-              <a:solidFill>
-                <a:srgbClr val="FF0000"/>
-              </a:solidFill>
-              <a:latin typeface="Times New Roman" panose="02020603050405020304" pitchFamily="18" charset="0"/>
-              <a:cs typeface="Times New Roman" panose="02020603050405020304" pitchFamily="18" charset="0"/>
-            </a:endParaRPr>
-          </a:p>
-        </p:txBody>
-      </p:sp>
-      <p:sp>
-        <p:nvSpPr>
-          <p:cNvPr id="11" name="Rectangle 10"/>
-          <p:cNvSpPr/>
-          <p:nvPr/>
-        </p:nvSpPr>
-        <p:spPr>
-          <a:xfrm>
-            <a:off x="69262" y="1295167"/>
-            <a:ext cx="2667717" cy="461665"/>
-          </a:xfrm>
-          <a:prstGeom prst="rect">
-            <a:avLst/>
-          </a:prstGeom>
-          <a:noFill/>
-        </p:spPr>
-        <p:txBody>
-          <a:bodyPr wrap="none" lIns="91440" tIns="45720" rIns="91440" bIns="45720">
-            <a:spAutoFit/>
-          </a:bodyPr>
-          <a:lstStyle/>
-          <a:p>
-            <a:r>
-              <a:rPr lang="fr-FR" sz="2400" dirty="0" smtClean="0">
-                <a:ln w="0"/>
-                <a:effectLst>
-                  <a:outerShdw blurRad="38100" dist="19050" dir="2700000" algn="tl" rotWithShape="0">
-                    <a:schemeClr val="dk1">
-                      <a:alpha val="40000"/>
-                    </a:schemeClr>
-                  </a:outerShdw>
-                </a:effectLst>
-              </a:rPr>
-              <a:t>SOMME, SOMME.SI</a:t>
-            </a:r>
-            <a:endParaRPr lang="fr-FR" sz="2400" b="0" cap="none" spc="0" dirty="0">
-              <a:ln w="0"/>
-              <a:solidFill>
-                <a:schemeClr val="tx1"/>
-              </a:solidFill>
-              <a:effectLst>
-                <a:outerShdw blurRad="38100" dist="19050" dir="2700000" algn="tl" rotWithShape="0">
-                  <a:schemeClr val="dk1">
-                    <a:alpha val="40000"/>
-                  </a:schemeClr>
-                </a:outerShdw>
-              </a:effectLst>
-            </a:endParaRPr>
-          </a:p>
-        </p:txBody>
-      </p:sp>
-      <p:sp>
-        <p:nvSpPr>
-          <p:cNvPr id="12" name="Rectangle 11"/>
-          <p:cNvSpPr/>
-          <p:nvPr/>
-        </p:nvSpPr>
-        <p:spPr>
-          <a:xfrm>
-            <a:off x="69262" y="3222671"/>
-            <a:ext cx="9612310" cy="830997"/>
-          </a:xfrm>
-          <a:prstGeom prst="rect">
-            <a:avLst/>
-          </a:prstGeom>
-          <a:noFill/>
-        </p:spPr>
-        <p:txBody>
-          <a:bodyPr wrap="none" lIns="91440" tIns="45720" rIns="91440" bIns="45720">
-            <a:spAutoFit/>
-          </a:bodyPr>
-          <a:lstStyle/>
-          <a:p>
-            <a:r>
-              <a:rPr lang="fr-FR" sz="2400" dirty="0" smtClean="0">
-                <a:ln w="0"/>
-                <a:effectLst>
-                  <a:outerShdw blurRad="38100" dist="19050" dir="2700000" algn="tl" rotWithShape="0">
-                    <a:schemeClr val="dk1">
-                      <a:alpha val="40000"/>
-                    </a:schemeClr>
-                  </a:outerShdw>
-                </a:effectLst>
-              </a:rPr>
-              <a:t>FREQUENCE : Elle permet de renvoyer la répartition des valeurs d’une série </a:t>
-            </a:r>
-          </a:p>
-          <a:p>
-            <a:r>
-              <a:rPr lang="fr-FR" sz="2400" dirty="0" smtClean="0">
-                <a:ln w="0"/>
-                <a:effectLst>
-                  <a:outerShdw blurRad="38100" dist="19050" dir="2700000" algn="tl" rotWithShape="0">
-                    <a:schemeClr val="dk1">
-                      <a:alpha val="40000"/>
-                    </a:schemeClr>
-                  </a:outerShdw>
-                </a:effectLst>
-              </a:rPr>
-              <a:t>dans des intervalles définis</a:t>
-            </a:r>
-            <a:endParaRPr lang="fr-FR" sz="2400" b="0" cap="none" spc="0" dirty="0">
-              <a:ln w="0"/>
-              <a:solidFill>
-                <a:schemeClr val="tx1"/>
-              </a:solidFill>
-              <a:effectLst>
-                <a:outerShdw blurRad="38100" dist="19050" dir="2700000" algn="tl" rotWithShape="0">
-                  <a:schemeClr val="dk1">
-                    <a:alpha val="40000"/>
-                  </a:schemeClr>
-                </a:outerShdw>
-              </a:effectLst>
-            </a:endParaRPr>
-          </a:p>
-        </p:txBody>
-      </p:sp>
-      <p:sp>
-        <p:nvSpPr>
-          <p:cNvPr id="13" name="Rectangle 12"/>
-          <p:cNvSpPr/>
-          <p:nvPr/>
-        </p:nvSpPr>
-        <p:spPr>
-          <a:xfrm>
-            <a:off x="69262" y="4347265"/>
-            <a:ext cx="8027710" cy="830997"/>
-          </a:xfrm>
-          <a:prstGeom prst="rect">
-            <a:avLst/>
-          </a:prstGeom>
-          <a:noFill/>
-        </p:spPr>
-        <p:txBody>
-          <a:bodyPr wrap="none" lIns="91440" tIns="45720" rIns="91440" bIns="45720">
-            <a:spAutoFit/>
-          </a:bodyPr>
-          <a:lstStyle/>
-          <a:p>
-            <a:r>
-              <a:rPr lang="fr-FR" sz="2400" dirty="0" smtClean="0">
-                <a:ln w="0"/>
-                <a:effectLst>
-                  <a:outerShdw blurRad="38100" dist="19050" dir="2700000" algn="tl" rotWithShape="0">
-                    <a:schemeClr val="dk1">
-                      <a:alpha val="40000"/>
-                    </a:schemeClr>
-                  </a:outerShdw>
-                </a:effectLst>
-              </a:rPr>
-              <a:t>NB : Elle permet de renvoyer le nombre de cellules d’une plage</a:t>
-            </a:r>
-          </a:p>
-          <a:p>
-            <a:r>
-              <a:rPr lang="fr-FR" sz="2400" dirty="0" smtClean="0">
-                <a:ln w="0"/>
-                <a:effectLst>
-                  <a:outerShdw blurRad="38100" dist="19050" dir="2700000" algn="tl" rotWithShape="0">
-                    <a:schemeClr val="dk1">
-                      <a:alpha val="40000"/>
-                    </a:schemeClr>
-                  </a:outerShdw>
-                </a:effectLst>
-              </a:rPr>
-              <a:t> qui comporte un nombre</a:t>
-            </a:r>
-            <a:endParaRPr lang="fr-FR" sz="2400" b="0" cap="none" spc="0" dirty="0">
-              <a:ln w="0"/>
-              <a:solidFill>
-                <a:schemeClr val="tx1"/>
-              </a:solidFill>
-              <a:effectLst>
-                <a:outerShdw blurRad="38100" dist="19050" dir="2700000" algn="tl" rotWithShape="0">
-                  <a:schemeClr val="dk1">
-                    <a:alpha val="40000"/>
-                  </a:schemeClr>
-                </a:outerShdw>
-              </a:effectLst>
-            </a:endParaRPr>
-          </a:p>
-        </p:txBody>
-      </p:sp>
-      <p:sp>
-        <p:nvSpPr>
-          <p:cNvPr id="15" name="Rectangle 14"/>
-          <p:cNvSpPr/>
-          <p:nvPr/>
-        </p:nvSpPr>
-        <p:spPr>
-          <a:xfrm>
             <a:off x="69262" y="2049110"/>
             <a:ext cx="10007355" cy="830997"/>
           </a:xfrm>
@@ -8266,20 +7852,7 @@
                   </a:outerShdw>
                 </a:effectLst>
               </a:rPr>
-              <a:t>est situé entre deux bornes spécifiées par </a:t>
-            </a:r>
-            <a:r>
-              <a:rPr lang="fr-FR" sz="2400" dirty="0" smtClean="0">
-                <a:ln w="0"/>
-                <a:effectLst>
-                  <a:outerShdw blurRad="38100" dist="19050" dir="2700000" algn="tl" rotWithShape="0">
-                    <a:schemeClr val="dk1">
-                      <a:alpha val="40000"/>
-                    </a:schemeClr>
-                  </a:outerShdw>
-                </a:effectLst>
-              </a:rPr>
-              <a:t>l’utilisateur.</a:t>
+              <a:t>est situé entre deux bornes spécifiées par l’utilisateur.</a:t>
             </a:r>
             <a:endParaRPr lang="fr-FR" sz="2400" b="0" cap="none" spc="0" dirty="0">
               <a:ln w="0"/>
@@ -8368,7 +7941,7 @@
 </p:sld>
 </file>
 
-<file path=ppt/slides/slide19.xml><?xml version="1.0" encoding="utf-8"?>
+<file path=ppt/slides/slide18.xml><?xml version="1.0" encoding="utf-8"?>
 <p:sld xmlns:a="http://schemas.openxmlformats.org/drawingml/2006/main" xmlns:r="http://schemas.openxmlformats.org/officeDocument/2006/relationships" xmlns:p="http://schemas.openxmlformats.org/presentationml/2006/main">
   <p:cSld>
     <p:spTree>
@@ -8955,13 +8528,18 @@
           <a:p>
             <a:pPr algn="ctr"/>
             <a:r>
-              <a:rPr lang="fr-FR" sz="4000" dirty="0">
+              <a:rPr lang="fr-FR" sz="4000" dirty="0" smtClean="0">
                 <a:solidFill>
                   <a:schemeClr val="bg1"/>
                 </a:solidFill>
               </a:rPr>
-              <a:t>PLAN</a:t>
-            </a:r>
+              <a:t>Structure des formules</a:t>
+            </a:r>
+            <a:endParaRPr lang="fr-FR" sz="4000" dirty="0">
+              <a:solidFill>
+                <a:schemeClr val="bg1"/>
+              </a:solidFill>
+            </a:endParaRPr>
           </a:p>
         </p:txBody>
       </p:sp>
@@ -9008,462 +8586,117 @@
           </a:fontRef>
         </p:style>
       </p:cxnSp>
-      <p:grpSp>
-        <p:nvGrpSpPr>
-          <p:cNvPr id="18" name="Groupe 17">
-            <a:extLst>
-              <a:ext uri="{FF2B5EF4-FFF2-40B4-BE49-F238E27FC236}">
-                <a16:creationId xmlns:a16="http://schemas.microsoft.com/office/drawing/2014/main" id="{1403A3FC-8793-4AB6-AE4D-884281FE7C37}"/>
-              </a:ext>
-            </a:extLst>
-          </p:cNvPr>
-          <p:cNvGrpSpPr/>
+      <p:sp>
+        <p:nvSpPr>
+          <p:cNvPr id="14" name="Rectangle 13">
+            <a:extLst>
+              <a:ext uri="{FF2B5EF4-FFF2-40B4-BE49-F238E27FC236}">
+                <a16:creationId xmlns:a16="http://schemas.microsoft.com/office/drawing/2014/main" id="{A111C86D-0A6E-4457-9131-84B9AB8CA6E2}"/>
+              </a:ext>
+            </a:extLst>
+          </p:cNvPr>
+          <p:cNvSpPr/>
           <p:nvPr/>
-        </p:nvGrpSpPr>
-        <p:grpSpPr>
-          <a:xfrm>
-            <a:off x="711987" y="2206429"/>
-            <a:ext cx="3448496" cy="3510112"/>
-            <a:chOff x="179106" y="1504339"/>
-            <a:chExt cx="3802959" cy="4689981"/>
-          </a:xfrm>
-        </p:grpSpPr>
-        <p:sp>
-          <p:nvSpPr>
-            <p:cNvPr id="2" name="Cercle : creux 1">
-              <a:extLst>
-                <a:ext uri="{FF2B5EF4-FFF2-40B4-BE49-F238E27FC236}">
-                  <a16:creationId xmlns:a16="http://schemas.microsoft.com/office/drawing/2014/main" id="{B9075E7D-7ED5-47F4-B43A-1C128A52BF42}"/>
-                </a:ext>
-              </a:extLst>
-            </p:cNvPr>
-            <p:cNvSpPr/>
-            <p:nvPr/>
-          </p:nvSpPr>
-          <p:spPr>
-            <a:xfrm>
-              <a:off x="179106" y="1504339"/>
-              <a:ext cx="3802959" cy="4689981"/>
-            </a:xfrm>
-            <a:prstGeom prst="donut">
-              <a:avLst>
-                <a:gd name="adj" fmla="val 7089"/>
-              </a:avLst>
-            </a:prstGeom>
-            <a:solidFill>
-              <a:schemeClr val="accent6">
-                <a:lumMod val="50000"/>
-              </a:schemeClr>
-            </a:solidFill>
-            <a:ln>
-              <a:solidFill>
-                <a:schemeClr val="accent6"/>
-              </a:solidFill>
-            </a:ln>
-          </p:spPr>
-          <p:style>
-            <a:lnRef idx="2">
-              <a:schemeClr val="accent1">
-                <a:shade val="50000"/>
-              </a:schemeClr>
-            </a:lnRef>
-            <a:fillRef idx="1">
-              <a:schemeClr val="accent1"/>
-            </a:fillRef>
-            <a:effectRef idx="0">
-              <a:schemeClr val="accent1"/>
-            </a:effectRef>
-            <a:fontRef idx="minor">
-              <a:schemeClr val="lt1"/>
-            </a:fontRef>
-          </p:style>
-          <p:txBody>
-            <a:bodyPr rtlCol="0" anchor="ctr"/>
-            <a:lstStyle/>
-            <a:p>
-              <a:pPr algn="ctr"/>
-              <a:endParaRPr lang="fr-FR" dirty="0">
-                <a:solidFill>
-                  <a:schemeClr val="tx1"/>
-                </a:solidFill>
-              </a:endParaRPr>
-            </a:p>
-          </p:txBody>
-        </p:sp>
-        <p:sp>
-          <p:nvSpPr>
-            <p:cNvPr id="7" name="Cercle : creux 6">
-              <a:extLst>
-                <a:ext uri="{FF2B5EF4-FFF2-40B4-BE49-F238E27FC236}">
-                  <a16:creationId xmlns:a16="http://schemas.microsoft.com/office/drawing/2014/main" id="{C72D10B0-EE1C-4DA1-AD3E-E3D5B6BF0312}"/>
-                </a:ext>
-              </a:extLst>
-            </p:cNvPr>
-            <p:cNvSpPr/>
-            <p:nvPr/>
-          </p:nvSpPr>
-          <p:spPr>
-            <a:xfrm>
-              <a:off x="398207" y="2050578"/>
-              <a:ext cx="3032375" cy="3558355"/>
-            </a:xfrm>
-            <a:prstGeom prst="donut">
-              <a:avLst>
-                <a:gd name="adj" fmla="val 7089"/>
-              </a:avLst>
-            </a:prstGeom>
-            <a:solidFill>
-              <a:schemeClr val="accent6">
-                <a:lumMod val="50000"/>
-              </a:schemeClr>
-            </a:solidFill>
-            <a:ln>
-              <a:noFill/>
-            </a:ln>
-          </p:spPr>
-          <p:style>
-            <a:lnRef idx="2">
-              <a:schemeClr val="accent1">
-                <a:shade val="50000"/>
-              </a:schemeClr>
-            </a:lnRef>
-            <a:fillRef idx="1">
-              <a:schemeClr val="accent1"/>
-            </a:fillRef>
-            <a:effectRef idx="0">
-              <a:schemeClr val="accent1"/>
-            </a:effectRef>
-            <a:fontRef idx="minor">
-              <a:schemeClr val="lt1"/>
-            </a:fontRef>
-          </p:style>
-          <p:txBody>
-            <a:bodyPr rtlCol="0" anchor="ctr"/>
-            <a:lstStyle/>
-            <a:p>
-              <a:pPr algn="ctr"/>
-              <a:endParaRPr lang="fr-FR">
-                <a:solidFill>
-                  <a:schemeClr val="tx1"/>
-                </a:solidFill>
-              </a:endParaRPr>
-            </a:p>
-          </p:txBody>
-        </p:sp>
-        <p:sp>
-          <p:nvSpPr>
-            <p:cNvPr id="8" name="Cercle : creux 7">
-              <a:extLst>
-                <a:ext uri="{FF2B5EF4-FFF2-40B4-BE49-F238E27FC236}">
-                  <a16:creationId xmlns:a16="http://schemas.microsoft.com/office/drawing/2014/main" id="{E9FDB297-FB95-4E61-B03A-E017A70FBF91}"/>
-                </a:ext>
-              </a:extLst>
-            </p:cNvPr>
-            <p:cNvSpPr/>
-            <p:nvPr/>
-          </p:nvSpPr>
-          <p:spPr>
-            <a:xfrm>
-              <a:off x="530943" y="2364212"/>
-              <a:ext cx="2410194" cy="2856416"/>
-            </a:xfrm>
-            <a:prstGeom prst="donut">
-              <a:avLst>
-                <a:gd name="adj" fmla="val 7089"/>
-              </a:avLst>
-            </a:prstGeom>
-            <a:solidFill>
-              <a:schemeClr val="accent6">
-                <a:lumMod val="50000"/>
-              </a:schemeClr>
-            </a:solidFill>
-            <a:ln>
-              <a:noFill/>
-            </a:ln>
-          </p:spPr>
-          <p:style>
-            <a:lnRef idx="2">
-              <a:schemeClr val="accent1">
-                <a:shade val="50000"/>
-              </a:schemeClr>
-            </a:lnRef>
-            <a:fillRef idx="1">
-              <a:schemeClr val="accent1"/>
-            </a:fillRef>
-            <a:effectRef idx="0">
-              <a:schemeClr val="accent1"/>
-            </a:effectRef>
-            <a:fontRef idx="minor">
-              <a:schemeClr val="lt1"/>
-            </a:fontRef>
-          </p:style>
-          <p:txBody>
-            <a:bodyPr rtlCol="0" anchor="ctr"/>
-            <a:lstStyle/>
-            <a:p>
-              <a:pPr algn="ctr"/>
-              <a:endParaRPr lang="fr-FR">
-                <a:solidFill>
-                  <a:schemeClr val="tx1"/>
-                </a:solidFill>
-              </a:endParaRPr>
-            </a:p>
-          </p:txBody>
-        </p:sp>
-        <p:sp>
-          <p:nvSpPr>
-            <p:cNvPr id="5" name="Ellipse 4">
-              <a:extLst>
-                <a:ext uri="{FF2B5EF4-FFF2-40B4-BE49-F238E27FC236}">
-                  <a16:creationId xmlns:a16="http://schemas.microsoft.com/office/drawing/2014/main" id="{26123C21-D112-4FF2-A338-BC26618C9E42}"/>
-                </a:ext>
-              </a:extLst>
-            </p:cNvPr>
-            <p:cNvSpPr/>
-            <p:nvPr/>
-          </p:nvSpPr>
-          <p:spPr>
-            <a:xfrm>
-              <a:off x="983226" y="3126659"/>
-              <a:ext cx="1361767" cy="1340533"/>
-            </a:xfrm>
-            <a:prstGeom prst="ellipse">
-              <a:avLst/>
-            </a:prstGeom>
-            <a:solidFill>
-              <a:schemeClr val="accent6">
-                <a:lumMod val="50000"/>
-              </a:schemeClr>
-            </a:solidFill>
-            <a:ln>
-              <a:noFill/>
-            </a:ln>
-          </p:spPr>
-          <p:style>
-            <a:lnRef idx="2">
-              <a:schemeClr val="accent1">
-                <a:shade val="50000"/>
-              </a:schemeClr>
-            </a:lnRef>
-            <a:fillRef idx="1">
-              <a:schemeClr val="accent1"/>
-            </a:fillRef>
-            <a:effectRef idx="0">
-              <a:schemeClr val="accent1"/>
-            </a:effectRef>
-            <a:fontRef idx="minor">
-              <a:schemeClr val="lt1"/>
-            </a:fontRef>
-          </p:style>
-          <p:txBody>
-            <a:bodyPr rtlCol="0" anchor="ctr"/>
-            <a:lstStyle/>
-            <a:p>
-              <a:pPr algn="ctr"/>
-              <a:endParaRPr lang="fr-FR"/>
-            </a:p>
-          </p:txBody>
-        </p:sp>
-      </p:grpSp>
-      <p:grpSp>
-        <p:nvGrpSpPr>
-          <p:cNvPr id="20" name="Groupe 19">
-            <a:extLst>
-              <a:ext uri="{FF2B5EF4-FFF2-40B4-BE49-F238E27FC236}">
-                <a16:creationId xmlns:a16="http://schemas.microsoft.com/office/drawing/2014/main" id="{5995B952-ADD2-4BBB-9CD0-46A71FBEF754}"/>
-              </a:ext>
-            </a:extLst>
-          </p:cNvPr>
-          <p:cNvGrpSpPr/>
-          <p:nvPr/>
-        </p:nvGrpSpPr>
-        <p:grpSpPr>
-          <a:xfrm>
-            <a:off x="2973382" y="2114573"/>
-            <a:ext cx="6574616" cy="427151"/>
-            <a:chOff x="2973382" y="2114573"/>
-            <a:chExt cx="6574616" cy="427151"/>
-          </a:xfrm>
+        </p:nvSpPr>
+        <p:spPr>
+          <a:xfrm>
+            <a:off x="0" y="6385815"/>
+            <a:ext cx="12192000" cy="472186"/>
+          </a:xfrm>
+          <a:prstGeom prst="rect">
+            <a:avLst/>
+          </a:prstGeom>
           <a:solidFill>
-            <a:schemeClr val="accent6">
-              <a:lumMod val="50000"/>
+            <a:schemeClr val="accent1">
+              <a:lumMod val="20000"/>
+              <a:lumOff val="80000"/>
             </a:schemeClr>
           </a:solidFill>
-        </p:grpSpPr>
-        <p:cxnSp>
-          <p:nvCxnSpPr>
-            <p:cNvPr id="13" name="Connecteur droit 12">
-              <a:extLst>
-                <a:ext uri="{FF2B5EF4-FFF2-40B4-BE49-F238E27FC236}">
-                  <a16:creationId xmlns:a16="http://schemas.microsoft.com/office/drawing/2014/main" id="{30E20A67-118A-44A0-B3F4-5D6338BFAFB8}"/>
-                </a:ext>
-              </a:extLst>
-            </p:cNvPr>
-            <p:cNvCxnSpPr>
-              <a:cxnSpLocks/>
-            </p:cNvCxnSpPr>
-            <p:nvPr/>
-          </p:nvCxnSpPr>
-          <p:spPr>
-            <a:xfrm>
-              <a:off x="2973382" y="2328169"/>
-              <a:ext cx="6141121" cy="0"/>
-            </a:xfrm>
-            <a:prstGeom prst="line">
-              <a:avLst/>
-            </a:prstGeom>
-            <a:grpFill/>
-            <a:ln w="57150">
+          <a:ln>
+            <a:noFill/>
+          </a:ln>
+        </p:spPr>
+        <p:style>
+          <a:lnRef idx="2">
+            <a:schemeClr val="accent1">
+              <a:shade val="50000"/>
+            </a:schemeClr>
+          </a:lnRef>
+          <a:fillRef idx="1">
+            <a:schemeClr val="accent1"/>
+          </a:fillRef>
+          <a:effectRef idx="0">
+            <a:schemeClr val="accent1"/>
+          </a:effectRef>
+          <a:fontRef idx="minor">
+            <a:schemeClr val="lt1"/>
+          </a:fontRef>
+        </p:style>
+        <p:txBody>
+          <a:bodyPr rtlCol="0" anchor="ctr"/>
+          <a:lstStyle/>
+          <a:p>
+            <a:pPr algn="ctr"/>
+            <a:endParaRPr lang="fr-FR"/>
+          </a:p>
+        </p:txBody>
+      </p:sp>
+      <p:sp>
+        <p:nvSpPr>
+          <p:cNvPr id="16" name="Espace réservé du numéro de diapositive 11">
+            <a:extLst>
+              <a:ext uri="{FF2B5EF4-FFF2-40B4-BE49-F238E27FC236}">
+                <a16:creationId xmlns:a16="http://schemas.microsoft.com/office/drawing/2014/main" id="{C4BC3E63-B4B6-49C0-95C7-9C149F176671}"/>
+              </a:ext>
+            </a:extLst>
+          </p:cNvPr>
+          <p:cNvSpPr>
+            <a:spLocks noGrp="1"/>
+          </p:cNvSpPr>
+          <p:nvPr>
+            <p:ph type="sldNum" sz="quarter" idx="12"/>
+          </p:nvPr>
+        </p:nvSpPr>
+        <p:spPr>
+          <a:xfrm>
+            <a:off x="11158322" y="6492875"/>
+            <a:ext cx="870036" cy="365125"/>
+          </a:xfrm>
+        </p:spPr>
+        <p:txBody>
+          <a:bodyPr/>
+          <a:lstStyle/>
+          <a:p>
+            <a:fld id="{09EA0DBA-1CB7-49FD-A4E9-CB9833829DE4}" type="slidenum">
+              <a:rPr lang="fr-FR" sz="2000" b="1" smtClean="0">
+                <a:solidFill>
+                  <a:srgbClr val="FF0000"/>
+                </a:solidFill>
+                <a:latin typeface="Times New Roman" panose="02020603050405020304" pitchFamily="18" charset="0"/>
+                <a:cs typeface="Times New Roman" panose="02020603050405020304" pitchFamily="18" charset="0"/>
+              </a:rPr>
+              <a:t>3</a:t>
+            </a:fld>
+            <a:endParaRPr lang="fr-FR" sz="2000" b="1" dirty="0">
               <a:solidFill>
-                <a:schemeClr val="accent6">
-                  <a:lumMod val="50000"/>
-                </a:schemeClr>
+                <a:srgbClr val="FF0000"/>
               </a:solidFill>
-            </a:ln>
-          </p:spPr>
-          <p:style>
-            <a:lnRef idx="1">
-              <a:schemeClr val="accent1"/>
-            </a:lnRef>
-            <a:fillRef idx="0">
-              <a:schemeClr val="accent1"/>
-            </a:fillRef>
-            <a:effectRef idx="0">
-              <a:schemeClr val="accent1"/>
-            </a:effectRef>
-            <a:fontRef idx="minor">
-              <a:schemeClr val="tx1"/>
-            </a:fontRef>
-          </p:style>
-        </p:cxnSp>
-        <p:sp>
-          <p:nvSpPr>
-            <p:cNvPr id="15" name="Ellipse 14">
-              <a:extLst>
-                <a:ext uri="{FF2B5EF4-FFF2-40B4-BE49-F238E27FC236}">
-                  <a16:creationId xmlns:a16="http://schemas.microsoft.com/office/drawing/2014/main" id="{CCA54840-1683-4CAE-9AF4-4DA2467C4125}"/>
-                </a:ext>
-              </a:extLst>
-            </p:cNvPr>
-            <p:cNvSpPr/>
-            <p:nvPr/>
-          </p:nvSpPr>
-          <p:spPr>
-            <a:xfrm>
-              <a:off x="9114503" y="2172296"/>
-              <a:ext cx="433495" cy="311704"/>
-            </a:xfrm>
-            <a:prstGeom prst="ellipse">
-              <a:avLst/>
-            </a:prstGeom>
-            <a:grpFill/>
-            <a:ln w="28575">
-              <a:solidFill>
-                <a:schemeClr val="accent6">
-                  <a:lumMod val="50000"/>
-                </a:schemeClr>
-              </a:solidFill>
-            </a:ln>
-          </p:spPr>
-          <p:style>
-            <a:lnRef idx="2">
-              <a:schemeClr val="accent1">
-                <a:shade val="50000"/>
-              </a:schemeClr>
-            </a:lnRef>
-            <a:fillRef idx="1">
-              <a:schemeClr val="accent1"/>
-            </a:fillRef>
-            <a:effectRef idx="0">
-              <a:schemeClr val="accent1"/>
-            </a:effectRef>
-            <a:fontRef idx="minor">
-              <a:schemeClr val="lt1"/>
-            </a:fontRef>
-          </p:style>
-          <p:txBody>
-            <a:bodyPr rtlCol="0" anchor="ctr"/>
-            <a:lstStyle/>
-            <a:p>
-              <a:pPr algn="ctr"/>
-              <a:endParaRPr lang="fr-FR"/>
-            </a:p>
-          </p:txBody>
-        </p:sp>
-        <p:sp>
-          <p:nvSpPr>
-            <p:cNvPr id="16" name="Ellipse 15">
-              <a:extLst>
-                <a:ext uri="{FF2B5EF4-FFF2-40B4-BE49-F238E27FC236}">
-                  <a16:creationId xmlns:a16="http://schemas.microsoft.com/office/drawing/2014/main" id="{835F34AB-8760-437A-9CE8-E0736CF51708}"/>
-                </a:ext>
-              </a:extLst>
-            </p:cNvPr>
-            <p:cNvSpPr/>
-            <p:nvPr/>
-          </p:nvSpPr>
-          <p:spPr>
-            <a:xfrm>
-              <a:off x="3908323" y="2114573"/>
-              <a:ext cx="551482" cy="427151"/>
-            </a:xfrm>
-            <a:prstGeom prst="ellipse">
-              <a:avLst/>
-            </a:prstGeom>
-            <a:grpFill/>
-            <a:ln>
-              <a:solidFill>
-                <a:schemeClr val="accent6">
-                  <a:lumMod val="50000"/>
-                </a:schemeClr>
-              </a:solidFill>
-            </a:ln>
-          </p:spPr>
-          <p:style>
-            <a:lnRef idx="2">
-              <a:schemeClr val="accent1">
-                <a:shade val="50000"/>
-              </a:schemeClr>
-            </a:lnRef>
-            <a:fillRef idx="1">
-              <a:schemeClr val="accent1"/>
-            </a:fillRef>
-            <a:effectRef idx="0">
-              <a:schemeClr val="accent1"/>
-            </a:effectRef>
-            <a:fontRef idx="minor">
-              <a:schemeClr val="lt1"/>
-            </a:fontRef>
-          </p:style>
-          <p:txBody>
-            <a:bodyPr rtlCol="0" anchor="ctr"/>
-            <a:lstStyle/>
-            <a:p>
-              <a:pPr algn="ctr"/>
-              <a:r>
-                <a:rPr lang="fr-FR" sz="2800" b="1" dirty="0"/>
-                <a:t>1</a:t>
-              </a:r>
-            </a:p>
-          </p:txBody>
-        </p:sp>
-      </p:grpSp>
-      <p:sp>
-        <p:nvSpPr>
-          <p:cNvPr id="17" name="ZoneTexte 16">
-            <a:extLst>
-              <a:ext uri="{FF2B5EF4-FFF2-40B4-BE49-F238E27FC236}">
-                <a16:creationId xmlns:a16="http://schemas.microsoft.com/office/drawing/2014/main" id="{455BDBB0-54F3-465C-A76F-B217538C2C16}"/>
-              </a:ext>
-            </a:extLst>
-          </p:cNvPr>
-          <p:cNvSpPr txBox="1"/>
+              <a:latin typeface="Times New Roman" panose="02020603050405020304" pitchFamily="18" charset="0"/>
+              <a:cs typeface="Times New Roman" panose="02020603050405020304" pitchFamily="18" charset="0"/>
+            </a:endParaRPr>
+          </a:p>
+        </p:txBody>
+      </p:sp>
+      <p:sp>
+        <p:nvSpPr>
+          <p:cNvPr id="7" name="Rectangle 6"/>
+          <p:cNvSpPr/>
           <p:nvPr/>
         </p:nvSpPr>
         <p:spPr>
           <a:xfrm>
-            <a:off x="5221211" y="1804928"/>
-            <a:ext cx="3448495" cy="1384995"/>
+            <a:off x="234020" y="1503266"/>
+            <a:ext cx="11979049" cy="830997"/>
           </a:xfrm>
           <a:prstGeom prst="rect">
             <a:avLst/>
@@ -9471,686 +8704,102 @@
           <a:noFill/>
         </p:spPr>
         <p:txBody>
-          <a:bodyPr wrap="square" rtlCol="0">
+          <a:bodyPr wrap="none" lIns="91440" tIns="45720" rIns="91440" bIns="45720">
             <a:spAutoFit/>
           </a:bodyPr>
           <a:lstStyle/>
           <a:p>
             <a:r>
-              <a:rPr lang="fr-FR" sz="2800" dirty="0" smtClean="0"/>
-              <a:t>Structure des formules</a:t>
-            </a:r>
-            <a:endParaRPr lang="fr-FR" sz="2800" dirty="0"/>
-          </a:p>
-          <a:p>
-            <a:endParaRPr lang="fr-FR" sz="2800" dirty="0">
-              <a:latin typeface="Times New Roman" panose="02020603050405020304" pitchFamily="18" charset="0"/>
-              <a:cs typeface="Times New Roman" panose="02020603050405020304" pitchFamily="18" charset="0"/>
+              <a:rPr lang="fr-FR" sz="2400" b="0" cap="none" spc="0" dirty="0" smtClean="0">
+                <a:ln w="0"/>
+                <a:solidFill>
+                  <a:schemeClr val="tx1"/>
+                </a:solidFill>
+                <a:effectLst>
+                  <a:outerShdw blurRad="38100" dist="19050" dir="2700000" algn="tl" rotWithShape="0">
+                    <a:schemeClr val="dk1">
+                      <a:alpha val="40000"/>
+                    </a:schemeClr>
+                  </a:outerShdw>
+                </a:effectLst>
+              </a:rPr>
+              <a:t>Commencez toujours votre par le signe = ou +, ensuite sans laisser d’espaces, placez un chiffre </a:t>
+            </a:r>
+          </a:p>
+          <a:p>
+            <a:r>
+              <a:rPr lang="fr-FR" sz="2400" b="0" cap="none" spc="0" dirty="0" smtClean="0">
+                <a:ln w="0"/>
+                <a:solidFill>
+                  <a:schemeClr val="tx1"/>
+                </a:solidFill>
+                <a:effectLst>
+                  <a:outerShdw blurRad="38100" dist="19050" dir="2700000" algn="tl" rotWithShape="0">
+                    <a:schemeClr val="dk1">
+                      <a:alpha val="40000"/>
+                    </a:schemeClr>
+                  </a:outerShdw>
+                </a:effectLst>
+              </a:rPr>
+              <a:t>suivi d’un autre chiffre, etc</a:t>
+            </a:r>
+            <a:r>
+              <a:rPr lang="fr-FR" sz="2400" dirty="0" smtClean="0">
+                <a:ln w="0"/>
+                <a:effectLst>
+                  <a:outerShdw blurRad="38100" dist="19050" dir="2700000" algn="tl" rotWithShape="0">
+                    <a:schemeClr val="dk1">
+                      <a:alpha val="40000"/>
+                    </a:schemeClr>
+                  </a:outerShdw>
+                </a:effectLst>
+              </a:rPr>
+              <a:t>. Ajoutez des () si cela s’avère nécessaire</a:t>
+            </a:r>
+            <a:endParaRPr lang="fr-FR" sz="2400" b="0" cap="none" spc="0" dirty="0">
+              <a:ln w="0"/>
+              <a:solidFill>
+                <a:schemeClr val="tx1"/>
+              </a:solidFill>
+              <a:effectLst>
+                <a:outerShdw blurRad="38100" dist="19050" dir="2700000" algn="tl" rotWithShape="0">
+                  <a:schemeClr val="dk1">
+                    <a:alpha val="40000"/>
+                  </a:schemeClr>
+                </a:outerShdw>
+              </a:effectLst>
             </a:endParaRPr>
           </a:p>
         </p:txBody>
       </p:sp>
-      <p:grpSp>
-        <p:nvGrpSpPr>
-          <p:cNvPr id="21" name="Groupe 20">
-            <a:extLst>
-              <a:ext uri="{FF2B5EF4-FFF2-40B4-BE49-F238E27FC236}">
-                <a16:creationId xmlns:a16="http://schemas.microsoft.com/office/drawing/2014/main" id="{7B617DD5-4BBB-46F2-820E-E5E4D661B703}"/>
-              </a:ext>
-            </a:extLst>
-          </p:cNvPr>
-          <p:cNvGrpSpPr/>
+      <p:pic>
+        <p:nvPicPr>
+          <p:cNvPr id="2" name="Image 1"/>
+          <p:cNvPicPr>
+            <a:picLocks noChangeAspect="1"/>
+          </p:cNvPicPr>
           <p:nvPr/>
-        </p:nvGrpSpPr>
-        <p:grpSpPr>
-          <a:xfrm>
-            <a:off x="4068591" y="3207042"/>
-            <a:ext cx="6574616" cy="427151"/>
-            <a:chOff x="2973382" y="2114573"/>
-            <a:chExt cx="6574616" cy="427151"/>
-          </a:xfrm>
-          <a:solidFill>
-            <a:schemeClr val="accent6">
-              <a:lumMod val="50000"/>
-            </a:schemeClr>
-          </a:solidFill>
-        </p:grpSpPr>
-        <p:cxnSp>
-          <p:nvCxnSpPr>
-            <p:cNvPr id="22" name="Connecteur droit 21">
-              <a:extLst>
-                <a:ext uri="{FF2B5EF4-FFF2-40B4-BE49-F238E27FC236}">
-                  <a16:creationId xmlns:a16="http://schemas.microsoft.com/office/drawing/2014/main" id="{00FC5429-3123-49E9-A7D9-40187235B090}"/>
-                </a:ext>
-              </a:extLst>
-            </p:cNvPr>
-            <p:cNvCxnSpPr>
-              <a:cxnSpLocks/>
-            </p:cNvCxnSpPr>
-            <p:nvPr/>
-          </p:nvCxnSpPr>
-          <p:spPr>
-            <a:xfrm>
-              <a:off x="2973382" y="2328169"/>
-              <a:ext cx="6141121" cy="0"/>
-            </a:xfrm>
-            <a:prstGeom prst="line">
-              <a:avLst/>
-            </a:prstGeom>
-            <a:grpFill/>
-            <a:ln w="57150">
-              <a:solidFill>
-                <a:schemeClr val="accent6">
-                  <a:lumMod val="50000"/>
-                </a:schemeClr>
-              </a:solidFill>
-            </a:ln>
-          </p:spPr>
-          <p:style>
-            <a:lnRef idx="1">
-              <a:schemeClr val="accent1"/>
-            </a:lnRef>
-            <a:fillRef idx="0">
-              <a:schemeClr val="accent1"/>
-            </a:fillRef>
-            <a:effectRef idx="0">
-              <a:schemeClr val="accent1"/>
-            </a:effectRef>
-            <a:fontRef idx="minor">
-              <a:schemeClr val="tx1"/>
-            </a:fontRef>
-          </p:style>
-        </p:cxnSp>
-        <p:sp>
-          <p:nvSpPr>
-            <p:cNvPr id="23" name="Ellipse 22">
-              <a:extLst>
-                <a:ext uri="{FF2B5EF4-FFF2-40B4-BE49-F238E27FC236}">
-                  <a16:creationId xmlns:a16="http://schemas.microsoft.com/office/drawing/2014/main" id="{1E10ECAE-9B08-4C4A-B7C9-8E3B3BC3E59C}"/>
-                </a:ext>
-              </a:extLst>
-            </p:cNvPr>
-            <p:cNvSpPr/>
-            <p:nvPr/>
-          </p:nvSpPr>
-          <p:spPr>
-            <a:xfrm>
-              <a:off x="9114503" y="2172296"/>
-              <a:ext cx="433495" cy="311704"/>
-            </a:xfrm>
-            <a:prstGeom prst="ellipse">
-              <a:avLst/>
-            </a:prstGeom>
-            <a:grpFill/>
-            <a:ln w="28575">
-              <a:solidFill>
-                <a:schemeClr val="accent6">
-                  <a:lumMod val="50000"/>
-                </a:schemeClr>
-              </a:solidFill>
-            </a:ln>
-          </p:spPr>
-          <p:style>
-            <a:lnRef idx="2">
-              <a:schemeClr val="accent1">
-                <a:shade val="50000"/>
-              </a:schemeClr>
-            </a:lnRef>
-            <a:fillRef idx="1">
-              <a:schemeClr val="accent1"/>
-            </a:fillRef>
-            <a:effectRef idx="0">
-              <a:schemeClr val="accent1"/>
-            </a:effectRef>
-            <a:fontRef idx="minor">
-              <a:schemeClr val="lt1"/>
-            </a:fontRef>
-          </p:style>
-          <p:txBody>
-            <a:bodyPr rtlCol="0" anchor="ctr"/>
-            <a:lstStyle/>
-            <a:p>
-              <a:pPr algn="ctr"/>
-              <a:endParaRPr lang="fr-FR"/>
-            </a:p>
-          </p:txBody>
-        </p:sp>
-        <p:sp>
-          <p:nvSpPr>
-            <p:cNvPr id="24" name="Ellipse 23">
-              <a:extLst>
-                <a:ext uri="{FF2B5EF4-FFF2-40B4-BE49-F238E27FC236}">
-                  <a16:creationId xmlns:a16="http://schemas.microsoft.com/office/drawing/2014/main" id="{353EF1AE-0024-47C6-8D19-5B5AA7FF8A20}"/>
-                </a:ext>
-              </a:extLst>
-            </p:cNvPr>
-            <p:cNvSpPr/>
-            <p:nvPr/>
-          </p:nvSpPr>
-          <p:spPr>
-            <a:xfrm>
-              <a:off x="3908323" y="2114573"/>
-              <a:ext cx="551482" cy="427151"/>
-            </a:xfrm>
-            <a:prstGeom prst="ellipse">
-              <a:avLst/>
-            </a:prstGeom>
-            <a:grpFill/>
-            <a:ln>
-              <a:solidFill>
-                <a:schemeClr val="accent6">
-                  <a:lumMod val="50000"/>
-                </a:schemeClr>
-              </a:solidFill>
-            </a:ln>
-          </p:spPr>
-          <p:style>
-            <a:lnRef idx="2">
-              <a:schemeClr val="accent1">
-                <a:shade val="50000"/>
-              </a:schemeClr>
-            </a:lnRef>
-            <a:fillRef idx="1">
-              <a:schemeClr val="accent1"/>
-            </a:fillRef>
-            <a:effectRef idx="0">
-              <a:schemeClr val="accent1"/>
-            </a:effectRef>
-            <a:fontRef idx="minor">
-              <a:schemeClr val="lt1"/>
-            </a:fontRef>
-          </p:style>
-          <p:txBody>
-            <a:bodyPr rtlCol="0" anchor="ctr"/>
-            <a:lstStyle/>
-            <a:p>
-              <a:pPr algn="ctr"/>
-              <a:r>
-                <a:rPr lang="fr-FR" sz="2800" b="1" dirty="0"/>
-                <a:t>2</a:t>
-              </a:r>
-            </a:p>
-          </p:txBody>
-        </p:sp>
-      </p:grpSp>
-      <p:grpSp>
-        <p:nvGrpSpPr>
-          <p:cNvPr id="25" name="Groupe 24">
-            <a:extLst>
-              <a:ext uri="{FF2B5EF4-FFF2-40B4-BE49-F238E27FC236}">
-                <a16:creationId xmlns:a16="http://schemas.microsoft.com/office/drawing/2014/main" id="{C2EC2BF9-4243-46D0-B0B6-BE3774ADE858}"/>
-              </a:ext>
-            </a:extLst>
-          </p:cNvPr>
-          <p:cNvGrpSpPr/>
-          <p:nvPr/>
-        </p:nvGrpSpPr>
-        <p:grpSpPr>
-          <a:xfrm>
-            <a:off x="4068591" y="4297268"/>
-            <a:ext cx="6574616" cy="427151"/>
-            <a:chOff x="2973382" y="2114573"/>
-            <a:chExt cx="6574616" cy="427151"/>
-          </a:xfrm>
-          <a:solidFill>
-            <a:schemeClr val="accent6">
-              <a:lumMod val="50000"/>
-            </a:schemeClr>
-          </a:solidFill>
-        </p:grpSpPr>
-        <p:cxnSp>
-          <p:nvCxnSpPr>
-            <p:cNvPr id="26" name="Connecteur droit 25">
-              <a:extLst>
-                <a:ext uri="{FF2B5EF4-FFF2-40B4-BE49-F238E27FC236}">
-                  <a16:creationId xmlns:a16="http://schemas.microsoft.com/office/drawing/2014/main" id="{B2CC0072-0033-4AD2-9F17-DF21ED69B84E}"/>
-                </a:ext>
-              </a:extLst>
-            </p:cNvPr>
-            <p:cNvCxnSpPr>
-              <a:cxnSpLocks/>
-            </p:cNvCxnSpPr>
-            <p:nvPr/>
-          </p:nvCxnSpPr>
-          <p:spPr>
-            <a:xfrm>
-              <a:off x="2973382" y="2328169"/>
-              <a:ext cx="6141121" cy="0"/>
-            </a:xfrm>
-            <a:prstGeom prst="line">
-              <a:avLst/>
-            </a:prstGeom>
-            <a:grpFill/>
-            <a:ln w="57150">
-              <a:solidFill>
-                <a:schemeClr val="accent6">
-                  <a:lumMod val="50000"/>
-                </a:schemeClr>
-              </a:solidFill>
-            </a:ln>
-          </p:spPr>
-          <p:style>
-            <a:lnRef idx="1">
-              <a:schemeClr val="accent1"/>
-            </a:lnRef>
-            <a:fillRef idx="0">
-              <a:schemeClr val="accent1"/>
-            </a:fillRef>
-            <a:effectRef idx="0">
-              <a:schemeClr val="accent1"/>
-            </a:effectRef>
-            <a:fontRef idx="minor">
-              <a:schemeClr val="tx1"/>
-            </a:fontRef>
-          </p:style>
-        </p:cxnSp>
-        <p:sp>
-          <p:nvSpPr>
-            <p:cNvPr id="27" name="Ellipse 26">
-              <a:extLst>
-                <a:ext uri="{FF2B5EF4-FFF2-40B4-BE49-F238E27FC236}">
-                  <a16:creationId xmlns:a16="http://schemas.microsoft.com/office/drawing/2014/main" id="{46AE0798-E7D3-43E1-860E-F2A14A0C7821}"/>
-                </a:ext>
-              </a:extLst>
-            </p:cNvPr>
-            <p:cNvSpPr/>
-            <p:nvPr/>
-          </p:nvSpPr>
-          <p:spPr>
-            <a:xfrm>
-              <a:off x="9114503" y="2172296"/>
-              <a:ext cx="433495" cy="311704"/>
-            </a:xfrm>
-            <a:prstGeom prst="ellipse">
-              <a:avLst/>
-            </a:prstGeom>
-            <a:grpFill/>
-            <a:ln w="28575">
-              <a:solidFill>
-                <a:schemeClr val="accent6">
-                  <a:lumMod val="50000"/>
-                </a:schemeClr>
-              </a:solidFill>
-            </a:ln>
-          </p:spPr>
-          <p:style>
-            <a:lnRef idx="2">
-              <a:schemeClr val="accent1">
-                <a:shade val="50000"/>
-              </a:schemeClr>
-            </a:lnRef>
-            <a:fillRef idx="1">
-              <a:schemeClr val="accent1"/>
-            </a:fillRef>
-            <a:effectRef idx="0">
-              <a:schemeClr val="accent1"/>
-            </a:effectRef>
-            <a:fontRef idx="minor">
-              <a:schemeClr val="lt1"/>
-            </a:fontRef>
-          </p:style>
-          <p:txBody>
-            <a:bodyPr rtlCol="0" anchor="ctr"/>
-            <a:lstStyle/>
-            <a:p>
-              <a:pPr algn="ctr"/>
-              <a:endParaRPr lang="fr-FR"/>
-            </a:p>
-          </p:txBody>
-        </p:sp>
-        <p:sp>
-          <p:nvSpPr>
-            <p:cNvPr id="28" name="Ellipse 27">
-              <a:extLst>
-                <a:ext uri="{FF2B5EF4-FFF2-40B4-BE49-F238E27FC236}">
-                  <a16:creationId xmlns:a16="http://schemas.microsoft.com/office/drawing/2014/main" id="{06BBF951-4DB6-4BF4-8FE1-69766CB55CAF}"/>
-                </a:ext>
-              </a:extLst>
-            </p:cNvPr>
-            <p:cNvSpPr/>
-            <p:nvPr/>
-          </p:nvSpPr>
-          <p:spPr>
-            <a:xfrm>
-              <a:off x="3908323" y="2114573"/>
-              <a:ext cx="551482" cy="427151"/>
-            </a:xfrm>
-            <a:prstGeom prst="ellipse">
-              <a:avLst/>
-            </a:prstGeom>
-            <a:grpFill/>
-            <a:ln>
-              <a:solidFill>
-                <a:schemeClr val="accent6">
-                  <a:lumMod val="50000"/>
-                </a:schemeClr>
-              </a:solidFill>
-            </a:ln>
-          </p:spPr>
-          <p:style>
-            <a:lnRef idx="2">
-              <a:schemeClr val="accent1">
-                <a:shade val="50000"/>
-              </a:schemeClr>
-            </a:lnRef>
-            <a:fillRef idx="1">
-              <a:schemeClr val="accent1"/>
-            </a:fillRef>
-            <a:effectRef idx="0">
-              <a:schemeClr val="accent1"/>
-            </a:effectRef>
-            <a:fontRef idx="minor">
-              <a:schemeClr val="lt1"/>
-            </a:fontRef>
-          </p:style>
-          <p:txBody>
-            <a:bodyPr rtlCol="0" anchor="ctr"/>
-            <a:lstStyle/>
-            <a:p>
-              <a:pPr algn="ctr"/>
-              <a:r>
-                <a:rPr lang="fr-FR" sz="2800" b="1" dirty="0"/>
-                <a:t>3</a:t>
-              </a:r>
-            </a:p>
-          </p:txBody>
-        </p:sp>
-      </p:grpSp>
-      <p:grpSp>
-        <p:nvGrpSpPr>
-          <p:cNvPr id="29" name="Groupe 28">
-            <a:extLst>
-              <a:ext uri="{FF2B5EF4-FFF2-40B4-BE49-F238E27FC236}">
-                <a16:creationId xmlns:a16="http://schemas.microsoft.com/office/drawing/2014/main" id="{211F1DB6-032E-4D53-AB25-7158DFC758DB}"/>
-              </a:ext>
-            </a:extLst>
-          </p:cNvPr>
-          <p:cNvGrpSpPr/>
-          <p:nvPr/>
-        </p:nvGrpSpPr>
-        <p:grpSpPr>
-          <a:xfrm>
-            <a:off x="2674060" y="5381246"/>
-            <a:ext cx="6574616" cy="427151"/>
-            <a:chOff x="2973382" y="2114573"/>
-            <a:chExt cx="6574616" cy="427151"/>
-          </a:xfrm>
-          <a:solidFill>
-            <a:schemeClr val="accent6">
-              <a:lumMod val="50000"/>
-            </a:schemeClr>
-          </a:solidFill>
-        </p:grpSpPr>
-        <p:cxnSp>
-          <p:nvCxnSpPr>
-            <p:cNvPr id="30" name="Connecteur droit 29">
-              <a:extLst>
-                <a:ext uri="{FF2B5EF4-FFF2-40B4-BE49-F238E27FC236}">
-                  <a16:creationId xmlns:a16="http://schemas.microsoft.com/office/drawing/2014/main" id="{6095B133-88B0-4467-906E-2D0F97C25DC6}"/>
-                </a:ext>
-              </a:extLst>
-            </p:cNvPr>
-            <p:cNvCxnSpPr>
-              <a:cxnSpLocks/>
-            </p:cNvCxnSpPr>
-            <p:nvPr/>
-          </p:nvCxnSpPr>
-          <p:spPr>
-            <a:xfrm>
-              <a:off x="2973382" y="2328169"/>
-              <a:ext cx="6141121" cy="0"/>
-            </a:xfrm>
-            <a:prstGeom prst="line">
-              <a:avLst/>
-            </a:prstGeom>
-            <a:grpFill/>
-            <a:ln w="57150">
-              <a:solidFill>
-                <a:schemeClr val="accent6">
-                  <a:lumMod val="50000"/>
-                </a:schemeClr>
-              </a:solidFill>
-            </a:ln>
-          </p:spPr>
-          <p:style>
-            <a:lnRef idx="1">
-              <a:schemeClr val="accent1"/>
-            </a:lnRef>
-            <a:fillRef idx="0">
-              <a:schemeClr val="accent1"/>
-            </a:fillRef>
-            <a:effectRef idx="0">
-              <a:schemeClr val="accent1"/>
-            </a:effectRef>
-            <a:fontRef idx="minor">
-              <a:schemeClr val="tx1"/>
-            </a:fontRef>
-          </p:style>
-        </p:cxnSp>
-        <p:sp>
-          <p:nvSpPr>
-            <p:cNvPr id="31" name="Ellipse 30">
-              <a:extLst>
-                <a:ext uri="{FF2B5EF4-FFF2-40B4-BE49-F238E27FC236}">
-                  <a16:creationId xmlns:a16="http://schemas.microsoft.com/office/drawing/2014/main" id="{2650EEBC-96AC-4896-9F5C-81C1A99E141D}"/>
-                </a:ext>
-              </a:extLst>
-            </p:cNvPr>
-            <p:cNvSpPr/>
-            <p:nvPr/>
-          </p:nvSpPr>
-          <p:spPr>
-            <a:xfrm>
-              <a:off x="9114503" y="2172296"/>
-              <a:ext cx="433495" cy="311704"/>
-            </a:xfrm>
-            <a:prstGeom prst="ellipse">
-              <a:avLst/>
-            </a:prstGeom>
-            <a:grpFill/>
-            <a:ln w="28575">
-              <a:solidFill>
-                <a:schemeClr val="accent6">
-                  <a:lumMod val="50000"/>
-                </a:schemeClr>
-              </a:solidFill>
-            </a:ln>
-          </p:spPr>
-          <p:style>
-            <a:lnRef idx="2">
-              <a:schemeClr val="accent1">
-                <a:shade val="50000"/>
-              </a:schemeClr>
-            </a:lnRef>
-            <a:fillRef idx="1">
-              <a:schemeClr val="accent1"/>
-            </a:fillRef>
-            <a:effectRef idx="0">
-              <a:schemeClr val="accent1"/>
-            </a:effectRef>
-            <a:fontRef idx="minor">
-              <a:schemeClr val="lt1"/>
-            </a:fontRef>
-          </p:style>
-          <p:txBody>
-            <a:bodyPr rtlCol="0" anchor="ctr"/>
-            <a:lstStyle/>
-            <a:p>
-              <a:pPr algn="ctr"/>
-              <a:endParaRPr lang="fr-FR"/>
-            </a:p>
-          </p:txBody>
-        </p:sp>
-        <p:sp>
-          <p:nvSpPr>
-            <p:cNvPr id="32" name="Ellipse 31">
-              <a:extLst>
-                <a:ext uri="{FF2B5EF4-FFF2-40B4-BE49-F238E27FC236}">
-                  <a16:creationId xmlns:a16="http://schemas.microsoft.com/office/drawing/2014/main" id="{23950303-F247-4268-90A2-76B39383BFCD}"/>
-                </a:ext>
-              </a:extLst>
-            </p:cNvPr>
-            <p:cNvSpPr/>
-            <p:nvPr/>
-          </p:nvSpPr>
-          <p:spPr>
-            <a:xfrm>
-              <a:off x="3908323" y="2114573"/>
-              <a:ext cx="551482" cy="427151"/>
-            </a:xfrm>
-            <a:prstGeom prst="ellipse">
-              <a:avLst/>
-            </a:prstGeom>
-            <a:grpFill/>
-            <a:ln>
-              <a:solidFill>
-                <a:schemeClr val="accent6">
-                  <a:lumMod val="50000"/>
-                </a:schemeClr>
-              </a:solidFill>
-            </a:ln>
-          </p:spPr>
-          <p:style>
-            <a:lnRef idx="2">
-              <a:schemeClr val="accent1">
-                <a:shade val="50000"/>
-              </a:schemeClr>
-            </a:lnRef>
-            <a:fillRef idx="1">
-              <a:schemeClr val="accent1"/>
-            </a:fillRef>
-            <a:effectRef idx="0">
-              <a:schemeClr val="accent1"/>
-            </a:effectRef>
-            <a:fontRef idx="minor">
-              <a:schemeClr val="lt1"/>
-            </a:fontRef>
-          </p:style>
-          <p:txBody>
-            <a:bodyPr rtlCol="0" anchor="ctr"/>
-            <a:lstStyle/>
-            <a:p>
-              <a:pPr algn="ctr"/>
-              <a:r>
-                <a:rPr lang="fr-FR" sz="2800" b="1" dirty="0"/>
-                <a:t>4</a:t>
-              </a:r>
-            </a:p>
-          </p:txBody>
-        </p:sp>
-      </p:grpSp>
-      <p:sp>
-        <p:nvSpPr>
-          <p:cNvPr id="33" name="Rectangle 32">
-            <a:extLst>
-              <a:ext uri="{FF2B5EF4-FFF2-40B4-BE49-F238E27FC236}">
-                <a16:creationId xmlns:a16="http://schemas.microsoft.com/office/drawing/2014/main" id="{537B9B45-426A-44DB-8674-47A85ADAFC77}"/>
-              </a:ext>
-            </a:extLst>
-          </p:cNvPr>
-          <p:cNvSpPr/>
-          <p:nvPr/>
-        </p:nvSpPr>
-        <p:spPr>
-          <a:xfrm>
-            <a:off x="5555014" y="2849982"/>
-            <a:ext cx="5598520" cy="523220"/>
+        </p:nvPicPr>
+        <p:blipFill>
+          <a:blip r:embed="rId2"/>
+          <a:stretch>
+            <a:fillRect/>
+          </a:stretch>
+        </p:blipFill>
+        <p:spPr>
+          <a:xfrm>
+            <a:off x="2060667" y="2442754"/>
+            <a:ext cx="6652260" cy="3551174"/>
           </a:xfrm>
           <a:prstGeom prst="rect">
             <a:avLst/>
           </a:prstGeom>
-          <a:noFill/>
-        </p:spPr>
-        <p:txBody>
-          <a:bodyPr wrap="square" rtlCol="0">
-            <a:spAutoFit/>
-          </a:bodyPr>
-          <a:lstStyle/>
-          <a:p>
-            <a:r>
-              <a:rPr lang="fr-FR" sz="2800" dirty="0" smtClean="0"/>
-              <a:t>Introduction sur les fonctions</a:t>
-            </a:r>
-            <a:endParaRPr lang="fr-FR" sz="2800" dirty="0"/>
-          </a:p>
-        </p:txBody>
-      </p:sp>
-      <p:sp>
-        <p:nvSpPr>
-          <p:cNvPr id="34" name="Rectangle 33">
-            <a:extLst>
-              <a:ext uri="{FF2B5EF4-FFF2-40B4-BE49-F238E27FC236}">
-                <a16:creationId xmlns:a16="http://schemas.microsoft.com/office/drawing/2014/main" id="{C45E39B8-B48D-4463-B93D-204A368E5933}"/>
-              </a:ext>
-            </a:extLst>
-          </p:cNvPr>
-          <p:cNvSpPr/>
-          <p:nvPr/>
-        </p:nvSpPr>
-        <p:spPr>
-          <a:xfrm>
-            <a:off x="5642452" y="4027393"/>
-            <a:ext cx="4312917" cy="523220"/>
-          </a:xfrm>
-          <a:prstGeom prst="rect">
-            <a:avLst/>
-          </a:prstGeom>
-          <a:noFill/>
-        </p:spPr>
-        <p:txBody>
-          <a:bodyPr wrap="square" rtlCol="0">
-            <a:spAutoFit/>
-          </a:bodyPr>
-          <a:lstStyle/>
-          <a:p>
-            <a:r>
-              <a:rPr lang="fr-FR" sz="2800" dirty="0" smtClean="0"/>
-              <a:t>Exemples de Fonctions</a:t>
-            </a:r>
-            <a:endParaRPr lang="fr-FR" sz="2800" dirty="0"/>
-          </a:p>
-        </p:txBody>
-      </p:sp>
-      <p:sp>
-        <p:nvSpPr>
-          <p:cNvPr id="35" name="Rectangle 34">
-            <a:extLst>
-              <a:ext uri="{FF2B5EF4-FFF2-40B4-BE49-F238E27FC236}">
-                <a16:creationId xmlns:a16="http://schemas.microsoft.com/office/drawing/2014/main" id="{D446110A-A22C-46B9-AC61-D014CC2B5E15}"/>
-              </a:ext>
-            </a:extLst>
-          </p:cNvPr>
-          <p:cNvSpPr/>
-          <p:nvPr/>
-        </p:nvSpPr>
-        <p:spPr>
-          <a:xfrm>
-            <a:off x="4459804" y="5138963"/>
-            <a:ext cx="4209901" cy="523220"/>
-          </a:xfrm>
-          <a:prstGeom prst="rect">
-            <a:avLst/>
-          </a:prstGeom>
-          <a:noFill/>
-        </p:spPr>
-        <p:txBody>
-          <a:bodyPr wrap="square" rtlCol="0">
-            <a:spAutoFit/>
-          </a:bodyPr>
-          <a:lstStyle/>
-          <a:p>
-            <a:r>
-              <a:rPr lang="fr-FR" sz="2800" dirty="0" smtClean="0"/>
-              <a:t>Résumons</a:t>
-            </a:r>
-            <a:endParaRPr lang="fr-FR" sz="2800" dirty="0"/>
-          </a:p>
-        </p:txBody>
-      </p:sp>
+        </p:spPr>
+      </p:pic>
     </p:spTree>
     <p:extLst>
       <p:ext uri="{BB962C8B-B14F-4D97-AF65-F5344CB8AC3E}">
-        <p14:creationId xmlns:p14="http://schemas.microsoft.com/office/powerpoint/2010/main" val="1035597218"/>
+        <p14:creationId xmlns:p14="http://schemas.microsoft.com/office/powerpoint/2010/main" val="2073210021"/>
       </p:ext>
     </p:extLst>
   </p:cSld>
@@ -10400,8 +9049,8 @@
         </p:nvSpPr>
         <p:spPr>
           <a:xfrm>
-            <a:off x="234020" y="1503266"/>
-            <a:ext cx="11979049" cy="830997"/>
+            <a:off x="441184" y="1479943"/>
+            <a:ext cx="11152156" cy="461665"/>
           </a:xfrm>
           <a:prstGeom prst="rect">
             <a:avLst/>
@@ -10414,6 +9063,7 @@
           </a:bodyPr>
           <a:lstStyle/>
           <a:p>
+            <a:pPr algn="ctr"/>
             <a:r>
               <a:rPr lang="fr-FR" sz="2400" b="0" cap="none" spc="0" dirty="0" smtClean="0">
                 <a:ln w="0"/>
@@ -10428,38 +9078,7 @@
                   </a:outerShdw>
                 </a:effectLst>
               </a:rPr>
-              <a:t>Commencez toujours votre par le signe = ou +, ensuite sans laisser d’espaces, placez un chiffre </a:t>
-            </a:r>
-          </a:p>
-          <a:p>
-            <a:r>
-              <a:rPr lang="fr-FR" sz="2400" b="0" cap="none" spc="0" dirty="0" smtClean="0">
-                <a:ln w="0"/>
-                <a:solidFill>
-                  <a:schemeClr val="tx1"/>
-                </a:solidFill>
-                <a:effectLst>
-                  <a:outerShdw blurRad="38100" dist="19050" dir="2700000" algn="tl" rotWithShape="0">
-                    <a:schemeClr val="dk1">
-                      <a:alpha val="40000"/>
-                    </a:schemeClr>
-                  </a:outerShdw>
-                </a:effectLst>
-              </a:rPr>
-              <a:t>suivi d’un autre chiffre, etc</a:t>
-            </a:r>
-            <a:r>
-              <a:rPr lang="fr-FR" sz="2400" dirty="0" smtClean="0">
-                <a:ln w="0"/>
-                <a:effectLst>
-                  <a:outerShdw blurRad="38100" dist="19050" dir="2700000" algn="tl" rotWithShape="0">
-                    <a:schemeClr val="dk1">
-                      <a:alpha val="40000"/>
-                    </a:schemeClr>
-                  </a:outerShdw>
-                </a:effectLst>
-              </a:rPr>
-              <a:t>. Ajoutez des () si cela s’avère nécessaire</a:t>
+              <a:t>Les calculs peuvent également être effectués à partir des données provenant de cellules.</a:t>
             </a:r>
             <a:endParaRPr lang="fr-FR" sz="2400" b="0" cap="none" spc="0" dirty="0">
               <a:ln w="0"/>
@@ -10479,7 +9098,7 @@
       </p:sp>
       <p:pic>
         <p:nvPicPr>
-          <p:cNvPr id="2" name="Image 1"/>
+          <p:cNvPr id="5" name="Image 4"/>
           <p:cNvPicPr>
             <a:picLocks noChangeAspect="1"/>
           </p:cNvPicPr>
@@ -10493,8 +9112,8 @@
         </p:blipFill>
         <p:spPr>
           <a:xfrm>
-            <a:off x="2060667" y="2442754"/>
-            <a:ext cx="6652260" cy="3551174"/>
+            <a:off x="1919416" y="2172441"/>
+            <a:ext cx="6378764" cy="4320434"/>
           </a:xfrm>
           <a:prstGeom prst="rect">
             <a:avLst/>
@@ -10504,7 +9123,7 @@
     </p:spTree>
     <p:extLst>
       <p:ext uri="{BB962C8B-B14F-4D97-AF65-F5344CB8AC3E}">
-        <p14:creationId xmlns:p14="http://schemas.microsoft.com/office/powerpoint/2010/main" val="2073210021"/>
+        <p14:creationId xmlns:p14="http://schemas.microsoft.com/office/powerpoint/2010/main" val="2437198308"/>
       </p:ext>
     </p:extLst>
   </p:cSld>
@@ -10592,7 +9211,7 @@
                   <a:schemeClr val="bg1"/>
                 </a:solidFill>
               </a:rPr>
-              <a:t>Structure des formules</a:t>
+              <a:t>Introduction sur les fonctions</a:t>
             </a:r>
             <a:endParaRPr lang="fr-FR" sz="4000" dirty="0">
               <a:solidFill>
@@ -10754,8 +9373,59 @@
         </p:nvSpPr>
         <p:spPr>
           <a:xfrm>
-            <a:off x="441184" y="1479943"/>
-            <a:ext cx="11152156" cy="461665"/>
+            <a:off x="3044739" y="1508134"/>
+            <a:ext cx="5916381" cy="523220"/>
+          </a:xfrm>
+          <a:prstGeom prst="rect">
+            <a:avLst/>
+          </a:prstGeom>
+          <a:noFill/>
+        </p:spPr>
+        <p:txBody>
+          <a:bodyPr wrap="square" lIns="91440" tIns="45720" rIns="91440" bIns="45720">
+            <a:spAutoFit/>
+          </a:bodyPr>
+          <a:lstStyle/>
+          <a:p>
+            <a:r>
+              <a:rPr lang="fr-FR" sz="2800" dirty="0" smtClean="0">
+                <a:ln w="0"/>
+                <a:effectLst>
+                  <a:outerShdw blurRad="38100" dist="19050" dir="2700000" algn="tl" rotWithShape="0">
+                    <a:schemeClr val="dk1">
+                      <a:alpha val="40000"/>
+                    </a:schemeClr>
+                  </a:outerShdw>
+                </a:effectLst>
+              </a:rPr>
+              <a:t>Structure générale d’une fonction</a:t>
+            </a:r>
+            <a:endParaRPr lang="fr-FR" sz="2800" b="0" cap="none" spc="0" dirty="0">
+              <a:ln w="0"/>
+              <a:solidFill>
+                <a:schemeClr val="tx1"/>
+              </a:solidFill>
+              <a:effectLst>
+                <a:outerShdw blurRad="38100" dist="19050" dir="2700000" algn="tl" rotWithShape="0">
+                  <a:schemeClr val="dk1">
+                    <a:alpha val="40000"/>
+                  </a:schemeClr>
+                </a:outerShdw>
+              </a:effectLst>
+            </a:endParaRPr>
+          </a:p>
+        </p:txBody>
+      </p:sp>
+      <p:sp>
+        <p:nvSpPr>
+          <p:cNvPr id="8" name="Rectangle 7"/>
+          <p:cNvSpPr/>
+          <p:nvPr/>
+        </p:nvSpPr>
+        <p:spPr>
+          <a:xfrm>
+            <a:off x="1370178" y="2521499"/>
+            <a:ext cx="7402860" cy="461665"/>
           </a:xfrm>
           <a:prstGeom prst="rect">
             <a:avLst/>
@@ -10783,7 +9453,7 @@
                   </a:outerShdw>
                 </a:effectLst>
               </a:rPr>
-              <a:t>Les calculs peuvent également être effectués à partir des données provenant de cellules.</a:t>
+              <a:t>=NOM_DE_LA_FONCTION(PARAMETRE1;PARAMETRE2;…)</a:t>
             </a:r>
             <a:endParaRPr lang="fr-FR" sz="2400" b="0" cap="none" spc="0" dirty="0">
               <a:ln w="0"/>
@@ -10801,34 +9471,218 @@
           </a:p>
         </p:txBody>
       </p:sp>
-      <p:pic>
-        <p:nvPicPr>
-          <p:cNvPr id="5" name="Image 4"/>
-          <p:cNvPicPr>
-            <a:picLocks noChangeAspect="1"/>
-          </p:cNvPicPr>
+      <p:sp>
+        <p:nvSpPr>
+          <p:cNvPr id="9" name="Rectangle 8"/>
+          <p:cNvSpPr/>
           <p:nvPr/>
-        </p:nvPicPr>
-        <p:blipFill>
-          <a:blip r:embed="rId2"/>
-          <a:stretch>
-            <a:fillRect/>
-          </a:stretch>
-        </p:blipFill>
-        <p:spPr>
-          <a:xfrm>
-            <a:off x="1919416" y="2172441"/>
-            <a:ext cx="6378764" cy="4320434"/>
+        </p:nvSpPr>
+        <p:spPr>
+          <a:xfrm>
+            <a:off x="2210360" y="3368889"/>
+            <a:ext cx="6551345" cy="523220"/>
           </a:xfrm>
           <a:prstGeom prst="rect">
             <a:avLst/>
           </a:prstGeom>
-        </p:spPr>
-      </p:pic>
+          <a:noFill/>
+        </p:spPr>
+        <p:txBody>
+          <a:bodyPr wrap="none" lIns="91440" tIns="45720" rIns="91440" bIns="45720">
+            <a:spAutoFit/>
+          </a:bodyPr>
+          <a:lstStyle/>
+          <a:p>
+            <a:pPr algn="ctr"/>
+            <a:r>
+              <a:rPr lang="fr-FR" sz="2800" dirty="0" smtClean="0">
+                <a:ln w="0"/>
+                <a:effectLst>
+                  <a:outerShdw blurRad="38100" dist="19050" dir="2700000" algn="tl" rotWithShape="0">
+                    <a:schemeClr val="dk1">
+                      <a:alpha val="40000"/>
+                    </a:schemeClr>
+                  </a:outerShdw>
+                </a:effectLst>
+              </a:rPr>
+              <a:t>Comment une fonction est-elle renseignée?</a:t>
+            </a:r>
+            <a:endParaRPr lang="fr-FR" sz="2800" b="0" cap="none" spc="0" dirty="0">
+              <a:ln w="0"/>
+              <a:solidFill>
+                <a:schemeClr val="tx1"/>
+              </a:solidFill>
+              <a:effectLst>
+                <a:outerShdw blurRad="38100" dist="19050" dir="2700000" algn="tl" rotWithShape="0">
+                  <a:schemeClr val="dk1">
+                    <a:alpha val="40000"/>
+                  </a:schemeClr>
+                </a:outerShdw>
+              </a:effectLst>
+            </a:endParaRPr>
+          </a:p>
+        </p:txBody>
+      </p:sp>
+      <p:sp>
+        <p:nvSpPr>
+          <p:cNvPr id="10" name="Rectangle 9"/>
+          <p:cNvSpPr/>
+          <p:nvPr/>
+        </p:nvSpPr>
+        <p:spPr>
+          <a:xfrm>
+            <a:off x="652749" y="4268991"/>
+            <a:ext cx="9666566" cy="830997"/>
+          </a:xfrm>
+          <a:prstGeom prst="rect">
+            <a:avLst/>
+          </a:prstGeom>
+          <a:noFill/>
+        </p:spPr>
+        <p:txBody>
+          <a:bodyPr wrap="square" lIns="91440" tIns="45720" rIns="91440" bIns="45720">
+            <a:spAutoFit/>
+          </a:bodyPr>
+          <a:lstStyle/>
+          <a:p>
+            <a:pPr marL="342900" indent="-342900">
+              <a:buFont typeface="Wingdings" panose="05000000000000000000" pitchFamily="2" charset="2"/>
+              <a:buChar char="Ø"/>
+            </a:pPr>
+            <a:r>
+              <a:rPr lang="fr-FR" sz="2400" dirty="0" smtClean="0">
+                <a:ln w="0"/>
+                <a:effectLst>
+                  <a:outerShdw blurRad="38100" dist="19050" dir="2700000" algn="tl" rotWithShape="0">
+                    <a:schemeClr val="dk1">
+                      <a:alpha val="40000"/>
+                    </a:schemeClr>
+                  </a:outerShdw>
+                </a:effectLst>
+              </a:rPr>
+              <a:t>L’entrée de la fonction directement dans la cellule en l’écrivant</a:t>
+            </a:r>
+          </a:p>
+          <a:p>
+            <a:r>
+              <a:rPr lang="fr-FR" sz="2400" dirty="0">
+                <a:ln w="0"/>
+                <a:effectLst>
+                  <a:outerShdw blurRad="38100" dist="19050" dir="2700000" algn="tl" rotWithShape="0">
+                    <a:schemeClr val="dk1">
+                      <a:alpha val="40000"/>
+                    </a:schemeClr>
+                  </a:outerShdw>
+                </a:effectLst>
+              </a:rPr>
+              <a:t>s</a:t>
+            </a:r>
+            <a:r>
+              <a:rPr lang="fr-FR" sz="2400" b="0" cap="none" spc="0" dirty="0" smtClean="0">
+                <a:ln w="0"/>
+                <a:solidFill>
+                  <a:schemeClr val="tx1"/>
+                </a:solidFill>
+                <a:effectLst>
+                  <a:outerShdw blurRad="38100" dist="19050" dir="2700000" algn="tl" rotWithShape="0">
+                    <a:schemeClr val="dk1">
+                      <a:alpha val="40000"/>
+                    </a:schemeClr>
+                  </a:outerShdw>
+                </a:effectLst>
+              </a:rPr>
+              <a:t>oit dans la cellule, soit dans la barre de formule</a:t>
+            </a:r>
+            <a:endParaRPr lang="fr-FR" sz="2400" b="0" cap="none" spc="0" dirty="0">
+              <a:ln w="0"/>
+              <a:solidFill>
+                <a:schemeClr val="tx1"/>
+              </a:solidFill>
+              <a:effectLst>
+                <a:outerShdw blurRad="38100" dist="19050" dir="2700000" algn="tl" rotWithShape="0">
+                  <a:schemeClr val="dk1">
+                    <a:alpha val="40000"/>
+                  </a:schemeClr>
+                </a:outerShdw>
+              </a:effectLst>
+            </a:endParaRPr>
+          </a:p>
+        </p:txBody>
+      </p:sp>
+      <p:sp>
+        <p:nvSpPr>
+          <p:cNvPr id="11" name="Rectangle 10"/>
+          <p:cNvSpPr/>
+          <p:nvPr/>
+        </p:nvSpPr>
+        <p:spPr>
+          <a:xfrm>
+            <a:off x="652749" y="5327403"/>
+            <a:ext cx="9097820" cy="830997"/>
+          </a:xfrm>
+          <a:prstGeom prst="rect">
+            <a:avLst/>
+          </a:prstGeom>
+          <a:noFill/>
+        </p:spPr>
+        <p:txBody>
+          <a:bodyPr wrap="square" lIns="91440" tIns="45720" rIns="91440" bIns="45720">
+            <a:spAutoFit/>
+          </a:bodyPr>
+          <a:lstStyle/>
+          <a:p>
+            <a:pPr marL="342900" indent="-342900">
+              <a:buFont typeface="Wingdings" panose="05000000000000000000" pitchFamily="2" charset="2"/>
+              <a:buChar char="Ø"/>
+            </a:pPr>
+            <a:r>
+              <a:rPr lang="fr-FR" sz="2400" dirty="0" smtClean="0">
+                <a:ln w="0"/>
+                <a:effectLst>
+                  <a:outerShdw blurRad="38100" dist="19050" dir="2700000" algn="tl" rotWithShape="0">
+                    <a:schemeClr val="dk1">
+                      <a:alpha val="40000"/>
+                    </a:schemeClr>
+                  </a:outerShdw>
+                </a:effectLst>
+              </a:rPr>
+              <a:t>Par le ruban, dans l’onglet « Formules » </a:t>
+            </a:r>
+          </a:p>
+          <a:p>
+            <a:r>
+              <a:rPr lang="fr-FR" sz="2400" dirty="0" smtClean="0">
+                <a:ln w="0"/>
+                <a:effectLst>
+                  <a:outerShdw blurRad="38100" dist="19050" dir="2700000" algn="tl" rotWithShape="0">
+                    <a:schemeClr val="dk1">
+                      <a:alpha val="40000"/>
+                    </a:schemeClr>
+                  </a:outerShdw>
+                </a:effectLst>
+              </a:rPr>
+              <a:t>et dans la rubrique « Bibliothèque de fonctions »</a:t>
+            </a:r>
+            <a:endParaRPr lang="fr-FR" sz="2400" b="0" cap="none" spc="0" dirty="0">
+              <a:ln w="0"/>
+              <a:solidFill>
+                <a:schemeClr val="tx1"/>
+              </a:solidFill>
+              <a:effectLst>
+                <a:outerShdw blurRad="38100" dist="19050" dir="2700000" algn="tl" rotWithShape="0">
+                  <a:schemeClr val="dk1">
+                    <a:alpha val="40000"/>
+                  </a:schemeClr>
+                </a:outerShdw>
+              </a:effectLst>
+            </a:endParaRPr>
+          </a:p>
+        </p:txBody>
+      </p:sp>
     </p:spTree>
     <p:extLst>
       <p:ext uri="{BB962C8B-B14F-4D97-AF65-F5344CB8AC3E}">
-        <p14:creationId xmlns:p14="http://schemas.microsoft.com/office/powerpoint/2010/main" val="2437198308"/>
+        <p14:creationId xmlns:p14="http://schemas.microsoft.com/office/powerpoint/2010/main" val="3771597024"/>
       </p:ext>
     </p:extLst>
   </p:cSld>
@@ -10916,7 +9770,7 @@
                   <a:schemeClr val="bg1"/>
                 </a:solidFill>
               </a:rPr>
-              <a:t>Introduction sur les fonctions</a:t>
+              <a:t>Fonctions Logiques</a:t>
             </a:r>
             <a:endParaRPr lang="fr-FR" sz="4000" dirty="0">
               <a:solidFill>
@@ -10983,8 +9837,8 @@
         </p:nvSpPr>
         <p:spPr>
           <a:xfrm>
-            <a:off x="0" y="6385815"/>
-            <a:ext cx="12192000" cy="472186"/>
+            <a:off x="0" y="6995795"/>
+            <a:ext cx="12192000" cy="525145"/>
           </a:xfrm>
           <a:prstGeom prst="rect">
             <a:avLst/>
@@ -11072,14 +9926,14 @@
       </p:sp>
       <p:sp>
         <p:nvSpPr>
-          <p:cNvPr id="7" name="Rectangle 6"/>
+          <p:cNvPr id="9" name="Rectangle 8"/>
           <p:cNvSpPr/>
           <p:nvPr/>
         </p:nvSpPr>
         <p:spPr>
           <a:xfrm>
-            <a:off x="3044739" y="1508134"/>
-            <a:ext cx="5916381" cy="523220"/>
+            <a:off x="391332" y="2957028"/>
+            <a:ext cx="11494735" cy="830997"/>
           </a:xfrm>
           <a:prstGeom prst="rect">
             <a:avLst/>
@@ -11093,7 +9947,7 @@
           <a:lstStyle/>
           <a:p>
             <a:r>
-              <a:rPr lang="fr-FR" sz="2800" dirty="0" smtClean="0">
+              <a:rPr lang="fr-FR" sz="2400" dirty="0">
                 <a:ln w="0"/>
                 <a:effectLst>
                   <a:outerShdw blurRad="38100" dist="19050" dir="2700000" algn="tl" rotWithShape="0">
@@ -11103,62 +9957,7 @@
                   </a:outerShdw>
                 </a:effectLst>
               </a:rPr>
-              <a:t>Structure générale d’une fonction</a:t>
-            </a:r>
-            <a:endParaRPr lang="fr-FR" sz="2800" b="0" cap="none" spc="0" dirty="0">
-              <a:ln w="0"/>
-              <a:solidFill>
-                <a:schemeClr val="tx1"/>
-              </a:solidFill>
-              <a:effectLst>
-                <a:outerShdw blurRad="38100" dist="19050" dir="2700000" algn="tl" rotWithShape="0">
-                  <a:schemeClr val="dk1">
-                    <a:alpha val="40000"/>
-                  </a:schemeClr>
-                </a:outerShdw>
-              </a:effectLst>
-            </a:endParaRPr>
-          </a:p>
-        </p:txBody>
-      </p:sp>
-      <p:sp>
-        <p:nvSpPr>
-          <p:cNvPr id="8" name="Rectangle 7"/>
-          <p:cNvSpPr/>
-          <p:nvPr/>
-        </p:nvSpPr>
-        <p:spPr>
-          <a:xfrm>
-            <a:off x="1370178" y="2521499"/>
-            <a:ext cx="7402860" cy="461665"/>
-          </a:xfrm>
-          <a:prstGeom prst="rect">
-            <a:avLst/>
-          </a:prstGeom>
-          <a:noFill/>
-        </p:spPr>
-        <p:txBody>
-          <a:bodyPr wrap="none" lIns="91440" tIns="45720" rIns="91440" bIns="45720">
-            <a:spAutoFit/>
-          </a:bodyPr>
-          <a:lstStyle/>
-          <a:p>
-            <a:pPr algn="ctr"/>
-            <a:r>
-              <a:rPr lang="fr-FR" sz="2400" b="0" cap="none" spc="0" dirty="0" smtClean="0">
-                <a:ln w="0"/>
-                <a:solidFill>
-                  <a:schemeClr val="tx1"/>
-                </a:solidFill>
-                <a:effectLst>
-                  <a:outerShdw blurRad="38100" dist="19050" dir="2700000" algn="tl" rotWithShape="0">
-                    <a:schemeClr val="dk1">
-                      <a:alpha val="40000"/>
-                    </a:schemeClr>
-                  </a:outerShdw>
-                </a:effectLst>
-              </a:rPr>
-              <a:t>=NOM_DE_LA_FONCTION(PARAMETRE1;PARAMETRE2;…)</a:t>
+              <a:t>La fonction SI() permet d’afficher un résultat différent en fonction du contenu d’une autre cellule.</a:t>
             </a:r>
             <a:endParaRPr lang="fr-FR" sz="2400" b="0" cap="none" spc="0" dirty="0">
               <a:ln w="0"/>
@@ -11178,14 +9977,14 @@
       </p:sp>
       <p:sp>
         <p:nvSpPr>
-          <p:cNvPr id="9" name="Rectangle 8"/>
-          <p:cNvSpPr/>
+          <p:cNvPr id="2" name="ZoneTexte 1"/>
+          <p:cNvSpPr txBox="1"/>
           <p:nvPr/>
         </p:nvSpPr>
         <p:spPr>
           <a:xfrm>
-            <a:off x="2210360" y="3368889"/>
-            <a:ext cx="6551345" cy="523220"/>
+            <a:off x="496389" y="1304559"/>
+            <a:ext cx="10661933" cy="1200329"/>
           </a:xfrm>
           <a:prstGeom prst="rect">
             <a:avLst/>
@@ -11193,51 +9992,28 @@
           <a:noFill/>
         </p:spPr>
         <p:txBody>
-          <a:bodyPr wrap="none" lIns="91440" tIns="45720" rIns="91440" bIns="45720">
+          <a:bodyPr wrap="square" rtlCol="0">
             <a:spAutoFit/>
           </a:bodyPr>
           <a:lstStyle/>
           <a:p>
-            <a:pPr algn="ctr"/>
-            <a:r>
-              <a:rPr lang="fr-FR" sz="2800" dirty="0" smtClean="0">
-                <a:ln w="0"/>
-                <a:effectLst>
-                  <a:outerShdw blurRad="38100" dist="19050" dir="2700000" algn="tl" rotWithShape="0">
-                    <a:schemeClr val="dk1">
-                      <a:alpha val="40000"/>
-                    </a:schemeClr>
-                  </a:outerShdw>
-                </a:effectLst>
-              </a:rPr>
-              <a:t>Comment une fonction est-elle renseignée?</a:t>
-            </a:r>
-            <a:endParaRPr lang="fr-FR" sz="2800" b="0" cap="none" spc="0" dirty="0">
-              <a:ln w="0"/>
-              <a:solidFill>
-                <a:schemeClr val="tx1"/>
-              </a:solidFill>
-              <a:effectLst>
-                <a:outerShdw blurRad="38100" dist="19050" dir="2700000" algn="tl" rotWithShape="0">
-                  <a:schemeClr val="dk1">
-                    <a:alpha val="40000"/>
-                  </a:schemeClr>
-                </a:outerShdw>
-              </a:effectLst>
-            </a:endParaRPr>
-          </a:p>
-        </p:txBody>
-      </p:sp>
-      <p:sp>
-        <p:nvSpPr>
-          <p:cNvPr id="10" name="Rectangle 9"/>
-          <p:cNvSpPr/>
+            <a:r>
+              <a:rPr lang="fr-FR" sz="2400" dirty="0"/>
+              <a:t>Les fonctions logiques servent à tester des conditions spécifiques. Ces fonctions sont souvent appelées opérateurs logiques. Les opérateurs logiques servent à déterminer si la condition est  VRAIE ou FAUSSE</a:t>
+            </a:r>
+          </a:p>
+        </p:txBody>
+      </p:sp>
+      <p:sp>
+        <p:nvSpPr>
+          <p:cNvPr id="5" name="ZoneTexte 4"/>
+          <p:cNvSpPr txBox="1"/>
           <p:nvPr/>
         </p:nvSpPr>
         <p:spPr>
           <a:xfrm>
-            <a:off x="652749" y="4268991"/>
-            <a:ext cx="9666566" cy="830997"/>
+            <a:off x="496389" y="4408733"/>
+            <a:ext cx="10384971" cy="1815882"/>
           </a:xfrm>
           <a:prstGeom prst="rect">
             <a:avLst/>
@@ -11245,149 +10021,28 @@
           <a:noFill/>
         </p:spPr>
         <p:txBody>
-          <a:bodyPr wrap="square" lIns="91440" tIns="45720" rIns="91440" bIns="45720">
+          <a:bodyPr wrap="square" rtlCol="0">
             <a:spAutoFit/>
           </a:bodyPr>
           <a:lstStyle/>
           <a:p>
-            <a:pPr marL="342900" indent="-342900">
-              <a:buFont typeface="Wingdings" panose="05000000000000000000" pitchFamily="2" charset="2"/>
-              <a:buChar char="Ø"/>
-            </a:pPr>
-            <a:r>
-              <a:rPr lang="fr-FR" sz="2400" dirty="0" smtClean="0">
-                <a:ln w="0"/>
-                <a:effectLst>
-                  <a:outerShdw blurRad="38100" dist="19050" dir="2700000" algn="tl" rotWithShape="0">
-                    <a:schemeClr val="dk1">
-                      <a:alpha val="40000"/>
-                    </a:schemeClr>
-                  </a:outerShdw>
-                </a:effectLst>
-              </a:rPr>
-              <a:t>L’entrée de la fonction directement dans la cellule en l’écrivant</a:t>
-            </a:r>
-          </a:p>
-          <a:p>
-            <a:r>
-              <a:rPr lang="fr-FR" sz="2400" dirty="0">
-                <a:ln w="0"/>
-                <a:effectLst>
-                  <a:outerShdw blurRad="38100" dist="19050" dir="2700000" algn="tl" rotWithShape="0">
-                    <a:schemeClr val="dk1">
-                      <a:alpha val="40000"/>
-                    </a:schemeClr>
-                  </a:outerShdw>
-                </a:effectLst>
-              </a:rPr>
-              <a:t>s</a:t>
-            </a:r>
-            <a:r>
-              <a:rPr lang="fr-FR" sz="2400" b="0" cap="none" spc="0" dirty="0" smtClean="0">
-                <a:ln w="0"/>
-                <a:solidFill>
-                  <a:schemeClr val="tx1"/>
-                </a:solidFill>
-                <a:effectLst>
-                  <a:outerShdw blurRad="38100" dist="19050" dir="2700000" algn="tl" rotWithShape="0">
-                    <a:schemeClr val="dk1">
-                      <a:alpha val="40000"/>
-                    </a:schemeClr>
-                  </a:outerShdw>
-                </a:effectLst>
-              </a:rPr>
-              <a:t>oit dans la cellule, soit dans la barre de formule</a:t>
-            </a:r>
-            <a:endParaRPr lang="fr-FR" sz="2400" b="0" cap="none" spc="0" dirty="0">
-              <a:ln w="0"/>
-              <a:solidFill>
-                <a:schemeClr val="tx1"/>
-              </a:solidFill>
-              <a:effectLst>
-                <a:outerShdw blurRad="38100" dist="19050" dir="2700000" algn="tl" rotWithShape="0">
-                  <a:schemeClr val="dk1">
-                    <a:alpha val="40000"/>
-                  </a:schemeClr>
-                </a:outerShdw>
-              </a:effectLst>
-            </a:endParaRPr>
-          </a:p>
-        </p:txBody>
-      </p:sp>
-      <p:sp>
-        <p:nvSpPr>
-          <p:cNvPr id="11" name="Rectangle 10"/>
-          <p:cNvSpPr/>
-          <p:nvPr/>
-        </p:nvSpPr>
-        <p:spPr>
-          <a:xfrm>
-            <a:off x="652749" y="5327403"/>
-            <a:ext cx="9097820" cy="830997"/>
-          </a:xfrm>
-          <a:prstGeom prst="rect">
-            <a:avLst/>
-          </a:prstGeom>
-          <a:noFill/>
-        </p:spPr>
-        <p:txBody>
-          <a:bodyPr wrap="square" lIns="91440" tIns="45720" rIns="91440" bIns="45720">
-            <a:spAutoFit/>
-          </a:bodyPr>
-          <a:lstStyle/>
-          <a:p>
-            <a:pPr marL="342900" indent="-342900">
-              <a:buFont typeface="Wingdings" panose="05000000000000000000" pitchFamily="2" charset="2"/>
-              <a:buChar char="Ø"/>
-            </a:pPr>
-            <a:r>
-              <a:rPr lang="fr-FR" sz="2400" dirty="0" smtClean="0">
-                <a:ln w="0"/>
-                <a:effectLst>
-                  <a:outerShdw blurRad="38100" dist="19050" dir="2700000" algn="tl" rotWithShape="0">
-                    <a:schemeClr val="dk1">
-                      <a:alpha val="40000"/>
-                    </a:schemeClr>
-                  </a:outerShdw>
-                </a:effectLst>
-              </a:rPr>
-              <a:t>Par le ruban, dans l’onglet « Formules » </a:t>
-            </a:r>
-          </a:p>
-          <a:p>
-            <a:r>
-              <a:rPr lang="fr-FR" sz="2400" dirty="0" smtClean="0">
-                <a:ln w="0"/>
-                <a:effectLst>
-                  <a:outerShdw blurRad="38100" dist="19050" dir="2700000" algn="tl" rotWithShape="0">
-                    <a:schemeClr val="dk1">
-                      <a:alpha val="40000"/>
-                    </a:schemeClr>
-                  </a:outerShdw>
-                </a:effectLst>
-              </a:rPr>
-              <a:t>et dans la rubrique « Bibliothèque de fonctions »</a:t>
-            </a:r>
-            <a:endParaRPr lang="fr-FR" sz="2400" b="0" cap="none" spc="0" dirty="0">
-              <a:ln w="0"/>
-              <a:solidFill>
-                <a:schemeClr val="tx1"/>
-              </a:solidFill>
-              <a:effectLst>
-                <a:outerShdw blurRad="38100" dist="19050" dir="2700000" algn="tl" rotWithShape="0">
-                  <a:schemeClr val="dk1">
-                    <a:alpha val="40000"/>
-                  </a:schemeClr>
-                </a:outerShdw>
-              </a:effectLst>
-            </a:endParaRPr>
+            <a:r>
+              <a:rPr lang="fr-FR" sz="2800" dirty="0"/>
+              <a:t>La syntaxe utilisée est la suivante : =SI(condition à évaluer ; valeur de la cellule si la condition est vraie ; valeur si la condition est fausse)</a:t>
+            </a:r>
+          </a:p>
+          <a:p>
+            <a:r>
+              <a:rPr lang="fr-FR" sz="2800" dirty="0"/>
+              <a:t>Le résultat de la formule peut être une valeur numérique, une formule de calcul ou du texte.</a:t>
+            </a:r>
           </a:p>
         </p:txBody>
       </p:sp>
     </p:spTree>
     <p:extLst>
       <p:ext uri="{BB962C8B-B14F-4D97-AF65-F5344CB8AC3E}">
-        <p14:creationId xmlns:p14="http://schemas.microsoft.com/office/powerpoint/2010/main" val="3771597024"/>
+        <p14:creationId xmlns:p14="http://schemas.microsoft.com/office/powerpoint/2010/main" val="3715760350"/>
       </p:ext>
     </p:extLst>
   </p:cSld>
@@ -11637,8 +10292,8 @@
         </p:nvSpPr>
         <p:spPr>
           <a:xfrm>
-            <a:off x="391332" y="2957028"/>
-            <a:ext cx="11494735" cy="830997"/>
+            <a:off x="533623" y="2394981"/>
+            <a:ext cx="11494735" cy="461665"/>
           </a:xfrm>
           <a:prstGeom prst="rect">
             <a:avLst/>
@@ -11662,7 +10317,7 @@
                   </a:outerShdw>
                 </a:effectLst>
               </a:rPr>
-              <a:t>La fonction SI() permet d’afficher un résultat différent en fonction du contenu d’une autre cellule.</a:t>
+              <a:t>SI imbriqués</a:t>
             </a:r>
             <a:endParaRPr lang="fr-FR" sz="2400" b="0" cap="none" spc="0" dirty="0">
               <a:ln w="0"/>
@@ -11689,7 +10344,7 @@
         <p:spPr>
           <a:xfrm>
             <a:off x="496389" y="1304559"/>
-            <a:ext cx="10661933" cy="1200329"/>
+            <a:ext cx="10661933" cy="461665"/>
           </a:xfrm>
           <a:prstGeom prst="rect">
             <a:avLst/>
@@ -11703,8 +10358,12 @@
           <a:lstStyle/>
           <a:p>
             <a:r>
+              <a:rPr lang="fr-FR" sz="2400" dirty="0" smtClean="0"/>
+              <a:t>Exemple : Si </a:t>
+            </a:r>
+            <a:r>
               <a:rPr lang="fr-FR" sz="2400" dirty="0"/>
-              <a:t>Les fonctions logiques servent à tester des conditions spécifiques. Ces fonctions sont souvent appelées opérateurs logiques. Les opérateurs logiques servent à déterminer si la condition est  VRAIE ou FAUSSE</a:t>
+              <a:t>l’élève a 18 ans ou plus, alors il est majeur, sinon il est mineur.</a:t>
             </a:r>
           </a:p>
         </p:txBody>
@@ -11717,8 +10376,8 @@
         </p:nvSpPr>
         <p:spPr>
           <a:xfrm>
-            <a:off x="496389" y="4408733"/>
-            <a:ext cx="10384971" cy="1815882"/>
+            <a:off x="496389" y="3326157"/>
+            <a:ext cx="10384971" cy="523220"/>
           </a:xfrm>
           <a:prstGeom prst="rect">
             <a:avLst/>
@@ -11733,13 +10392,48 @@
           <a:p>
             <a:r>
               <a:rPr lang="fr-FR" sz="2800" dirty="0"/>
-              <a:t>La syntaxe utilisée est la suivante : =SI(condition à évaluer ; valeur de la cellule si la condition est vraie ; valeur si la condition est fausse)</a:t>
-            </a:r>
-          </a:p>
-          <a:p>
-            <a:r>
-              <a:rPr lang="fr-FR" sz="2800" dirty="0"/>
-              <a:t>Le résultat de la formule peut être une valeur numérique, une formule de calcul ou du texte.</a:t>
+              <a:t>=ET() et =OU()</a:t>
+            </a:r>
+          </a:p>
+        </p:txBody>
+      </p:sp>
+      <p:sp>
+        <p:nvSpPr>
+          <p:cNvPr id="6" name="ZoneTexte 5"/>
+          <p:cNvSpPr txBox="1"/>
+          <p:nvPr/>
+        </p:nvSpPr>
+        <p:spPr>
+          <a:xfrm>
+            <a:off x="533623" y="4101737"/>
+            <a:ext cx="10624699" cy="1569660"/>
+          </a:xfrm>
+          <a:prstGeom prst="rect">
+            <a:avLst/>
+          </a:prstGeom>
+          <a:noFill/>
+        </p:spPr>
+        <p:txBody>
+          <a:bodyPr wrap="square" rtlCol="0">
+            <a:spAutoFit/>
+          </a:bodyPr>
+          <a:lstStyle/>
+          <a:p>
+            <a:r>
+              <a:rPr lang="fr-FR" sz="2400" dirty="0"/>
+              <a:t>=ET(condition1;condition2;condition3 ...)</a:t>
+            </a:r>
+          </a:p>
+          <a:p>
+            <a:r>
+              <a:rPr lang="fr-FR" sz="2400" dirty="0"/>
+              <a:t>Il faut au moins deux conditions. Mais vous pouvez en ajouter d'autres.</a:t>
+            </a:r>
+          </a:p>
+          <a:p>
+            <a:r>
+              <a:rPr lang="fr-FR" sz="2400" dirty="0"/>
+              <a:t>Toutes les conditions doivent être remplies pour que la fonction affiche VRAI. Sinon, elle affichera FAUX.</a:t>
             </a:r>
           </a:p>
         </p:txBody>
@@ -11747,7 +10441,7 @@
     </p:spTree>
     <p:extLst>
       <p:ext uri="{BB962C8B-B14F-4D97-AF65-F5344CB8AC3E}">
-        <p14:creationId xmlns:p14="http://schemas.microsoft.com/office/powerpoint/2010/main" val="3715760350"/>
+        <p14:creationId xmlns:p14="http://schemas.microsoft.com/office/powerpoint/2010/main" val="2670209602"/>
       </p:ext>
     </p:extLst>
   </p:cSld>
@@ -11991,14 +10685,14 @@
       </p:sp>
       <p:sp>
         <p:nvSpPr>
-          <p:cNvPr id="9" name="Rectangle 8"/>
-          <p:cNvSpPr/>
+          <p:cNvPr id="2" name="ZoneTexte 1"/>
+          <p:cNvSpPr txBox="1"/>
           <p:nvPr/>
         </p:nvSpPr>
         <p:spPr>
           <a:xfrm>
-            <a:off x="533623" y="2394981"/>
-            <a:ext cx="11494735" cy="461665"/>
+            <a:off x="533623" y="1467896"/>
+            <a:ext cx="10661933" cy="1569660"/>
           </a:xfrm>
           <a:prstGeom prst="rect">
             <a:avLst/>
@@ -12006,139 +10700,32 @@
           <a:noFill/>
         </p:spPr>
         <p:txBody>
-          <a:bodyPr wrap="square" lIns="91440" tIns="45720" rIns="91440" bIns="45720">
-            <a:spAutoFit/>
-          </a:bodyPr>
-          <a:lstStyle/>
-          <a:p>
-            <a:r>
-              <a:rPr lang="fr-FR" sz="2400" dirty="0">
-                <a:ln w="0"/>
-                <a:effectLst>
-                  <a:outerShdw blurRad="38100" dist="19050" dir="2700000" algn="tl" rotWithShape="0">
-                    <a:schemeClr val="dk1">
-                      <a:alpha val="40000"/>
-                    </a:schemeClr>
-                  </a:outerShdw>
-                </a:effectLst>
-              </a:rPr>
-              <a:t>SI imbriqués</a:t>
-            </a:r>
-            <a:endParaRPr lang="fr-FR" sz="2400" b="0" cap="none" spc="0" dirty="0">
-              <a:ln w="0"/>
-              <a:solidFill>
-                <a:schemeClr val="tx1"/>
-              </a:solidFill>
-              <a:effectLst>
-                <a:outerShdw blurRad="38100" dist="19050" dir="2700000" algn="tl" rotWithShape="0">
-                  <a:schemeClr val="dk1">
-                    <a:alpha val="40000"/>
-                  </a:schemeClr>
-                </a:outerShdw>
-              </a:effectLst>
-            </a:endParaRPr>
-          </a:p>
-        </p:txBody>
-      </p:sp>
-      <p:sp>
-        <p:nvSpPr>
-          <p:cNvPr id="2" name="ZoneTexte 1"/>
-          <p:cNvSpPr txBox="1"/>
-          <p:nvPr/>
-        </p:nvSpPr>
-        <p:spPr>
-          <a:xfrm>
-            <a:off x="496389" y="1304559"/>
-            <a:ext cx="10661933" cy="461665"/>
-          </a:xfrm>
-          <a:prstGeom prst="rect">
-            <a:avLst/>
-          </a:prstGeom>
-          <a:noFill/>
-        </p:spPr>
-        <p:txBody>
           <a:bodyPr wrap="square" rtlCol="0">
             <a:spAutoFit/>
           </a:bodyPr>
           <a:lstStyle/>
           <a:p>
             <a:r>
-              <a:rPr lang="fr-FR" sz="2400" dirty="0" smtClean="0"/>
-              <a:t>Exemple : Si </a:t>
-            </a:r>
-            <a:r>
               <a:rPr lang="fr-FR" sz="2400" dirty="0"/>
-              <a:t>l’élève a 18 ans ou plus, alors il est majeur, sinon il est mineur.</a:t>
-            </a:r>
-          </a:p>
-        </p:txBody>
-      </p:sp>
-      <p:sp>
-        <p:nvSpPr>
-          <p:cNvPr id="5" name="ZoneTexte 4"/>
-          <p:cNvSpPr txBox="1"/>
-          <p:nvPr/>
-        </p:nvSpPr>
-        <p:spPr>
-          <a:xfrm>
-            <a:off x="496389" y="3326157"/>
-            <a:ext cx="10384971" cy="523220"/>
-          </a:xfrm>
-          <a:prstGeom prst="rect">
-            <a:avLst/>
-          </a:prstGeom>
-          <a:noFill/>
-        </p:spPr>
-        <p:txBody>
-          <a:bodyPr wrap="square" rtlCol="0">
-            <a:spAutoFit/>
-          </a:bodyPr>
-          <a:lstStyle/>
-          <a:p>
-            <a:r>
-              <a:rPr lang="fr-FR" sz="2800" dirty="0"/>
-              <a:t>=ET() et =OU()</a:t>
-            </a:r>
-          </a:p>
-        </p:txBody>
-      </p:sp>
-      <p:sp>
-        <p:nvSpPr>
-          <p:cNvPr id="6" name="ZoneTexte 5"/>
-          <p:cNvSpPr txBox="1"/>
-          <p:nvPr/>
-        </p:nvSpPr>
-        <p:spPr>
-          <a:xfrm>
-            <a:off x="533623" y="4101737"/>
-            <a:ext cx="10624699" cy="1569660"/>
-          </a:xfrm>
-          <a:prstGeom prst="rect">
-            <a:avLst/>
-          </a:prstGeom>
-          <a:noFill/>
-        </p:spPr>
-        <p:txBody>
-          <a:bodyPr wrap="square" rtlCol="0">
-            <a:spAutoFit/>
-          </a:bodyPr>
-          <a:lstStyle/>
+              <a:t>=OU(condition1;condition2; condition3 ...)</a:t>
+            </a:r>
+          </a:p>
           <a:p>
             <a:r>
               <a:rPr lang="fr-FR" sz="2400" dirty="0"/>
-              <a:t>=ET(condition1;condition2;condition3 ...)</a:t>
+              <a:t>Il faut au moins deux conditions. Vous pouvez en ajouter d'autres.</a:t>
             </a:r>
           </a:p>
           <a:p>
             <a:r>
               <a:rPr lang="fr-FR" sz="2400" dirty="0"/>
-              <a:t>Il faut au moins deux conditions. Mais vous pouvez en ajouter d'autres.</a:t>
+              <a:t>L'une des conditions doit être remplie pour que la fonction affiche VRAI.</a:t>
             </a:r>
           </a:p>
           <a:p>
             <a:r>
               <a:rPr lang="fr-FR" sz="2400" dirty="0"/>
-              <a:t>Toutes les conditions doivent être remplies pour que la fonction affiche VRAI. Sinon, elle affichera FAUX.</a:t>
+              <a:t>Si aucune des conditions n'est remplie, elle affichera FAUX.</a:t>
             </a:r>
           </a:p>
         </p:txBody>
@@ -12146,7 +10733,7 @@
     </p:spTree>
     <p:extLst>
       <p:ext uri="{BB962C8B-B14F-4D97-AF65-F5344CB8AC3E}">
-        <p14:creationId xmlns:p14="http://schemas.microsoft.com/office/powerpoint/2010/main" val="2670209602"/>
+        <p14:creationId xmlns:p14="http://schemas.microsoft.com/office/powerpoint/2010/main" val="2111570494"/>
       </p:ext>
     </p:extLst>
   </p:cSld>
@@ -12234,7 +10821,7 @@
                   <a:schemeClr val="bg1"/>
                 </a:solidFill>
               </a:rPr>
-              <a:t>Fonctions Logiques</a:t>
+              <a:t>Fonctions Textes</a:t>
             </a:r>
             <a:endParaRPr lang="fr-FR" sz="4000" dirty="0">
               <a:solidFill>
@@ -12397,7 +10984,7 @@
         <p:spPr>
           <a:xfrm>
             <a:off x="533623" y="1467896"/>
-            <a:ext cx="10661933" cy="1569660"/>
+            <a:ext cx="10661933" cy="954107"/>
           </a:xfrm>
           <a:prstGeom prst="rect">
             <a:avLst/>
@@ -12411,26 +10998,145 @@
           <a:lstStyle/>
           <a:p>
             <a:r>
+              <a:rPr lang="fr-FR" sz="2800" dirty="0"/>
+              <a:t>Les fonctions de la catégorie TEXTE vous permettent de manipuler des chaînes de caractères: suppression, ajout, déplacement, comptage...</a:t>
+            </a:r>
+          </a:p>
+        </p:txBody>
+      </p:sp>
+      <p:sp>
+        <p:nvSpPr>
+          <p:cNvPr id="7" name="Rectangle 6"/>
+          <p:cNvSpPr/>
+          <p:nvPr/>
+        </p:nvSpPr>
+        <p:spPr>
+          <a:xfrm>
+            <a:off x="451367" y="2763898"/>
+            <a:ext cx="11740633" cy="830997"/>
+          </a:xfrm>
+          <a:prstGeom prst="rect">
+            <a:avLst/>
+          </a:prstGeom>
+          <a:noFill/>
+        </p:spPr>
+        <p:txBody>
+          <a:bodyPr wrap="square" lIns="91440" tIns="45720" rIns="91440" bIns="45720">
+            <a:spAutoFit/>
+          </a:bodyPr>
+          <a:lstStyle/>
+          <a:p>
+            <a:r>
+              <a:rPr lang="fr-FR" sz="2400" dirty="0" smtClean="0">
+                <a:ln w="0"/>
+                <a:effectLst>
+                  <a:outerShdw blurRad="38100" dist="19050" dir="2700000" algn="tl" rotWithShape="0">
+                    <a:schemeClr val="dk1">
+                      <a:alpha val="40000"/>
+                    </a:schemeClr>
+                  </a:outerShdw>
+                </a:effectLst>
+              </a:rPr>
+              <a:t>=CONCATENER(): Elle permet de mettre bout à bout des chaînes de caractère (du texte) pour n’en former une.</a:t>
+            </a:r>
+          </a:p>
+        </p:txBody>
+      </p:sp>
+      <p:sp>
+        <p:nvSpPr>
+          <p:cNvPr id="8" name="Rectangle 7"/>
+          <p:cNvSpPr/>
+          <p:nvPr/>
+        </p:nvSpPr>
+        <p:spPr>
+          <a:xfrm>
+            <a:off x="0" y="4212887"/>
+            <a:ext cx="11722376" cy="830997"/>
+          </a:xfrm>
+          <a:prstGeom prst="rect">
+            <a:avLst/>
+          </a:prstGeom>
+          <a:noFill/>
+        </p:spPr>
+        <p:txBody>
+          <a:bodyPr wrap="none" lIns="91440" tIns="45720" rIns="91440" bIns="45720">
+            <a:spAutoFit/>
+          </a:bodyPr>
+          <a:lstStyle/>
+          <a:p>
+            <a:r>
+              <a:rPr lang="fr-FR" sz="2400" dirty="0" smtClean="0">
+                <a:ln w="0"/>
+                <a:effectLst>
+                  <a:outerShdw blurRad="38100" dist="19050" dir="2700000" algn="tl" rotWithShape="0">
+                    <a:schemeClr val="dk1">
+                      <a:alpha val="40000"/>
+                    </a:schemeClr>
+                  </a:outerShdw>
+                </a:effectLst>
+              </a:rPr>
+              <a:t>      =DROITE() et =GAUCHE(): Elles permettent d’extraire les caractères du début (GAUCHE) </a:t>
+            </a:r>
+          </a:p>
+          <a:p>
+            <a:r>
+              <a:rPr lang="fr-FR" sz="2400" dirty="0" smtClean="0">
+                <a:ln w="0"/>
+                <a:effectLst>
+                  <a:outerShdw blurRad="38100" dist="19050" dir="2700000" algn="tl" rotWithShape="0">
+                    <a:schemeClr val="dk1">
+                      <a:alpha val="40000"/>
+                    </a:schemeClr>
+                  </a:outerShdw>
+                </a:effectLst>
+              </a:rPr>
+              <a:t>et de fin (DROITE) de la chaîne de caractère.</a:t>
+            </a:r>
+            <a:endParaRPr lang="fr-FR" sz="2400" cap="none" spc="0" dirty="0">
+              <a:ln w="0"/>
+              <a:solidFill>
+                <a:schemeClr val="tx1"/>
+              </a:solidFill>
+              <a:effectLst>
+                <a:outerShdw blurRad="38100" dist="19050" dir="2700000" algn="tl" rotWithShape="0">
+                  <a:schemeClr val="dk1">
+                    <a:alpha val="40000"/>
+                  </a:schemeClr>
+                </a:outerShdw>
+              </a:effectLst>
+            </a:endParaRPr>
+          </a:p>
+        </p:txBody>
+      </p:sp>
+      <p:sp>
+        <p:nvSpPr>
+          <p:cNvPr id="5" name="ZoneTexte 4"/>
+          <p:cNvSpPr txBox="1"/>
+          <p:nvPr/>
+        </p:nvSpPr>
+        <p:spPr>
+          <a:xfrm>
+            <a:off x="451367" y="5292544"/>
+            <a:ext cx="7787417" cy="461665"/>
+          </a:xfrm>
+          <a:prstGeom prst="rect">
+            <a:avLst/>
+          </a:prstGeom>
+          <a:noFill/>
+        </p:spPr>
+        <p:txBody>
+          <a:bodyPr wrap="square" rtlCol="0">
+            <a:spAutoFit/>
+          </a:bodyPr>
+          <a:lstStyle/>
+          <a:p>
+            <a:r>
+              <a:rPr lang="fr-FR" sz="2400" dirty="0" smtClean="0"/>
+              <a:t>=REMPLACER() remplace </a:t>
+            </a:r>
+            <a:r>
               <a:rPr lang="fr-FR" sz="2400" dirty="0"/>
-              <a:t>=OU(condition1;condition2; condition3 ...)</a:t>
-            </a:r>
-          </a:p>
-          <a:p>
-            <a:r>
-              <a:rPr lang="fr-FR" sz="2400" dirty="0"/>
-              <a:t>Il faut au moins deux conditions. Vous pouvez en ajouter d'autres.</a:t>
-            </a:r>
-          </a:p>
-          <a:p>
-            <a:r>
-              <a:rPr lang="fr-FR" sz="2400" dirty="0"/>
-              <a:t>L'une des conditions doit être remplie pour que la fonction affiche VRAI.</a:t>
-            </a:r>
-          </a:p>
-          <a:p>
-            <a:r>
-              <a:rPr lang="fr-FR" sz="2400" dirty="0"/>
-              <a:t>Si aucune des conditions n'est remplie, elle affichera FAUX.</a:t>
+              <a:t>des caractères dans un texte.</a:t>
             </a:r>
           </a:p>
         </p:txBody>
@@ -12438,7 +11144,7 @@
     </p:spTree>
     <p:extLst>
       <p:ext uri="{BB962C8B-B14F-4D97-AF65-F5344CB8AC3E}">
-        <p14:creationId xmlns:p14="http://schemas.microsoft.com/office/powerpoint/2010/main" val="2111570494"/>
+        <p14:creationId xmlns:p14="http://schemas.microsoft.com/office/powerpoint/2010/main" val="2920057356"/>
       </p:ext>
     </p:extLst>
   </p:cSld>
